--- a/auto-test/Android Autotest Tool.pptx
+++ b/auto-test/Android Autotest Tool.pptx
@@ -18,16 +18,18 @@
     <p:sldId id="276" r:id="rId12"/>
     <p:sldId id="281" r:id="rId13"/>
     <p:sldId id="282" r:id="rId14"/>
-    <p:sldId id="258" r:id="rId15"/>
-    <p:sldId id="264" r:id="rId16"/>
-    <p:sldId id="259" r:id="rId17"/>
-    <p:sldId id="260" r:id="rId18"/>
-    <p:sldId id="261" r:id="rId19"/>
-    <p:sldId id="262" r:id="rId20"/>
-    <p:sldId id="263" r:id="rId21"/>
-    <p:sldId id="265" r:id="rId22"/>
-    <p:sldId id="268" r:id="rId23"/>
-    <p:sldId id="270" r:id="rId24"/>
+    <p:sldId id="285" r:id="rId15"/>
+    <p:sldId id="286" r:id="rId16"/>
+    <p:sldId id="287" r:id="rId17"/>
+    <p:sldId id="258" r:id="rId18"/>
+    <p:sldId id="264" r:id="rId19"/>
+    <p:sldId id="259" r:id="rId20"/>
+    <p:sldId id="260" r:id="rId21"/>
+    <p:sldId id="284" r:id="rId22"/>
+    <p:sldId id="283" r:id="rId23"/>
+    <p:sldId id="265" r:id="rId24"/>
+    <p:sldId id="268" r:id="rId25"/>
+    <p:sldId id="270" r:id="rId26"/>
   </p:sldIdLst>
   <p:sldSz cx="9144000" cy="6858000" type="screen4x3"/>
   <p:notesSz cx="6858000" cy="9144000"/>
@@ -598,7 +600,7 @@
             <a:fld id="{1D8BD707-D9CF-40AE-B4C6-C98DA3205C09}" type="datetimeFigureOut">
               <a:rPr lang="en-US" smtClean="0"/>
               <a:pPr/>
-              <a:t>9/23/2015</a:t>
+              <a:t>9/24/2015</a:t>
             </a:fld>
             <a:endParaRPr lang="en-US"/>
           </a:p>
@@ -765,7 +767,7 @@
             <a:fld id="{1D8BD707-D9CF-40AE-B4C6-C98DA3205C09}" type="datetimeFigureOut">
               <a:rPr lang="en-US" smtClean="0"/>
               <a:pPr/>
-              <a:t>9/23/2015</a:t>
+              <a:t>9/24/2015</a:t>
             </a:fld>
             <a:endParaRPr lang="en-US"/>
           </a:p>
@@ -942,7 +944,7 @@
             <a:fld id="{1D8BD707-D9CF-40AE-B4C6-C98DA3205C09}" type="datetimeFigureOut">
               <a:rPr lang="en-US" smtClean="0"/>
               <a:pPr/>
-              <a:t>9/23/2015</a:t>
+              <a:t>9/24/2015</a:t>
             </a:fld>
             <a:endParaRPr lang="en-US"/>
           </a:p>
@@ -1109,7 +1111,7 @@
             <a:fld id="{1D8BD707-D9CF-40AE-B4C6-C98DA3205C09}" type="datetimeFigureOut">
               <a:rPr lang="en-US" smtClean="0"/>
               <a:pPr/>
-              <a:t>9/23/2015</a:t>
+              <a:t>9/24/2015</a:t>
             </a:fld>
             <a:endParaRPr lang="en-US"/>
           </a:p>
@@ -1664,7 +1666,7 @@
             <a:fld id="{1D8BD707-D9CF-40AE-B4C6-C98DA3205C09}" type="datetimeFigureOut">
               <a:rPr lang="en-US" smtClean="0"/>
               <a:pPr/>
-              <a:t>9/23/2015</a:t>
+              <a:t>9/24/2015</a:t>
             </a:fld>
             <a:endParaRPr lang="en-US"/>
           </a:p>
@@ -1926,7 +1928,7 @@
             <a:fld id="{1D8BD707-D9CF-40AE-B4C6-C98DA3205C09}" type="datetimeFigureOut">
               <a:rPr lang="en-US" smtClean="0"/>
               <a:pPr/>
-              <a:t>9/23/2015</a:t>
+              <a:t>9/24/2015</a:t>
             </a:fld>
             <a:endParaRPr lang="en-US"/>
           </a:p>
@@ -2416,7 +2418,7 @@
             <a:fld id="{1D8BD707-D9CF-40AE-B4C6-C98DA3205C09}" type="datetimeFigureOut">
               <a:rPr lang="en-US" smtClean="0"/>
               <a:pPr/>
-              <a:t>9/23/2015</a:t>
+              <a:t>9/24/2015</a:t>
             </a:fld>
             <a:endParaRPr lang="en-US"/>
           </a:p>
@@ -2531,7 +2533,7 @@
             <a:fld id="{1D8BD707-D9CF-40AE-B4C6-C98DA3205C09}" type="datetimeFigureOut">
               <a:rPr lang="en-US" smtClean="0"/>
               <a:pPr/>
-              <a:t>9/23/2015</a:t>
+              <a:t>9/24/2015</a:t>
             </a:fld>
             <a:endParaRPr lang="en-US"/>
           </a:p>
@@ -2623,7 +2625,7 @@
             <a:fld id="{1D8BD707-D9CF-40AE-B4C6-C98DA3205C09}" type="datetimeFigureOut">
               <a:rPr lang="en-US" smtClean="0"/>
               <a:pPr/>
-              <a:t>9/23/2015</a:t>
+              <a:t>9/24/2015</a:t>
             </a:fld>
             <a:endParaRPr lang="en-US"/>
           </a:p>
@@ -3055,7 +3057,7 @@
             <a:fld id="{1D8BD707-D9CF-40AE-B4C6-C98DA3205C09}" type="datetimeFigureOut">
               <a:rPr lang="en-US" smtClean="0"/>
               <a:pPr/>
-              <a:t>9/23/2015</a:t>
+              <a:t>9/24/2015</a:t>
             </a:fld>
             <a:endParaRPr lang="en-US"/>
           </a:p>
@@ -3590,7 +3592,7 @@
             <a:fld id="{1D8BD707-D9CF-40AE-B4C6-C98DA3205C09}" type="datetimeFigureOut">
               <a:rPr lang="en-US" smtClean="0"/>
               <a:pPr/>
-              <a:t>9/23/2015</a:t>
+              <a:t>9/24/2015</a:t>
             </a:fld>
             <a:endParaRPr lang="en-US"/>
           </a:p>
@@ -4432,7 +4434,7 @@
             <a:fld id="{1D8BD707-D9CF-40AE-B4C6-C98DA3205C09}" type="datetimeFigureOut">
               <a:rPr lang="en-US" smtClean="0"/>
               <a:pPr/>
-              <a:t>9/23/2015</a:t>
+              <a:t>9/24/2015</a:t>
             </a:fld>
             <a:endParaRPr lang="en-US"/>
           </a:p>
@@ -4917,7 +4919,7 @@
     </p:spTree>
     <p:extLst>
       <p:ext uri="{BB962C8B-B14F-4D97-AF65-F5344CB8AC3E}">
-        <p14:creationId xmlns:p14="http://schemas.microsoft.com/office/powerpoint/2010/main" xmlns="" val="4087301228"/>
+        <p14:creationId xmlns="" xmlns:p14="http://schemas.microsoft.com/office/powerpoint/2010/main" val="4087301228"/>
       </p:ext>
     </p:extLst>
   </p:cSld>
@@ -5067,21 +5069,7 @@
                 <a:latin typeface="Times New Roman" pitchFamily="18" charset="0"/>
                 <a:cs typeface="Times New Roman" pitchFamily="18" charset="0"/>
               </a:rPr>
-              <a:t>HP </a:t>
-            </a:r>
-            <a:r>
-              <a:rPr lang="en-US" b="0" dirty="0" smtClean="0">
-                <a:latin typeface="Times New Roman" pitchFamily="18" charset="0"/>
-                <a:cs typeface="Times New Roman" pitchFamily="18" charset="0"/>
-              </a:rPr>
-              <a:t>Quick Test </a:t>
-            </a:r>
-            <a:r>
-              <a:rPr lang="en-US" b="0" dirty="0" smtClean="0">
-                <a:latin typeface="Times New Roman" pitchFamily="18" charset="0"/>
-                <a:cs typeface="Times New Roman" pitchFamily="18" charset="0"/>
-              </a:rPr>
-              <a:t>Professional</a:t>
+              <a:t>HP Quick Test Professional</a:t>
             </a:r>
           </a:p>
           <a:p>
@@ -5107,21 +5095,7 @@
                 <a:latin typeface="Times New Roman" pitchFamily="18" charset="0"/>
                 <a:cs typeface="Times New Roman" pitchFamily="18" charset="0"/>
               </a:rPr>
-              <a:t>IBM </a:t>
-            </a:r>
-            <a:r>
-              <a:rPr lang="en-US" b="0" dirty="0" smtClean="0">
-                <a:latin typeface="Times New Roman" pitchFamily="18" charset="0"/>
-                <a:cs typeface="Times New Roman" pitchFamily="18" charset="0"/>
-              </a:rPr>
-              <a:t>Rational Functional </a:t>
-            </a:r>
-            <a:r>
-              <a:rPr lang="en-US" b="0" dirty="0" smtClean="0">
-                <a:latin typeface="Times New Roman" pitchFamily="18" charset="0"/>
-                <a:cs typeface="Times New Roman" pitchFamily="18" charset="0"/>
-              </a:rPr>
-              <a:t>Tester</a:t>
+              <a:t>IBM Rational Functional Tester</a:t>
             </a:r>
           </a:p>
           <a:p>
@@ -5164,21 +5138,7 @@
                 <a:latin typeface="Times New Roman" pitchFamily="18" charset="0"/>
                 <a:cs typeface="Times New Roman" pitchFamily="18" charset="0"/>
               </a:rPr>
-              <a:t> </a:t>
-            </a:r>
-            <a:r>
-              <a:rPr lang="en-US" b="0" dirty="0" smtClean="0">
-                <a:latin typeface="Times New Roman" pitchFamily="18" charset="0"/>
-                <a:cs typeface="Times New Roman" pitchFamily="18" charset="0"/>
-              </a:rPr>
-              <a:t>Testing </a:t>
-            </a:r>
-            <a:r>
-              <a:rPr lang="en-US" b="0" dirty="0" smtClean="0">
-                <a:latin typeface="Times New Roman" pitchFamily="18" charset="0"/>
-                <a:cs typeface="Times New Roman" pitchFamily="18" charset="0"/>
-              </a:rPr>
-              <a:t>anywhere</a:t>
+              <a:t> Testing anywhere</a:t>
             </a:r>
           </a:p>
           <a:p>
@@ -5215,21 +5175,7 @@
                 <a:latin typeface="Times New Roman" pitchFamily="18" charset="0"/>
                 <a:cs typeface="Times New Roman" pitchFamily="18" charset="0"/>
               </a:rPr>
-              <a:t> </a:t>
-            </a:r>
-            <a:r>
-              <a:rPr lang="en-US" b="0" dirty="0" smtClean="0">
-                <a:latin typeface="Times New Roman" pitchFamily="18" charset="0"/>
-                <a:cs typeface="Times New Roman" pitchFamily="18" charset="0"/>
-              </a:rPr>
-              <a:t>Load </a:t>
-            </a:r>
-            <a:r>
-              <a:rPr lang="en-US" b="0" dirty="0" smtClean="0">
-                <a:latin typeface="Times New Roman" pitchFamily="18" charset="0"/>
-                <a:cs typeface="Times New Roman" pitchFamily="18" charset="0"/>
-              </a:rPr>
-              <a:t>Runner</a:t>
+              <a:t> Load Runner</a:t>
             </a:r>
           </a:p>
           <a:p>
@@ -5242,21 +5188,7 @@
                 <a:latin typeface="Times New Roman" pitchFamily="18" charset="0"/>
                 <a:cs typeface="Times New Roman" pitchFamily="18" charset="0"/>
               </a:rPr>
-              <a:t> </a:t>
-            </a:r>
-            <a:r>
-              <a:rPr lang="en-US" b="0" dirty="0" smtClean="0">
-                <a:latin typeface="Times New Roman" pitchFamily="18" charset="0"/>
-                <a:cs typeface="Times New Roman" pitchFamily="18" charset="0"/>
-              </a:rPr>
-              <a:t>Visual Studio Test </a:t>
-            </a:r>
-            <a:r>
-              <a:rPr lang="en-US" b="0" dirty="0" smtClean="0">
-                <a:latin typeface="Times New Roman" pitchFamily="18" charset="0"/>
-                <a:cs typeface="Times New Roman" pitchFamily="18" charset="0"/>
-              </a:rPr>
-              <a:t>Professional</a:t>
+              <a:t> Visual Studio Test Professional</a:t>
             </a:r>
           </a:p>
           <a:p>
@@ -5269,14 +5201,7 @@
                 <a:latin typeface="Times New Roman" pitchFamily="18" charset="0"/>
                 <a:cs typeface="Times New Roman" pitchFamily="18" charset="0"/>
               </a:rPr>
-              <a:t> </a:t>
-            </a:r>
-            <a:r>
-              <a:rPr lang="en-US" b="0" dirty="0" smtClean="0">
-                <a:latin typeface="Times New Roman" pitchFamily="18" charset="0"/>
-                <a:cs typeface="Times New Roman" pitchFamily="18" charset="0"/>
-              </a:rPr>
-              <a:t>WATIR</a:t>
+              <a:t> WATIR</a:t>
             </a:r>
             <a:endParaRPr lang="en-US" dirty="0">
               <a:latin typeface="Times New Roman" pitchFamily="18" charset="0"/>
@@ -5726,14 +5651,7 @@
                 <a:latin typeface="Times New Roman" pitchFamily="18" charset="0"/>
                 <a:cs typeface="Times New Roman" pitchFamily="18" charset="0"/>
               </a:rPr>
-              <a:t> (expected response</a:t>
-            </a:r>
-            <a:r>
-              <a:rPr lang="en-US" dirty="0" smtClean="0">
-                <a:latin typeface="Times New Roman" pitchFamily="18" charset="0"/>
-                <a:cs typeface="Times New Roman" pitchFamily="18" charset="0"/>
-              </a:rPr>
-              <a:t>)</a:t>
+              <a:t> (expected response)</a:t>
             </a:r>
           </a:p>
           <a:p>
@@ -6652,10 +6570,6 @@
               </a:rPr>
               <a:t>.</a:t>
             </a:r>
-            <a:endParaRPr lang="en-US" dirty="0" smtClean="0">
-              <a:latin typeface="Times New Roman" pitchFamily="18" charset="0"/>
-              <a:cs typeface="Times New Roman" pitchFamily="18" charset="0"/>
-            </a:endParaRPr>
           </a:p>
           <a:p>
             <a:pPr lvl="2">
@@ -7332,15 +7246,7 @@
                 <a:cs typeface="Times New Roman" pitchFamily="18" charset="0"/>
                 <a:hlinkClick r:id="rId2" tooltip="Robotium Android UI Testing Tool"/>
               </a:rPr>
-              <a:t> Android Testing </a:t>
-            </a:r>
-            <a:r>
-              <a:rPr lang="en-US" dirty="0" smtClean="0">
-                <a:latin typeface="Times New Roman" pitchFamily="18" charset="0"/>
-                <a:cs typeface="Times New Roman" pitchFamily="18" charset="0"/>
-                <a:hlinkClick r:id="rId2" tooltip="Robotium Android UI Testing Tool"/>
-              </a:rPr>
-              <a:t>Tool</a:t>
+              <a:t> Android Testing Tool</a:t>
             </a:r>
             <a:endParaRPr lang="en-US" dirty="0" smtClean="0">
               <a:latin typeface="Times New Roman" pitchFamily="18" charset="0"/>
@@ -7368,14 +7274,7 @@
                 <a:latin typeface="Times New Roman" pitchFamily="18" charset="0"/>
                 <a:cs typeface="Times New Roman" pitchFamily="18" charset="0"/>
               </a:rPr>
-              <a:t> Android App </a:t>
-            </a:r>
-            <a:r>
-              <a:rPr lang="en-US" dirty="0" smtClean="0">
-                <a:latin typeface="Times New Roman" pitchFamily="18" charset="0"/>
-                <a:cs typeface="Times New Roman" pitchFamily="18" charset="0"/>
-              </a:rPr>
-              <a:t>Testing                    (GOOGLE)</a:t>
+              <a:t> Android App Testing                    (GOOGLE)</a:t>
             </a:r>
           </a:p>
           <a:p>
@@ -7407,14 +7306,7 @@
                 <a:latin typeface="Times New Roman" pitchFamily="18" charset="0"/>
                 <a:cs typeface="Times New Roman" pitchFamily="18" charset="0"/>
               </a:rPr>
-              <a:t>Android Application Testing </a:t>
-            </a:r>
-            <a:r>
-              <a:rPr lang="en-US" dirty="0" smtClean="0">
-                <a:latin typeface="Times New Roman" pitchFamily="18" charset="0"/>
-                <a:cs typeface="Times New Roman" pitchFamily="18" charset="0"/>
-              </a:rPr>
-              <a:t>Tool</a:t>
+              <a:t>Android Application Testing Tool</a:t>
             </a:r>
           </a:p>
           <a:p>
@@ -7447,35 +7339,17 @@
                 <a:latin typeface="Times New Roman" pitchFamily="18" charset="0"/>
                 <a:cs typeface="Times New Roman" pitchFamily="18" charset="0"/>
               </a:rPr>
-              <a:t> Android Automation </a:t>
-            </a:r>
-            <a:r>
-              <a:rPr lang="en-US" dirty="0" smtClean="0">
-                <a:latin typeface="Times New Roman" pitchFamily="18" charset="0"/>
-                <a:cs typeface="Times New Roman" pitchFamily="18" charset="0"/>
-              </a:rPr>
-              <a:t>Framework</a:t>
-            </a:r>
-          </a:p>
-          <a:p>
-            <a:r>
-              <a:rPr lang="en-US" dirty="0" smtClean="0">
-                <a:latin typeface="Times New Roman" pitchFamily="18" charset="0"/>
-                <a:cs typeface="Times New Roman" pitchFamily="18" charset="0"/>
-              </a:rPr>
-              <a:t>	</a:t>
-            </a:r>
-            <a:r>
-              <a:rPr lang="en-US" dirty="0" smtClean="0">
-                <a:latin typeface="Times New Roman" pitchFamily="18" charset="0"/>
-                <a:cs typeface="Times New Roman" pitchFamily="18" charset="0"/>
-              </a:rPr>
-              <a:t>http://appium.io/</a:t>
-            </a:r>
-            <a:endParaRPr lang="en-US" dirty="0" smtClean="0">
-              <a:latin typeface="Times New Roman" pitchFamily="18" charset="0"/>
-              <a:cs typeface="Times New Roman" pitchFamily="18" charset="0"/>
-            </a:endParaRPr>
+              <a:t> Android Automation Framework</a:t>
+            </a:r>
+          </a:p>
+          <a:p>
+            <a:r>
+              <a:rPr lang="en-US" dirty="0" smtClean="0">
+                <a:latin typeface="Times New Roman" pitchFamily="18" charset="0"/>
+                <a:cs typeface="Times New Roman" pitchFamily="18" charset="0"/>
+              </a:rPr>
+              <a:t>	http://appium.io/</a:t>
+            </a:r>
           </a:p>
           <a:p>
             <a:r>
@@ -7506,21 +7380,7 @@
                 <a:latin typeface="Times New Roman" pitchFamily="18" charset="0"/>
                 <a:cs typeface="Times New Roman" pitchFamily="18" charset="0"/>
               </a:rPr>
-              <a:t> for Android Test </a:t>
-            </a:r>
-            <a:r>
-              <a:rPr lang="en-US" dirty="0" smtClean="0">
-                <a:latin typeface="Times New Roman" pitchFamily="18" charset="0"/>
-                <a:cs typeface="Times New Roman" pitchFamily="18" charset="0"/>
-              </a:rPr>
-              <a:t>Automation         </a:t>
-            </a:r>
-            <a:r>
-              <a:rPr lang="en-US" dirty="0" smtClean="0">
-                <a:latin typeface="Times New Roman" pitchFamily="18" charset="0"/>
-                <a:cs typeface="Times New Roman" pitchFamily="18" charset="0"/>
-              </a:rPr>
-              <a:t>(GOOGLE)</a:t>
+              <a:t> for Android Test Automation         (GOOGLE)</a:t>
             </a:r>
           </a:p>
           <a:p>
@@ -7589,2423 +7449,6 @@
 </file>
 
 <file path=ppt/slides/slide14.xml><?xml version="1.0" encoding="utf-8"?>
-<p:sld xmlns:a="http://schemas.openxmlformats.org/drawingml/2006/main" xmlns:r="http://schemas.openxmlformats.org/officeDocument/2006/relationships" xmlns:p="http://schemas.openxmlformats.org/presentationml/2006/main">
-  <p:cSld>
-    <p:spTree>
-      <p:nvGrpSpPr>
-        <p:cNvPr id="1" name=""/>
-        <p:cNvGrpSpPr/>
-        <p:nvPr/>
-      </p:nvGrpSpPr>
-      <p:grpSpPr>
-        <a:xfrm>
-          <a:off x="0" y="0"/>
-          <a:ext cx="0" cy="0"/>
-          <a:chOff x="0" y="0"/>
-          <a:chExt cx="0" cy="0"/>
-        </a:xfrm>
-      </p:grpSpPr>
-      <p:sp>
-        <p:nvSpPr>
-          <p:cNvPr id="3" name="Content Placeholder 2"/>
-          <p:cNvSpPr>
-            <a:spLocks noGrp="1"/>
-          </p:cNvSpPr>
-          <p:nvPr>
-            <p:ph sz="half" idx="1"/>
-          </p:nvPr>
-        </p:nvSpPr>
-        <p:spPr>
-          <a:xfrm>
-            <a:off x="822960" y="1097280"/>
-            <a:ext cx="7559040" cy="3712464"/>
-          </a:xfrm>
-        </p:spPr>
-        <p:txBody>
-          <a:bodyPr>
-            <a:normAutofit fontScale="70000" lnSpcReduction="20000"/>
-          </a:bodyPr>
-          <a:lstStyle/>
-          <a:p>
-            <a:pPr>
-              <a:buFontTx/>
-              <a:buChar char="-"/>
-            </a:pPr>
-            <a:r>
-              <a:rPr lang="en-US" sz="1800" dirty="0" smtClean="0">
-                <a:latin typeface="Times New Roman" pitchFamily="18" charset="0"/>
-                <a:cs typeface="Times New Roman" pitchFamily="18" charset="0"/>
-              </a:rPr>
-              <a:t>Tool </a:t>
-            </a:r>
-            <a:r>
-              <a:rPr lang="en-US" sz="1800" dirty="0" err="1" smtClean="0">
-                <a:latin typeface="Times New Roman" pitchFamily="18" charset="0"/>
-                <a:cs typeface="Times New Roman" pitchFamily="18" charset="0"/>
-              </a:rPr>
-              <a:t>hỗ</a:t>
-            </a:r>
-            <a:r>
-              <a:rPr lang="en-US" sz="1800" dirty="0" smtClean="0">
-                <a:latin typeface="Times New Roman" pitchFamily="18" charset="0"/>
-                <a:cs typeface="Times New Roman" pitchFamily="18" charset="0"/>
-              </a:rPr>
-              <a:t> </a:t>
-            </a:r>
-            <a:r>
-              <a:rPr lang="en-US" sz="1800" dirty="0" err="1" smtClean="0">
-                <a:latin typeface="Times New Roman" pitchFamily="18" charset="0"/>
-                <a:cs typeface="Times New Roman" pitchFamily="18" charset="0"/>
-              </a:rPr>
-              <a:t>trợ</a:t>
-            </a:r>
-            <a:r>
-              <a:rPr lang="en-US" sz="1800" dirty="0" smtClean="0">
-                <a:latin typeface="Times New Roman" pitchFamily="18" charset="0"/>
-                <a:cs typeface="Times New Roman" pitchFamily="18" charset="0"/>
-              </a:rPr>
-              <a:t> test UI Android, IOS.</a:t>
-            </a:r>
-          </a:p>
-          <a:p>
-            <a:pPr>
-              <a:buFontTx/>
-              <a:buChar char="-"/>
-            </a:pPr>
-            <a:r>
-              <a:rPr lang="en-US" sz="1800" dirty="0" err="1" smtClean="0">
-                <a:latin typeface="Times New Roman" pitchFamily="18" charset="0"/>
-                <a:cs typeface="Times New Roman" pitchFamily="18" charset="0"/>
-              </a:rPr>
-              <a:t>Phù</a:t>
-            </a:r>
-            <a:r>
-              <a:rPr lang="en-US" sz="1800" dirty="0" smtClean="0">
-                <a:latin typeface="Times New Roman" pitchFamily="18" charset="0"/>
-                <a:cs typeface="Times New Roman" pitchFamily="18" charset="0"/>
-              </a:rPr>
-              <a:t> </a:t>
-            </a:r>
-            <a:r>
-              <a:rPr lang="en-US" sz="1800" dirty="0" err="1" smtClean="0">
-                <a:latin typeface="Times New Roman" pitchFamily="18" charset="0"/>
-                <a:cs typeface="Times New Roman" pitchFamily="18" charset="0"/>
-              </a:rPr>
-              <a:t>hợp</a:t>
-            </a:r>
-            <a:r>
-              <a:rPr lang="en-US" sz="1800" dirty="0" smtClean="0">
-                <a:latin typeface="Times New Roman" pitchFamily="18" charset="0"/>
-                <a:cs typeface="Times New Roman" pitchFamily="18" charset="0"/>
-              </a:rPr>
-              <a:t> </a:t>
-            </a:r>
-            <a:r>
-              <a:rPr lang="en-US" sz="1800" dirty="0" err="1" smtClean="0">
-                <a:latin typeface="Times New Roman" pitchFamily="18" charset="0"/>
-                <a:cs typeface="Times New Roman" pitchFamily="18" charset="0"/>
-              </a:rPr>
-              <a:t>cho</a:t>
-            </a:r>
-            <a:r>
-              <a:rPr lang="en-US" sz="1800" dirty="0" smtClean="0">
-                <a:latin typeface="Times New Roman" pitchFamily="18" charset="0"/>
-                <a:cs typeface="Times New Roman" pitchFamily="18" charset="0"/>
-              </a:rPr>
-              <a:t> tester.</a:t>
-            </a:r>
-          </a:p>
-          <a:p>
-            <a:pPr>
-              <a:buFontTx/>
-              <a:buChar char="-"/>
-            </a:pPr>
-            <a:r>
-              <a:rPr lang="en-US" sz="1800" dirty="0" smtClean="0">
-                <a:latin typeface="Times New Roman" pitchFamily="18" charset="0"/>
-                <a:cs typeface="Times New Roman" pitchFamily="18" charset="0"/>
-              </a:rPr>
-              <a:t>Support Android : 2.2</a:t>
-            </a:r>
-          </a:p>
-          <a:p>
-            <a:pPr>
-              <a:buFontTx/>
-              <a:buChar char="-"/>
-            </a:pPr>
-            <a:r>
-              <a:rPr lang="en-US" sz="1800" dirty="0" err="1" smtClean="0">
-                <a:latin typeface="Times New Roman" pitchFamily="18" charset="0"/>
-                <a:cs typeface="Times New Roman" pitchFamily="18" charset="0"/>
-              </a:rPr>
-              <a:t>Có</a:t>
-            </a:r>
-            <a:r>
-              <a:rPr lang="en-US" sz="1800" dirty="0" smtClean="0">
-                <a:latin typeface="Times New Roman" pitchFamily="18" charset="0"/>
-                <a:cs typeface="Times New Roman" pitchFamily="18" charset="0"/>
-              </a:rPr>
-              <a:t> report </a:t>
-            </a:r>
-            <a:r>
-              <a:rPr lang="en-US" sz="1800" dirty="0" err="1" smtClean="0">
-                <a:latin typeface="Times New Roman" pitchFamily="18" charset="0"/>
-                <a:cs typeface="Times New Roman" pitchFamily="18" charset="0"/>
-              </a:rPr>
-              <a:t>bằng</a:t>
-            </a:r>
-            <a:r>
-              <a:rPr lang="en-US" sz="1800" dirty="0" smtClean="0">
-                <a:latin typeface="Times New Roman" pitchFamily="18" charset="0"/>
-                <a:cs typeface="Times New Roman" pitchFamily="18" charset="0"/>
-              </a:rPr>
-              <a:t> </a:t>
-            </a:r>
-            <a:r>
-              <a:rPr lang="en-US" sz="1800" dirty="0" err="1" smtClean="0">
-                <a:latin typeface="Times New Roman" pitchFamily="18" charset="0"/>
-                <a:cs typeface="Times New Roman" pitchFamily="18" charset="0"/>
-              </a:rPr>
-              <a:t>hình</a:t>
-            </a:r>
-            <a:r>
-              <a:rPr lang="en-US" sz="1800" dirty="0" smtClean="0">
-                <a:latin typeface="Times New Roman" pitchFamily="18" charset="0"/>
-                <a:cs typeface="Times New Roman" pitchFamily="18" charset="0"/>
-              </a:rPr>
-              <a:t> </a:t>
-            </a:r>
-            <a:r>
-              <a:rPr lang="en-US" sz="1800" dirty="0" err="1" smtClean="0">
-                <a:latin typeface="Times New Roman" pitchFamily="18" charset="0"/>
-                <a:cs typeface="Times New Roman" pitchFamily="18" charset="0"/>
-              </a:rPr>
-              <a:t>ảnh</a:t>
-            </a:r>
-            <a:r>
-              <a:rPr lang="en-US" sz="1800" dirty="0" smtClean="0">
-                <a:latin typeface="Times New Roman" pitchFamily="18" charset="0"/>
-                <a:cs typeface="Times New Roman" pitchFamily="18" charset="0"/>
-              </a:rPr>
-              <a:t>.</a:t>
-            </a:r>
-          </a:p>
-          <a:p>
-            <a:pPr>
-              <a:buFontTx/>
-              <a:buChar char="-"/>
-            </a:pPr>
-            <a:r>
-              <a:rPr lang="en-US" sz="1800" dirty="0" err="1" smtClean="0">
-                <a:latin typeface="Times New Roman" pitchFamily="18" charset="0"/>
-                <a:cs typeface="Times New Roman" pitchFamily="18" charset="0"/>
-              </a:rPr>
-              <a:t>Kết</a:t>
-            </a:r>
-            <a:r>
-              <a:rPr lang="en-US" sz="1800" dirty="0" smtClean="0">
-                <a:latin typeface="Times New Roman" pitchFamily="18" charset="0"/>
-                <a:cs typeface="Times New Roman" pitchFamily="18" charset="0"/>
-              </a:rPr>
-              <a:t> </a:t>
-            </a:r>
-            <a:r>
-              <a:rPr lang="en-US" sz="1800" dirty="0" err="1" smtClean="0">
-                <a:latin typeface="Times New Roman" pitchFamily="18" charset="0"/>
-                <a:cs typeface="Times New Roman" pitchFamily="18" charset="0"/>
-              </a:rPr>
-              <a:t>nối</a:t>
-            </a:r>
-            <a:r>
-              <a:rPr lang="en-US" sz="1800" dirty="0" smtClean="0">
-                <a:latin typeface="Times New Roman" pitchFamily="18" charset="0"/>
-                <a:cs typeface="Times New Roman" pitchFamily="18" charset="0"/>
-              </a:rPr>
-              <a:t> </a:t>
-            </a:r>
-            <a:r>
-              <a:rPr lang="en-US" sz="1800" dirty="0" err="1" smtClean="0">
-                <a:latin typeface="Times New Roman" pitchFamily="18" charset="0"/>
-                <a:cs typeface="Times New Roman" pitchFamily="18" charset="0"/>
-              </a:rPr>
-              <a:t>thiết</a:t>
-            </a:r>
-            <a:r>
-              <a:rPr lang="en-US" sz="1800" dirty="0" smtClean="0">
-                <a:latin typeface="Times New Roman" pitchFamily="18" charset="0"/>
-                <a:cs typeface="Times New Roman" pitchFamily="18" charset="0"/>
-              </a:rPr>
-              <a:t> </a:t>
-            </a:r>
-            <a:r>
-              <a:rPr lang="en-US" sz="1800" dirty="0" err="1" smtClean="0">
-                <a:latin typeface="Times New Roman" pitchFamily="18" charset="0"/>
-                <a:cs typeface="Times New Roman" pitchFamily="18" charset="0"/>
-              </a:rPr>
-              <a:t>bị</a:t>
-            </a:r>
-            <a:r>
-              <a:rPr lang="en-US" sz="1800" dirty="0" smtClean="0">
-                <a:latin typeface="Times New Roman" pitchFamily="18" charset="0"/>
-                <a:cs typeface="Times New Roman" pitchFamily="18" charset="0"/>
-              </a:rPr>
-              <a:t> qua </a:t>
-            </a:r>
-            <a:r>
-              <a:rPr lang="en-US" sz="1800" dirty="0" err="1" smtClean="0">
-                <a:latin typeface="Times New Roman" pitchFamily="18" charset="0"/>
-                <a:cs typeface="Times New Roman" pitchFamily="18" charset="0"/>
-              </a:rPr>
-              <a:t>wifi</a:t>
-            </a:r>
-            <a:r>
-              <a:rPr lang="en-US" sz="1800" dirty="0" smtClean="0">
-                <a:latin typeface="Times New Roman" pitchFamily="18" charset="0"/>
-                <a:cs typeface="Times New Roman" pitchFamily="18" charset="0"/>
-              </a:rPr>
-              <a:t>, USB.</a:t>
-            </a:r>
-          </a:p>
-          <a:p>
-            <a:pPr>
-              <a:buFontTx/>
-              <a:buChar char="-"/>
-            </a:pPr>
-            <a:r>
-              <a:rPr lang="en-US" sz="1800" dirty="0" err="1" smtClean="0">
-                <a:latin typeface="Times New Roman" pitchFamily="18" charset="0"/>
-                <a:cs typeface="Times New Roman" pitchFamily="18" charset="0"/>
-              </a:rPr>
-              <a:t>Xây</a:t>
-            </a:r>
-            <a:r>
-              <a:rPr lang="en-US" sz="1800" dirty="0" smtClean="0">
-                <a:latin typeface="Times New Roman" pitchFamily="18" charset="0"/>
-                <a:cs typeface="Times New Roman" pitchFamily="18" charset="0"/>
-              </a:rPr>
-              <a:t> </a:t>
-            </a:r>
-            <a:r>
-              <a:rPr lang="en-US" sz="1800" dirty="0" err="1" smtClean="0">
-                <a:latin typeface="Times New Roman" pitchFamily="18" charset="0"/>
-                <a:cs typeface="Times New Roman" pitchFamily="18" charset="0"/>
-              </a:rPr>
-              <a:t>dựng</a:t>
-            </a:r>
-            <a:r>
-              <a:rPr lang="en-US" sz="1800" dirty="0" smtClean="0">
-                <a:latin typeface="Times New Roman" pitchFamily="18" charset="0"/>
-                <a:cs typeface="Times New Roman" pitchFamily="18" charset="0"/>
-              </a:rPr>
-              <a:t> </a:t>
-            </a:r>
-            <a:r>
-              <a:rPr lang="en-US" sz="1800" dirty="0" err="1" smtClean="0">
-                <a:latin typeface="Times New Roman" pitchFamily="18" charset="0"/>
-                <a:cs typeface="Times New Roman" pitchFamily="18" charset="0"/>
-              </a:rPr>
-              <a:t>testcase</a:t>
-            </a:r>
-            <a:r>
-              <a:rPr lang="en-US" sz="1800" dirty="0" smtClean="0">
-                <a:latin typeface="Times New Roman" pitchFamily="18" charset="0"/>
-                <a:cs typeface="Times New Roman" pitchFamily="18" charset="0"/>
-              </a:rPr>
-              <a:t> </a:t>
-            </a:r>
-            <a:r>
-              <a:rPr lang="en-US" sz="1800" dirty="0" err="1" smtClean="0">
-                <a:latin typeface="Times New Roman" pitchFamily="18" charset="0"/>
-                <a:cs typeface="Times New Roman" pitchFamily="18" charset="0"/>
-              </a:rPr>
-              <a:t>đơn</a:t>
-            </a:r>
-            <a:r>
-              <a:rPr lang="en-US" sz="1800" dirty="0" smtClean="0">
-                <a:latin typeface="Times New Roman" pitchFamily="18" charset="0"/>
-                <a:cs typeface="Times New Roman" pitchFamily="18" charset="0"/>
-              </a:rPr>
-              <a:t> </a:t>
-            </a:r>
-            <a:r>
-              <a:rPr lang="en-US" sz="1800" dirty="0" err="1" smtClean="0">
-                <a:latin typeface="Times New Roman" pitchFamily="18" charset="0"/>
-                <a:cs typeface="Times New Roman" pitchFamily="18" charset="0"/>
-              </a:rPr>
-              <a:t>giản</a:t>
-            </a:r>
-            <a:r>
-              <a:rPr lang="en-US" sz="1800" dirty="0" smtClean="0">
-                <a:latin typeface="Times New Roman" pitchFamily="18" charset="0"/>
-                <a:cs typeface="Times New Roman" pitchFamily="18" charset="0"/>
-              </a:rPr>
-              <a:t>, </a:t>
-            </a:r>
-            <a:r>
-              <a:rPr lang="en-US" sz="1800" dirty="0" err="1" smtClean="0">
-                <a:latin typeface="Times New Roman" pitchFamily="18" charset="0"/>
-                <a:cs typeface="Times New Roman" pitchFamily="18" charset="0"/>
-              </a:rPr>
-              <a:t>theo</a:t>
-            </a:r>
-            <a:r>
-              <a:rPr lang="en-US" sz="1800" dirty="0" smtClean="0">
-                <a:latin typeface="Times New Roman" pitchFamily="18" charset="0"/>
-                <a:cs typeface="Times New Roman" pitchFamily="18" charset="0"/>
-              </a:rPr>
-              <a:t> </a:t>
-            </a:r>
-            <a:r>
-              <a:rPr lang="en-US" sz="1800" dirty="0" err="1" smtClean="0">
-                <a:latin typeface="Times New Roman" pitchFamily="18" charset="0"/>
-                <a:cs typeface="Times New Roman" pitchFamily="18" charset="0"/>
-              </a:rPr>
-              <a:t>hướng</a:t>
-            </a:r>
-            <a:r>
-              <a:rPr lang="en-US" sz="1800" dirty="0" smtClean="0">
-                <a:latin typeface="Times New Roman" pitchFamily="18" charset="0"/>
-                <a:cs typeface="Times New Roman" pitchFamily="18" charset="0"/>
-              </a:rPr>
-              <a:t> </a:t>
-            </a:r>
-            <a:r>
-              <a:rPr lang="en-US" sz="1800" dirty="0" err="1" smtClean="0">
-                <a:latin typeface="Times New Roman" pitchFamily="18" charset="0"/>
-                <a:cs typeface="Times New Roman" pitchFamily="18" charset="0"/>
-              </a:rPr>
-              <a:t>dữ</a:t>
-            </a:r>
-            <a:r>
-              <a:rPr lang="en-US" sz="1800" dirty="0" smtClean="0">
-                <a:latin typeface="Times New Roman" pitchFamily="18" charset="0"/>
-                <a:cs typeface="Times New Roman" pitchFamily="18" charset="0"/>
-              </a:rPr>
-              <a:t> </a:t>
-            </a:r>
-            <a:r>
-              <a:rPr lang="en-US" sz="1800" dirty="0" err="1" smtClean="0">
-                <a:latin typeface="Times New Roman" pitchFamily="18" charset="0"/>
-                <a:cs typeface="Times New Roman" pitchFamily="18" charset="0"/>
-              </a:rPr>
-              <a:t>liệu</a:t>
-            </a:r>
-            <a:r>
-              <a:rPr lang="en-US" sz="1800" dirty="0" smtClean="0">
-                <a:latin typeface="Times New Roman" pitchFamily="18" charset="0"/>
-                <a:cs typeface="Times New Roman" pitchFamily="18" charset="0"/>
-              </a:rPr>
-              <a:t>, xml qua android tool.</a:t>
-            </a:r>
-          </a:p>
-          <a:p>
-            <a:pPr>
-              <a:buFontTx/>
-              <a:buChar char="-"/>
-            </a:pPr>
-            <a:r>
-              <a:rPr lang="en-US" sz="1800" dirty="0" err="1" smtClean="0">
-                <a:latin typeface="Times New Roman" pitchFamily="18" charset="0"/>
-                <a:cs typeface="Times New Roman" pitchFamily="18" charset="0"/>
-              </a:rPr>
-              <a:t>Thao</a:t>
-            </a:r>
-            <a:r>
-              <a:rPr lang="en-US" sz="1800" dirty="0" smtClean="0">
-                <a:latin typeface="Times New Roman" pitchFamily="18" charset="0"/>
-                <a:cs typeface="Times New Roman" pitchFamily="18" charset="0"/>
-              </a:rPr>
-              <a:t> </a:t>
-            </a:r>
-            <a:r>
-              <a:rPr lang="en-US" sz="1800" dirty="0" err="1" smtClean="0">
-                <a:latin typeface="Times New Roman" pitchFamily="18" charset="0"/>
-                <a:cs typeface="Times New Roman" pitchFamily="18" charset="0"/>
-              </a:rPr>
-              <a:t>tác</a:t>
-            </a:r>
-            <a:r>
-              <a:rPr lang="en-US" sz="1800" dirty="0" smtClean="0">
-                <a:latin typeface="Times New Roman" pitchFamily="18" charset="0"/>
-                <a:cs typeface="Times New Roman" pitchFamily="18" charset="0"/>
-              </a:rPr>
-              <a:t> </a:t>
-            </a:r>
-            <a:r>
-              <a:rPr lang="en-US" sz="1800" dirty="0" err="1" smtClean="0">
-                <a:latin typeface="Times New Roman" pitchFamily="18" charset="0"/>
-                <a:cs typeface="Times New Roman" pitchFamily="18" charset="0"/>
-              </a:rPr>
-              <a:t>đơn</a:t>
-            </a:r>
-            <a:r>
-              <a:rPr lang="en-US" sz="1800" dirty="0" smtClean="0">
-                <a:latin typeface="Times New Roman" pitchFamily="18" charset="0"/>
-                <a:cs typeface="Times New Roman" pitchFamily="18" charset="0"/>
-              </a:rPr>
-              <a:t> </a:t>
-            </a:r>
-            <a:r>
-              <a:rPr lang="en-US" sz="1800" dirty="0" err="1" smtClean="0">
-                <a:latin typeface="Times New Roman" pitchFamily="18" charset="0"/>
-                <a:cs typeface="Times New Roman" pitchFamily="18" charset="0"/>
-              </a:rPr>
-              <a:t>giản</a:t>
-            </a:r>
-            <a:r>
-              <a:rPr lang="en-US" sz="1800" dirty="0" smtClean="0">
-                <a:latin typeface="Times New Roman" pitchFamily="18" charset="0"/>
-                <a:cs typeface="Times New Roman" pitchFamily="18" charset="0"/>
-              </a:rPr>
-              <a:t>.</a:t>
-            </a:r>
-          </a:p>
-          <a:p>
-            <a:pPr>
-              <a:buFontTx/>
-              <a:buChar char="-"/>
-            </a:pPr>
-            <a:r>
-              <a:rPr lang="en-US" sz="1800" dirty="0" err="1" smtClean="0">
-                <a:latin typeface="Times New Roman" pitchFamily="18" charset="0"/>
-                <a:cs typeface="Times New Roman" pitchFamily="18" charset="0"/>
-              </a:rPr>
-              <a:t>Hỗ</a:t>
-            </a:r>
-            <a:r>
-              <a:rPr lang="en-US" sz="1800" dirty="0" smtClean="0">
-                <a:latin typeface="Times New Roman" pitchFamily="18" charset="0"/>
-                <a:cs typeface="Times New Roman" pitchFamily="18" charset="0"/>
-              </a:rPr>
-              <a:t> </a:t>
-            </a:r>
-            <a:r>
-              <a:rPr lang="en-US" sz="1800" dirty="0" err="1" smtClean="0">
-                <a:latin typeface="Times New Roman" pitchFamily="18" charset="0"/>
-                <a:cs typeface="Times New Roman" pitchFamily="18" charset="0"/>
-              </a:rPr>
-              <a:t>trợ</a:t>
-            </a:r>
-            <a:r>
-              <a:rPr lang="en-US" sz="1800" dirty="0" smtClean="0">
-                <a:latin typeface="Times New Roman" pitchFamily="18" charset="0"/>
-                <a:cs typeface="Times New Roman" pitchFamily="18" charset="0"/>
-              </a:rPr>
-              <a:t> </a:t>
-            </a:r>
-            <a:r>
-              <a:rPr lang="en-US" sz="1800" dirty="0" err="1" smtClean="0">
-                <a:latin typeface="Times New Roman" pitchFamily="18" charset="0"/>
-                <a:cs typeface="Times New Roman" pitchFamily="18" charset="0"/>
-              </a:rPr>
-              <a:t>kiêm</a:t>
-            </a:r>
-            <a:r>
-              <a:rPr lang="en-US" sz="1800" dirty="0" smtClean="0">
-                <a:latin typeface="Times New Roman" pitchFamily="18" charset="0"/>
-                <a:cs typeface="Times New Roman" pitchFamily="18" charset="0"/>
-              </a:rPr>
-              <a:t> </a:t>
-            </a:r>
-            <a:r>
-              <a:rPr lang="en-US" sz="1800" dirty="0" err="1" smtClean="0">
-                <a:latin typeface="Times New Roman" pitchFamily="18" charset="0"/>
-                <a:cs typeface="Times New Roman" pitchFamily="18" charset="0"/>
-              </a:rPr>
-              <a:t>tra</a:t>
-            </a:r>
-            <a:r>
-              <a:rPr lang="en-US" sz="1800" dirty="0" smtClean="0">
-                <a:latin typeface="Times New Roman" pitchFamily="18" charset="0"/>
-                <a:cs typeface="Times New Roman" pitchFamily="18" charset="0"/>
-              </a:rPr>
-              <a:t> </a:t>
-            </a:r>
-            <a:r>
-              <a:rPr lang="en-US" sz="1800" dirty="0" err="1" smtClean="0">
-                <a:latin typeface="Times New Roman" pitchFamily="18" charset="0"/>
-                <a:cs typeface="Times New Roman" pitchFamily="18" charset="0"/>
-              </a:rPr>
-              <a:t>kết</a:t>
-            </a:r>
-            <a:r>
-              <a:rPr lang="en-US" sz="1800" dirty="0" smtClean="0">
-                <a:latin typeface="Times New Roman" pitchFamily="18" charset="0"/>
-                <a:cs typeface="Times New Roman" pitchFamily="18" charset="0"/>
-              </a:rPr>
-              <a:t> </a:t>
-            </a:r>
-            <a:r>
-              <a:rPr lang="en-US" sz="1800" dirty="0" err="1" smtClean="0">
-                <a:latin typeface="Times New Roman" pitchFamily="18" charset="0"/>
-                <a:cs typeface="Times New Roman" pitchFamily="18" charset="0"/>
-              </a:rPr>
-              <a:t>quả</a:t>
-            </a:r>
-            <a:r>
-              <a:rPr lang="en-US" sz="1800" dirty="0" smtClean="0">
-                <a:latin typeface="Times New Roman" pitchFamily="18" charset="0"/>
-                <a:cs typeface="Times New Roman" pitchFamily="18" charset="0"/>
-              </a:rPr>
-              <a:t>.</a:t>
-            </a:r>
-          </a:p>
-          <a:p>
-            <a:pPr>
-              <a:buFontTx/>
-              <a:buChar char="-"/>
-            </a:pPr>
-            <a:r>
-              <a:rPr lang="en-US" sz="1800" dirty="0" err="1" smtClean="0">
-                <a:latin typeface="Times New Roman" pitchFamily="18" charset="0"/>
-                <a:cs typeface="Times New Roman" pitchFamily="18" charset="0"/>
-              </a:rPr>
-              <a:t>Thao</a:t>
-            </a:r>
-            <a:r>
-              <a:rPr lang="en-US" sz="1800" dirty="0" smtClean="0">
-                <a:latin typeface="Times New Roman" pitchFamily="18" charset="0"/>
-                <a:cs typeface="Times New Roman" pitchFamily="18" charset="0"/>
-              </a:rPr>
-              <a:t> </a:t>
-            </a:r>
-            <a:r>
-              <a:rPr lang="en-US" sz="1800" dirty="0" err="1" smtClean="0">
-                <a:latin typeface="Times New Roman" pitchFamily="18" charset="0"/>
-                <a:cs typeface="Times New Roman" pitchFamily="18" charset="0"/>
-              </a:rPr>
-              <a:t>tác</a:t>
-            </a:r>
-            <a:r>
-              <a:rPr lang="en-US" sz="1800" dirty="0" smtClean="0">
-                <a:latin typeface="Times New Roman" pitchFamily="18" charset="0"/>
-                <a:cs typeface="Times New Roman" pitchFamily="18" charset="0"/>
-              </a:rPr>
-              <a:t> </a:t>
-            </a:r>
-            <a:r>
-              <a:rPr lang="en-US" sz="1800" dirty="0" err="1" smtClean="0">
-                <a:latin typeface="Times New Roman" pitchFamily="18" charset="0"/>
-                <a:cs typeface="Times New Roman" pitchFamily="18" charset="0"/>
-              </a:rPr>
-              <a:t>đơn</a:t>
-            </a:r>
-            <a:r>
-              <a:rPr lang="en-US" sz="1800" dirty="0" smtClean="0">
-                <a:latin typeface="Times New Roman" pitchFamily="18" charset="0"/>
-                <a:cs typeface="Times New Roman" pitchFamily="18" charset="0"/>
-              </a:rPr>
-              <a:t> </a:t>
-            </a:r>
-            <a:r>
-              <a:rPr lang="en-US" sz="1800" dirty="0" err="1" smtClean="0">
-                <a:latin typeface="Times New Roman" pitchFamily="18" charset="0"/>
-                <a:cs typeface="Times New Roman" pitchFamily="18" charset="0"/>
-              </a:rPr>
-              <a:t>giản</a:t>
-            </a:r>
-            <a:r>
-              <a:rPr lang="en-US" sz="1800" dirty="0" smtClean="0">
-                <a:latin typeface="Times New Roman" pitchFamily="18" charset="0"/>
-                <a:cs typeface="Times New Roman" pitchFamily="18" charset="0"/>
-              </a:rPr>
-              <a:t>.</a:t>
-            </a:r>
-          </a:p>
-          <a:p>
-            <a:pPr>
-              <a:buFontTx/>
-              <a:buChar char="-"/>
-            </a:pPr>
-            <a:r>
-              <a:rPr lang="en-US" sz="1800" dirty="0" err="1" smtClean="0">
-                <a:latin typeface="Times New Roman" pitchFamily="18" charset="0"/>
-                <a:cs typeface="Times New Roman" pitchFamily="18" charset="0"/>
-              </a:rPr>
-              <a:t>Ghi</a:t>
-            </a:r>
-            <a:r>
-              <a:rPr lang="en-US" sz="1800" dirty="0" smtClean="0">
-                <a:latin typeface="Times New Roman" pitchFamily="18" charset="0"/>
-                <a:cs typeface="Times New Roman" pitchFamily="18" charset="0"/>
-              </a:rPr>
-              <a:t> </a:t>
-            </a:r>
-            <a:r>
-              <a:rPr lang="en-US" sz="1800" dirty="0" err="1" smtClean="0">
-                <a:latin typeface="Times New Roman" pitchFamily="18" charset="0"/>
-                <a:cs typeface="Times New Roman" pitchFamily="18" charset="0"/>
-              </a:rPr>
-              <a:t>lại</a:t>
-            </a:r>
-            <a:r>
-              <a:rPr lang="en-US" sz="1800" dirty="0" smtClean="0">
-                <a:latin typeface="Times New Roman" pitchFamily="18" charset="0"/>
-                <a:cs typeface="Times New Roman" pitchFamily="18" charset="0"/>
-              </a:rPr>
-              <a:t> </a:t>
-            </a:r>
-            <a:r>
-              <a:rPr lang="en-US" sz="1800" dirty="0" err="1" smtClean="0">
-                <a:latin typeface="Times New Roman" pitchFamily="18" charset="0"/>
-                <a:cs typeface="Times New Roman" pitchFamily="18" charset="0"/>
-              </a:rPr>
-              <a:t>các</a:t>
-            </a:r>
-            <a:r>
-              <a:rPr lang="en-US" sz="1800" dirty="0" smtClean="0">
-                <a:latin typeface="Times New Roman" pitchFamily="18" charset="0"/>
-                <a:cs typeface="Times New Roman" pitchFamily="18" charset="0"/>
-              </a:rPr>
-              <a:t> </a:t>
-            </a:r>
-            <a:r>
-              <a:rPr lang="en-US" sz="1800" dirty="0" err="1" smtClean="0">
-                <a:latin typeface="Times New Roman" pitchFamily="18" charset="0"/>
-                <a:cs typeface="Times New Roman" pitchFamily="18" charset="0"/>
-              </a:rPr>
-              <a:t>thao</a:t>
-            </a:r>
-            <a:r>
-              <a:rPr lang="en-US" sz="1800" dirty="0" smtClean="0">
-                <a:latin typeface="Times New Roman" pitchFamily="18" charset="0"/>
-                <a:cs typeface="Times New Roman" pitchFamily="18" charset="0"/>
-              </a:rPr>
-              <a:t> </a:t>
-            </a:r>
-            <a:r>
-              <a:rPr lang="en-US" sz="1800" dirty="0" err="1" smtClean="0">
-                <a:latin typeface="Times New Roman" pitchFamily="18" charset="0"/>
-                <a:cs typeface="Times New Roman" pitchFamily="18" charset="0"/>
-              </a:rPr>
-              <a:t>tác</a:t>
-            </a:r>
-            <a:r>
-              <a:rPr lang="en-US" sz="1800" dirty="0" smtClean="0">
-                <a:latin typeface="Times New Roman" pitchFamily="18" charset="0"/>
-                <a:cs typeface="Times New Roman" pitchFamily="18" charset="0"/>
-              </a:rPr>
-              <a:t> </a:t>
-            </a:r>
-            <a:r>
-              <a:rPr lang="en-US" sz="1800" dirty="0" err="1" smtClean="0">
-                <a:latin typeface="Times New Roman" pitchFamily="18" charset="0"/>
-                <a:cs typeface="Times New Roman" pitchFamily="18" charset="0"/>
-              </a:rPr>
-              <a:t>đã</a:t>
-            </a:r>
-            <a:r>
-              <a:rPr lang="en-US" sz="1800" dirty="0" smtClean="0">
-                <a:latin typeface="Times New Roman" pitchFamily="18" charset="0"/>
-                <a:cs typeface="Times New Roman" pitchFamily="18" charset="0"/>
-              </a:rPr>
-              <a:t> </a:t>
-            </a:r>
-            <a:r>
-              <a:rPr lang="en-US" sz="1800" dirty="0" err="1" smtClean="0">
-                <a:latin typeface="Times New Roman" pitchFamily="18" charset="0"/>
-                <a:cs typeface="Times New Roman" pitchFamily="18" charset="0"/>
-              </a:rPr>
-              <a:t>thực</a:t>
-            </a:r>
-            <a:r>
-              <a:rPr lang="en-US" sz="1800" dirty="0" smtClean="0">
-                <a:latin typeface="Times New Roman" pitchFamily="18" charset="0"/>
-                <a:cs typeface="Times New Roman" pitchFamily="18" charset="0"/>
-              </a:rPr>
-              <a:t> </a:t>
-            </a:r>
-            <a:r>
-              <a:rPr lang="en-US" sz="1800" dirty="0" err="1" smtClean="0">
-                <a:latin typeface="Times New Roman" pitchFamily="18" charset="0"/>
-                <a:cs typeface="Times New Roman" pitchFamily="18" charset="0"/>
-              </a:rPr>
-              <a:t>hiện</a:t>
-            </a:r>
-            <a:r>
-              <a:rPr lang="en-US" sz="1800" dirty="0" smtClean="0">
-                <a:latin typeface="Times New Roman" pitchFamily="18" charset="0"/>
-                <a:cs typeface="Times New Roman" pitchFamily="18" charset="0"/>
-              </a:rPr>
-              <a:t>, </a:t>
-            </a:r>
-            <a:r>
-              <a:rPr lang="en-US" sz="1800" dirty="0" err="1" smtClean="0">
-                <a:latin typeface="Times New Roman" pitchFamily="18" charset="0"/>
-                <a:cs typeface="Times New Roman" pitchFamily="18" charset="0"/>
-              </a:rPr>
-              <a:t>có</a:t>
-            </a:r>
-            <a:r>
-              <a:rPr lang="en-US" sz="1800" dirty="0" smtClean="0">
-                <a:latin typeface="Times New Roman" pitchFamily="18" charset="0"/>
-                <a:cs typeface="Times New Roman" pitchFamily="18" charset="0"/>
-              </a:rPr>
-              <a:t> </a:t>
-            </a:r>
-            <a:r>
-              <a:rPr lang="en-US" sz="1800" dirty="0" err="1" smtClean="0">
-                <a:latin typeface="Times New Roman" pitchFamily="18" charset="0"/>
-                <a:cs typeface="Times New Roman" pitchFamily="18" charset="0"/>
-              </a:rPr>
-              <a:t>thể</a:t>
-            </a:r>
-            <a:r>
-              <a:rPr lang="en-US" sz="1800" dirty="0" smtClean="0">
-                <a:latin typeface="Times New Roman" pitchFamily="18" charset="0"/>
-                <a:cs typeface="Times New Roman" pitchFamily="18" charset="0"/>
-              </a:rPr>
-              <a:t> </a:t>
-            </a:r>
-            <a:r>
-              <a:rPr lang="en-US" sz="1800" dirty="0" err="1" smtClean="0">
-                <a:latin typeface="Times New Roman" pitchFamily="18" charset="0"/>
-                <a:cs typeface="Times New Roman" pitchFamily="18" charset="0"/>
-              </a:rPr>
-              <a:t>xem</a:t>
-            </a:r>
-            <a:r>
-              <a:rPr lang="en-US" sz="1800" dirty="0" smtClean="0">
-                <a:latin typeface="Times New Roman" pitchFamily="18" charset="0"/>
-                <a:cs typeface="Times New Roman" pitchFamily="18" charset="0"/>
-              </a:rPr>
-              <a:t> </a:t>
-            </a:r>
-            <a:r>
-              <a:rPr lang="en-US" sz="1800" dirty="0" err="1" smtClean="0">
-                <a:latin typeface="Times New Roman" pitchFamily="18" charset="0"/>
-                <a:cs typeface="Times New Roman" pitchFamily="18" charset="0"/>
-              </a:rPr>
-              <a:t>lại</a:t>
-            </a:r>
-            <a:r>
-              <a:rPr lang="en-US" sz="1800" dirty="0" smtClean="0">
-                <a:latin typeface="Times New Roman" pitchFamily="18" charset="0"/>
-                <a:cs typeface="Times New Roman" pitchFamily="18" charset="0"/>
-              </a:rPr>
-              <a:t> </a:t>
-            </a:r>
-            <a:r>
-              <a:rPr lang="en-US" sz="1800" dirty="0" err="1" smtClean="0">
-                <a:latin typeface="Times New Roman" pitchFamily="18" charset="0"/>
-                <a:cs typeface="Times New Roman" pitchFamily="18" charset="0"/>
-              </a:rPr>
-              <a:t>quá</a:t>
-            </a:r>
-            <a:r>
-              <a:rPr lang="en-US" sz="1800" dirty="0" smtClean="0">
-                <a:latin typeface="Times New Roman" pitchFamily="18" charset="0"/>
-                <a:cs typeface="Times New Roman" pitchFamily="18" charset="0"/>
-              </a:rPr>
-              <a:t> </a:t>
-            </a:r>
-            <a:r>
-              <a:rPr lang="en-US" sz="1800" dirty="0" err="1" smtClean="0">
-                <a:latin typeface="Times New Roman" pitchFamily="18" charset="0"/>
-                <a:cs typeface="Times New Roman" pitchFamily="18" charset="0"/>
-              </a:rPr>
-              <a:t>trình</a:t>
-            </a:r>
-            <a:r>
-              <a:rPr lang="en-US" sz="1800" dirty="0" smtClean="0">
-                <a:latin typeface="Times New Roman" pitchFamily="18" charset="0"/>
-                <a:cs typeface="Times New Roman" pitchFamily="18" charset="0"/>
-              </a:rPr>
-              <a:t> test </a:t>
-            </a:r>
-            <a:r>
-              <a:rPr lang="en-US" sz="1800" dirty="0" err="1" smtClean="0">
-                <a:latin typeface="Times New Roman" pitchFamily="18" charset="0"/>
-                <a:cs typeface="Times New Roman" pitchFamily="18" charset="0"/>
-              </a:rPr>
-              <a:t>đơn</a:t>
-            </a:r>
-            <a:r>
-              <a:rPr lang="en-US" sz="1800" dirty="0" smtClean="0">
-                <a:latin typeface="Times New Roman" pitchFamily="18" charset="0"/>
-                <a:cs typeface="Times New Roman" pitchFamily="18" charset="0"/>
-              </a:rPr>
-              <a:t> </a:t>
-            </a:r>
-            <a:r>
-              <a:rPr lang="en-US" sz="1800" dirty="0" err="1" smtClean="0">
-                <a:latin typeface="Times New Roman" pitchFamily="18" charset="0"/>
-                <a:cs typeface="Times New Roman" pitchFamily="18" charset="0"/>
-              </a:rPr>
-              <a:t>giản</a:t>
-            </a:r>
-            <a:r>
-              <a:rPr lang="en-US" sz="1800" dirty="0" smtClean="0">
-                <a:latin typeface="Times New Roman" pitchFamily="18" charset="0"/>
-                <a:cs typeface="Times New Roman" pitchFamily="18" charset="0"/>
-              </a:rPr>
-              <a:t>.</a:t>
-            </a:r>
-          </a:p>
-          <a:p>
-            <a:pPr>
-              <a:buFontTx/>
-              <a:buChar char="-"/>
-            </a:pPr>
-            <a:r>
-              <a:rPr lang="en-US" sz="1800" dirty="0" err="1" smtClean="0">
-                <a:latin typeface="Times New Roman" pitchFamily="18" charset="0"/>
-                <a:cs typeface="Times New Roman" pitchFamily="18" charset="0"/>
-              </a:rPr>
-              <a:t>Mất</a:t>
-            </a:r>
-            <a:r>
-              <a:rPr lang="en-US" sz="1800" dirty="0" smtClean="0">
-                <a:latin typeface="Times New Roman" pitchFamily="18" charset="0"/>
-                <a:cs typeface="Times New Roman" pitchFamily="18" charset="0"/>
-              </a:rPr>
-              <a:t> </a:t>
-            </a:r>
-            <a:r>
-              <a:rPr lang="en-US" sz="1800" dirty="0" err="1" smtClean="0">
-                <a:latin typeface="Times New Roman" pitchFamily="18" charset="0"/>
-                <a:cs typeface="Times New Roman" pitchFamily="18" charset="0"/>
-              </a:rPr>
-              <a:t>phí</a:t>
-            </a:r>
-            <a:r>
-              <a:rPr lang="en-US" sz="1800" dirty="0" smtClean="0">
-                <a:latin typeface="Times New Roman" pitchFamily="18" charset="0"/>
-                <a:cs typeface="Times New Roman" pitchFamily="18" charset="0"/>
-              </a:rPr>
-              <a:t>.</a:t>
-            </a:r>
-          </a:p>
-          <a:p>
-            <a:pPr>
-              <a:buFontTx/>
-              <a:buChar char="-"/>
-            </a:pPr>
-            <a:r>
-              <a:rPr lang="en-US" sz="1800" dirty="0" err="1" smtClean="0">
-                <a:latin typeface="Times New Roman" pitchFamily="18" charset="0"/>
-                <a:cs typeface="Times New Roman" pitchFamily="18" charset="0"/>
-              </a:rPr>
-              <a:t>Phải</a:t>
-            </a:r>
-            <a:r>
-              <a:rPr lang="en-US" sz="1800" dirty="0" smtClean="0">
-                <a:latin typeface="Times New Roman" pitchFamily="18" charset="0"/>
-                <a:cs typeface="Times New Roman" pitchFamily="18" charset="0"/>
-              </a:rPr>
-              <a:t> </a:t>
-            </a:r>
-            <a:r>
-              <a:rPr lang="en-US" sz="1800" dirty="0" err="1" smtClean="0">
-                <a:latin typeface="Times New Roman" pitchFamily="18" charset="0"/>
-                <a:cs typeface="Times New Roman" pitchFamily="18" charset="0"/>
-              </a:rPr>
-              <a:t>cài</a:t>
-            </a:r>
-            <a:r>
-              <a:rPr lang="en-US" sz="1800" dirty="0" smtClean="0">
-                <a:latin typeface="Times New Roman" pitchFamily="18" charset="0"/>
-                <a:cs typeface="Times New Roman" pitchFamily="18" charset="0"/>
-              </a:rPr>
-              <a:t> </a:t>
-            </a:r>
-            <a:r>
-              <a:rPr lang="en-US" sz="1800" dirty="0" err="1" smtClean="0">
-                <a:latin typeface="Times New Roman" pitchFamily="18" charset="0"/>
-                <a:cs typeface="Times New Roman" pitchFamily="18" charset="0"/>
-              </a:rPr>
-              <a:t>đặt</a:t>
-            </a:r>
-            <a:r>
-              <a:rPr lang="en-US" sz="1800" dirty="0" smtClean="0">
-                <a:latin typeface="Times New Roman" pitchFamily="18" charset="0"/>
-                <a:cs typeface="Times New Roman" pitchFamily="18" charset="0"/>
-              </a:rPr>
-              <a:t> </a:t>
-            </a:r>
-            <a:r>
-              <a:rPr lang="en-US" sz="1800" dirty="0" err="1" smtClean="0">
-                <a:latin typeface="Times New Roman" pitchFamily="18" charset="0"/>
-                <a:cs typeface="Times New Roman" pitchFamily="18" charset="0"/>
-              </a:rPr>
-              <a:t>ranorex</a:t>
-            </a:r>
-            <a:r>
-              <a:rPr lang="en-US" sz="1800" dirty="0" smtClean="0">
-                <a:latin typeface="Times New Roman" pitchFamily="18" charset="0"/>
-                <a:cs typeface="Times New Roman" pitchFamily="18" charset="0"/>
-              </a:rPr>
-              <a:t> </a:t>
-            </a:r>
-            <a:r>
-              <a:rPr lang="en-US" sz="1800" dirty="0" err="1" smtClean="0">
-                <a:latin typeface="Times New Roman" pitchFamily="18" charset="0"/>
-                <a:cs typeface="Times New Roman" pitchFamily="18" charset="0"/>
-              </a:rPr>
-              <a:t>vào</a:t>
-            </a:r>
-            <a:r>
-              <a:rPr lang="en-US" sz="1800" dirty="0" smtClean="0">
-                <a:latin typeface="Times New Roman" pitchFamily="18" charset="0"/>
-                <a:cs typeface="Times New Roman" pitchFamily="18" charset="0"/>
-              </a:rPr>
-              <a:t> device, test </a:t>
-            </a:r>
-            <a:r>
-              <a:rPr lang="en-US" sz="1800" dirty="0" err="1" smtClean="0">
-                <a:latin typeface="Times New Roman" pitchFamily="18" charset="0"/>
-                <a:cs typeface="Times New Roman" pitchFamily="18" charset="0"/>
-              </a:rPr>
-              <a:t>cho</a:t>
-            </a:r>
-            <a:r>
-              <a:rPr lang="en-US" sz="1800" dirty="0" smtClean="0">
-                <a:latin typeface="Times New Roman" pitchFamily="18" charset="0"/>
-                <a:cs typeface="Times New Roman" pitchFamily="18" charset="0"/>
-              </a:rPr>
-              <a:t> </a:t>
-            </a:r>
-            <a:r>
-              <a:rPr lang="en-US" sz="1800" dirty="0" err="1" smtClean="0">
-                <a:latin typeface="Times New Roman" pitchFamily="18" charset="0"/>
-                <a:cs typeface="Times New Roman" pitchFamily="18" charset="0"/>
-              </a:rPr>
-              <a:t>thiết</a:t>
-            </a:r>
-            <a:r>
-              <a:rPr lang="en-US" sz="1800" dirty="0" smtClean="0">
-                <a:latin typeface="Times New Roman" pitchFamily="18" charset="0"/>
-                <a:cs typeface="Times New Roman" pitchFamily="18" charset="0"/>
-              </a:rPr>
-              <a:t> </a:t>
-            </a:r>
-            <a:r>
-              <a:rPr lang="en-US" sz="1800" dirty="0" err="1" smtClean="0">
-                <a:latin typeface="Times New Roman" pitchFamily="18" charset="0"/>
-                <a:cs typeface="Times New Roman" pitchFamily="18" charset="0"/>
-              </a:rPr>
-              <a:t>bị</a:t>
-            </a:r>
-            <a:r>
-              <a:rPr lang="en-US" sz="1800" dirty="0" smtClean="0">
-                <a:latin typeface="Times New Roman" pitchFamily="18" charset="0"/>
-                <a:cs typeface="Times New Roman" pitchFamily="18" charset="0"/>
-              </a:rPr>
-              <a:t> </a:t>
-            </a:r>
-            <a:r>
-              <a:rPr lang="en-US" sz="1800" dirty="0" err="1" smtClean="0">
-                <a:latin typeface="Times New Roman" pitchFamily="18" charset="0"/>
-                <a:cs typeface="Times New Roman" pitchFamily="18" charset="0"/>
-              </a:rPr>
-              <a:t>thật</a:t>
-            </a:r>
-            <a:r>
-              <a:rPr lang="en-US" sz="1800" dirty="0" smtClean="0">
-                <a:latin typeface="Times New Roman" pitchFamily="18" charset="0"/>
-                <a:cs typeface="Times New Roman" pitchFamily="18" charset="0"/>
-              </a:rPr>
-              <a:t> </a:t>
-            </a:r>
-            <a:r>
-              <a:rPr lang="en-US" sz="1800" dirty="0" err="1" smtClean="0">
-                <a:latin typeface="Times New Roman" pitchFamily="18" charset="0"/>
-                <a:cs typeface="Times New Roman" pitchFamily="18" charset="0"/>
-              </a:rPr>
-              <a:t>hoặc</a:t>
-            </a:r>
-            <a:r>
-              <a:rPr lang="en-US" sz="1800" dirty="0" smtClean="0">
-                <a:latin typeface="Times New Roman" pitchFamily="18" charset="0"/>
-                <a:cs typeface="Times New Roman" pitchFamily="18" charset="0"/>
-              </a:rPr>
-              <a:t> </a:t>
-            </a:r>
-            <a:r>
-              <a:rPr lang="en-US" sz="1800" dirty="0" err="1" smtClean="0">
-                <a:latin typeface="Times New Roman" pitchFamily="18" charset="0"/>
-                <a:cs typeface="Times New Roman" pitchFamily="18" charset="0"/>
-              </a:rPr>
-              <a:t>máy</a:t>
-            </a:r>
-            <a:r>
-              <a:rPr lang="en-US" sz="1800" dirty="0" smtClean="0">
-                <a:latin typeface="Times New Roman" pitchFamily="18" charset="0"/>
-                <a:cs typeface="Times New Roman" pitchFamily="18" charset="0"/>
-              </a:rPr>
-              <a:t> </a:t>
-            </a:r>
-            <a:r>
-              <a:rPr lang="en-US" sz="1800" dirty="0" err="1" smtClean="0">
-                <a:latin typeface="Times New Roman" pitchFamily="18" charset="0"/>
-                <a:cs typeface="Times New Roman" pitchFamily="18" charset="0"/>
-              </a:rPr>
-              <a:t>ảo</a:t>
-            </a:r>
-            <a:r>
-              <a:rPr lang="en-US" sz="1800" dirty="0" smtClean="0">
-                <a:latin typeface="Times New Roman" pitchFamily="18" charset="0"/>
-                <a:cs typeface="Times New Roman" pitchFamily="18" charset="0"/>
-              </a:rPr>
-              <a:t>.</a:t>
-            </a:r>
-          </a:p>
-          <a:p>
-            <a:pPr>
-              <a:buFontTx/>
-              <a:buChar char="-"/>
-            </a:pPr>
-            <a:r>
-              <a:rPr lang="en-US" sz="1800" dirty="0" err="1" smtClean="0">
-                <a:latin typeface="Times New Roman" pitchFamily="18" charset="0"/>
-                <a:cs typeface="Times New Roman" pitchFamily="18" charset="0"/>
-              </a:rPr>
-              <a:t>Tìm</a:t>
-            </a:r>
-            <a:r>
-              <a:rPr lang="en-US" sz="1800" dirty="0" smtClean="0">
-                <a:latin typeface="Times New Roman" pitchFamily="18" charset="0"/>
-                <a:cs typeface="Times New Roman" pitchFamily="18" charset="0"/>
-              </a:rPr>
-              <a:t> </a:t>
-            </a:r>
-            <a:r>
-              <a:rPr lang="en-US" sz="1800" dirty="0" err="1" smtClean="0">
-                <a:latin typeface="Times New Roman" pitchFamily="18" charset="0"/>
-                <a:cs typeface="Times New Roman" pitchFamily="18" charset="0"/>
-              </a:rPr>
-              <a:t>kiếm</a:t>
-            </a:r>
-            <a:r>
-              <a:rPr lang="en-US" sz="1800" dirty="0" smtClean="0">
-                <a:latin typeface="Times New Roman" pitchFamily="18" charset="0"/>
-                <a:cs typeface="Times New Roman" pitchFamily="18" charset="0"/>
-              </a:rPr>
-              <a:t> </a:t>
-            </a:r>
-            <a:r>
-              <a:rPr lang="en-US" sz="1800" dirty="0" err="1" smtClean="0">
-                <a:latin typeface="Times New Roman" pitchFamily="18" charset="0"/>
-                <a:cs typeface="Times New Roman" pitchFamily="18" charset="0"/>
-              </a:rPr>
-              <a:t>các</a:t>
-            </a:r>
-            <a:r>
-              <a:rPr lang="en-US" sz="1800" dirty="0" smtClean="0">
-                <a:latin typeface="Times New Roman" pitchFamily="18" charset="0"/>
-                <a:cs typeface="Times New Roman" pitchFamily="18" charset="0"/>
-              </a:rPr>
-              <a:t> </a:t>
-            </a:r>
-            <a:r>
-              <a:rPr lang="en-US" sz="1800" dirty="0" err="1" smtClean="0">
-                <a:latin typeface="Times New Roman" pitchFamily="18" charset="0"/>
-                <a:cs typeface="Times New Roman" pitchFamily="18" charset="0"/>
-              </a:rPr>
-              <a:t>yếu</a:t>
-            </a:r>
-            <a:r>
-              <a:rPr lang="en-US" sz="1800" dirty="0" smtClean="0">
-                <a:latin typeface="Times New Roman" pitchFamily="18" charset="0"/>
-                <a:cs typeface="Times New Roman" pitchFamily="18" charset="0"/>
-              </a:rPr>
-              <a:t> </a:t>
-            </a:r>
-            <a:r>
-              <a:rPr lang="en-US" sz="1800" dirty="0" err="1" smtClean="0">
-                <a:latin typeface="Times New Roman" pitchFamily="18" charset="0"/>
-                <a:cs typeface="Times New Roman" pitchFamily="18" charset="0"/>
-              </a:rPr>
-              <a:t>tố</a:t>
-            </a:r>
-            <a:r>
-              <a:rPr lang="en-US" sz="1800" dirty="0" smtClean="0">
-                <a:latin typeface="Times New Roman" pitchFamily="18" charset="0"/>
-                <a:cs typeface="Times New Roman" pitchFamily="18" charset="0"/>
-              </a:rPr>
-              <a:t> </a:t>
-            </a:r>
-            <a:r>
-              <a:rPr lang="en-US" sz="1800" dirty="0" err="1" smtClean="0">
-                <a:latin typeface="Times New Roman" pitchFamily="18" charset="0"/>
-                <a:cs typeface="Times New Roman" pitchFamily="18" charset="0"/>
-              </a:rPr>
-              <a:t>tương</a:t>
-            </a:r>
-            <a:r>
-              <a:rPr lang="en-US" sz="1800" dirty="0" smtClean="0">
-                <a:latin typeface="Times New Roman" pitchFamily="18" charset="0"/>
-                <a:cs typeface="Times New Roman" pitchFamily="18" charset="0"/>
-              </a:rPr>
-              <a:t> </a:t>
-            </a:r>
-            <a:r>
-              <a:rPr lang="en-US" sz="1800" dirty="0" err="1" smtClean="0">
-                <a:latin typeface="Times New Roman" pitchFamily="18" charset="0"/>
-                <a:cs typeface="Times New Roman" pitchFamily="18" charset="0"/>
-              </a:rPr>
-              <a:t>đối</a:t>
-            </a:r>
-            <a:r>
-              <a:rPr lang="en-US" sz="1800" dirty="0" smtClean="0">
-                <a:latin typeface="Times New Roman" pitchFamily="18" charset="0"/>
-                <a:cs typeface="Times New Roman" pitchFamily="18" charset="0"/>
-              </a:rPr>
-              <a:t> </a:t>
-            </a:r>
-            <a:r>
-              <a:rPr lang="en-US" sz="1800" dirty="0" err="1" smtClean="0">
-                <a:latin typeface="Times New Roman" pitchFamily="18" charset="0"/>
-                <a:cs typeface="Times New Roman" pitchFamily="18" charset="0"/>
-              </a:rPr>
-              <a:t>chậm</a:t>
-            </a:r>
-            <a:r>
-              <a:rPr lang="en-US" sz="1800" dirty="0" smtClean="0">
-                <a:latin typeface="Times New Roman" pitchFamily="18" charset="0"/>
-                <a:cs typeface="Times New Roman" pitchFamily="18" charset="0"/>
-              </a:rPr>
-              <a:t>, </a:t>
-            </a:r>
-            <a:r>
-              <a:rPr lang="en-US" sz="1800" dirty="0" err="1" smtClean="0">
-                <a:latin typeface="Times New Roman" pitchFamily="18" charset="0"/>
-                <a:cs typeface="Times New Roman" pitchFamily="18" charset="0"/>
-              </a:rPr>
-              <a:t>có</a:t>
-            </a:r>
-            <a:r>
-              <a:rPr lang="en-US" sz="1800" dirty="0" smtClean="0">
-                <a:latin typeface="Times New Roman" pitchFamily="18" charset="0"/>
-                <a:cs typeface="Times New Roman" pitchFamily="18" charset="0"/>
-              </a:rPr>
-              <a:t> </a:t>
-            </a:r>
-            <a:r>
-              <a:rPr lang="en-US" sz="1800" dirty="0" err="1" smtClean="0">
-                <a:latin typeface="Times New Roman" pitchFamily="18" charset="0"/>
-                <a:cs typeface="Times New Roman" pitchFamily="18" charset="0"/>
-              </a:rPr>
-              <a:t>thể</a:t>
-            </a:r>
-            <a:r>
-              <a:rPr lang="en-US" sz="1800" dirty="0" smtClean="0">
-                <a:latin typeface="Times New Roman" pitchFamily="18" charset="0"/>
-                <a:cs typeface="Times New Roman" pitchFamily="18" charset="0"/>
-              </a:rPr>
-              <a:t> </a:t>
-            </a:r>
-            <a:r>
-              <a:rPr lang="en-US" sz="1800" dirty="0" err="1" smtClean="0">
-                <a:latin typeface="Times New Roman" pitchFamily="18" charset="0"/>
-                <a:cs typeface="Times New Roman" pitchFamily="18" charset="0"/>
-              </a:rPr>
-              <a:t>đến</a:t>
-            </a:r>
-            <a:r>
-              <a:rPr lang="en-US" sz="1800" dirty="0" smtClean="0">
-                <a:latin typeface="Times New Roman" pitchFamily="18" charset="0"/>
-                <a:cs typeface="Times New Roman" pitchFamily="18" charset="0"/>
-              </a:rPr>
-              <a:t> 30s.</a:t>
-            </a:r>
-          </a:p>
-          <a:p>
-            <a:pPr>
-              <a:buFontTx/>
-              <a:buChar char="-"/>
-            </a:pPr>
-            <a:r>
-              <a:rPr lang="en-US" sz="1800" dirty="0" err="1" smtClean="0">
-                <a:latin typeface="Times New Roman" pitchFamily="18" charset="0"/>
-                <a:cs typeface="Times New Roman" pitchFamily="18" charset="0"/>
-              </a:rPr>
-              <a:t>Có</a:t>
-            </a:r>
-            <a:r>
-              <a:rPr lang="en-US" sz="1800" dirty="0" smtClean="0">
-                <a:latin typeface="Times New Roman" pitchFamily="18" charset="0"/>
-                <a:cs typeface="Times New Roman" pitchFamily="18" charset="0"/>
-              </a:rPr>
-              <a:t> </a:t>
-            </a:r>
-            <a:r>
-              <a:rPr lang="en-US" sz="1800" dirty="0" err="1" smtClean="0">
-                <a:latin typeface="Times New Roman" pitchFamily="18" charset="0"/>
-                <a:cs typeface="Times New Roman" pitchFamily="18" charset="0"/>
-              </a:rPr>
-              <a:t>thẻ</a:t>
-            </a:r>
-            <a:r>
-              <a:rPr lang="en-US" sz="1800" dirty="0" smtClean="0">
-                <a:latin typeface="Times New Roman" pitchFamily="18" charset="0"/>
-                <a:cs typeface="Times New Roman" pitchFamily="18" charset="0"/>
-              </a:rPr>
-              <a:t> </a:t>
-            </a:r>
-            <a:r>
-              <a:rPr lang="en-US" sz="1800" dirty="0" err="1" smtClean="0">
-                <a:latin typeface="Times New Roman" pitchFamily="18" charset="0"/>
-                <a:cs typeface="Times New Roman" pitchFamily="18" charset="0"/>
-              </a:rPr>
-              <a:t>viết</a:t>
-            </a:r>
-            <a:r>
-              <a:rPr lang="en-US" sz="1800" dirty="0" smtClean="0">
-                <a:latin typeface="Times New Roman" pitchFamily="18" charset="0"/>
-                <a:cs typeface="Times New Roman" pitchFamily="18" charset="0"/>
-              </a:rPr>
-              <a:t> </a:t>
-            </a:r>
-            <a:r>
-              <a:rPr lang="en-US" sz="1800" dirty="0" err="1" smtClean="0">
-                <a:latin typeface="Times New Roman" pitchFamily="18" charset="0"/>
-                <a:cs typeface="Times New Roman" pitchFamily="18" charset="0"/>
-              </a:rPr>
-              <a:t>cript</a:t>
-            </a:r>
-            <a:r>
-              <a:rPr lang="en-US" sz="1800" dirty="0" smtClean="0">
-                <a:latin typeface="Times New Roman" pitchFamily="18" charset="0"/>
-                <a:cs typeface="Times New Roman" pitchFamily="18" charset="0"/>
-              </a:rPr>
-              <a:t> </a:t>
-            </a:r>
-            <a:r>
-              <a:rPr lang="en-US" sz="1800" dirty="0" err="1" smtClean="0">
-                <a:latin typeface="Times New Roman" pitchFamily="18" charset="0"/>
-                <a:cs typeface="Times New Roman" pitchFamily="18" charset="0"/>
-              </a:rPr>
-              <a:t>bằng</a:t>
-            </a:r>
-            <a:r>
-              <a:rPr lang="en-US" sz="1800" dirty="0" smtClean="0">
-                <a:latin typeface="Times New Roman" pitchFamily="18" charset="0"/>
-                <a:cs typeface="Times New Roman" pitchFamily="18" charset="0"/>
-              </a:rPr>
-              <a:t> VB </a:t>
-            </a:r>
-            <a:r>
-              <a:rPr lang="en-US" sz="1800" dirty="0" err="1" smtClean="0">
-                <a:latin typeface="Times New Roman" pitchFamily="18" charset="0"/>
-                <a:cs typeface="Times New Roman" pitchFamily="18" charset="0"/>
-              </a:rPr>
-              <a:t>cho</a:t>
-            </a:r>
-            <a:r>
-              <a:rPr lang="en-US" sz="1800" dirty="0" smtClean="0">
-                <a:latin typeface="Times New Roman" pitchFamily="18" charset="0"/>
-                <a:cs typeface="Times New Roman" pitchFamily="18" charset="0"/>
-              </a:rPr>
-              <a:t> </a:t>
-            </a:r>
-            <a:r>
-              <a:rPr lang="en-US" sz="1800" dirty="0" err="1" smtClean="0">
-                <a:latin typeface="Times New Roman" pitchFamily="18" charset="0"/>
-                <a:cs typeface="Times New Roman" pitchFamily="18" charset="0"/>
-              </a:rPr>
-              <a:t>việc</a:t>
-            </a:r>
-            <a:r>
-              <a:rPr lang="en-US" sz="1800" dirty="0" smtClean="0">
-                <a:latin typeface="Times New Roman" pitchFamily="18" charset="0"/>
-                <a:cs typeface="Times New Roman" pitchFamily="18" charset="0"/>
-              </a:rPr>
-              <a:t> auto test.</a:t>
-            </a:r>
-            <a:endParaRPr lang="en-US" sz="1800" dirty="0">
-              <a:latin typeface="Times New Roman" pitchFamily="18" charset="0"/>
-              <a:cs typeface="Times New Roman" pitchFamily="18" charset="0"/>
-            </a:endParaRPr>
-          </a:p>
-          <a:p>
-            <a:pPr>
-              <a:buFontTx/>
-              <a:buChar char="-"/>
-            </a:pPr>
-            <a:endParaRPr lang="en-US" sz="1800" dirty="0" smtClean="0">
-              <a:latin typeface="Times New Roman" pitchFamily="18" charset="0"/>
-              <a:cs typeface="Times New Roman" pitchFamily="18" charset="0"/>
-            </a:endParaRPr>
-          </a:p>
-          <a:p>
-            <a:pPr>
-              <a:buFontTx/>
-              <a:buChar char="-"/>
-            </a:pPr>
-            <a:endParaRPr lang="en-US" sz="1800" dirty="0">
-              <a:latin typeface="Times New Roman" pitchFamily="18" charset="0"/>
-              <a:cs typeface="Times New Roman" pitchFamily="18" charset="0"/>
-            </a:endParaRPr>
-          </a:p>
-          <a:p>
-            <a:pPr>
-              <a:buFontTx/>
-              <a:buChar char="-"/>
-            </a:pPr>
-            <a:endParaRPr lang="en-US" sz="1800" dirty="0" smtClean="0">
-              <a:latin typeface="Times New Roman" pitchFamily="18" charset="0"/>
-              <a:cs typeface="Times New Roman" pitchFamily="18" charset="0"/>
-            </a:endParaRPr>
-          </a:p>
-          <a:p>
-            <a:pPr>
-              <a:buFontTx/>
-              <a:buChar char="-"/>
-            </a:pPr>
-            <a:endParaRPr lang="en-US" sz="1800" dirty="0" smtClean="0">
-              <a:latin typeface="Times New Roman" pitchFamily="18" charset="0"/>
-              <a:cs typeface="Times New Roman" pitchFamily="18" charset="0"/>
-            </a:endParaRPr>
-          </a:p>
-          <a:p>
-            <a:endParaRPr lang="en-US" sz="1800" dirty="0" smtClean="0">
-              <a:latin typeface="Times New Roman" pitchFamily="18" charset="0"/>
-              <a:cs typeface="Times New Roman" pitchFamily="18" charset="0"/>
-            </a:endParaRPr>
-          </a:p>
-          <a:p>
-            <a:endParaRPr lang="en-US" sz="1800" dirty="0">
-              <a:latin typeface="Times New Roman" pitchFamily="18" charset="0"/>
-              <a:cs typeface="Times New Roman" pitchFamily="18" charset="0"/>
-            </a:endParaRPr>
-          </a:p>
-          <a:p>
-            <a:endParaRPr lang="en-US" sz="1800" dirty="0">
-              <a:latin typeface="Times New Roman" pitchFamily="18" charset="0"/>
-              <a:cs typeface="Times New Roman" pitchFamily="18" charset="0"/>
-            </a:endParaRPr>
-          </a:p>
-        </p:txBody>
-      </p:sp>
-      <p:sp>
-        <p:nvSpPr>
-          <p:cNvPr id="4" name="Content Placeholder 3"/>
-          <p:cNvSpPr>
-            <a:spLocks noGrp="1"/>
-          </p:cNvSpPr>
-          <p:nvPr>
-            <p:ph sz="half" idx="2"/>
-          </p:nvPr>
-        </p:nvSpPr>
-        <p:spPr>
-          <a:xfrm>
-            <a:off x="838200" y="6248400"/>
-            <a:ext cx="7620000" cy="685800"/>
-          </a:xfrm>
-        </p:spPr>
-        <p:txBody>
-          <a:bodyPr>
-            <a:normAutofit fontScale="70000" lnSpcReduction="20000"/>
-          </a:bodyPr>
-          <a:lstStyle/>
-          <a:p>
-            <a:r>
-              <a:rPr lang="en-US" sz="1500" u="sng">
-                <a:latin typeface="Times New Roman" pitchFamily="18" charset="0"/>
-                <a:cs typeface="Times New Roman" pitchFamily="18" charset="0"/>
-                <a:hlinkClick r:id="rId2"/>
-              </a:rPr>
-              <a:t>http://</a:t>
-            </a:r>
-            <a:r>
-              <a:rPr lang="en-US" sz="1500" u="sng" smtClean="0">
-                <a:latin typeface="Times New Roman" pitchFamily="18" charset="0"/>
-                <a:cs typeface="Times New Roman" pitchFamily="18" charset="0"/>
-                <a:hlinkClick r:id="rId2"/>
-              </a:rPr>
-              <a:t>www.ranorex.com</a:t>
-            </a:r>
-            <a:endParaRPr lang="en-US" sz="1500" u="sng" smtClean="0">
-              <a:latin typeface="Times New Roman" pitchFamily="18" charset="0"/>
-              <a:cs typeface="Times New Roman" pitchFamily="18" charset="0"/>
-            </a:endParaRPr>
-          </a:p>
-          <a:p>
-            <a:r>
-              <a:rPr lang="en-US" sz="1500" u="sng" smtClean="0">
-                <a:latin typeface="Times New Roman" pitchFamily="18" charset="0"/>
-                <a:cs typeface="Times New Roman" pitchFamily="18" charset="0"/>
-                <a:hlinkClick r:id="rId3"/>
-              </a:rPr>
-              <a:t>http</a:t>
-            </a:r>
-            <a:r>
-              <a:rPr lang="en-US" sz="1500" u="sng">
-                <a:latin typeface="Times New Roman" pitchFamily="18" charset="0"/>
-                <a:cs typeface="Times New Roman" pitchFamily="18" charset="0"/>
-                <a:hlinkClick r:id="rId3"/>
-              </a:rPr>
-              <a:t>://www.ranorex.com/support/user-guide-20/android-testing.html</a:t>
-            </a:r>
-            <a:endParaRPr lang="en-US" sz="1500" u="sng">
-              <a:latin typeface="Times New Roman" pitchFamily="18" charset="0"/>
-              <a:cs typeface="Times New Roman" pitchFamily="18" charset="0"/>
-            </a:endParaRPr>
-          </a:p>
-          <a:p>
-            <a:endParaRPr lang="en-US"/>
-          </a:p>
-        </p:txBody>
-      </p:sp>
-      <p:sp>
-        <p:nvSpPr>
-          <p:cNvPr id="2" name="Title 1"/>
-          <p:cNvSpPr>
-            <a:spLocks noGrp="1"/>
-          </p:cNvSpPr>
-          <p:nvPr>
-            <p:ph type="title"/>
-          </p:nvPr>
-        </p:nvSpPr>
-        <p:spPr/>
-        <p:txBody>
-          <a:bodyPr/>
-          <a:lstStyle/>
-          <a:p>
-            <a:r>
-              <a:rPr lang="en-US" dirty="0" err="1">
-                <a:latin typeface="Times New Roman" pitchFamily="18" charset="0"/>
-                <a:cs typeface="Times New Roman" pitchFamily="18" charset="0"/>
-              </a:rPr>
-              <a:t>Ranorex</a:t>
-            </a:r>
-            <a:endParaRPr lang="en-US" dirty="0">
-              <a:latin typeface="Times New Roman" pitchFamily="18" charset="0"/>
-              <a:cs typeface="Times New Roman" pitchFamily="18" charset="0"/>
-            </a:endParaRPr>
-          </a:p>
-        </p:txBody>
-      </p:sp>
-    </p:spTree>
-    <p:extLst>
-      <p:ext uri="{BB962C8B-B14F-4D97-AF65-F5344CB8AC3E}">
-        <p14:creationId xmlns:p14="http://schemas.microsoft.com/office/powerpoint/2010/main" xmlns="" val="2295439348"/>
-      </p:ext>
-    </p:extLst>
-  </p:cSld>
-  <p:clrMapOvr>
-    <a:masterClrMapping/>
-  </p:clrMapOvr>
-</p:sld>
-</file>
-
-<file path=ppt/slides/slide15.xml><?xml version="1.0" encoding="utf-8"?>
-<p:sld xmlns:a="http://schemas.openxmlformats.org/drawingml/2006/main" xmlns:r="http://schemas.openxmlformats.org/officeDocument/2006/relationships" xmlns:p="http://schemas.openxmlformats.org/presentationml/2006/main" show="0">
-  <p:cSld>
-    <p:spTree>
-      <p:nvGrpSpPr>
-        <p:cNvPr id="1" name=""/>
-        <p:cNvGrpSpPr/>
-        <p:nvPr/>
-      </p:nvGrpSpPr>
-      <p:grpSpPr>
-        <a:xfrm>
-          <a:off x="0" y="0"/>
-          <a:ext cx="0" cy="0"/>
-          <a:chOff x="0" y="0"/>
-          <a:chExt cx="0" cy="0"/>
-        </a:xfrm>
-      </p:grpSpPr>
-      <p:sp>
-        <p:nvSpPr>
-          <p:cNvPr id="2" name="Content Placeholder 1"/>
-          <p:cNvSpPr>
-            <a:spLocks noGrp="1"/>
-          </p:cNvSpPr>
-          <p:nvPr>
-            <p:ph sz="half" idx="1"/>
-          </p:nvPr>
-        </p:nvSpPr>
-        <p:spPr/>
-        <p:txBody>
-          <a:bodyPr/>
-          <a:lstStyle/>
-          <a:p>
-            <a:endParaRPr lang="en-US"/>
-          </a:p>
-        </p:txBody>
-      </p:sp>
-      <p:sp>
-        <p:nvSpPr>
-          <p:cNvPr id="3" name="Content Placeholder 2"/>
-          <p:cNvSpPr>
-            <a:spLocks noGrp="1"/>
-          </p:cNvSpPr>
-          <p:nvPr>
-            <p:ph sz="half" idx="2"/>
-          </p:nvPr>
-        </p:nvSpPr>
-        <p:spPr/>
-        <p:txBody>
-          <a:bodyPr/>
-          <a:lstStyle/>
-          <a:p>
-            <a:endParaRPr lang="en-US"/>
-          </a:p>
-        </p:txBody>
-      </p:sp>
-      <p:sp>
-        <p:nvSpPr>
-          <p:cNvPr id="4" name="Title 3"/>
-          <p:cNvSpPr>
-            <a:spLocks noGrp="1"/>
-          </p:cNvSpPr>
-          <p:nvPr>
-            <p:ph type="title"/>
-          </p:nvPr>
-        </p:nvSpPr>
-        <p:spPr/>
-        <p:txBody>
-          <a:bodyPr/>
-          <a:lstStyle/>
-          <a:p>
-            <a:endParaRPr lang="en-US"/>
-          </a:p>
-        </p:txBody>
-      </p:sp>
-      <p:pic>
-        <p:nvPicPr>
-          <p:cNvPr id="5122" name="Picture 2"/>
-          <p:cNvPicPr>
-            <a:picLocks noChangeAspect="1" noChangeArrowheads="1"/>
-          </p:cNvPicPr>
-          <p:nvPr/>
-        </p:nvPicPr>
-        <p:blipFill>
-          <a:blip r:embed="rId2">
-            <a:extLst>
-              <a:ext uri="{28A0092B-C50C-407E-A947-70E740481C1C}">
-                <a14:useLocalDpi xmlns:a14="http://schemas.microsoft.com/office/drawing/2010/main" xmlns="" val="0"/>
-              </a:ext>
-            </a:extLst>
-          </a:blip>
-          <a:srcRect/>
-          <a:stretch>
-            <a:fillRect/>
-          </a:stretch>
-        </p:blipFill>
-        <p:spPr bwMode="auto">
-          <a:xfrm>
-            <a:off x="9525" y="0"/>
-            <a:ext cx="9124950" cy="7038975"/>
-          </a:xfrm>
-          <a:prstGeom prst="rect">
-            <a:avLst/>
-          </a:prstGeom>
-          <a:noFill/>
-          <a:ln>
-            <a:noFill/>
-          </a:ln>
-          <a:effectLst/>
-          <a:extLst>
-            <a:ext uri="{909E8E84-426E-40DD-AFC4-6F175D3DCCD1}">
-              <a14:hiddenFill xmlns:a14="http://schemas.microsoft.com/office/drawing/2010/main" xmlns="">
-                <a:solidFill>
-                  <a:schemeClr val="accent1"/>
-                </a:solidFill>
-              </a14:hiddenFill>
-            </a:ext>
-            <a:ext uri="{91240B29-F687-4F45-9708-019B960494DF}">
-              <a14:hiddenLine xmlns:a14="http://schemas.microsoft.com/office/drawing/2010/main" xmlns="" w="9525">
-                <a:solidFill>
-                  <a:schemeClr val="tx1"/>
-                </a:solidFill>
-                <a:miter lim="800000"/>
-                <a:headEnd/>
-                <a:tailEnd/>
-              </a14:hiddenLine>
-            </a:ext>
-            <a:ext uri="{AF507438-7753-43E0-B8FC-AC1667EBCBE1}">
-              <a14:hiddenEffects xmlns:a14="http://schemas.microsoft.com/office/drawing/2010/main" xmlns="">
-                <a:effectLst>
-                  <a:outerShdw dist="35921" dir="2700000" algn="ctr" rotWithShape="0">
-                    <a:schemeClr val="bg2"/>
-                  </a:outerShdw>
-                </a:effectLst>
-              </a14:hiddenEffects>
-            </a:ext>
-          </a:extLst>
-        </p:spPr>
-      </p:pic>
-    </p:spTree>
-    <p:extLst>
-      <p:ext uri="{BB962C8B-B14F-4D97-AF65-F5344CB8AC3E}">
-        <p14:creationId xmlns:p14="http://schemas.microsoft.com/office/powerpoint/2010/main" xmlns="" val="2919713960"/>
-      </p:ext>
-    </p:extLst>
-  </p:cSld>
-  <p:clrMapOvr>
-    <a:masterClrMapping/>
-  </p:clrMapOvr>
-  <p:transition/>
-</p:sld>
-</file>
-
-<file path=ppt/slides/slide16.xml><?xml version="1.0" encoding="utf-8"?>
-<p:sld xmlns:a="http://schemas.openxmlformats.org/drawingml/2006/main" xmlns:r="http://schemas.openxmlformats.org/officeDocument/2006/relationships" xmlns:p="http://schemas.openxmlformats.org/presentationml/2006/main">
-  <p:cSld>
-    <p:spTree>
-      <p:nvGrpSpPr>
-        <p:cNvPr id="1" name=""/>
-        <p:cNvGrpSpPr/>
-        <p:nvPr/>
-      </p:nvGrpSpPr>
-      <p:grpSpPr>
-        <a:xfrm>
-          <a:off x="0" y="0"/>
-          <a:ext cx="0" cy="0"/>
-          <a:chOff x="0" y="0"/>
-          <a:chExt cx="0" cy="0"/>
-        </a:xfrm>
-      </p:grpSpPr>
-      <p:sp>
-        <p:nvSpPr>
-          <p:cNvPr id="2" name="Content Placeholder 1"/>
-          <p:cNvSpPr>
-            <a:spLocks noGrp="1"/>
-          </p:cNvSpPr>
-          <p:nvPr>
-            <p:ph sz="half" idx="1"/>
-          </p:nvPr>
-        </p:nvSpPr>
-        <p:spPr>
-          <a:xfrm>
-            <a:off x="822960" y="1097280"/>
-            <a:ext cx="7406640" cy="3712464"/>
-          </a:xfrm>
-        </p:spPr>
-        <p:txBody>
-          <a:bodyPr/>
-          <a:lstStyle/>
-          <a:p>
-            <a:endParaRPr lang="en-US"/>
-          </a:p>
-        </p:txBody>
-      </p:sp>
-      <p:sp>
-        <p:nvSpPr>
-          <p:cNvPr id="3" name="Content Placeholder 2"/>
-          <p:cNvSpPr>
-            <a:spLocks noGrp="1"/>
-          </p:cNvSpPr>
-          <p:nvPr>
-            <p:ph sz="half" idx="2"/>
-          </p:nvPr>
-        </p:nvSpPr>
-        <p:spPr>
-          <a:xfrm>
-            <a:off x="2743200" y="5715000"/>
-            <a:ext cx="3200400" cy="3712464"/>
-          </a:xfrm>
-        </p:spPr>
-        <p:txBody>
-          <a:bodyPr/>
-          <a:lstStyle/>
-          <a:p>
-            <a:endParaRPr lang="en-US"/>
-          </a:p>
-        </p:txBody>
-      </p:sp>
-      <p:sp>
-        <p:nvSpPr>
-          <p:cNvPr id="4" name="Title 3"/>
-          <p:cNvSpPr>
-            <a:spLocks noGrp="1"/>
-          </p:cNvSpPr>
-          <p:nvPr>
-            <p:ph type="title"/>
-          </p:nvPr>
-        </p:nvSpPr>
-        <p:spPr/>
-        <p:txBody>
-          <a:bodyPr/>
-          <a:lstStyle/>
-          <a:p>
-            <a:r>
-              <a:rPr lang="en-US"/>
-              <a:t>Ranorex</a:t>
-            </a:r>
-          </a:p>
-        </p:txBody>
-      </p:sp>
-      <p:sp>
-        <p:nvSpPr>
-          <p:cNvPr id="5" name="Rectangle 2"/>
-          <p:cNvSpPr>
-            <a:spLocks noChangeArrowheads="1"/>
-          </p:cNvSpPr>
-          <p:nvPr/>
-        </p:nvSpPr>
-        <p:spPr bwMode="auto">
-          <a:xfrm>
-            <a:off x="0" y="0"/>
-            <a:ext cx="9144000" cy="0"/>
-          </a:xfrm>
-          <a:prstGeom prst="rect">
-            <a:avLst/>
-          </a:prstGeom>
-          <a:noFill/>
-          <a:ln>
-            <a:noFill/>
-          </a:ln>
-          <a:effectLst/>
-          <a:extLst>
-            <a:ext uri="{909E8E84-426E-40DD-AFC4-6F175D3DCCD1}">
-              <a14:hiddenFill xmlns:a14="http://schemas.microsoft.com/office/drawing/2010/main" xmlns="">
-                <a:solidFill>
-                  <a:schemeClr val="accent1"/>
-                </a:solidFill>
-              </a14:hiddenFill>
-            </a:ext>
-            <a:ext uri="{91240B29-F687-4F45-9708-019B960494DF}">
-              <a14:hiddenLine xmlns:a14="http://schemas.microsoft.com/office/drawing/2010/main" xmlns="" w="9525">
-                <a:solidFill>
-                  <a:schemeClr val="tx1"/>
-                </a:solidFill>
-                <a:miter lim="800000"/>
-                <a:headEnd/>
-                <a:tailEnd/>
-              </a14:hiddenLine>
-            </a:ext>
-            <a:ext uri="{AF507438-7753-43E0-B8FC-AC1667EBCBE1}">
-              <a14:hiddenEffects xmlns:a14="http://schemas.microsoft.com/office/drawing/2010/main" xmlns="">
-                <a:effectLst>
-                  <a:outerShdw dist="35921" dir="2700000" algn="ctr" rotWithShape="0">
-                    <a:schemeClr val="bg2"/>
-                  </a:outerShdw>
-                </a:effectLst>
-              </a14:hiddenEffects>
-            </a:ext>
-          </a:extLst>
-        </p:spPr>
-        <p:txBody>
-          <a:bodyPr vert="horz" wrap="none" lIns="91440" tIns="45720" rIns="91440" bIns="45720" numCol="1" anchor="ctr" anchorCtr="0" compatLnSpc="1">
-            <a:prstTxWarp prst="textNoShape">
-              <a:avLst/>
-            </a:prstTxWarp>
-            <a:spAutoFit/>
-          </a:bodyPr>
-          <a:lstStyle/>
-          <a:p>
-            <a:endParaRPr lang="en-US"/>
-          </a:p>
-        </p:txBody>
-      </p:sp>
-      <p:graphicFrame>
-        <p:nvGraphicFramePr>
-          <p:cNvPr id="6" name="Object 5"/>
-          <p:cNvGraphicFramePr>
-            <a:graphicFrameLocks noChangeAspect="1"/>
-          </p:cNvGraphicFramePr>
-          <p:nvPr>
-            <p:extLst>
-              <p:ext uri="{D42A27DB-BD31-4B8C-83A1-F6EECF244321}">
-                <p14:modId xmlns:p14="http://schemas.microsoft.com/office/powerpoint/2010/main" xmlns="" val="39709969"/>
-              </p:ext>
-            </p:extLst>
-          </p:nvPr>
-        </p:nvGraphicFramePr>
-        <p:xfrm>
-          <a:off x="838200" y="838200"/>
-          <a:ext cx="7467600" cy="1066800"/>
-        </p:xfrm>
-        <a:graphic>
-          <a:graphicData uri="http://schemas.openxmlformats.org/presentationml/2006/ole">
-            <p:oleObj spid="_x0000_s1054" r:id="rId3" imgW="7315200" imgH="914400" progId="">
-              <p:embed/>
-            </p:oleObj>
-          </a:graphicData>
-        </a:graphic>
-      </p:graphicFrame>
-      <p:sp>
-        <p:nvSpPr>
-          <p:cNvPr id="7" name="Rectangle 4"/>
-          <p:cNvSpPr>
-            <a:spLocks noChangeArrowheads="1"/>
-          </p:cNvSpPr>
-          <p:nvPr/>
-        </p:nvSpPr>
-        <p:spPr bwMode="auto">
-          <a:xfrm>
-            <a:off x="0" y="0"/>
-            <a:ext cx="9144000" cy="0"/>
-          </a:xfrm>
-          <a:prstGeom prst="rect">
-            <a:avLst/>
-          </a:prstGeom>
-          <a:noFill/>
-          <a:ln>
-            <a:noFill/>
-          </a:ln>
-          <a:effectLst/>
-          <a:extLst>
-            <a:ext uri="{909E8E84-426E-40DD-AFC4-6F175D3DCCD1}">
-              <a14:hiddenFill xmlns:a14="http://schemas.microsoft.com/office/drawing/2010/main" xmlns="">
-                <a:solidFill>
-                  <a:schemeClr val="accent1"/>
-                </a:solidFill>
-              </a14:hiddenFill>
-            </a:ext>
-            <a:ext uri="{91240B29-F687-4F45-9708-019B960494DF}">
-              <a14:hiddenLine xmlns:a14="http://schemas.microsoft.com/office/drawing/2010/main" xmlns="" w="9525">
-                <a:solidFill>
-                  <a:schemeClr val="tx1"/>
-                </a:solidFill>
-                <a:miter lim="800000"/>
-                <a:headEnd/>
-                <a:tailEnd/>
-              </a14:hiddenLine>
-            </a:ext>
-            <a:ext uri="{AF507438-7753-43E0-B8FC-AC1667EBCBE1}">
-              <a14:hiddenEffects xmlns:a14="http://schemas.microsoft.com/office/drawing/2010/main" xmlns="">
-                <a:effectLst>
-                  <a:outerShdw dist="35921" dir="2700000" algn="ctr" rotWithShape="0">
-                    <a:schemeClr val="bg2"/>
-                  </a:outerShdw>
-                </a:effectLst>
-              </a14:hiddenEffects>
-            </a:ext>
-          </a:extLst>
-        </p:spPr>
-        <p:txBody>
-          <a:bodyPr vert="horz" wrap="none" lIns="91440" tIns="45720" rIns="91440" bIns="45720" numCol="1" anchor="ctr" anchorCtr="0" compatLnSpc="1">
-            <a:prstTxWarp prst="textNoShape">
-              <a:avLst/>
-            </a:prstTxWarp>
-            <a:spAutoFit/>
-          </a:bodyPr>
-          <a:lstStyle/>
-          <a:p>
-            <a:endParaRPr lang="en-US"/>
-          </a:p>
-        </p:txBody>
-      </p:sp>
-      <p:pic>
-        <p:nvPicPr>
-          <p:cNvPr id="1029" name="Picture 5"/>
-          <p:cNvPicPr>
-            <a:picLocks noChangeAspect="1" noChangeArrowheads="1"/>
-          </p:cNvPicPr>
-          <p:nvPr/>
-        </p:nvPicPr>
-        <p:blipFill>
-          <a:blip r:embed="rId4">
-            <a:extLst>
-              <a:ext uri="{28A0092B-C50C-407E-A947-70E740481C1C}">
-                <a14:useLocalDpi xmlns:a14="http://schemas.microsoft.com/office/drawing/2010/main" xmlns="" val="0"/>
-              </a:ext>
-            </a:extLst>
-          </a:blip>
-          <a:srcRect/>
-          <a:stretch>
-            <a:fillRect/>
-          </a:stretch>
-        </p:blipFill>
-        <p:spPr bwMode="auto">
-          <a:xfrm>
-            <a:off x="67350" y="2302681"/>
-            <a:ext cx="4526259" cy="3403600"/>
-          </a:xfrm>
-          <a:prstGeom prst="rect">
-            <a:avLst/>
-          </a:prstGeom>
-          <a:noFill/>
-          <a:ln>
-            <a:noFill/>
-          </a:ln>
-          <a:effectLst/>
-          <a:extLst>
-            <a:ext uri="{909E8E84-426E-40DD-AFC4-6F175D3DCCD1}">
-              <a14:hiddenFill xmlns:a14="http://schemas.microsoft.com/office/drawing/2010/main" xmlns="">
-                <a:solidFill>
-                  <a:schemeClr val="accent1"/>
-                </a:solidFill>
-              </a14:hiddenFill>
-            </a:ext>
-            <a:ext uri="{91240B29-F687-4F45-9708-019B960494DF}">
-              <a14:hiddenLine xmlns:a14="http://schemas.microsoft.com/office/drawing/2010/main" xmlns="" w="9525">
-                <a:solidFill>
-                  <a:schemeClr val="tx1"/>
-                </a:solidFill>
-                <a:miter lim="800000"/>
-                <a:headEnd/>
-                <a:tailEnd/>
-              </a14:hiddenLine>
-            </a:ext>
-            <a:ext uri="{AF507438-7753-43E0-B8FC-AC1667EBCBE1}">
-              <a14:hiddenEffects xmlns:a14="http://schemas.microsoft.com/office/drawing/2010/main" xmlns="">
-                <a:effectLst>
-                  <a:outerShdw dist="35921" dir="2700000" algn="ctr" rotWithShape="0">
-                    <a:schemeClr val="bg2"/>
-                  </a:outerShdw>
-                </a:effectLst>
-              </a14:hiddenEffects>
-            </a:ext>
-          </a:extLst>
-        </p:spPr>
-      </p:pic>
-      <p:sp>
-        <p:nvSpPr>
-          <p:cNvPr id="9" name="Rectangle 7"/>
-          <p:cNvSpPr>
-            <a:spLocks noChangeArrowheads="1"/>
-          </p:cNvSpPr>
-          <p:nvPr/>
-        </p:nvSpPr>
-        <p:spPr bwMode="auto">
-          <a:xfrm>
-            <a:off x="0" y="0"/>
-            <a:ext cx="9144000" cy="0"/>
-          </a:xfrm>
-          <a:prstGeom prst="rect">
-            <a:avLst/>
-          </a:prstGeom>
-          <a:noFill/>
-          <a:ln>
-            <a:noFill/>
-          </a:ln>
-          <a:effectLst/>
-          <a:extLst>
-            <a:ext uri="{909E8E84-426E-40DD-AFC4-6F175D3DCCD1}">
-              <a14:hiddenFill xmlns:a14="http://schemas.microsoft.com/office/drawing/2010/main" xmlns="">
-                <a:solidFill>
-                  <a:schemeClr val="accent1"/>
-                </a:solidFill>
-              </a14:hiddenFill>
-            </a:ext>
-            <a:ext uri="{91240B29-F687-4F45-9708-019B960494DF}">
-              <a14:hiddenLine xmlns:a14="http://schemas.microsoft.com/office/drawing/2010/main" xmlns="" w="9525">
-                <a:solidFill>
-                  <a:schemeClr val="tx1"/>
-                </a:solidFill>
-                <a:miter lim="800000"/>
-                <a:headEnd/>
-                <a:tailEnd/>
-              </a14:hiddenLine>
-            </a:ext>
-            <a:ext uri="{AF507438-7753-43E0-B8FC-AC1667EBCBE1}">
-              <a14:hiddenEffects xmlns:a14="http://schemas.microsoft.com/office/drawing/2010/main" xmlns="">
-                <a:effectLst>
-                  <a:outerShdw dist="35921" dir="2700000" algn="ctr" rotWithShape="0">
-                    <a:schemeClr val="bg2"/>
-                  </a:outerShdw>
-                </a:effectLst>
-              </a14:hiddenEffects>
-            </a:ext>
-          </a:extLst>
-        </p:spPr>
-        <p:txBody>
-          <a:bodyPr vert="horz" wrap="none" lIns="91440" tIns="45720" rIns="91440" bIns="45720" numCol="1" anchor="ctr" anchorCtr="0" compatLnSpc="1">
-            <a:prstTxWarp prst="textNoShape">
-              <a:avLst/>
-            </a:prstTxWarp>
-            <a:spAutoFit/>
-          </a:bodyPr>
-          <a:lstStyle/>
-          <a:p>
-            <a:endParaRPr lang="en-US"/>
-          </a:p>
-        </p:txBody>
-      </p:sp>
-      <p:graphicFrame>
-        <p:nvGraphicFramePr>
-          <p:cNvPr id="10" name="Object 9"/>
-          <p:cNvGraphicFramePr>
-            <a:graphicFrameLocks noChangeAspect="1"/>
-          </p:cNvGraphicFramePr>
-          <p:nvPr>
-            <p:extLst>
-              <p:ext uri="{D42A27DB-BD31-4B8C-83A1-F6EECF244321}">
-                <p14:modId xmlns:p14="http://schemas.microsoft.com/office/powerpoint/2010/main" xmlns="" val="3136977526"/>
-              </p:ext>
-            </p:extLst>
-          </p:nvPr>
-        </p:nvGraphicFramePr>
-        <p:xfrm>
-          <a:off x="3352800" y="2819400"/>
-          <a:ext cx="5486400" cy="3429000"/>
-        </p:xfrm>
-        <a:graphic>
-          <a:graphicData uri="http://schemas.openxmlformats.org/presentationml/2006/ole">
-            <p:oleObj spid="_x0000_s1055" name="Image" r:id="rId5" imgW="7315200" imgH="4572000" progId="">
-              <p:embed/>
-            </p:oleObj>
-          </a:graphicData>
-        </a:graphic>
-      </p:graphicFrame>
-    </p:spTree>
-    <p:extLst>
-      <p:ext uri="{BB962C8B-B14F-4D97-AF65-F5344CB8AC3E}">
-        <p14:creationId xmlns:p14="http://schemas.microsoft.com/office/powerpoint/2010/main" xmlns="" val="1260448984"/>
-      </p:ext>
-    </p:extLst>
-  </p:cSld>
-  <p:clrMapOvr>
-    <a:masterClrMapping/>
-  </p:clrMapOvr>
-</p:sld>
-</file>
-
-<file path=ppt/slides/slide17.xml><?xml version="1.0" encoding="utf-8"?>
-<p:sld xmlns:a="http://schemas.openxmlformats.org/drawingml/2006/main" xmlns:r="http://schemas.openxmlformats.org/officeDocument/2006/relationships" xmlns:p="http://schemas.openxmlformats.org/presentationml/2006/main">
-  <p:cSld>
-    <p:spTree>
-      <p:nvGrpSpPr>
-        <p:cNvPr id="1" name=""/>
-        <p:cNvGrpSpPr/>
-        <p:nvPr/>
-      </p:nvGrpSpPr>
-      <p:grpSpPr>
-        <a:xfrm>
-          <a:off x="0" y="0"/>
-          <a:ext cx="0" cy="0"/>
-          <a:chOff x="0" y="0"/>
-          <a:chExt cx="0" cy="0"/>
-        </a:xfrm>
-      </p:grpSpPr>
-      <p:sp>
-        <p:nvSpPr>
-          <p:cNvPr id="2" name="Content Placeholder 1"/>
-          <p:cNvSpPr>
-            <a:spLocks noGrp="1"/>
-          </p:cNvSpPr>
-          <p:nvPr>
-            <p:ph sz="half" idx="1"/>
-          </p:nvPr>
-        </p:nvSpPr>
-        <p:spPr/>
-        <p:txBody>
-          <a:bodyPr/>
-          <a:lstStyle/>
-          <a:p>
-            <a:endParaRPr lang="en-US"/>
-          </a:p>
-        </p:txBody>
-      </p:sp>
-      <p:sp>
-        <p:nvSpPr>
-          <p:cNvPr id="3" name="Content Placeholder 2"/>
-          <p:cNvSpPr>
-            <a:spLocks noGrp="1"/>
-          </p:cNvSpPr>
-          <p:nvPr>
-            <p:ph sz="half" idx="2"/>
-          </p:nvPr>
-        </p:nvSpPr>
-        <p:spPr/>
-        <p:txBody>
-          <a:bodyPr/>
-          <a:lstStyle/>
-          <a:p>
-            <a:endParaRPr lang="en-US"/>
-          </a:p>
-        </p:txBody>
-      </p:sp>
-      <p:sp>
-        <p:nvSpPr>
-          <p:cNvPr id="4" name="Title 3"/>
-          <p:cNvSpPr>
-            <a:spLocks noGrp="1"/>
-          </p:cNvSpPr>
-          <p:nvPr>
-            <p:ph type="title"/>
-          </p:nvPr>
-        </p:nvSpPr>
-        <p:spPr/>
-        <p:txBody>
-          <a:bodyPr/>
-          <a:lstStyle/>
-          <a:p>
-            <a:r>
-              <a:rPr lang="en-US" smtClean="0"/>
-              <a:t>Ranorex</a:t>
-            </a:r>
-            <a:endParaRPr lang="en-US"/>
-          </a:p>
-        </p:txBody>
-      </p:sp>
-      <p:sp>
-        <p:nvSpPr>
-          <p:cNvPr id="5" name="Rectangle 2"/>
-          <p:cNvSpPr>
-            <a:spLocks noChangeArrowheads="1"/>
-          </p:cNvSpPr>
-          <p:nvPr/>
-        </p:nvSpPr>
-        <p:spPr bwMode="auto">
-          <a:xfrm>
-            <a:off x="0" y="0"/>
-            <a:ext cx="9144000" cy="0"/>
-          </a:xfrm>
-          <a:prstGeom prst="rect">
-            <a:avLst/>
-          </a:prstGeom>
-          <a:noFill/>
-          <a:ln>
-            <a:noFill/>
-          </a:ln>
-          <a:effectLst/>
-          <a:extLst>
-            <a:ext uri="{909E8E84-426E-40DD-AFC4-6F175D3DCCD1}">
-              <a14:hiddenFill xmlns:a14="http://schemas.microsoft.com/office/drawing/2010/main" xmlns="">
-                <a:solidFill>
-                  <a:schemeClr val="accent1"/>
-                </a:solidFill>
-              </a14:hiddenFill>
-            </a:ext>
-            <a:ext uri="{91240B29-F687-4F45-9708-019B960494DF}">
-              <a14:hiddenLine xmlns:a14="http://schemas.microsoft.com/office/drawing/2010/main" xmlns="" w="9525">
-                <a:solidFill>
-                  <a:schemeClr val="tx1"/>
-                </a:solidFill>
-                <a:miter lim="800000"/>
-                <a:headEnd/>
-                <a:tailEnd/>
-              </a14:hiddenLine>
-            </a:ext>
-            <a:ext uri="{AF507438-7753-43E0-B8FC-AC1667EBCBE1}">
-              <a14:hiddenEffects xmlns:a14="http://schemas.microsoft.com/office/drawing/2010/main" xmlns="">
-                <a:effectLst>
-                  <a:outerShdw dist="35921" dir="2700000" algn="ctr" rotWithShape="0">
-                    <a:schemeClr val="bg2"/>
-                  </a:outerShdw>
-                </a:effectLst>
-              </a14:hiddenEffects>
-            </a:ext>
-          </a:extLst>
-        </p:spPr>
-        <p:txBody>
-          <a:bodyPr vert="horz" wrap="none" lIns="91440" tIns="45720" rIns="91440" bIns="45720" numCol="1" anchor="ctr" anchorCtr="0" compatLnSpc="1">
-            <a:prstTxWarp prst="textNoShape">
-              <a:avLst/>
-            </a:prstTxWarp>
-            <a:spAutoFit/>
-          </a:bodyPr>
-          <a:lstStyle/>
-          <a:p>
-            <a:endParaRPr lang="en-US"/>
-          </a:p>
-        </p:txBody>
-      </p:sp>
-      <p:graphicFrame>
-        <p:nvGraphicFramePr>
-          <p:cNvPr id="6" name="Object 5"/>
-          <p:cNvGraphicFramePr>
-            <a:graphicFrameLocks noChangeAspect="1"/>
-          </p:cNvGraphicFramePr>
-          <p:nvPr>
-            <p:extLst>
-              <p:ext uri="{D42A27DB-BD31-4B8C-83A1-F6EECF244321}">
-                <p14:modId xmlns:p14="http://schemas.microsoft.com/office/powerpoint/2010/main" xmlns="" val="2033785521"/>
-              </p:ext>
-            </p:extLst>
-          </p:nvPr>
-        </p:nvGraphicFramePr>
-        <p:xfrm>
-          <a:off x="152400" y="838200"/>
-          <a:ext cx="4114800" cy="4114800"/>
-        </p:xfrm>
-        <a:graphic>
-          <a:graphicData uri="http://schemas.openxmlformats.org/presentationml/2006/ole">
-            <p:oleObj spid="_x0000_s2088" name="Image" r:id="rId3" imgW="5486400" imgH="5486400" progId="">
-              <p:embed/>
-            </p:oleObj>
-          </a:graphicData>
-        </a:graphic>
-      </p:graphicFrame>
-      <p:sp>
-        <p:nvSpPr>
-          <p:cNvPr id="7" name="Rectangle 4"/>
-          <p:cNvSpPr>
-            <a:spLocks noChangeArrowheads="1"/>
-          </p:cNvSpPr>
-          <p:nvPr/>
-        </p:nvSpPr>
-        <p:spPr bwMode="auto">
-          <a:xfrm>
-            <a:off x="0" y="0"/>
-            <a:ext cx="9144000" cy="0"/>
-          </a:xfrm>
-          <a:prstGeom prst="rect">
-            <a:avLst/>
-          </a:prstGeom>
-          <a:noFill/>
-          <a:ln>
-            <a:noFill/>
-          </a:ln>
-          <a:effectLst/>
-          <a:extLst>
-            <a:ext uri="{909E8E84-426E-40DD-AFC4-6F175D3DCCD1}">
-              <a14:hiddenFill xmlns:a14="http://schemas.microsoft.com/office/drawing/2010/main" xmlns="">
-                <a:solidFill>
-                  <a:schemeClr val="accent1"/>
-                </a:solidFill>
-              </a14:hiddenFill>
-            </a:ext>
-            <a:ext uri="{91240B29-F687-4F45-9708-019B960494DF}">
-              <a14:hiddenLine xmlns:a14="http://schemas.microsoft.com/office/drawing/2010/main" xmlns="" w="9525">
-                <a:solidFill>
-                  <a:schemeClr val="tx1"/>
-                </a:solidFill>
-                <a:miter lim="800000"/>
-                <a:headEnd/>
-                <a:tailEnd/>
-              </a14:hiddenLine>
-            </a:ext>
-            <a:ext uri="{AF507438-7753-43E0-B8FC-AC1667EBCBE1}">
-              <a14:hiddenEffects xmlns:a14="http://schemas.microsoft.com/office/drawing/2010/main" xmlns="">
-                <a:effectLst>
-                  <a:outerShdw dist="35921" dir="2700000" algn="ctr" rotWithShape="0">
-                    <a:schemeClr val="bg2"/>
-                  </a:outerShdw>
-                </a:effectLst>
-              </a14:hiddenEffects>
-            </a:ext>
-          </a:extLst>
-        </p:spPr>
-        <p:txBody>
-          <a:bodyPr vert="horz" wrap="none" lIns="91440" tIns="45720" rIns="91440" bIns="45720" numCol="1" anchor="ctr" anchorCtr="0" compatLnSpc="1">
-            <a:prstTxWarp prst="textNoShape">
-              <a:avLst/>
-            </a:prstTxWarp>
-            <a:spAutoFit/>
-          </a:bodyPr>
-          <a:lstStyle/>
-          <a:p>
-            <a:endParaRPr lang="en-US"/>
-          </a:p>
-        </p:txBody>
-      </p:sp>
-      <p:graphicFrame>
-        <p:nvGraphicFramePr>
-          <p:cNvPr id="8" name="Object 7"/>
-          <p:cNvGraphicFramePr>
-            <a:graphicFrameLocks noChangeAspect="1"/>
-          </p:cNvGraphicFramePr>
-          <p:nvPr>
-            <p:extLst>
-              <p:ext uri="{D42A27DB-BD31-4B8C-83A1-F6EECF244321}">
-                <p14:modId xmlns:p14="http://schemas.microsoft.com/office/powerpoint/2010/main" xmlns="" val="736740180"/>
-              </p:ext>
-            </p:extLst>
-          </p:nvPr>
-        </p:nvGraphicFramePr>
-        <p:xfrm>
-          <a:off x="4572000" y="0"/>
-          <a:ext cx="4114800" cy="3429000"/>
-        </p:xfrm>
-        <a:graphic>
-          <a:graphicData uri="http://schemas.openxmlformats.org/presentationml/2006/ole">
-            <p:oleObj spid="_x0000_s2089" name="Image" r:id="rId4" imgW="5486400" imgH="4572000" progId="">
-              <p:embed/>
-            </p:oleObj>
-          </a:graphicData>
-        </a:graphic>
-      </p:graphicFrame>
-      <p:sp>
-        <p:nvSpPr>
-          <p:cNvPr id="9" name="Rectangle 6"/>
-          <p:cNvSpPr>
-            <a:spLocks noChangeArrowheads="1"/>
-          </p:cNvSpPr>
-          <p:nvPr/>
-        </p:nvSpPr>
-        <p:spPr bwMode="auto">
-          <a:xfrm>
-            <a:off x="0" y="0"/>
-            <a:ext cx="9144000" cy="0"/>
-          </a:xfrm>
-          <a:prstGeom prst="rect">
-            <a:avLst/>
-          </a:prstGeom>
-          <a:noFill/>
-          <a:ln>
-            <a:noFill/>
-          </a:ln>
-          <a:effectLst/>
-          <a:extLst>
-            <a:ext uri="{909E8E84-426E-40DD-AFC4-6F175D3DCCD1}">
-              <a14:hiddenFill xmlns:a14="http://schemas.microsoft.com/office/drawing/2010/main" xmlns="">
-                <a:solidFill>
-                  <a:schemeClr val="accent1"/>
-                </a:solidFill>
-              </a14:hiddenFill>
-            </a:ext>
-            <a:ext uri="{91240B29-F687-4F45-9708-019B960494DF}">
-              <a14:hiddenLine xmlns:a14="http://schemas.microsoft.com/office/drawing/2010/main" xmlns="" w="9525">
-                <a:solidFill>
-                  <a:schemeClr val="tx1"/>
-                </a:solidFill>
-                <a:miter lim="800000"/>
-                <a:headEnd/>
-                <a:tailEnd/>
-              </a14:hiddenLine>
-            </a:ext>
-            <a:ext uri="{AF507438-7753-43E0-B8FC-AC1667EBCBE1}">
-              <a14:hiddenEffects xmlns:a14="http://schemas.microsoft.com/office/drawing/2010/main" xmlns="">
-                <a:effectLst>
-                  <a:outerShdw dist="35921" dir="2700000" algn="ctr" rotWithShape="0">
-                    <a:schemeClr val="bg2"/>
-                  </a:outerShdw>
-                </a:effectLst>
-              </a14:hiddenEffects>
-            </a:ext>
-          </a:extLst>
-        </p:spPr>
-        <p:txBody>
-          <a:bodyPr vert="horz" wrap="none" lIns="91440" tIns="45720" rIns="91440" bIns="45720" numCol="1" anchor="ctr" anchorCtr="0" compatLnSpc="1">
-            <a:prstTxWarp prst="textNoShape">
-              <a:avLst/>
-            </a:prstTxWarp>
-            <a:spAutoFit/>
-          </a:bodyPr>
-          <a:lstStyle/>
-          <a:p>
-            <a:endParaRPr lang="en-US"/>
-          </a:p>
-        </p:txBody>
-      </p:sp>
-      <p:graphicFrame>
-        <p:nvGraphicFramePr>
-          <p:cNvPr id="10" name="Object 9"/>
-          <p:cNvGraphicFramePr>
-            <a:graphicFrameLocks noChangeAspect="1"/>
-          </p:cNvGraphicFramePr>
-          <p:nvPr>
-            <p:extLst>
-              <p:ext uri="{D42A27DB-BD31-4B8C-83A1-F6EECF244321}">
-                <p14:modId xmlns:p14="http://schemas.microsoft.com/office/powerpoint/2010/main" xmlns="" val="4188053664"/>
-              </p:ext>
-            </p:extLst>
-          </p:nvPr>
-        </p:nvGraphicFramePr>
-        <p:xfrm>
-          <a:off x="4572000" y="3505200"/>
-          <a:ext cx="4114800" cy="2743200"/>
-        </p:xfrm>
-        <a:graphic>
-          <a:graphicData uri="http://schemas.openxmlformats.org/presentationml/2006/ole">
-            <p:oleObj spid="_x0000_s2090" name="Image" r:id="rId5" imgW="5486400" imgH="3657600" progId="">
-              <p:embed/>
-            </p:oleObj>
-          </a:graphicData>
-        </a:graphic>
-      </p:graphicFrame>
-    </p:spTree>
-    <p:extLst>
-      <p:ext uri="{BB962C8B-B14F-4D97-AF65-F5344CB8AC3E}">
-        <p14:creationId xmlns:p14="http://schemas.microsoft.com/office/powerpoint/2010/main" xmlns="" val="1511659555"/>
-      </p:ext>
-    </p:extLst>
-  </p:cSld>
-  <p:clrMapOvr>
-    <a:masterClrMapping/>
-  </p:clrMapOvr>
-</p:sld>
-</file>
-
-<file path=ppt/slides/slide18.xml><?xml version="1.0" encoding="utf-8"?>
 <p:sld xmlns:a="http://schemas.openxmlformats.org/drawingml/2006/main" xmlns:r="http://schemas.openxmlformats.org/officeDocument/2006/relationships" xmlns:p="http://schemas.openxmlformats.org/presentationml/2006/main">
   <p:cSld>
     <p:spTree>
@@ -11175,7 +8618,7 @@
     </p:spTree>
     <p:extLst>
       <p:ext uri="{BB962C8B-B14F-4D97-AF65-F5344CB8AC3E}">
-        <p14:creationId xmlns:p14="http://schemas.microsoft.com/office/powerpoint/2010/main" xmlns="" val="1246253368"/>
+        <p14:creationId xmlns="" xmlns:p14="http://schemas.microsoft.com/office/powerpoint/2010/main" val="1246253368"/>
       </p:ext>
     </p:extLst>
   </p:cSld>
@@ -11185,7 +8628,7 @@
 </p:sld>
 </file>
 
-<file path=ppt/slides/slide19.xml><?xml version="1.0" encoding="utf-8"?>
+<file path=ppt/slides/slide15.xml><?xml version="1.0" encoding="utf-8"?>
 <p:sld xmlns:a="http://schemas.openxmlformats.org/drawingml/2006/main" xmlns:r="http://schemas.openxmlformats.org/officeDocument/2006/relationships" xmlns:p="http://schemas.openxmlformats.org/presentationml/2006/main">
   <p:cSld>
     <p:spTree>
@@ -11292,14 +8735,14 @@
           <a:effectLst/>
           <a:extLst>
             <a:ext uri="{909E8E84-426E-40DD-AFC4-6F175D3DCCD1}">
-              <a14:hiddenFill xmlns:a14="http://schemas.microsoft.com/office/drawing/2010/main" xmlns="">
+              <a14:hiddenFill xmlns="" xmlns:a14="http://schemas.microsoft.com/office/drawing/2010/main">
                 <a:solidFill>
                   <a:schemeClr val="accent1"/>
                 </a:solidFill>
               </a14:hiddenFill>
             </a:ext>
             <a:ext uri="{91240B29-F687-4F45-9708-019B960494DF}">
-              <a14:hiddenLine xmlns:a14="http://schemas.microsoft.com/office/drawing/2010/main" xmlns="" w="9525">
+              <a14:hiddenLine xmlns="" xmlns:a14="http://schemas.microsoft.com/office/drawing/2010/main" w="9525">
                 <a:solidFill>
                   <a:schemeClr val="tx1"/>
                 </a:solidFill>
@@ -11309,7 +8752,7 @@
               </a14:hiddenLine>
             </a:ext>
             <a:ext uri="{AF507438-7753-43E0-B8FC-AC1667EBCBE1}">
-              <a14:hiddenEffects xmlns:a14="http://schemas.microsoft.com/office/drawing/2010/main" xmlns="">
+              <a14:hiddenEffects xmlns="" xmlns:a14="http://schemas.microsoft.com/office/drawing/2010/main">
                 <a:effectLst>
                   <a:outerShdw dist="35921" dir="2700000" algn="ctr" rotWithShape="0">
                     <a:schemeClr val="bg2"/>
@@ -11341,7 +8784,7 @@
           <p:nvPr>
             <p:extLst>
               <p:ext uri="{D42A27DB-BD31-4B8C-83A1-F6EECF244321}">
-                <p14:modId xmlns:p14="http://schemas.microsoft.com/office/powerpoint/2010/main" xmlns="" val="4139227024"/>
+                <p14:modId xmlns="" xmlns:p14="http://schemas.microsoft.com/office/powerpoint/2010/main" val="4139227024"/>
               </p:ext>
             </p:extLst>
           </p:nvPr>
@@ -11352,7 +8795,7 @@
         </p:xfrm>
         <a:graphic>
           <a:graphicData uri="http://schemas.openxmlformats.org/presentationml/2006/ole">
-            <p:oleObj spid="_x0000_s3103" name="Image" r:id="rId3" imgW="7315200" imgH="5486400" progId="">
+            <p:oleObj spid="_x0000_s35842" name="Image" r:id="rId3" imgW="7315200" imgH="5486400" progId="">
               <p:embed/>
             </p:oleObj>
           </a:graphicData>
@@ -11381,14 +8824,14 @@
           <a:effectLst/>
           <a:extLst>
             <a:ext uri="{909E8E84-426E-40DD-AFC4-6F175D3DCCD1}">
-              <a14:hiddenFill xmlns:a14="http://schemas.microsoft.com/office/drawing/2010/main" xmlns="">
+              <a14:hiddenFill xmlns="" xmlns:a14="http://schemas.microsoft.com/office/drawing/2010/main">
                 <a:solidFill>
                   <a:schemeClr val="accent1"/>
                 </a:solidFill>
               </a14:hiddenFill>
             </a:ext>
             <a:ext uri="{91240B29-F687-4F45-9708-019B960494DF}">
-              <a14:hiddenLine xmlns:a14="http://schemas.microsoft.com/office/drawing/2010/main" xmlns="" w="9525">
+              <a14:hiddenLine xmlns="" xmlns:a14="http://schemas.microsoft.com/office/drawing/2010/main" w="9525">
                 <a:solidFill>
                   <a:schemeClr val="tx1"/>
                 </a:solidFill>
@@ -11398,7 +8841,7 @@
               </a14:hiddenLine>
             </a:ext>
             <a:ext uri="{AF507438-7753-43E0-B8FC-AC1667EBCBE1}">
-              <a14:hiddenEffects xmlns:a14="http://schemas.microsoft.com/office/drawing/2010/main" xmlns="">
+              <a14:hiddenEffects xmlns="" xmlns:a14="http://schemas.microsoft.com/office/drawing/2010/main">
                 <a:effectLst>
                   <a:outerShdw dist="35921" dir="2700000" algn="ctr" rotWithShape="0">
                     <a:schemeClr val="bg2"/>
@@ -11430,7 +8873,7 @@
           <p:nvPr>
             <p:extLst>
               <p:ext uri="{D42A27DB-BD31-4B8C-83A1-F6EECF244321}">
-                <p14:modId xmlns:p14="http://schemas.microsoft.com/office/powerpoint/2010/main" xmlns="" val="438342961"/>
+                <p14:modId xmlns="" xmlns:p14="http://schemas.microsoft.com/office/powerpoint/2010/main" val="438342961"/>
               </p:ext>
             </p:extLst>
           </p:nvPr>
@@ -11441,7 +8884,7 @@
         </p:xfrm>
         <a:graphic>
           <a:graphicData uri="http://schemas.openxmlformats.org/presentationml/2006/ole">
-            <p:oleObj spid="_x0000_s3104" name="Image" r:id="rId4" imgW="3657600" imgH="3657600" progId="">
+            <p:oleObj spid="_x0000_s35843" name="Image" r:id="rId4" imgW="3657600" imgH="3657600" progId="">
               <p:embed/>
             </p:oleObj>
           </a:graphicData>
@@ -11470,14 +8913,14 @@
           <a:effectLst/>
           <a:extLst>
             <a:ext uri="{909E8E84-426E-40DD-AFC4-6F175D3DCCD1}">
-              <a14:hiddenFill xmlns:a14="http://schemas.microsoft.com/office/drawing/2010/main" xmlns="">
+              <a14:hiddenFill xmlns="" xmlns:a14="http://schemas.microsoft.com/office/drawing/2010/main">
                 <a:solidFill>
                   <a:schemeClr val="accent1"/>
                 </a:solidFill>
               </a14:hiddenFill>
             </a:ext>
             <a:ext uri="{91240B29-F687-4F45-9708-019B960494DF}">
-              <a14:hiddenLine xmlns:a14="http://schemas.microsoft.com/office/drawing/2010/main" xmlns="" w="9525">
+              <a14:hiddenLine xmlns="" xmlns:a14="http://schemas.microsoft.com/office/drawing/2010/main" w="9525">
                 <a:solidFill>
                   <a:schemeClr val="tx1"/>
                 </a:solidFill>
@@ -11487,7 +8930,7 @@
               </a14:hiddenLine>
             </a:ext>
             <a:ext uri="{AF507438-7753-43E0-B8FC-AC1667EBCBE1}">
-              <a14:hiddenEffects xmlns:a14="http://schemas.microsoft.com/office/drawing/2010/main" xmlns="">
+              <a14:hiddenEffects xmlns="" xmlns:a14="http://schemas.microsoft.com/office/drawing/2010/main">
                 <a:effectLst>
                   <a:outerShdw dist="35921" dir="2700000" algn="ctr" rotWithShape="0">
                     <a:schemeClr val="bg2"/>
@@ -11553,7 +8996,7 @@
       </p:sp>
       <p:grpSp>
         <p:nvGrpSpPr>
-          <p:cNvPr id="14" name="Group 13"/>
+          <p:cNvPr id="10" name="Group 13"/>
           <p:cNvGrpSpPr/>
           <p:nvPr/>
         </p:nvGrpSpPr>
@@ -11577,7 +9020,7 @@
             <a:blip r:embed="rId5">
               <a:extLst>
                 <a:ext uri="{28A0092B-C50C-407E-A947-70E740481C1C}">
-                  <a14:useLocalDpi xmlns:a14="http://schemas.microsoft.com/office/drawing/2010/main" xmlns="" val="0"/>
+                  <a14:useLocalDpi xmlns="" xmlns:a14="http://schemas.microsoft.com/office/drawing/2010/main" val="0"/>
                 </a:ext>
               </a:extLst>
             </a:blip>
@@ -11601,14 +9044,14 @@
             <a:effectLst/>
             <a:extLst>
               <a:ext uri="{909E8E84-426E-40DD-AFC4-6F175D3DCCD1}">
-                <a14:hiddenFill xmlns:a14="http://schemas.microsoft.com/office/drawing/2010/main" xmlns="">
+                <a14:hiddenFill xmlns="" xmlns:a14="http://schemas.microsoft.com/office/drawing/2010/main">
                   <a:solidFill>
                     <a:schemeClr val="accent1"/>
                   </a:solidFill>
                 </a14:hiddenFill>
               </a:ext>
               <a:ext uri="{91240B29-F687-4F45-9708-019B960494DF}">
-                <a14:hiddenLine xmlns:a14="http://schemas.microsoft.com/office/drawing/2010/main" xmlns="" w="9525">
+                <a14:hiddenLine xmlns="" xmlns:a14="http://schemas.microsoft.com/office/drawing/2010/main" w="9525">
                   <a:solidFill>
                     <a:schemeClr val="tx1"/>
                   </a:solidFill>
@@ -11618,7 +9061,7 @@
                 </a14:hiddenLine>
               </a:ext>
               <a:ext uri="{AF507438-7753-43E0-B8FC-AC1667EBCBE1}">
-                <a14:hiddenEffects xmlns:a14="http://schemas.microsoft.com/office/drawing/2010/main" xmlns="">
+                <a14:hiddenEffects xmlns="" xmlns:a14="http://schemas.microsoft.com/office/drawing/2010/main">
                   <a:effectLst>
                     <a:outerShdw dist="35921" dir="2700000" algn="ctr" rotWithShape="0">
                       <a:schemeClr val="bg2"/>
@@ -11674,7 +9117,2252 @@
     </p:spTree>
     <p:extLst>
       <p:ext uri="{BB962C8B-B14F-4D97-AF65-F5344CB8AC3E}">
-        <p14:creationId xmlns:p14="http://schemas.microsoft.com/office/powerpoint/2010/main" xmlns="" val="3391081395"/>
+        <p14:creationId xmlns="" xmlns:p14="http://schemas.microsoft.com/office/powerpoint/2010/main" val="3391081395"/>
+      </p:ext>
+    </p:extLst>
+  </p:cSld>
+  <p:clrMapOvr>
+    <a:masterClrMapping/>
+  </p:clrMapOvr>
+</p:sld>
+</file>
+
+<file path=ppt/slides/slide16.xml><?xml version="1.0" encoding="utf-8"?>
+<p:sld xmlns:a="http://schemas.openxmlformats.org/drawingml/2006/main" xmlns:r="http://schemas.openxmlformats.org/officeDocument/2006/relationships" xmlns:p="http://schemas.openxmlformats.org/presentationml/2006/main">
+  <p:cSld>
+    <p:spTree>
+      <p:nvGrpSpPr>
+        <p:cNvPr id="1" name=""/>
+        <p:cNvGrpSpPr/>
+        <p:nvPr/>
+      </p:nvGrpSpPr>
+      <p:grpSpPr>
+        <a:xfrm>
+          <a:off x="0" y="0"/>
+          <a:ext cx="0" cy="0"/>
+          <a:chOff x="0" y="0"/>
+          <a:chExt cx="0" cy="0"/>
+        </a:xfrm>
+      </p:grpSpPr>
+      <p:sp>
+        <p:nvSpPr>
+          <p:cNvPr id="2" name="Content Placeholder 1"/>
+          <p:cNvSpPr>
+            <a:spLocks noGrp="1"/>
+          </p:cNvSpPr>
+          <p:nvPr>
+            <p:ph sz="half" idx="1"/>
+          </p:nvPr>
+        </p:nvSpPr>
+        <p:spPr/>
+        <p:txBody>
+          <a:bodyPr/>
+          <a:lstStyle/>
+          <a:p>
+            <a:endParaRPr lang="en-US"/>
+          </a:p>
+        </p:txBody>
+      </p:sp>
+      <p:sp>
+        <p:nvSpPr>
+          <p:cNvPr id="3" name="Content Placeholder 2"/>
+          <p:cNvSpPr>
+            <a:spLocks noGrp="1"/>
+          </p:cNvSpPr>
+          <p:nvPr>
+            <p:ph sz="half" idx="2"/>
+          </p:nvPr>
+        </p:nvSpPr>
+        <p:spPr/>
+        <p:txBody>
+          <a:bodyPr/>
+          <a:lstStyle/>
+          <a:p>
+            <a:endParaRPr lang="en-US"/>
+          </a:p>
+        </p:txBody>
+      </p:sp>
+      <p:sp>
+        <p:nvSpPr>
+          <p:cNvPr id="4" name="Title 3"/>
+          <p:cNvSpPr>
+            <a:spLocks noGrp="1"/>
+          </p:cNvSpPr>
+          <p:nvPr>
+            <p:ph type="title"/>
+          </p:nvPr>
+        </p:nvSpPr>
+        <p:spPr/>
+        <p:txBody>
+          <a:bodyPr/>
+          <a:lstStyle/>
+          <a:p>
+            <a:r>
+              <a:rPr lang="en-US" dirty="0" err="1">
+                <a:latin typeface="Times New Roman" pitchFamily="18" charset="0"/>
+                <a:cs typeface="Times New Roman" pitchFamily="18" charset="0"/>
+              </a:rPr>
+              <a:t>Robotium</a:t>
+            </a:r>
+            <a:endParaRPr lang="en-US" dirty="0">
+              <a:latin typeface="Times New Roman" pitchFamily="18" charset="0"/>
+              <a:cs typeface="Times New Roman" pitchFamily="18" charset="0"/>
+            </a:endParaRPr>
+          </a:p>
+        </p:txBody>
+      </p:sp>
+      <p:sp>
+        <p:nvSpPr>
+          <p:cNvPr id="5" name="Rectangle 2"/>
+          <p:cNvSpPr>
+            <a:spLocks noChangeArrowheads="1"/>
+          </p:cNvSpPr>
+          <p:nvPr/>
+        </p:nvSpPr>
+        <p:spPr bwMode="auto">
+          <a:xfrm>
+            <a:off x="0" y="0"/>
+            <a:ext cx="9144000" cy="0"/>
+          </a:xfrm>
+          <a:prstGeom prst="rect">
+            <a:avLst/>
+          </a:prstGeom>
+          <a:noFill/>
+          <a:ln>
+            <a:noFill/>
+          </a:ln>
+          <a:effectLst/>
+          <a:extLst>
+            <a:ext uri="{909E8E84-426E-40DD-AFC4-6F175D3DCCD1}">
+              <a14:hiddenFill xmlns="" xmlns:a14="http://schemas.microsoft.com/office/drawing/2010/main">
+                <a:solidFill>
+                  <a:schemeClr val="accent1"/>
+                </a:solidFill>
+              </a14:hiddenFill>
+            </a:ext>
+            <a:ext uri="{91240B29-F687-4F45-9708-019B960494DF}">
+              <a14:hiddenLine xmlns="" xmlns:a14="http://schemas.microsoft.com/office/drawing/2010/main" w="9525">
+                <a:solidFill>
+                  <a:schemeClr val="tx1"/>
+                </a:solidFill>
+                <a:miter lim="800000"/>
+                <a:headEnd/>
+                <a:tailEnd/>
+              </a14:hiddenLine>
+            </a:ext>
+            <a:ext uri="{AF507438-7753-43E0-B8FC-AC1667EBCBE1}">
+              <a14:hiddenEffects xmlns="" xmlns:a14="http://schemas.microsoft.com/office/drawing/2010/main">
+                <a:effectLst>
+                  <a:outerShdw dist="35921" dir="2700000" algn="ctr" rotWithShape="0">
+                    <a:schemeClr val="bg2"/>
+                  </a:outerShdw>
+                </a:effectLst>
+              </a14:hiddenEffects>
+            </a:ext>
+          </a:extLst>
+        </p:spPr>
+        <p:txBody>
+          <a:bodyPr vert="horz" wrap="none" lIns="91440" tIns="45720" rIns="91440" bIns="45720" numCol="1" anchor="ctr" anchorCtr="0" compatLnSpc="1">
+            <a:prstTxWarp prst="textNoShape">
+              <a:avLst/>
+            </a:prstTxWarp>
+            <a:spAutoFit/>
+          </a:bodyPr>
+          <a:lstStyle/>
+          <a:p>
+            <a:endParaRPr lang="en-US"/>
+          </a:p>
+        </p:txBody>
+      </p:sp>
+      <p:graphicFrame>
+        <p:nvGraphicFramePr>
+          <p:cNvPr id="6" name="Object 5"/>
+          <p:cNvGraphicFramePr>
+            <a:graphicFrameLocks noChangeAspect="1"/>
+          </p:cNvGraphicFramePr>
+          <p:nvPr>
+            <p:extLst>
+              <p:ext uri="{D42A27DB-BD31-4B8C-83A1-F6EECF244321}">
+                <p14:modId xmlns="" xmlns:p14="http://schemas.microsoft.com/office/powerpoint/2010/main" val="3941052910"/>
+              </p:ext>
+            </p:extLst>
+          </p:nvPr>
+        </p:nvGraphicFramePr>
+        <p:xfrm>
+          <a:off x="1295400" y="1066800"/>
+          <a:ext cx="6172200" cy="4114800"/>
+        </p:xfrm>
+        <a:graphic>
+          <a:graphicData uri="http://schemas.openxmlformats.org/presentationml/2006/ole">
+            <p:oleObj spid="_x0000_s36866" name="Image" r:id="rId3" imgW="8229600" imgH="5486400" progId="">
+              <p:embed/>
+            </p:oleObj>
+          </a:graphicData>
+        </a:graphic>
+      </p:graphicFrame>
+    </p:spTree>
+    <p:extLst>
+      <p:ext uri="{BB962C8B-B14F-4D97-AF65-F5344CB8AC3E}">
+        <p14:creationId xmlns="" xmlns:p14="http://schemas.microsoft.com/office/powerpoint/2010/main" val="1382202276"/>
+      </p:ext>
+    </p:extLst>
+  </p:cSld>
+  <p:clrMapOvr>
+    <a:masterClrMapping/>
+  </p:clrMapOvr>
+</p:sld>
+</file>
+
+<file path=ppt/slides/slide17.xml><?xml version="1.0" encoding="utf-8"?>
+<p:sld xmlns:a="http://schemas.openxmlformats.org/drawingml/2006/main" xmlns:r="http://schemas.openxmlformats.org/officeDocument/2006/relationships" xmlns:p="http://schemas.openxmlformats.org/presentationml/2006/main">
+  <p:cSld>
+    <p:spTree>
+      <p:nvGrpSpPr>
+        <p:cNvPr id="1" name=""/>
+        <p:cNvGrpSpPr/>
+        <p:nvPr/>
+      </p:nvGrpSpPr>
+      <p:grpSpPr>
+        <a:xfrm>
+          <a:off x="0" y="0"/>
+          <a:ext cx="0" cy="0"/>
+          <a:chOff x="0" y="0"/>
+          <a:chExt cx="0" cy="0"/>
+        </a:xfrm>
+      </p:grpSpPr>
+      <p:sp>
+        <p:nvSpPr>
+          <p:cNvPr id="3" name="Content Placeholder 2"/>
+          <p:cNvSpPr>
+            <a:spLocks noGrp="1"/>
+          </p:cNvSpPr>
+          <p:nvPr>
+            <p:ph sz="half" idx="1"/>
+          </p:nvPr>
+        </p:nvSpPr>
+        <p:spPr>
+          <a:xfrm>
+            <a:off x="822960" y="1097280"/>
+            <a:ext cx="7559040" cy="3712464"/>
+          </a:xfrm>
+        </p:spPr>
+        <p:txBody>
+          <a:bodyPr>
+            <a:normAutofit fontScale="70000" lnSpcReduction="20000"/>
+          </a:bodyPr>
+          <a:lstStyle/>
+          <a:p>
+            <a:pPr>
+              <a:buFontTx/>
+              <a:buChar char="-"/>
+            </a:pPr>
+            <a:r>
+              <a:rPr lang="en-US" sz="1800" dirty="0" smtClean="0">
+                <a:latin typeface="Times New Roman" pitchFamily="18" charset="0"/>
+                <a:cs typeface="Times New Roman" pitchFamily="18" charset="0"/>
+              </a:rPr>
+              <a:t>Tool </a:t>
+            </a:r>
+            <a:r>
+              <a:rPr lang="en-US" sz="1800" dirty="0" err="1" smtClean="0">
+                <a:latin typeface="Times New Roman" pitchFamily="18" charset="0"/>
+                <a:cs typeface="Times New Roman" pitchFamily="18" charset="0"/>
+              </a:rPr>
+              <a:t>hỗ</a:t>
+            </a:r>
+            <a:r>
+              <a:rPr lang="en-US" sz="1800" dirty="0" smtClean="0">
+                <a:latin typeface="Times New Roman" pitchFamily="18" charset="0"/>
+                <a:cs typeface="Times New Roman" pitchFamily="18" charset="0"/>
+              </a:rPr>
+              <a:t> </a:t>
+            </a:r>
+            <a:r>
+              <a:rPr lang="en-US" sz="1800" dirty="0" err="1" smtClean="0">
+                <a:latin typeface="Times New Roman" pitchFamily="18" charset="0"/>
+                <a:cs typeface="Times New Roman" pitchFamily="18" charset="0"/>
+              </a:rPr>
+              <a:t>trợ</a:t>
+            </a:r>
+            <a:r>
+              <a:rPr lang="en-US" sz="1800" dirty="0" smtClean="0">
+                <a:latin typeface="Times New Roman" pitchFamily="18" charset="0"/>
+                <a:cs typeface="Times New Roman" pitchFamily="18" charset="0"/>
+              </a:rPr>
+              <a:t> test UI Android, IOS.</a:t>
+            </a:r>
+          </a:p>
+          <a:p>
+            <a:pPr>
+              <a:buFontTx/>
+              <a:buChar char="-"/>
+            </a:pPr>
+            <a:r>
+              <a:rPr lang="en-US" sz="1800" dirty="0" err="1" smtClean="0">
+                <a:latin typeface="Times New Roman" pitchFamily="18" charset="0"/>
+                <a:cs typeface="Times New Roman" pitchFamily="18" charset="0"/>
+              </a:rPr>
+              <a:t>Phù</a:t>
+            </a:r>
+            <a:r>
+              <a:rPr lang="en-US" sz="1800" dirty="0" smtClean="0">
+                <a:latin typeface="Times New Roman" pitchFamily="18" charset="0"/>
+                <a:cs typeface="Times New Roman" pitchFamily="18" charset="0"/>
+              </a:rPr>
+              <a:t> </a:t>
+            </a:r>
+            <a:r>
+              <a:rPr lang="en-US" sz="1800" dirty="0" err="1" smtClean="0">
+                <a:latin typeface="Times New Roman" pitchFamily="18" charset="0"/>
+                <a:cs typeface="Times New Roman" pitchFamily="18" charset="0"/>
+              </a:rPr>
+              <a:t>hợp</a:t>
+            </a:r>
+            <a:r>
+              <a:rPr lang="en-US" sz="1800" dirty="0" smtClean="0">
+                <a:latin typeface="Times New Roman" pitchFamily="18" charset="0"/>
+                <a:cs typeface="Times New Roman" pitchFamily="18" charset="0"/>
+              </a:rPr>
+              <a:t> </a:t>
+            </a:r>
+            <a:r>
+              <a:rPr lang="en-US" sz="1800" dirty="0" err="1" smtClean="0">
+                <a:latin typeface="Times New Roman" pitchFamily="18" charset="0"/>
+                <a:cs typeface="Times New Roman" pitchFamily="18" charset="0"/>
+              </a:rPr>
+              <a:t>cho</a:t>
+            </a:r>
+            <a:r>
+              <a:rPr lang="en-US" sz="1800" dirty="0" smtClean="0">
+                <a:latin typeface="Times New Roman" pitchFamily="18" charset="0"/>
+                <a:cs typeface="Times New Roman" pitchFamily="18" charset="0"/>
+              </a:rPr>
+              <a:t> tester.</a:t>
+            </a:r>
+          </a:p>
+          <a:p>
+            <a:pPr>
+              <a:buFontTx/>
+              <a:buChar char="-"/>
+            </a:pPr>
+            <a:r>
+              <a:rPr lang="en-US" sz="1800" dirty="0" smtClean="0">
+                <a:latin typeface="Times New Roman" pitchFamily="18" charset="0"/>
+                <a:cs typeface="Times New Roman" pitchFamily="18" charset="0"/>
+              </a:rPr>
+              <a:t>Support Android : 2.2</a:t>
+            </a:r>
+          </a:p>
+          <a:p>
+            <a:pPr>
+              <a:buFontTx/>
+              <a:buChar char="-"/>
+            </a:pPr>
+            <a:r>
+              <a:rPr lang="en-US" sz="1800" dirty="0" err="1" smtClean="0">
+                <a:latin typeface="Times New Roman" pitchFamily="18" charset="0"/>
+                <a:cs typeface="Times New Roman" pitchFamily="18" charset="0"/>
+              </a:rPr>
+              <a:t>Có</a:t>
+            </a:r>
+            <a:r>
+              <a:rPr lang="en-US" sz="1800" dirty="0" smtClean="0">
+                <a:latin typeface="Times New Roman" pitchFamily="18" charset="0"/>
+                <a:cs typeface="Times New Roman" pitchFamily="18" charset="0"/>
+              </a:rPr>
+              <a:t> report </a:t>
+            </a:r>
+            <a:r>
+              <a:rPr lang="en-US" sz="1800" dirty="0" err="1" smtClean="0">
+                <a:latin typeface="Times New Roman" pitchFamily="18" charset="0"/>
+                <a:cs typeface="Times New Roman" pitchFamily="18" charset="0"/>
+              </a:rPr>
+              <a:t>bằng</a:t>
+            </a:r>
+            <a:r>
+              <a:rPr lang="en-US" sz="1800" dirty="0" smtClean="0">
+                <a:latin typeface="Times New Roman" pitchFamily="18" charset="0"/>
+                <a:cs typeface="Times New Roman" pitchFamily="18" charset="0"/>
+              </a:rPr>
+              <a:t> </a:t>
+            </a:r>
+            <a:r>
+              <a:rPr lang="en-US" sz="1800" dirty="0" err="1" smtClean="0">
+                <a:latin typeface="Times New Roman" pitchFamily="18" charset="0"/>
+                <a:cs typeface="Times New Roman" pitchFamily="18" charset="0"/>
+              </a:rPr>
+              <a:t>hình</a:t>
+            </a:r>
+            <a:r>
+              <a:rPr lang="en-US" sz="1800" dirty="0" smtClean="0">
+                <a:latin typeface="Times New Roman" pitchFamily="18" charset="0"/>
+                <a:cs typeface="Times New Roman" pitchFamily="18" charset="0"/>
+              </a:rPr>
+              <a:t> </a:t>
+            </a:r>
+            <a:r>
+              <a:rPr lang="en-US" sz="1800" dirty="0" err="1" smtClean="0">
+                <a:latin typeface="Times New Roman" pitchFamily="18" charset="0"/>
+                <a:cs typeface="Times New Roman" pitchFamily="18" charset="0"/>
+              </a:rPr>
+              <a:t>ảnh</a:t>
+            </a:r>
+            <a:r>
+              <a:rPr lang="en-US" sz="1800" dirty="0" smtClean="0">
+                <a:latin typeface="Times New Roman" pitchFamily="18" charset="0"/>
+                <a:cs typeface="Times New Roman" pitchFamily="18" charset="0"/>
+              </a:rPr>
+              <a:t>.</a:t>
+            </a:r>
+          </a:p>
+          <a:p>
+            <a:pPr>
+              <a:buFontTx/>
+              <a:buChar char="-"/>
+            </a:pPr>
+            <a:r>
+              <a:rPr lang="en-US" sz="1800" dirty="0" err="1" smtClean="0">
+                <a:latin typeface="Times New Roman" pitchFamily="18" charset="0"/>
+                <a:cs typeface="Times New Roman" pitchFamily="18" charset="0"/>
+              </a:rPr>
+              <a:t>Kết</a:t>
+            </a:r>
+            <a:r>
+              <a:rPr lang="en-US" sz="1800" dirty="0" smtClean="0">
+                <a:latin typeface="Times New Roman" pitchFamily="18" charset="0"/>
+                <a:cs typeface="Times New Roman" pitchFamily="18" charset="0"/>
+              </a:rPr>
+              <a:t> </a:t>
+            </a:r>
+            <a:r>
+              <a:rPr lang="en-US" sz="1800" dirty="0" err="1" smtClean="0">
+                <a:latin typeface="Times New Roman" pitchFamily="18" charset="0"/>
+                <a:cs typeface="Times New Roman" pitchFamily="18" charset="0"/>
+              </a:rPr>
+              <a:t>nối</a:t>
+            </a:r>
+            <a:r>
+              <a:rPr lang="en-US" sz="1800" dirty="0" smtClean="0">
+                <a:latin typeface="Times New Roman" pitchFamily="18" charset="0"/>
+                <a:cs typeface="Times New Roman" pitchFamily="18" charset="0"/>
+              </a:rPr>
+              <a:t> </a:t>
+            </a:r>
+            <a:r>
+              <a:rPr lang="en-US" sz="1800" dirty="0" err="1" smtClean="0">
+                <a:latin typeface="Times New Roman" pitchFamily="18" charset="0"/>
+                <a:cs typeface="Times New Roman" pitchFamily="18" charset="0"/>
+              </a:rPr>
+              <a:t>thiết</a:t>
+            </a:r>
+            <a:r>
+              <a:rPr lang="en-US" sz="1800" dirty="0" smtClean="0">
+                <a:latin typeface="Times New Roman" pitchFamily="18" charset="0"/>
+                <a:cs typeface="Times New Roman" pitchFamily="18" charset="0"/>
+              </a:rPr>
+              <a:t> </a:t>
+            </a:r>
+            <a:r>
+              <a:rPr lang="en-US" sz="1800" dirty="0" err="1" smtClean="0">
+                <a:latin typeface="Times New Roman" pitchFamily="18" charset="0"/>
+                <a:cs typeface="Times New Roman" pitchFamily="18" charset="0"/>
+              </a:rPr>
+              <a:t>bị</a:t>
+            </a:r>
+            <a:r>
+              <a:rPr lang="en-US" sz="1800" dirty="0" smtClean="0">
+                <a:latin typeface="Times New Roman" pitchFamily="18" charset="0"/>
+                <a:cs typeface="Times New Roman" pitchFamily="18" charset="0"/>
+              </a:rPr>
+              <a:t> qua </a:t>
+            </a:r>
+            <a:r>
+              <a:rPr lang="en-US" sz="1800" dirty="0" err="1" smtClean="0">
+                <a:latin typeface="Times New Roman" pitchFamily="18" charset="0"/>
+                <a:cs typeface="Times New Roman" pitchFamily="18" charset="0"/>
+              </a:rPr>
+              <a:t>wifi</a:t>
+            </a:r>
+            <a:r>
+              <a:rPr lang="en-US" sz="1800" dirty="0" smtClean="0">
+                <a:latin typeface="Times New Roman" pitchFamily="18" charset="0"/>
+                <a:cs typeface="Times New Roman" pitchFamily="18" charset="0"/>
+              </a:rPr>
+              <a:t>, USB.</a:t>
+            </a:r>
+          </a:p>
+          <a:p>
+            <a:pPr>
+              <a:buFontTx/>
+              <a:buChar char="-"/>
+            </a:pPr>
+            <a:r>
+              <a:rPr lang="en-US" sz="1800" dirty="0" err="1" smtClean="0">
+                <a:latin typeface="Times New Roman" pitchFamily="18" charset="0"/>
+                <a:cs typeface="Times New Roman" pitchFamily="18" charset="0"/>
+              </a:rPr>
+              <a:t>Xây</a:t>
+            </a:r>
+            <a:r>
+              <a:rPr lang="en-US" sz="1800" dirty="0" smtClean="0">
+                <a:latin typeface="Times New Roman" pitchFamily="18" charset="0"/>
+                <a:cs typeface="Times New Roman" pitchFamily="18" charset="0"/>
+              </a:rPr>
+              <a:t> </a:t>
+            </a:r>
+            <a:r>
+              <a:rPr lang="en-US" sz="1800" dirty="0" err="1" smtClean="0">
+                <a:latin typeface="Times New Roman" pitchFamily="18" charset="0"/>
+                <a:cs typeface="Times New Roman" pitchFamily="18" charset="0"/>
+              </a:rPr>
+              <a:t>dựng</a:t>
+            </a:r>
+            <a:r>
+              <a:rPr lang="en-US" sz="1800" dirty="0" smtClean="0">
+                <a:latin typeface="Times New Roman" pitchFamily="18" charset="0"/>
+                <a:cs typeface="Times New Roman" pitchFamily="18" charset="0"/>
+              </a:rPr>
+              <a:t> </a:t>
+            </a:r>
+            <a:r>
+              <a:rPr lang="en-US" sz="1800" dirty="0" err="1" smtClean="0">
+                <a:latin typeface="Times New Roman" pitchFamily="18" charset="0"/>
+                <a:cs typeface="Times New Roman" pitchFamily="18" charset="0"/>
+              </a:rPr>
+              <a:t>testcase</a:t>
+            </a:r>
+            <a:r>
+              <a:rPr lang="en-US" sz="1800" dirty="0" smtClean="0">
+                <a:latin typeface="Times New Roman" pitchFamily="18" charset="0"/>
+                <a:cs typeface="Times New Roman" pitchFamily="18" charset="0"/>
+              </a:rPr>
+              <a:t> </a:t>
+            </a:r>
+            <a:r>
+              <a:rPr lang="en-US" sz="1800" dirty="0" err="1" smtClean="0">
+                <a:latin typeface="Times New Roman" pitchFamily="18" charset="0"/>
+                <a:cs typeface="Times New Roman" pitchFamily="18" charset="0"/>
+              </a:rPr>
+              <a:t>đơn</a:t>
+            </a:r>
+            <a:r>
+              <a:rPr lang="en-US" sz="1800" dirty="0" smtClean="0">
+                <a:latin typeface="Times New Roman" pitchFamily="18" charset="0"/>
+                <a:cs typeface="Times New Roman" pitchFamily="18" charset="0"/>
+              </a:rPr>
+              <a:t> </a:t>
+            </a:r>
+            <a:r>
+              <a:rPr lang="en-US" sz="1800" dirty="0" err="1" smtClean="0">
+                <a:latin typeface="Times New Roman" pitchFamily="18" charset="0"/>
+                <a:cs typeface="Times New Roman" pitchFamily="18" charset="0"/>
+              </a:rPr>
+              <a:t>giản</a:t>
+            </a:r>
+            <a:r>
+              <a:rPr lang="en-US" sz="1800" dirty="0" smtClean="0">
+                <a:latin typeface="Times New Roman" pitchFamily="18" charset="0"/>
+                <a:cs typeface="Times New Roman" pitchFamily="18" charset="0"/>
+              </a:rPr>
+              <a:t>, </a:t>
+            </a:r>
+            <a:r>
+              <a:rPr lang="en-US" sz="1800" dirty="0" err="1" smtClean="0">
+                <a:latin typeface="Times New Roman" pitchFamily="18" charset="0"/>
+                <a:cs typeface="Times New Roman" pitchFamily="18" charset="0"/>
+              </a:rPr>
+              <a:t>theo</a:t>
+            </a:r>
+            <a:r>
+              <a:rPr lang="en-US" sz="1800" dirty="0" smtClean="0">
+                <a:latin typeface="Times New Roman" pitchFamily="18" charset="0"/>
+                <a:cs typeface="Times New Roman" pitchFamily="18" charset="0"/>
+              </a:rPr>
+              <a:t> </a:t>
+            </a:r>
+            <a:r>
+              <a:rPr lang="en-US" sz="1800" dirty="0" err="1" smtClean="0">
+                <a:latin typeface="Times New Roman" pitchFamily="18" charset="0"/>
+                <a:cs typeface="Times New Roman" pitchFamily="18" charset="0"/>
+              </a:rPr>
+              <a:t>hướng</a:t>
+            </a:r>
+            <a:r>
+              <a:rPr lang="en-US" sz="1800" dirty="0" smtClean="0">
+                <a:latin typeface="Times New Roman" pitchFamily="18" charset="0"/>
+                <a:cs typeface="Times New Roman" pitchFamily="18" charset="0"/>
+              </a:rPr>
+              <a:t> </a:t>
+            </a:r>
+            <a:r>
+              <a:rPr lang="en-US" sz="1800" dirty="0" err="1" smtClean="0">
+                <a:latin typeface="Times New Roman" pitchFamily="18" charset="0"/>
+                <a:cs typeface="Times New Roman" pitchFamily="18" charset="0"/>
+              </a:rPr>
+              <a:t>dữ</a:t>
+            </a:r>
+            <a:r>
+              <a:rPr lang="en-US" sz="1800" dirty="0" smtClean="0">
+                <a:latin typeface="Times New Roman" pitchFamily="18" charset="0"/>
+                <a:cs typeface="Times New Roman" pitchFamily="18" charset="0"/>
+              </a:rPr>
+              <a:t> </a:t>
+            </a:r>
+            <a:r>
+              <a:rPr lang="en-US" sz="1800" dirty="0" err="1" smtClean="0">
+                <a:latin typeface="Times New Roman" pitchFamily="18" charset="0"/>
+                <a:cs typeface="Times New Roman" pitchFamily="18" charset="0"/>
+              </a:rPr>
+              <a:t>liệu</a:t>
+            </a:r>
+            <a:r>
+              <a:rPr lang="en-US" sz="1800" dirty="0" smtClean="0">
+                <a:latin typeface="Times New Roman" pitchFamily="18" charset="0"/>
+                <a:cs typeface="Times New Roman" pitchFamily="18" charset="0"/>
+              </a:rPr>
+              <a:t>, xml qua android tool.</a:t>
+            </a:r>
+          </a:p>
+          <a:p>
+            <a:pPr>
+              <a:buFontTx/>
+              <a:buChar char="-"/>
+            </a:pPr>
+            <a:r>
+              <a:rPr lang="en-US" sz="1800" dirty="0" err="1" smtClean="0">
+                <a:latin typeface="Times New Roman" pitchFamily="18" charset="0"/>
+                <a:cs typeface="Times New Roman" pitchFamily="18" charset="0"/>
+              </a:rPr>
+              <a:t>Thao</a:t>
+            </a:r>
+            <a:r>
+              <a:rPr lang="en-US" sz="1800" dirty="0" smtClean="0">
+                <a:latin typeface="Times New Roman" pitchFamily="18" charset="0"/>
+                <a:cs typeface="Times New Roman" pitchFamily="18" charset="0"/>
+              </a:rPr>
+              <a:t> </a:t>
+            </a:r>
+            <a:r>
+              <a:rPr lang="en-US" sz="1800" dirty="0" err="1" smtClean="0">
+                <a:latin typeface="Times New Roman" pitchFamily="18" charset="0"/>
+                <a:cs typeface="Times New Roman" pitchFamily="18" charset="0"/>
+              </a:rPr>
+              <a:t>tác</a:t>
+            </a:r>
+            <a:r>
+              <a:rPr lang="en-US" sz="1800" dirty="0" smtClean="0">
+                <a:latin typeface="Times New Roman" pitchFamily="18" charset="0"/>
+                <a:cs typeface="Times New Roman" pitchFamily="18" charset="0"/>
+              </a:rPr>
+              <a:t> </a:t>
+            </a:r>
+            <a:r>
+              <a:rPr lang="en-US" sz="1800" dirty="0" err="1" smtClean="0">
+                <a:latin typeface="Times New Roman" pitchFamily="18" charset="0"/>
+                <a:cs typeface="Times New Roman" pitchFamily="18" charset="0"/>
+              </a:rPr>
+              <a:t>đơn</a:t>
+            </a:r>
+            <a:r>
+              <a:rPr lang="en-US" sz="1800" dirty="0" smtClean="0">
+                <a:latin typeface="Times New Roman" pitchFamily="18" charset="0"/>
+                <a:cs typeface="Times New Roman" pitchFamily="18" charset="0"/>
+              </a:rPr>
+              <a:t> </a:t>
+            </a:r>
+            <a:r>
+              <a:rPr lang="en-US" sz="1800" dirty="0" err="1" smtClean="0">
+                <a:latin typeface="Times New Roman" pitchFamily="18" charset="0"/>
+                <a:cs typeface="Times New Roman" pitchFamily="18" charset="0"/>
+              </a:rPr>
+              <a:t>giản</a:t>
+            </a:r>
+            <a:r>
+              <a:rPr lang="en-US" sz="1800" dirty="0" smtClean="0">
+                <a:latin typeface="Times New Roman" pitchFamily="18" charset="0"/>
+                <a:cs typeface="Times New Roman" pitchFamily="18" charset="0"/>
+              </a:rPr>
+              <a:t>.</a:t>
+            </a:r>
+          </a:p>
+          <a:p>
+            <a:pPr>
+              <a:buFontTx/>
+              <a:buChar char="-"/>
+            </a:pPr>
+            <a:r>
+              <a:rPr lang="en-US" sz="1800" dirty="0" err="1" smtClean="0">
+                <a:latin typeface="Times New Roman" pitchFamily="18" charset="0"/>
+                <a:cs typeface="Times New Roman" pitchFamily="18" charset="0"/>
+              </a:rPr>
+              <a:t>Hỗ</a:t>
+            </a:r>
+            <a:r>
+              <a:rPr lang="en-US" sz="1800" dirty="0" smtClean="0">
+                <a:latin typeface="Times New Roman" pitchFamily="18" charset="0"/>
+                <a:cs typeface="Times New Roman" pitchFamily="18" charset="0"/>
+              </a:rPr>
+              <a:t> </a:t>
+            </a:r>
+            <a:r>
+              <a:rPr lang="en-US" sz="1800" dirty="0" err="1" smtClean="0">
+                <a:latin typeface="Times New Roman" pitchFamily="18" charset="0"/>
+                <a:cs typeface="Times New Roman" pitchFamily="18" charset="0"/>
+              </a:rPr>
+              <a:t>trợ</a:t>
+            </a:r>
+            <a:r>
+              <a:rPr lang="en-US" sz="1800" dirty="0" smtClean="0">
+                <a:latin typeface="Times New Roman" pitchFamily="18" charset="0"/>
+                <a:cs typeface="Times New Roman" pitchFamily="18" charset="0"/>
+              </a:rPr>
+              <a:t> </a:t>
+            </a:r>
+            <a:r>
+              <a:rPr lang="en-US" sz="1800" dirty="0" err="1" smtClean="0">
+                <a:latin typeface="Times New Roman" pitchFamily="18" charset="0"/>
+                <a:cs typeface="Times New Roman" pitchFamily="18" charset="0"/>
+              </a:rPr>
+              <a:t>kiêm</a:t>
+            </a:r>
+            <a:r>
+              <a:rPr lang="en-US" sz="1800" dirty="0" smtClean="0">
+                <a:latin typeface="Times New Roman" pitchFamily="18" charset="0"/>
+                <a:cs typeface="Times New Roman" pitchFamily="18" charset="0"/>
+              </a:rPr>
+              <a:t> </a:t>
+            </a:r>
+            <a:r>
+              <a:rPr lang="en-US" sz="1800" dirty="0" err="1" smtClean="0">
+                <a:latin typeface="Times New Roman" pitchFamily="18" charset="0"/>
+                <a:cs typeface="Times New Roman" pitchFamily="18" charset="0"/>
+              </a:rPr>
+              <a:t>tra</a:t>
+            </a:r>
+            <a:r>
+              <a:rPr lang="en-US" sz="1800" dirty="0" smtClean="0">
+                <a:latin typeface="Times New Roman" pitchFamily="18" charset="0"/>
+                <a:cs typeface="Times New Roman" pitchFamily="18" charset="0"/>
+              </a:rPr>
+              <a:t> </a:t>
+            </a:r>
+            <a:r>
+              <a:rPr lang="en-US" sz="1800" dirty="0" err="1" smtClean="0">
+                <a:latin typeface="Times New Roman" pitchFamily="18" charset="0"/>
+                <a:cs typeface="Times New Roman" pitchFamily="18" charset="0"/>
+              </a:rPr>
+              <a:t>kết</a:t>
+            </a:r>
+            <a:r>
+              <a:rPr lang="en-US" sz="1800" dirty="0" smtClean="0">
+                <a:latin typeface="Times New Roman" pitchFamily="18" charset="0"/>
+                <a:cs typeface="Times New Roman" pitchFamily="18" charset="0"/>
+              </a:rPr>
+              <a:t> </a:t>
+            </a:r>
+            <a:r>
+              <a:rPr lang="en-US" sz="1800" dirty="0" err="1" smtClean="0">
+                <a:latin typeface="Times New Roman" pitchFamily="18" charset="0"/>
+                <a:cs typeface="Times New Roman" pitchFamily="18" charset="0"/>
+              </a:rPr>
+              <a:t>quả</a:t>
+            </a:r>
+            <a:r>
+              <a:rPr lang="en-US" sz="1800" dirty="0" smtClean="0">
+                <a:latin typeface="Times New Roman" pitchFamily="18" charset="0"/>
+                <a:cs typeface="Times New Roman" pitchFamily="18" charset="0"/>
+              </a:rPr>
+              <a:t>.</a:t>
+            </a:r>
+          </a:p>
+          <a:p>
+            <a:pPr>
+              <a:buFontTx/>
+              <a:buChar char="-"/>
+            </a:pPr>
+            <a:r>
+              <a:rPr lang="en-US" sz="1800" dirty="0" err="1" smtClean="0">
+                <a:latin typeface="Times New Roman" pitchFamily="18" charset="0"/>
+                <a:cs typeface="Times New Roman" pitchFamily="18" charset="0"/>
+              </a:rPr>
+              <a:t>Thao</a:t>
+            </a:r>
+            <a:r>
+              <a:rPr lang="en-US" sz="1800" dirty="0" smtClean="0">
+                <a:latin typeface="Times New Roman" pitchFamily="18" charset="0"/>
+                <a:cs typeface="Times New Roman" pitchFamily="18" charset="0"/>
+              </a:rPr>
+              <a:t> </a:t>
+            </a:r>
+            <a:r>
+              <a:rPr lang="en-US" sz="1800" dirty="0" err="1" smtClean="0">
+                <a:latin typeface="Times New Roman" pitchFamily="18" charset="0"/>
+                <a:cs typeface="Times New Roman" pitchFamily="18" charset="0"/>
+              </a:rPr>
+              <a:t>tác</a:t>
+            </a:r>
+            <a:r>
+              <a:rPr lang="en-US" sz="1800" dirty="0" smtClean="0">
+                <a:latin typeface="Times New Roman" pitchFamily="18" charset="0"/>
+                <a:cs typeface="Times New Roman" pitchFamily="18" charset="0"/>
+              </a:rPr>
+              <a:t> </a:t>
+            </a:r>
+            <a:r>
+              <a:rPr lang="en-US" sz="1800" dirty="0" err="1" smtClean="0">
+                <a:latin typeface="Times New Roman" pitchFamily="18" charset="0"/>
+                <a:cs typeface="Times New Roman" pitchFamily="18" charset="0"/>
+              </a:rPr>
+              <a:t>đơn</a:t>
+            </a:r>
+            <a:r>
+              <a:rPr lang="en-US" sz="1800" dirty="0" smtClean="0">
+                <a:latin typeface="Times New Roman" pitchFamily="18" charset="0"/>
+                <a:cs typeface="Times New Roman" pitchFamily="18" charset="0"/>
+              </a:rPr>
+              <a:t> </a:t>
+            </a:r>
+            <a:r>
+              <a:rPr lang="en-US" sz="1800" dirty="0" err="1" smtClean="0">
+                <a:latin typeface="Times New Roman" pitchFamily="18" charset="0"/>
+                <a:cs typeface="Times New Roman" pitchFamily="18" charset="0"/>
+              </a:rPr>
+              <a:t>giản</a:t>
+            </a:r>
+            <a:r>
+              <a:rPr lang="en-US" sz="1800" dirty="0" smtClean="0">
+                <a:latin typeface="Times New Roman" pitchFamily="18" charset="0"/>
+                <a:cs typeface="Times New Roman" pitchFamily="18" charset="0"/>
+              </a:rPr>
+              <a:t>.</a:t>
+            </a:r>
+          </a:p>
+          <a:p>
+            <a:pPr>
+              <a:buFontTx/>
+              <a:buChar char="-"/>
+            </a:pPr>
+            <a:r>
+              <a:rPr lang="en-US" sz="1800" dirty="0" err="1" smtClean="0">
+                <a:latin typeface="Times New Roman" pitchFamily="18" charset="0"/>
+                <a:cs typeface="Times New Roman" pitchFamily="18" charset="0"/>
+              </a:rPr>
+              <a:t>Ghi</a:t>
+            </a:r>
+            <a:r>
+              <a:rPr lang="en-US" sz="1800" dirty="0" smtClean="0">
+                <a:latin typeface="Times New Roman" pitchFamily="18" charset="0"/>
+                <a:cs typeface="Times New Roman" pitchFamily="18" charset="0"/>
+              </a:rPr>
+              <a:t> </a:t>
+            </a:r>
+            <a:r>
+              <a:rPr lang="en-US" sz="1800" dirty="0" err="1" smtClean="0">
+                <a:latin typeface="Times New Roman" pitchFamily="18" charset="0"/>
+                <a:cs typeface="Times New Roman" pitchFamily="18" charset="0"/>
+              </a:rPr>
+              <a:t>lại</a:t>
+            </a:r>
+            <a:r>
+              <a:rPr lang="en-US" sz="1800" dirty="0" smtClean="0">
+                <a:latin typeface="Times New Roman" pitchFamily="18" charset="0"/>
+                <a:cs typeface="Times New Roman" pitchFamily="18" charset="0"/>
+              </a:rPr>
+              <a:t> </a:t>
+            </a:r>
+            <a:r>
+              <a:rPr lang="en-US" sz="1800" dirty="0" err="1" smtClean="0">
+                <a:latin typeface="Times New Roman" pitchFamily="18" charset="0"/>
+                <a:cs typeface="Times New Roman" pitchFamily="18" charset="0"/>
+              </a:rPr>
+              <a:t>các</a:t>
+            </a:r>
+            <a:r>
+              <a:rPr lang="en-US" sz="1800" dirty="0" smtClean="0">
+                <a:latin typeface="Times New Roman" pitchFamily="18" charset="0"/>
+                <a:cs typeface="Times New Roman" pitchFamily="18" charset="0"/>
+              </a:rPr>
+              <a:t> </a:t>
+            </a:r>
+            <a:r>
+              <a:rPr lang="en-US" sz="1800" dirty="0" err="1" smtClean="0">
+                <a:latin typeface="Times New Roman" pitchFamily="18" charset="0"/>
+                <a:cs typeface="Times New Roman" pitchFamily="18" charset="0"/>
+              </a:rPr>
+              <a:t>thao</a:t>
+            </a:r>
+            <a:r>
+              <a:rPr lang="en-US" sz="1800" dirty="0" smtClean="0">
+                <a:latin typeface="Times New Roman" pitchFamily="18" charset="0"/>
+                <a:cs typeface="Times New Roman" pitchFamily="18" charset="0"/>
+              </a:rPr>
+              <a:t> </a:t>
+            </a:r>
+            <a:r>
+              <a:rPr lang="en-US" sz="1800" dirty="0" err="1" smtClean="0">
+                <a:latin typeface="Times New Roman" pitchFamily="18" charset="0"/>
+                <a:cs typeface="Times New Roman" pitchFamily="18" charset="0"/>
+              </a:rPr>
+              <a:t>tác</a:t>
+            </a:r>
+            <a:r>
+              <a:rPr lang="en-US" sz="1800" dirty="0" smtClean="0">
+                <a:latin typeface="Times New Roman" pitchFamily="18" charset="0"/>
+                <a:cs typeface="Times New Roman" pitchFamily="18" charset="0"/>
+              </a:rPr>
+              <a:t> </a:t>
+            </a:r>
+            <a:r>
+              <a:rPr lang="en-US" sz="1800" dirty="0" err="1" smtClean="0">
+                <a:latin typeface="Times New Roman" pitchFamily="18" charset="0"/>
+                <a:cs typeface="Times New Roman" pitchFamily="18" charset="0"/>
+              </a:rPr>
+              <a:t>đã</a:t>
+            </a:r>
+            <a:r>
+              <a:rPr lang="en-US" sz="1800" dirty="0" smtClean="0">
+                <a:latin typeface="Times New Roman" pitchFamily="18" charset="0"/>
+                <a:cs typeface="Times New Roman" pitchFamily="18" charset="0"/>
+              </a:rPr>
+              <a:t> </a:t>
+            </a:r>
+            <a:r>
+              <a:rPr lang="en-US" sz="1800" dirty="0" err="1" smtClean="0">
+                <a:latin typeface="Times New Roman" pitchFamily="18" charset="0"/>
+                <a:cs typeface="Times New Roman" pitchFamily="18" charset="0"/>
+              </a:rPr>
+              <a:t>thực</a:t>
+            </a:r>
+            <a:r>
+              <a:rPr lang="en-US" sz="1800" dirty="0" smtClean="0">
+                <a:latin typeface="Times New Roman" pitchFamily="18" charset="0"/>
+                <a:cs typeface="Times New Roman" pitchFamily="18" charset="0"/>
+              </a:rPr>
+              <a:t> </a:t>
+            </a:r>
+            <a:r>
+              <a:rPr lang="en-US" sz="1800" dirty="0" err="1" smtClean="0">
+                <a:latin typeface="Times New Roman" pitchFamily="18" charset="0"/>
+                <a:cs typeface="Times New Roman" pitchFamily="18" charset="0"/>
+              </a:rPr>
+              <a:t>hiện</a:t>
+            </a:r>
+            <a:r>
+              <a:rPr lang="en-US" sz="1800" dirty="0" smtClean="0">
+                <a:latin typeface="Times New Roman" pitchFamily="18" charset="0"/>
+                <a:cs typeface="Times New Roman" pitchFamily="18" charset="0"/>
+              </a:rPr>
+              <a:t>, </a:t>
+            </a:r>
+            <a:r>
+              <a:rPr lang="en-US" sz="1800" dirty="0" err="1" smtClean="0">
+                <a:latin typeface="Times New Roman" pitchFamily="18" charset="0"/>
+                <a:cs typeface="Times New Roman" pitchFamily="18" charset="0"/>
+              </a:rPr>
+              <a:t>có</a:t>
+            </a:r>
+            <a:r>
+              <a:rPr lang="en-US" sz="1800" dirty="0" smtClean="0">
+                <a:latin typeface="Times New Roman" pitchFamily="18" charset="0"/>
+                <a:cs typeface="Times New Roman" pitchFamily="18" charset="0"/>
+              </a:rPr>
+              <a:t> </a:t>
+            </a:r>
+            <a:r>
+              <a:rPr lang="en-US" sz="1800" dirty="0" err="1" smtClean="0">
+                <a:latin typeface="Times New Roman" pitchFamily="18" charset="0"/>
+                <a:cs typeface="Times New Roman" pitchFamily="18" charset="0"/>
+              </a:rPr>
+              <a:t>thể</a:t>
+            </a:r>
+            <a:r>
+              <a:rPr lang="en-US" sz="1800" dirty="0" smtClean="0">
+                <a:latin typeface="Times New Roman" pitchFamily="18" charset="0"/>
+                <a:cs typeface="Times New Roman" pitchFamily="18" charset="0"/>
+              </a:rPr>
+              <a:t> </a:t>
+            </a:r>
+            <a:r>
+              <a:rPr lang="en-US" sz="1800" dirty="0" err="1" smtClean="0">
+                <a:latin typeface="Times New Roman" pitchFamily="18" charset="0"/>
+                <a:cs typeface="Times New Roman" pitchFamily="18" charset="0"/>
+              </a:rPr>
+              <a:t>xem</a:t>
+            </a:r>
+            <a:r>
+              <a:rPr lang="en-US" sz="1800" dirty="0" smtClean="0">
+                <a:latin typeface="Times New Roman" pitchFamily="18" charset="0"/>
+                <a:cs typeface="Times New Roman" pitchFamily="18" charset="0"/>
+              </a:rPr>
+              <a:t> </a:t>
+            </a:r>
+            <a:r>
+              <a:rPr lang="en-US" sz="1800" dirty="0" err="1" smtClean="0">
+                <a:latin typeface="Times New Roman" pitchFamily="18" charset="0"/>
+                <a:cs typeface="Times New Roman" pitchFamily="18" charset="0"/>
+              </a:rPr>
+              <a:t>lại</a:t>
+            </a:r>
+            <a:r>
+              <a:rPr lang="en-US" sz="1800" dirty="0" smtClean="0">
+                <a:latin typeface="Times New Roman" pitchFamily="18" charset="0"/>
+                <a:cs typeface="Times New Roman" pitchFamily="18" charset="0"/>
+              </a:rPr>
+              <a:t> </a:t>
+            </a:r>
+            <a:r>
+              <a:rPr lang="en-US" sz="1800" dirty="0" err="1" smtClean="0">
+                <a:latin typeface="Times New Roman" pitchFamily="18" charset="0"/>
+                <a:cs typeface="Times New Roman" pitchFamily="18" charset="0"/>
+              </a:rPr>
+              <a:t>quá</a:t>
+            </a:r>
+            <a:r>
+              <a:rPr lang="en-US" sz="1800" dirty="0" smtClean="0">
+                <a:latin typeface="Times New Roman" pitchFamily="18" charset="0"/>
+                <a:cs typeface="Times New Roman" pitchFamily="18" charset="0"/>
+              </a:rPr>
+              <a:t> </a:t>
+            </a:r>
+            <a:r>
+              <a:rPr lang="en-US" sz="1800" dirty="0" err="1" smtClean="0">
+                <a:latin typeface="Times New Roman" pitchFamily="18" charset="0"/>
+                <a:cs typeface="Times New Roman" pitchFamily="18" charset="0"/>
+              </a:rPr>
+              <a:t>trình</a:t>
+            </a:r>
+            <a:r>
+              <a:rPr lang="en-US" sz="1800" dirty="0" smtClean="0">
+                <a:latin typeface="Times New Roman" pitchFamily="18" charset="0"/>
+                <a:cs typeface="Times New Roman" pitchFamily="18" charset="0"/>
+              </a:rPr>
+              <a:t> test </a:t>
+            </a:r>
+            <a:r>
+              <a:rPr lang="en-US" sz="1800" dirty="0" err="1" smtClean="0">
+                <a:latin typeface="Times New Roman" pitchFamily="18" charset="0"/>
+                <a:cs typeface="Times New Roman" pitchFamily="18" charset="0"/>
+              </a:rPr>
+              <a:t>đơn</a:t>
+            </a:r>
+            <a:r>
+              <a:rPr lang="en-US" sz="1800" dirty="0" smtClean="0">
+                <a:latin typeface="Times New Roman" pitchFamily="18" charset="0"/>
+                <a:cs typeface="Times New Roman" pitchFamily="18" charset="0"/>
+              </a:rPr>
+              <a:t> </a:t>
+            </a:r>
+            <a:r>
+              <a:rPr lang="en-US" sz="1800" dirty="0" err="1" smtClean="0">
+                <a:latin typeface="Times New Roman" pitchFamily="18" charset="0"/>
+                <a:cs typeface="Times New Roman" pitchFamily="18" charset="0"/>
+              </a:rPr>
+              <a:t>giản</a:t>
+            </a:r>
+            <a:r>
+              <a:rPr lang="en-US" sz="1800" dirty="0" smtClean="0">
+                <a:latin typeface="Times New Roman" pitchFamily="18" charset="0"/>
+                <a:cs typeface="Times New Roman" pitchFamily="18" charset="0"/>
+              </a:rPr>
+              <a:t>.</a:t>
+            </a:r>
+          </a:p>
+          <a:p>
+            <a:pPr>
+              <a:buFontTx/>
+              <a:buChar char="-"/>
+            </a:pPr>
+            <a:r>
+              <a:rPr lang="en-US" sz="1800" dirty="0" err="1" smtClean="0">
+                <a:latin typeface="Times New Roman" pitchFamily="18" charset="0"/>
+                <a:cs typeface="Times New Roman" pitchFamily="18" charset="0"/>
+              </a:rPr>
+              <a:t>Mất</a:t>
+            </a:r>
+            <a:r>
+              <a:rPr lang="en-US" sz="1800" dirty="0" smtClean="0">
+                <a:latin typeface="Times New Roman" pitchFamily="18" charset="0"/>
+                <a:cs typeface="Times New Roman" pitchFamily="18" charset="0"/>
+              </a:rPr>
+              <a:t> </a:t>
+            </a:r>
+            <a:r>
+              <a:rPr lang="en-US" sz="1800" dirty="0" err="1" smtClean="0">
+                <a:latin typeface="Times New Roman" pitchFamily="18" charset="0"/>
+                <a:cs typeface="Times New Roman" pitchFamily="18" charset="0"/>
+              </a:rPr>
+              <a:t>phí</a:t>
+            </a:r>
+            <a:r>
+              <a:rPr lang="en-US" sz="1800" dirty="0" smtClean="0">
+                <a:latin typeface="Times New Roman" pitchFamily="18" charset="0"/>
+                <a:cs typeface="Times New Roman" pitchFamily="18" charset="0"/>
+              </a:rPr>
+              <a:t>.</a:t>
+            </a:r>
+          </a:p>
+          <a:p>
+            <a:pPr>
+              <a:buFontTx/>
+              <a:buChar char="-"/>
+            </a:pPr>
+            <a:r>
+              <a:rPr lang="en-US" sz="1800" dirty="0" err="1" smtClean="0">
+                <a:latin typeface="Times New Roman" pitchFamily="18" charset="0"/>
+                <a:cs typeface="Times New Roman" pitchFamily="18" charset="0"/>
+              </a:rPr>
+              <a:t>Phải</a:t>
+            </a:r>
+            <a:r>
+              <a:rPr lang="en-US" sz="1800" dirty="0" smtClean="0">
+                <a:latin typeface="Times New Roman" pitchFamily="18" charset="0"/>
+                <a:cs typeface="Times New Roman" pitchFamily="18" charset="0"/>
+              </a:rPr>
+              <a:t> </a:t>
+            </a:r>
+            <a:r>
+              <a:rPr lang="en-US" sz="1800" dirty="0" err="1" smtClean="0">
+                <a:latin typeface="Times New Roman" pitchFamily="18" charset="0"/>
+                <a:cs typeface="Times New Roman" pitchFamily="18" charset="0"/>
+              </a:rPr>
+              <a:t>cài</a:t>
+            </a:r>
+            <a:r>
+              <a:rPr lang="en-US" sz="1800" dirty="0" smtClean="0">
+                <a:latin typeface="Times New Roman" pitchFamily="18" charset="0"/>
+                <a:cs typeface="Times New Roman" pitchFamily="18" charset="0"/>
+              </a:rPr>
+              <a:t> </a:t>
+            </a:r>
+            <a:r>
+              <a:rPr lang="en-US" sz="1800" dirty="0" err="1" smtClean="0">
+                <a:latin typeface="Times New Roman" pitchFamily="18" charset="0"/>
+                <a:cs typeface="Times New Roman" pitchFamily="18" charset="0"/>
+              </a:rPr>
+              <a:t>đặt</a:t>
+            </a:r>
+            <a:r>
+              <a:rPr lang="en-US" sz="1800" dirty="0" smtClean="0">
+                <a:latin typeface="Times New Roman" pitchFamily="18" charset="0"/>
+                <a:cs typeface="Times New Roman" pitchFamily="18" charset="0"/>
+              </a:rPr>
+              <a:t> </a:t>
+            </a:r>
+            <a:r>
+              <a:rPr lang="en-US" sz="1800" dirty="0" err="1" smtClean="0">
+                <a:latin typeface="Times New Roman" pitchFamily="18" charset="0"/>
+                <a:cs typeface="Times New Roman" pitchFamily="18" charset="0"/>
+              </a:rPr>
+              <a:t>ranorex</a:t>
+            </a:r>
+            <a:r>
+              <a:rPr lang="en-US" sz="1800" dirty="0" smtClean="0">
+                <a:latin typeface="Times New Roman" pitchFamily="18" charset="0"/>
+                <a:cs typeface="Times New Roman" pitchFamily="18" charset="0"/>
+              </a:rPr>
+              <a:t> </a:t>
+            </a:r>
+            <a:r>
+              <a:rPr lang="en-US" sz="1800" dirty="0" err="1" smtClean="0">
+                <a:latin typeface="Times New Roman" pitchFamily="18" charset="0"/>
+                <a:cs typeface="Times New Roman" pitchFamily="18" charset="0"/>
+              </a:rPr>
+              <a:t>vào</a:t>
+            </a:r>
+            <a:r>
+              <a:rPr lang="en-US" sz="1800" dirty="0" smtClean="0">
+                <a:latin typeface="Times New Roman" pitchFamily="18" charset="0"/>
+                <a:cs typeface="Times New Roman" pitchFamily="18" charset="0"/>
+              </a:rPr>
+              <a:t> device, test </a:t>
+            </a:r>
+            <a:r>
+              <a:rPr lang="en-US" sz="1800" dirty="0" err="1" smtClean="0">
+                <a:latin typeface="Times New Roman" pitchFamily="18" charset="0"/>
+                <a:cs typeface="Times New Roman" pitchFamily="18" charset="0"/>
+              </a:rPr>
+              <a:t>cho</a:t>
+            </a:r>
+            <a:r>
+              <a:rPr lang="en-US" sz="1800" dirty="0" smtClean="0">
+                <a:latin typeface="Times New Roman" pitchFamily="18" charset="0"/>
+                <a:cs typeface="Times New Roman" pitchFamily="18" charset="0"/>
+              </a:rPr>
+              <a:t> </a:t>
+            </a:r>
+            <a:r>
+              <a:rPr lang="en-US" sz="1800" dirty="0" err="1" smtClean="0">
+                <a:latin typeface="Times New Roman" pitchFamily="18" charset="0"/>
+                <a:cs typeface="Times New Roman" pitchFamily="18" charset="0"/>
+              </a:rPr>
+              <a:t>thiết</a:t>
+            </a:r>
+            <a:r>
+              <a:rPr lang="en-US" sz="1800" dirty="0" smtClean="0">
+                <a:latin typeface="Times New Roman" pitchFamily="18" charset="0"/>
+                <a:cs typeface="Times New Roman" pitchFamily="18" charset="0"/>
+              </a:rPr>
+              <a:t> </a:t>
+            </a:r>
+            <a:r>
+              <a:rPr lang="en-US" sz="1800" dirty="0" err="1" smtClean="0">
+                <a:latin typeface="Times New Roman" pitchFamily="18" charset="0"/>
+                <a:cs typeface="Times New Roman" pitchFamily="18" charset="0"/>
+              </a:rPr>
+              <a:t>bị</a:t>
+            </a:r>
+            <a:r>
+              <a:rPr lang="en-US" sz="1800" dirty="0" smtClean="0">
+                <a:latin typeface="Times New Roman" pitchFamily="18" charset="0"/>
+                <a:cs typeface="Times New Roman" pitchFamily="18" charset="0"/>
+              </a:rPr>
+              <a:t> </a:t>
+            </a:r>
+            <a:r>
+              <a:rPr lang="en-US" sz="1800" dirty="0" err="1" smtClean="0">
+                <a:latin typeface="Times New Roman" pitchFamily="18" charset="0"/>
+                <a:cs typeface="Times New Roman" pitchFamily="18" charset="0"/>
+              </a:rPr>
+              <a:t>thật</a:t>
+            </a:r>
+            <a:r>
+              <a:rPr lang="en-US" sz="1800" dirty="0" smtClean="0">
+                <a:latin typeface="Times New Roman" pitchFamily="18" charset="0"/>
+                <a:cs typeface="Times New Roman" pitchFamily="18" charset="0"/>
+              </a:rPr>
+              <a:t> </a:t>
+            </a:r>
+            <a:r>
+              <a:rPr lang="en-US" sz="1800" dirty="0" err="1" smtClean="0">
+                <a:latin typeface="Times New Roman" pitchFamily="18" charset="0"/>
+                <a:cs typeface="Times New Roman" pitchFamily="18" charset="0"/>
+              </a:rPr>
+              <a:t>hoặc</a:t>
+            </a:r>
+            <a:r>
+              <a:rPr lang="en-US" sz="1800" dirty="0" smtClean="0">
+                <a:latin typeface="Times New Roman" pitchFamily="18" charset="0"/>
+                <a:cs typeface="Times New Roman" pitchFamily="18" charset="0"/>
+              </a:rPr>
+              <a:t> </a:t>
+            </a:r>
+            <a:r>
+              <a:rPr lang="en-US" sz="1800" dirty="0" err="1" smtClean="0">
+                <a:latin typeface="Times New Roman" pitchFamily="18" charset="0"/>
+                <a:cs typeface="Times New Roman" pitchFamily="18" charset="0"/>
+              </a:rPr>
+              <a:t>máy</a:t>
+            </a:r>
+            <a:r>
+              <a:rPr lang="en-US" sz="1800" dirty="0" smtClean="0">
+                <a:latin typeface="Times New Roman" pitchFamily="18" charset="0"/>
+                <a:cs typeface="Times New Roman" pitchFamily="18" charset="0"/>
+              </a:rPr>
+              <a:t> </a:t>
+            </a:r>
+            <a:r>
+              <a:rPr lang="en-US" sz="1800" dirty="0" err="1" smtClean="0">
+                <a:latin typeface="Times New Roman" pitchFamily="18" charset="0"/>
+                <a:cs typeface="Times New Roman" pitchFamily="18" charset="0"/>
+              </a:rPr>
+              <a:t>ảo</a:t>
+            </a:r>
+            <a:r>
+              <a:rPr lang="en-US" sz="1800" dirty="0" smtClean="0">
+                <a:latin typeface="Times New Roman" pitchFamily="18" charset="0"/>
+                <a:cs typeface="Times New Roman" pitchFamily="18" charset="0"/>
+              </a:rPr>
+              <a:t>.</a:t>
+            </a:r>
+          </a:p>
+          <a:p>
+            <a:pPr>
+              <a:buFontTx/>
+              <a:buChar char="-"/>
+            </a:pPr>
+            <a:r>
+              <a:rPr lang="en-US" sz="1800" dirty="0" err="1" smtClean="0">
+                <a:latin typeface="Times New Roman" pitchFamily="18" charset="0"/>
+                <a:cs typeface="Times New Roman" pitchFamily="18" charset="0"/>
+              </a:rPr>
+              <a:t>Tìm</a:t>
+            </a:r>
+            <a:r>
+              <a:rPr lang="en-US" sz="1800" dirty="0" smtClean="0">
+                <a:latin typeface="Times New Roman" pitchFamily="18" charset="0"/>
+                <a:cs typeface="Times New Roman" pitchFamily="18" charset="0"/>
+              </a:rPr>
+              <a:t> </a:t>
+            </a:r>
+            <a:r>
+              <a:rPr lang="en-US" sz="1800" dirty="0" err="1" smtClean="0">
+                <a:latin typeface="Times New Roman" pitchFamily="18" charset="0"/>
+                <a:cs typeface="Times New Roman" pitchFamily="18" charset="0"/>
+              </a:rPr>
+              <a:t>kiếm</a:t>
+            </a:r>
+            <a:r>
+              <a:rPr lang="en-US" sz="1800" dirty="0" smtClean="0">
+                <a:latin typeface="Times New Roman" pitchFamily="18" charset="0"/>
+                <a:cs typeface="Times New Roman" pitchFamily="18" charset="0"/>
+              </a:rPr>
+              <a:t> </a:t>
+            </a:r>
+            <a:r>
+              <a:rPr lang="en-US" sz="1800" dirty="0" err="1" smtClean="0">
+                <a:latin typeface="Times New Roman" pitchFamily="18" charset="0"/>
+                <a:cs typeface="Times New Roman" pitchFamily="18" charset="0"/>
+              </a:rPr>
+              <a:t>các</a:t>
+            </a:r>
+            <a:r>
+              <a:rPr lang="en-US" sz="1800" dirty="0" smtClean="0">
+                <a:latin typeface="Times New Roman" pitchFamily="18" charset="0"/>
+                <a:cs typeface="Times New Roman" pitchFamily="18" charset="0"/>
+              </a:rPr>
+              <a:t> </a:t>
+            </a:r>
+            <a:r>
+              <a:rPr lang="en-US" sz="1800" dirty="0" err="1" smtClean="0">
+                <a:latin typeface="Times New Roman" pitchFamily="18" charset="0"/>
+                <a:cs typeface="Times New Roman" pitchFamily="18" charset="0"/>
+              </a:rPr>
+              <a:t>yếu</a:t>
+            </a:r>
+            <a:r>
+              <a:rPr lang="en-US" sz="1800" dirty="0" smtClean="0">
+                <a:latin typeface="Times New Roman" pitchFamily="18" charset="0"/>
+                <a:cs typeface="Times New Roman" pitchFamily="18" charset="0"/>
+              </a:rPr>
+              <a:t> </a:t>
+            </a:r>
+            <a:r>
+              <a:rPr lang="en-US" sz="1800" dirty="0" err="1" smtClean="0">
+                <a:latin typeface="Times New Roman" pitchFamily="18" charset="0"/>
+                <a:cs typeface="Times New Roman" pitchFamily="18" charset="0"/>
+              </a:rPr>
+              <a:t>tố</a:t>
+            </a:r>
+            <a:r>
+              <a:rPr lang="en-US" sz="1800" dirty="0" smtClean="0">
+                <a:latin typeface="Times New Roman" pitchFamily="18" charset="0"/>
+                <a:cs typeface="Times New Roman" pitchFamily="18" charset="0"/>
+              </a:rPr>
+              <a:t> </a:t>
+            </a:r>
+            <a:r>
+              <a:rPr lang="en-US" sz="1800" dirty="0" err="1" smtClean="0">
+                <a:latin typeface="Times New Roman" pitchFamily="18" charset="0"/>
+                <a:cs typeface="Times New Roman" pitchFamily="18" charset="0"/>
+              </a:rPr>
+              <a:t>tương</a:t>
+            </a:r>
+            <a:r>
+              <a:rPr lang="en-US" sz="1800" dirty="0" smtClean="0">
+                <a:latin typeface="Times New Roman" pitchFamily="18" charset="0"/>
+                <a:cs typeface="Times New Roman" pitchFamily="18" charset="0"/>
+              </a:rPr>
+              <a:t> </a:t>
+            </a:r>
+            <a:r>
+              <a:rPr lang="en-US" sz="1800" dirty="0" err="1" smtClean="0">
+                <a:latin typeface="Times New Roman" pitchFamily="18" charset="0"/>
+                <a:cs typeface="Times New Roman" pitchFamily="18" charset="0"/>
+              </a:rPr>
+              <a:t>đối</a:t>
+            </a:r>
+            <a:r>
+              <a:rPr lang="en-US" sz="1800" dirty="0" smtClean="0">
+                <a:latin typeface="Times New Roman" pitchFamily="18" charset="0"/>
+                <a:cs typeface="Times New Roman" pitchFamily="18" charset="0"/>
+              </a:rPr>
+              <a:t> </a:t>
+            </a:r>
+            <a:r>
+              <a:rPr lang="en-US" sz="1800" dirty="0" err="1" smtClean="0">
+                <a:latin typeface="Times New Roman" pitchFamily="18" charset="0"/>
+                <a:cs typeface="Times New Roman" pitchFamily="18" charset="0"/>
+              </a:rPr>
+              <a:t>chậm</a:t>
+            </a:r>
+            <a:r>
+              <a:rPr lang="en-US" sz="1800" dirty="0" smtClean="0">
+                <a:latin typeface="Times New Roman" pitchFamily="18" charset="0"/>
+                <a:cs typeface="Times New Roman" pitchFamily="18" charset="0"/>
+              </a:rPr>
+              <a:t>, </a:t>
+            </a:r>
+            <a:r>
+              <a:rPr lang="en-US" sz="1800" dirty="0" err="1" smtClean="0">
+                <a:latin typeface="Times New Roman" pitchFamily="18" charset="0"/>
+                <a:cs typeface="Times New Roman" pitchFamily="18" charset="0"/>
+              </a:rPr>
+              <a:t>có</a:t>
+            </a:r>
+            <a:r>
+              <a:rPr lang="en-US" sz="1800" dirty="0" smtClean="0">
+                <a:latin typeface="Times New Roman" pitchFamily="18" charset="0"/>
+                <a:cs typeface="Times New Roman" pitchFamily="18" charset="0"/>
+              </a:rPr>
+              <a:t> </a:t>
+            </a:r>
+            <a:r>
+              <a:rPr lang="en-US" sz="1800" dirty="0" err="1" smtClean="0">
+                <a:latin typeface="Times New Roman" pitchFamily="18" charset="0"/>
+                <a:cs typeface="Times New Roman" pitchFamily="18" charset="0"/>
+              </a:rPr>
+              <a:t>thể</a:t>
+            </a:r>
+            <a:r>
+              <a:rPr lang="en-US" sz="1800" dirty="0" smtClean="0">
+                <a:latin typeface="Times New Roman" pitchFamily="18" charset="0"/>
+                <a:cs typeface="Times New Roman" pitchFamily="18" charset="0"/>
+              </a:rPr>
+              <a:t> </a:t>
+            </a:r>
+            <a:r>
+              <a:rPr lang="en-US" sz="1800" dirty="0" err="1" smtClean="0">
+                <a:latin typeface="Times New Roman" pitchFamily="18" charset="0"/>
+                <a:cs typeface="Times New Roman" pitchFamily="18" charset="0"/>
+              </a:rPr>
+              <a:t>đến</a:t>
+            </a:r>
+            <a:r>
+              <a:rPr lang="en-US" sz="1800" dirty="0" smtClean="0">
+                <a:latin typeface="Times New Roman" pitchFamily="18" charset="0"/>
+                <a:cs typeface="Times New Roman" pitchFamily="18" charset="0"/>
+              </a:rPr>
+              <a:t> 30s.</a:t>
+            </a:r>
+          </a:p>
+          <a:p>
+            <a:pPr>
+              <a:buFontTx/>
+              <a:buChar char="-"/>
+            </a:pPr>
+            <a:r>
+              <a:rPr lang="en-US" sz="1800" dirty="0" err="1" smtClean="0">
+                <a:latin typeface="Times New Roman" pitchFamily="18" charset="0"/>
+                <a:cs typeface="Times New Roman" pitchFamily="18" charset="0"/>
+              </a:rPr>
+              <a:t>Có</a:t>
+            </a:r>
+            <a:r>
+              <a:rPr lang="en-US" sz="1800" dirty="0" smtClean="0">
+                <a:latin typeface="Times New Roman" pitchFamily="18" charset="0"/>
+                <a:cs typeface="Times New Roman" pitchFamily="18" charset="0"/>
+              </a:rPr>
+              <a:t> </a:t>
+            </a:r>
+            <a:r>
+              <a:rPr lang="en-US" sz="1800" dirty="0" err="1" smtClean="0">
+                <a:latin typeface="Times New Roman" pitchFamily="18" charset="0"/>
+                <a:cs typeface="Times New Roman" pitchFamily="18" charset="0"/>
+              </a:rPr>
+              <a:t>thẻ</a:t>
+            </a:r>
+            <a:r>
+              <a:rPr lang="en-US" sz="1800" dirty="0" smtClean="0">
+                <a:latin typeface="Times New Roman" pitchFamily="18" charset="0"/>
+                <a:cs typeface="Times New Roman" pitchFamily="18" charset="0"/>
+              </a:rPr>
+              <a:t> </a:t>
+            </a:r>
+            <a:r>
+              <a:rPr lang="en-US" sz="1800" dirty="0" err="1" smtClean="0">
+                <a:latin typeface="Times New Roman" pitchFamily="18" charset="0"/>
+                <a:cs typeface="Times New Roman" pitchFamily="18" charset="0"/>
+              </a:rPr>
+              <a:t>viết</a:t>
+            </a:r>
+            <a:r>
+              <a:rPr lang="en-US" sz="1800" dirty="0" smtClean="0">
+                <a:latin typeface="Times New Roman" pitchFamily="18" charset="0"/>
+                <a:cs typeface="Times New Roman" pitchFamily="18" charset="0"/>
+              </a:rPr>
+              <a:t> </a:t>
+            </a:r>
+            <a:r>
+              <a:rPr lang="en-US" sz="1800" dirty="0" err="1" smtClean="0">
+                <a:latin typeface="Times New Roman" pitchFamily="18" charset="0"/>
+                <a:cs typeface="Times New Roman" pitchFamily="18" charset="0"/>
+              </a:rPr>
+              <a:t>cript</a:t>
+            </a:r>
+            <a:r>
+              <a:rPr lang="en-US" sz="1800" dirty="0" smtClean="0">
+                <a:latin typeface="Times New Roman" pitchFamily="18" charset="0"/>
+                <a:cs typeface="Times New Roman" pitchFamily="18" charset="0"/>
+              </a:rPr>
+              <a:t> </a:t>
+            </a:r>
+            <a:r>
+              <a:rPr lang="en-US" sz="1800" dirty="0" err="1" smtClean="0">
+                <a:latin typeface="Times New Roman" pitchFamily="18" charset="0"/>
+                <a:cs typeface="Times New Roman" pitchFamily="18" charset="0"/>
+              </a:rPr>
+              <a:t>bằng</a:t>
+            </a:r>
+            <a:r>
+              <a:rPr lang="en-US" sz="1800" dirty="0" smtClean="0">
+                <a:latin typeface="Times New Roman" pitchFamily="18" charset="0"/>
+                <a:cs typeface="Times New Roman" pitchFamily="18" charset="0"/>
+              </a:rPr>
+              <a:t> VB </a:t>
+            </a:r>
+            <a:r>
+              <a:rPr lang="en-US" sz="1800" dirty="0" err="1" smtClean="0">
+                <a:latin typeface="Times New Roman" pitchFamily="18" charset="0"/>
+                <a:cs typeface="Times New Roman" pitchFamily="18" charset="0"/>
+              </a:rPr>
+              <a:t>cho</a:t>
+            </a:r>
+            <a:r>
+              <a:rPr lang="en-US" sz="1800" dirty="0" smtClean="0">
+                <a:latin typeface="Times New Roman" pitchFamily="18" charset="0"/>
+                <a:cs typeface="Times New Roman" pitchFamily="18" charset="0"/>
+              </a:rPr>
+              <a:t> </a:t>
+            </a:r>
+            <a:r>
+              <a:rPr lang="en-US" sz="1800" dirty="0" err="1" smtClean="0">
+                <a:latin typeface="Times New Roman" pitchFamily="18" charset="0"/>
+                <a:cs typeface="Times New Roman" pitchFamily="18" charset="0"/>
+              </a:rPr>
+              <a:t>việc</a:t>
+            </a:r>
+            <a:r>
+              <a:rPr lang="en-US" sz="1800" dirty="0" smtClean="0">
+                <a:latin typeface="Times New Roman" pitchFamily="18" charset="0"/>
+                <a:cs typeface="Times New Roman" pitchFamily="18" charset="0"/>
+              </a:rPr>
+              <a:t> auto test.</a:t>
+            </a:r>
+            <a:endParaRPr lang="en-US" sz="1800" dirty="0">
+              <a:latin typeface="Times New Roman" pitchFamily="18" charset="0"/>
+              <a:cs typeface="Times New Roman" pitchFamily="18" charset="0"/>
+            </a:endParaRPr>
+          </a:p>
+          <a:p>
+            <a:pPr>
+              <a:buFontTx/>
+              <a:buChar char="-"/>
+            </a:pPr>
+            <a:endParaRPr lang="en-US" sz="1800" dirty="0" smtClean="0">
+              <a:latin typeface="Times New Roman" pitchFamily="18" charset="0"/>
+              <a:cs typeface="Times New Roman" pitchFamily="18" charset="0"/>
+            </a:endParaRPr>
+          </a:p>
+          <a:p>
+            <a:pPr>
+              <a:buFontTx/>
+              <a:buChar char="-"/>
+            </a:pPr>
+            <a:endParaRPr lang="en-US" sz="1800" dirty="0">
+              <a:latin typeface="Times New Roman" pitchFamily="18" charset="0"/>
+              <a:cs typeface="Times New Roman" pitchFamily="18" charset="0"/>
+            </a:endParaRPr>
+          </a:p>
+          <a:p>
+            <a:pPr>
+              <a:buFontTx/>
+              <a:buChar char="-"/>
+            </a:pPr>
+            <a:endParaRPr lang="en-US" sz="1800" dirty="0" smtClean="0">
+              <a:latin typeface="Times New Roman" pitchFamily="18" charset="0"/>
+              <a:cs typeface="Times New Roman" pitchFamily="18" charset="0"/>
+            </a:endParaRPr>
+          </a:p>
+          <a:p>
+            <a:pPr>
+              <a:buFontTx/>
+              <a:buChar char="-"/>
+            </a:pPr>
+            <a:endParaRPr lang="en-US" sz="1800" dirty="0" smtClean="0">
+              <a:latin typeface="Times New Roman" pitchFamily="18" charset="0"/>
+              <a:cs typeface="Times New Roman" pitchFamily="18" charset="0"/>
+            </a:endParaRPr>
+          </a:p>
+          <a:p>
+            <a:endParaRPr lang="en-US" sz="1800" dirty="0" smtClean="0">
+              <a:latin typeface="Times New Roman" pitchFamily="18" charset="0"/>
+              <a:cs typeface="Times New Roman" pitchFamily="18" charset="0"/>
+            </a:endParaRPr>
+          </a:p>
+          <a:p>
+            <a:endParaRPr lang="en-US" sz="1800" dirty="0">
+              <a:latin typeface="Times New Roman" pitchFamily="18" charset="0"/>
+              <a:cs typeface="Times New Roman" pitchFamily="18" charset="0"/>
+            </a:endParaRPr>
+          </a:p>
+          <a:p>
+            <a:endParaRPr lang="en-US" sz="1800" dirty="0">
+              <a:latin typeface="Times New Roman" pitchFamily="18" charset="0"/>
+              <a:cs typeface="Times New Roman" pitchFamily="18" charset="0"/>
+            </a:endParaRPr>
+          </a:p>
+        </p:txBody>
+      </p:sp>
+      <p:sp>
+        <p:nvSpPr>
+          <p:cNvPr id="4" name="Content Placeholder 3"/>
+          <p:cNvSpPr>
+            <a:spLocks noGrp="1"/>
+          </p:cNvSpPr>
+          <p:nvPr>
+            <p:ph sz="half" idx="2"/>
+          </p:nvPr>
+        </p:nvSpPr>
+        <p:spPr>
+          <a:xfrm>
+            <a:off x="838200" y="6248400"/>
+            <a:ext cx="7620000" cy="685800"/>
+          </a:xfrm>
+        </p:spPr>
+        <p:txBody>
+          <a:bodyPr>
+            <a:normAutofit fontScale="70000" lnSpcReduction="20000"/>
+          </a:bodyPr>
+          <a:lstStyle/>
+          <a:p>
+            <a:r>
+              <a:rPr lang="en-US" sz="1500" u="sng">
+                <a:latin typeface="Times New Roman" pitchFamily="18" charset="0"/>
+                <a:cs typeface="Times New Roman" pitchFamily="18" charset="0"/>
+                <a:hlinkClick r:id="rId2"/>
+              </a:rPr>
+              <a:t>http://</a:t>
+            </a:r>
+            <a:r>
+              <a:rPr lang="en-US" sz="1500" u="sng" smtClean="0">
+                <a:latin typeface="Times New Roman" pitchFamily="18" charset="0"/>
+                <a:cs typeface="Times New Roman" pitchFamily="18" charset="0"/>
+                <a:hlinkClick r:id="rId2"/>
+              </a:rPr>
+              <a:t>www.ranorex.com</a:t>
+            </a:r>
+            <a:endParaRPr lang="en-US" sz="1500" u="sng" smtClean="0">
+              <a:latin typeface="Times New Roman" pitchFamily="18" charset="0"/>
+              <a:cs typeface="Times New Roman" pitchFamily="18" charset="0"/>
+            </a:endParaRPr>
+          </a:p>
+          <a:p>
+            <a:r>
+              <a:rPr lang="en-US" sz="1500" u="sng" smtClean="0">
+                <a:latin typeface="Times New Roman" pitchFamily="18" charset="0"/>
+                <a:cs typeface="Times New Roman" pitchFamily="18" charset="0"/>
+                <a:hlinkClick r:id="rId3"/>
+              </a:rPr>
+              <a:t>http</a:t>
+            </a:r>
+            <a:r>
+              <a:rPr lang="en-US" sz="1500" u="sng">
+                <a:latin typeface="Times New Roman" pitchFamily="18" charset="0"/>
+                <a:cs typeface="Times New Roman" pitchFamily="18" charset="0"/>
+                <a:hlinkClick r:id="rId3"/>
+              </a:rPr>
+              <a:t>://www.ranorex.com/support/user-guide-20/android-testing.html</a:t>
+            </a:r>
+            <a:endParaRPr lang="en-US" sz="1500" u="sng">
+              <a:latin typeface="Times New Roman" pitchFamily="18" charset="0"/>
+              <a:cs typeface="Times New Roman" pitchFamily="18" charset="0"/>
+            </a:endParaRPr>
+          </a:p>
+          <a:p>
+            <a:endParaRPr lang="en-US"/>
+          </a:p>
+        </p:txBody>
+      </p:sp>
+      <p:sp>
+        <p:nvSpPr>
+          <p:cNvPr id="2" name="Title 1"/>
+          <p:cNvSpPr>
+            <a:spLocks noGrp="1"/>
+          </p:cNvSpPr>
+          <p:nvPr>
+            <p:ph type="title"/>
+          </p:nvPr>
+        </p:nvSpPr>
+        <p:spPr/>
+        <p:txBody>
+          <a:bodyPr/>
+          <a:lstStyle/>
+          <a:p>
+            <a:r>
+              <a:rPr lang="en-US" dirty="0" err="1">
+                <a:latin typeface="Times New Roman" pitchFamily="18" charset="0"/>
+                <a:cs typeface="Times New Roman" pitchFamily="18" charset="0"/>
+              </a:rPr>
+              <a:t>Ranorex</a:t>
+            </a:r>
+            <a:endParaRPr lang="en-US" dirty="0">
+              <a:latin typeface="Times New Roman" pitchFamily="18" charset="0"/>
+              <a:cs typeface="Times New Roman" pitchFamily="18" charset="0"/>
+            </a:endParaRPr>
+          </a:p>
+        </p:txBody>
+      </p:sp>
+    </p:spTree>
+    <p:extLst>
+      <p:ext uri="{BB962C8B-B14F-4D97-AF65-F5344CB8AC3E}">
+        <p14:creationId xmlns="" xmlns:p14="http://schemas.microsoft.com/office/powerpoint/2010/main" val="2295439348"/>
+      </p:ext>
+    </p:extLst>
+  </p:cSld>
+  <p:clrMapOvr>
+    <a:masterClrMapping/>
+  </p:clrMapOvr>
+</p:sld>
+</file>
+
+<file path=ppt/slides/slide18.xml><?xml version="1.0" encoding="utf-8"?>
+<p:sld xmlns:a="http://schemas.openxmlformats.org/drawingml/2006/main" xmlns:r="http://schemas.openxmlformats.org/officeDocument/2006/relationships" xmlns:p="http://schemas.openxmlformats.org/presentationml/2006/main" show="0">
+  <p:cSld>
+    <p:spTree>
+      <p:nvGrpSpPr>
+        <p:cNvPr id="1" name=""/>
+        <p:cNvGrpSpPr/>
+        <p:nvPr/>
+      </p:nvGrpSpPr>
+      <p:grpSpPr>
+        <a:xfrm>
+          <a:off x="0" y="0"/>
+          <a:ext cx="0" cy="0"/>
+          <a:chOff x="0" y="0"/>
+          <a:chExt cx="0" cy="0"/>
+        </a:xfrm>
+      </p:grpSpPr>
+      <p:sp>
+        <p:nvSpPr>
+          <p:cNvPr id="2" name="Content Placeholder 1"/>
+          <p:cNvSpPr>
+            <a:spLocks noGrp="1"/>
+          </p:cNvSpPr>
+          <p:nvPr>
+            <p:ph sz="half" idx="1"/>
+          </p:nvPr>
+        </p:nvSpPr>
+        <p:spPr/>
+        <p:txBody>
+          <a:bodyPr/>
+          <a:lstStyle/>
+          <a:p>
+            <a:endParaRPr lang="en-US"/>
+          </a:p>
+        </p:txBody>
+      </p:sp>
+      <p:sp>
+        <p:nvSpPr>
+          <p:cNvPr id="3" name="Content Placeholder 2"/>
+          <p:cNvSpPr>
+            <a:spLocks noGrp="1"/>
+          </p:cNvSpPr>
+          <p:nvPr>
+            <p:ph sz="half" idx="2"/>
+          </p:nvPr>
+        </p:nvSpPr>
+        <p:spPr/>
+        <p:txBody>
+          <a:bodyPr/>
+          <a:lstStyle/>
+          <a:p>
+            <a:endParaRPr lang="en-US"/>
+          </a:p>
+        </p:txBody>
+      </p:sp>
+      <p:sp>
+        <p:nvSpPr>
+          <p:cNvPr id="4" name="Title 3"/>
+          <p:cNvSpPr>
+            <a:spLocks noGrp="1"/>
+          </p:cNvSpPr>
+          <p:nvPr>
+            <p:ph type="title"/>
+          </p:nvPr>
+        </p:nvSpPr>
+        <p:spPr/>
+        <p:txBody>
+          <a:bodyPr/>
+          <a:lstStyle/>
+          <a:p>
+            <a:endParaRPr lang="en-US"/>
+          </a:p>
+        </p:txBody>
+      </p:sp>
+      <p:pic>
+        <p:nvPicPr>
+          <p:cNvPr id="5122" name="Picture 2"/>
+          <p:cNvPicPr>
+            <a:picLocks noChangeAspect="1" noChangeArrowheads="1"/>
+          </p:cNvPicPr>
+          <p:nvPr/>
+        </p:nvPicPr>
+        <p:blipFill>
+          <a:blip r:embed="rId2">
+            <a:extLst>
+              <a:ext uri="{28A0092B-C50C-407E-A947-70E740481C1C}">
+                <a14:useLocalDpi xmlns="" xmlns:a14="http://schemas.microsoft.com/office/drawing/2010/main" val="0"/>
+              </a:ext>
+            </a:extLst>
+          </a:blip>
+          <a:srcRect/>
+          <a:stretch>
+            <a:fillRect/>
+          </a:stretch>
+        </p:blipFill>
+        <p:spPr bwMode="auto">
+          <a:xfrm>
+            <a:off x="9525" y="0"/>
+            <a:ext cx="9124950" cy="7038975"/>
+          </a:xfrm>
+          <a:prstGeom prst="rect">
+            <a:avLst/>
+          </a:prstGeom>
+          <a:noFill/>
+          <a:ln>
+            <a:noFill/>
+          </a:ln>
+          <a:effectLst/>
+          <a:extLst>
+            <a:ext uri="{909E8E84-426E-40DD-AFC4-6F175D3DCCD1}">
+              <a14:hiddenFill xmlns="" xmlns:a14="http://schemas.microsoft.com/office/drawing/2010/main">
+                <a:solidFill>
+                  <a:schemeClr val="accent1"/>
+                </a:solidFill>
+              </a14:hiddenFill>
+            </a:ext>
+            <a:ext uri="{91240B29-F687-4F45-9708-019B960494DF}">
+              <a14:hiddenLine xmlns="" xmlns:a14="http://schemas.microsoft.com/office/drawing/2010/main" w="9525">
+                <a:solidFill>
+                  <a:schemeClr val="tx1"/>
+                </a:solidFill>
+                <a:miter lim="800000"/>
+                <a:headEnd/>
+                <a:tailEnd/>
+              </a14:hiddenLine>
+            </a:ext>
+            <a:ext uri="{AF507438-7753-43E0-B8FC-AC1667EBCBE1}">
+              <a14:hiddenEffects xmlns="" xmlns:a14="http://schemas.microsoft.com/office/drawing/2010/main">
+                <a:effectLst>
+                  <a:outerShdw dist="35921" dir="2700000" algn="ctr" rotWithShape="0">
+                    <a:schemeClr val="bg2"/>
+                  </a:outerShdw>
+                </a:effectLst>
+              </a14:hiddenEffects>
+            </a:ext>
+          </a:extLst>
+        </p:spPr>
+      </p:pic>
+    </p:spTree>
+    <p:extLst>
+      <p:ext uri="{BB962C8B-B14F-4D97-AF65-F5344CB8AC3E}">
+        <p14:creationId xmlns="" xmlns:p14="http://schemas.microsoft.com/office/powerpoint/2010/main" val="2919713960"/>
+      </p:ext>
+    </p:extLst>
+  </p:cSld>
+  <p:clrMapOvr>
+    <a:masterClrMapping/>
+  </p:clrMapOvr>
+  <p:transition/>
+</p:sld>
+</file>
+
+<file path=ppt/slides/slide19.xml><?xml version="1.0" encoding="utf-8"?>
+<p:sld xmlns:a="http://schemas.openxmlformats.org/drawingml/2006/main" xmlns:r="http://schemas.openxmlformats.org/officeDocument/2006/relationships" xmlns:p="http://schemas.openxmlformats.org/presentationml/2006/main">
+  <p:cSld>
+    <p:spTree>
+      <p:nvGrpSpPr>
+        <p:cNvPr id="1" name=""/>
+        <p:cNvGrpSpPr/>
+        <p:nvPr/>
+      </p:nvGrpSpPr>
+      <p:grpSpPr>
+        <a:xfrm>
+          <a:off x="0" y="0"/>
+          <a:ext cx="0" cy="0"/>
+          <a:chOff x="0" y="0"/>
+          <a:chExt cx="0" cy="0"/>
+        </a:xfrm>
+      </p:grpSpPr>
+      <p:sp>
+        <p:nvSpPr>
+          <p:cNvPr id="2" name="Content Placeholder 1"/>
+          <p:cNvSpPr>
+            <a:spLocks noGrp="1"/>
+          </p:cNvSpPr>
+          <p:nvPr>
+            <p:ph sz="half" idx="1"/>
+          </p:nvPr>
+        </p:nvSpPr>
+        <p:spPr>
+          <a:xfrm>
+            <a:off x="822960" y="1097280"/>
+            <a:ext cx="7406640" cy="3712464"/>
+          </a:xfrm>
+        </p:spPr>
+        <p:txBody>
+          <a:bodyPr/>
+          <a:lstStyle/>
+          <a:p>
+            <a:endParaRPr lang="en-US"/>
+          </a:p>
+        </p:txBody>
+      </p:sp>
+      <p:sp>
+        <p:nvSpPr>
+          <p:cNvPr id="3" name="Content Placeholder 2"/>
+          <p:cNvSpPr>
+            <a:spLocks noGrp="1"/>
+          </p:cNvSpPr>
+          <p:nvPr>
+            <p:ph sz="half" idx="2"/>
+          </p:nvPr>
+        </p:nvSpPr>
+        <p:spPr>
+          <a:xfrm>
+            <a:off x="2743200" y="5715000"/>
+            <a:ext cx="3200400" cy="3712464"/>
+          </a:xfrm>
+        </p:spPr>
+        <p:txBody>
+          <a:bodyPr/>
+          <a:lstStyle/>
+          <a:p>
+            <a:endParaRPr lang="en-US"/>
+          </a:p>
+        </p:txBody>
+      </p:sp>
+      <p:sp>
+        <p:nvSpPr>
+          <p:cNvPr id="4" name="Title 3"/>
+          <p:cNvSpPr>
+            <a:spLocks noGrp="1"/>
+          </p:cNvSpPr>
+          <p:nvPr>
+            <p:ph type="title"/>
+          </p:nvPr>
+        </p:nvSpPr>
+        <p:spPr/>
+        <p:txBody>
+          <a:bodyPr/>
+          <a:lstStyle/>
+          <a:p>
+            <a:r>
+              <a:rPr lang="en-US"/>
+              <a:t>Ranorex</a:t>
+            </a:r>
+          </a:p>
+        </p:txBody>
+      </p:sp>
+      <p:sp>
+        <p:nvSpPr>
+          <p:cNvPr id="5" name="Rectangle 2"/>
+          <p:cNvSpPr>
+            <a:spLocks noChangeArrowheads="1"/>
+          </p:cNvSpPr>
+          <p:nvPr/>
+        </p:nvSpPr>
+        <p:spPr bwMode="auto">
+          <a:xfrm>
+            <a:off x="0" y="0"/>
+            <a:ext cx="9144000" cy="0"/>
+          </a:xfrm>
+          <a:prstGeom prst="rect">
+            <a:avLst/>
+          </a:prstGeom>
+          <a:noFill/>
+          <a:ln>
+            <a:noFill/>
+          </a:ln>
+          <a:effectLst/>
+          <a:extLst>
+            <a:ext uri="{909E8E84-426E-40DD-AFC4-6F175D3DCCD1}">
+              <a14:hiddenFill xmlns="" xmlns:a14="http://schemas.microsoft.com/office/drawing/2010/main">
+                <a:solidFill>
+                  <a:schemeClr val="accent1"/>
+                </a:solidFill>
+              </a14:hiddenFill>
+            </a:ext>
+            <a:ext uri="{91240B29-F687-4F45-9708-019B960494DF}">
+              <a14:hiddenLine xmlns="" xmlns:a14="http://schemas.microsoft.com/office/drawing/2010/main" w="9525">
+                <a:solidFill>
+                  <a:schemeClr val="tx1"/>
+                </a:solidFill>
+                <a:miter lim="800000"/>
+                <a:headEnd/>
+                <a:tailEnd/>
+              </a14:hiddenLine>
+            </a:ext>
+            <a:ext uri="{AF507438-7753-43E0-B8FC-AC1667EBCBE1}">
+              <a14:hiddenEffects xmlns="" xmlns:a14="http://schemas.microsoft.com/office/drawing/2010/main">
+                <a:effectLst>
+                  <a:outerShdw dist="35921" dir="2700000" algn="ctr" rotWithShape="0">
+                    <a:schemeClr val="bg2"/>
+                  </a:outerShdw>
+                </a:effectLst>
+              </a14:hiddenEffects>
+            </a:ext>
+          </a:extLst>
+        </p:spPr>
+        <p:txBody>
+          <a:bodyPr vert="horz" wrap="none" lIns="91440" tIns="45720" rIns="91440" bIns="45720" numCol="1" anchor="ctr" anchorCtr="0" compatLnSpc="1">
+            <a:prstTxWarp prst="textNoShape">
+              <a:avLst/>
+            </a:prstTxWarp>
+            <a:spAutoFit/>
+          </a:bodyPr>
+          <a:lstStyle/>
+          <a:p>
+            <a:endParaRPr lang="en-US"/>
+          </a:p>
+        </p:txBody>
+      </p:sp>
+      <p:graphicFrame>
+        <p:nvGraphicFramePr>
+          <p:cNvPr id="6" name="Object 5"/>
+          <p:cNvGraphicFramePr>
+            <a:graphicFrameLocks noChangeAspect="1"/>
+          </p:cNvGraphicFramePr>
+          <p:nvPr>
+            <p:extLst>
+              <p:ext uri="{D42A27DB-BD31-4B8C-83A1-F6EECF244321}">
+                <p14:modId xmlns="" xmlns:p14="http://schemas.microsoft.com/office/powerpoint/2010/main" val="39709969"/>
+              </p:ext>
+            </p:extLst>
+          </p:nvPr>
+        </p:nvGraphicFramePr>
+        <p:xfrm>
+          <a:off x="838200" y="838200"/>
+          <a:ext cx="7467600" cy="1066800"/>
+        </p:xfrm>
+        <a:graphic>
+          <a:graphicData uri="http://schemas.openxmlformats.org/presentationml/2006/ole">
+            <p:oleObj spid="_x0000_s1054" r:id="rId3" imgW="7315200" imgH="914400" progId="">
+              <p:embed/>
+            </p:oleObj>
+          </a:graphicData>
+        </a:graphic>
+      </p:graphicFrame>
+      <p:sp>
+        <p:nvSpPr>
+          <p:cNvPr id="7" name="Rectangle 4"/>
+          <p:cNvSpPr>
+            <a:spLocks noChangeArrowheads="1"/>
+          </p:cNvSpPr>
+          <p:nvPr/>
+        </p:nvSpPr>
+        <p:spPr bwMode="auto">
+          <a:xfrm>
+            <a:off x="0" y="0"/>
+            <a:ext cx="9144000" cy="0"/>
+          </a:xfrm>
+          <a:prstGeom prst="rect">
+            <a:avLst/>
+          </a:prstGeom>
+          <a:noFill/>
+          <a:ln>
+            <a:noFill/>
+          </a:ln>
+          <a:effectLst/>
+          <a:extLst>
+            <a:ext uri="{909E8E84-426E-40DD-AFC4-6F175D3DCCD1}">
+              <a14:hiddenFill xmlns="" xmlns:a14="http://schemas.microsoft.com/office/drawing/2010/main">
+                <a:solidFill>
+                  <a:schemeClr val="accent1"/>
+                </a:solidFill>
+              </a14:hiddenFill>
+            </a:ext>
+            <a:ext uri="{91240B29-F687-4F45-9708-019B960494DF}">
+              <a14:hiddenLine xmlns="" xmlns:a14="http://schemas.microsoft.com/office/drawing/2010/main" w="9525">
+                <a:solidFill>
+                  <a:schemeClr val="tx1"/>
+                </a:solidFill>
+                <a:miter lim="800000"/>
+                <a:headEnd/>
+                <a:tailEnd/>
+              </a14:hiddenLine>
+            </a:ext>
+            <a:ext uri="{AF507438-7753-43E0-B8FC-AC1667EBCBE1}">
+              <a14:hiddenEffects xmlns="" xmlns:a14="http://schemas.microsoft.com/office/drawing/2010/main">
+                <a:effectLst>
+                  <a:outerShdw dist="35921" dir="2700000" algn="ctr" rotWithShape="0">
+                    <a:schemeClr val="bg2"/>
+                  </a:outerShdw>
+                </a:effectLst>
+              </a14:hiddenEffects>
+            </a:ext>
+          </a:extLst>
+        </p:spPr>
+        <p:txBody>
+          <a:bodyPr vert="horz" wrap="none" lIns="91440" tIns="45720" rIns="91440" bIns="45720" numCol="1" anchor="ctr" anchorCtr="0" compatLnSpc="1">
+            <a:prstTxWarp prst="textNoShape">
+              <a:avLst/>
+            </a:prstTxWarp>
+            <a:spAutoFit/>
+          </a:bodyPr>
+          <a:lstStyle/>
+          <a:p>
+            <a:endParaRPr lang="en-US"/>
+          </a:p>
+        </p:txBody>
+      </p:sp>
+      <p:pic>
+        <p:nvPicPr>
+          <p:cNvPr id="1029" name="Picture 5"/>
+          <p:cNvPicPr>
+            <a:picLocks noChangeAspect="1" noChangeArrowheads="1"/>
+          </p:cNvPicPr>
+          <p:nvPr/>
+        </p:nvPicPr>
+        <p:blipFill>
+          <a:blip r:embed="rId4">
+            <a:extLst>
+              <a:ext uri="{28A0092B-C50C-407E-A947-70E740481C1C}">
+                <a14:useLocalDpi xmlns="" xmlns:a14="http://schemas.microsoft.com/office/drawing/2010/main" val="0"/>
+              </a:ext>
+            </a:extLst>
+          </a:blip>
+          <a:srcRect/>
+          <a:stretch>
+            <a:fillRect/>
+          </a:stretch>
+        </p:blipFill>
+        <p:spPr bwMode="auto">
+          <a:xfrm>
+            <a:off x="67350" y="2302681"/>
+            <a:ext cx="4526259" cy="3403600"/>
+          </a:xfrm>
+          <a:prstGeom prst="rect">
+            <a:avLst/>
+          </a:prstGeom>
+          <a:noFill/>
+          <a:ln>
+            <a:noFill/>
+          </a:ln>
+          <a:effectLst/>
+          <a:extLst>
+            <a:ext uri="{909E8E84-426E-40DD-AFC4-6F175D3DCCD1}">
+              <a14:hiddenFill xmlns="" xmlns:a14="http://schemas.microsoft.com/office/drawing/2010/main">
+                <a:solidFill>
+                  <a:schemeClr val="accent1"/>
+                </a:solidFill>
+              </a14:hiddenFill>
+            </a:ext>
+            <a:ext uri="{91240B29-F687-4F45-9708-019B960494DF}">
+              <a14:hiddenLine xmlns="" xmlns:a14="http://schemas.microsoft.com/office/drawing/2010/main" w="9525">
+                <a:solidFill>
+                  <a:schemeClr val="tx1"/>
+                </a:solidFill>
+                <a:miter lim="800000"/>
+                <a:headEnd/>
+                <a:tailEnd/>
+              </a14:hiddenLine>
+            </a:ext>
+            <a:ext uri="{AF507438-7753-43E0-B8FC-AC1667EBCBE1}">
+              <a14:hiddenEffects xmlns="" xmlns:a14="http://schemas.microsoft.com/office/drawing/2010/main">
+                <a:effectLst>
+                  <a:outerShdw dist="35921" dir="2700000" algn="ctr" rotWithShape="0">
+                    <a:schemeClr val="bg2"/>
+                  </a:outerShdw>
+                </a:effectLst>
+              </a14:hiddenEffects>
+            </a:ext>
+          </a:extLst>
+        </p:spPr>
+      </p:pic>
+      <p:sp>
+        <p:nvSpPr>
+          <p:cNvPr id="9" name="Rectangle 7"/>
+          <p:cNvSpPr>
+            <a:spLocks noChangeArrowheads="1"/>
+          </p:cNvSpPr>
+          <p:nvPr/>
+        </p:nvSpPr>
+        <p:spPr bwMode="auto">
+          <a:xfrm>
+            <a:off x="0" y="0"/>
+            <a:ext cx="9144000" cy="0"/>
+          </a:xfrm>
+          <a:prstGeom prst="rect">
+            <a:avLst/>
+          </a:prstGeom>
+          <a:noFill/>
+          <a:ln>
+            <a:noFill/>
+          </a:ln>
+          <a:effectLst/>
+          <a:extLst>
+            <a:ext uri="{909E8E84-426E-40DD-AFC4-6F175D3DCCD1}">
+              <a14:hiddenFill xmlns="" xmlns:a14="http://schemas.microsoft.com/office/drawing/2010/main">
+                <a:solidFill>
+                  <a:schemeClr val="accent1"/>
+                </a:solidFill>
+              </a14:hiddenFill>
+            </a:ext>
+            <a:ext uri="{91240B29-F687-4F45-9708-019B960494DF}">
+              <a14:hiddenLine xmlns="" xmlns:a14="http://schemas.microsoft.com/office/drawing/2010/main" w="9525">
+                <a:solidFill>
+                  <a:schemeClr val="tx1"/>
+                </a:solidFill>
+                <a:miter lim="800000"/>
+                <a:headEnd/>
+                <a:tailEnd/>
+              </a14:hiddenLine>
+            </a:ext>
+            <a:ext uri="{AF507438-7753-43E0-B8FC-AC1667EBCBE1}">
+              <a14:hiddenEffects xmlns="" xmlns:a14="http://schemas.microsoft.com/office/drawing/2010/main">
+                <a:effectLst>
+                  <a:outerShdw dist="35921" dir="2700000" algn="ctr" rotWithShape="0">
+                    <a:schemeClr val="bg2"/>
+                  </a:outerShdw>
+                </a:effectLst>
+              </a14:hiddenEffects>
+            </a:ext>
+          </a:extLst>
+        </p:spPr>
+        <p:txBody>
+          <a:bodyPr vert="horz" wrap="none" lIns="91440" tIns="45720" rIns="91440" bIns="45720" numCol="1" anchor="ctr" anchorCtr="0" compatLnSpc="1">
+            <a:prstTxWarp prst="textNoShape">
+              <a:avLst/>
+            </a:prstTxWarp>
+            <a:spAutoFit/>
+          </a:bodyPr>
+          <a:lstStyle/>
+          <a:p>
+            <a:endParaRPr lang="en-US"/>
+          </a:p>
+        </p:txBody>
+      </p:sp>
+      <p:graphicFrame>
+        <p:nvGraphicFramePr>
+          <p:cNvPr id="10" name="Object 9"/>
+          <p:cNvGraphicFramePr>
+            <a:graphicFrameLocks noChangeAspect="1"/>
+          </p:cNvGraphicFramePr>
+          <p:nvPr>
+            <p:extLst>
+              <p:ext uri="{D42A27DB-BD31-4B8C-83A1-F6EECF244321}">
+                <p14:modId xmlns="" xmlns:p14="http://schemas.microsoft.com/office/powerpoint/2010/main" val="3136977526"/>
+              </p:ext>
+            </p:extLst>
+          </p:nvPr>
+        </p:nvGraphicFramePr>
+        <p:xfrm>
+          <a:off x="3352800" y="2819400"/>
+          <a:ext cx="5486400" cy="3429000"/>
+        </p:xfrm>
+        <a:graphic>
+          <a:graphicData uri="http://schemas.openxmlformats.org/presentationml/2006/ole">
+            <p:oleObj spid="_x0000_s1055" name="Image" r:id="rId5" imgW="7315200" imgH="4572000" progId="">
+              <p:embed/>
+            </p:oleObj>
+          </a:graphicData>
+        </a:graphic>
+      </p:graphicFrame>
+    </p:spTree>
+    <p:extLst>
+      <p:ext uri="{BB962C8B-B14F-4D97-AF65-F5344CB8AC3E}">
+        <p14:creationId xmlns="" xmlns:p14="http://schemas.microsoft.com/office/powerpoint/2010/main" val="1260448984"/>
       </p:ext>
     </p:extLst>
   </p:cSld>
@@ -12782,16 +12470,10 @@
           <a:lstStyle/>
           <a:p>
             <a:r>
-              <a:rPr lang="en-US" dirty="0" err="1">
-                <a:latin typeface="Times New Roman" pitchFamily="18" charset="0"/>
-                <a:cs typeface="Times New Roman" pitchFamily="18" charset="0"/>
-              </a:rPr>
-              <a:t>Robotium</a:t>
-            </a:r>
-            <a:endParaRPr lang="en-US" dirty="0">
-              <a:latin typeface="Times New Roman" pitchFamily="18" charset="0"/>
-              <a:cs typeface="Times New Roman" pitchFamily="18" charset="0"/>
-            </a:endParaRPr>
+              <a:rPr lang="en-US" smtClean="0"/>
+              <a:t>Ranorex</a:t>
+            </a:r>
+            <a:endParaRPr lang="en-US"/>
           </a:p>
         </p:txBody>
       </p:sp>
@@ -12818,14 +12500,14 @@
           <a:effectLst/>
           <a:extLst>
             <a:ext uri="{909E8E84-426E-40DD-AFC4-6F175D3DCCD1}">
-              <a14:hiddenFill xmlns:a14="http://schemas.microsoft.com/office/drawing/2010/main" xmlns="">
+              <a14:hiddenFill xmlns="" xmlns:a14="http://schemas.microsoft.com/office/drawing/2010/main">
                 <a:solidFill>
                   <a:schemeClr val="accent1"/>
                 </a:solidFill>
               </a14:hiddenFill>
             </a:ext>
             <a:ext uri="{91240B29-F687-4F45-9708-019B960494DF}">
-              <a14:hiddenLine xmlns:a14="http://schemas.microsoft.com/office/drawing/2010/main" xmlns="" w="9525">
+              <a14:hiddenLine xmlns="" xmlns:a14="http://schemas.microsoft.com/office/drawing/2010/main" w="9525">
                 <a:solidFill>
                   <a:schemeClr val="tx1"/>
                 </a:solidFill>
@@ -12835,7 +12517,7 @@
               </a14:hiddenLine>
             </a:ext>
             <a:ext uri="{AF507438-7753-43E0-B8FC-AC1667EBCBE1}">
-              <a14:hiddenEffects xmlns:a14="http://schemas.microsoft.com/office/drawing/2010/main" xmlns="">
+              <a14:hiddenEffects xmlns="" xmlns:a14="http://schemas.microsoft.com/office/drawing/2010/main">
                 <a:effectLst>
                   <a:outerShdw dist="35921" dir="2700000" algn="ctr" rotWithShape="0">
                     <a:schemeClr val="bg2"/>
@@ -12867,18 +12549,196 @@
           <p:nvPr>
             <p:extLst>
               <p:ext uri="{D42A27DB-BD31-4B8C-83A1-F6EECF244321}">
-                <p14:modId xmlns:p14="http://schemas.microsoft.com/office/powerpoint/2010/main" xmlns="" val="3941052910"/>
+                <p14:modId xmlns="" xmlns:p14="http://schemas.microsoft.com/office/powerpoint/2010/main" val="2033785521"/>
               </p:ext>
             </p:extLst>
           </p:nvPr>
         </p:nvGraphicFramePr>
         <p:xfrm>
-          <a:off x="1295400" y="1066800"/>
-          <a:ext cx="6172200" cy="4114800"/>
+          <a:off x="152400" y="838200"/>
+          <a:ext cx="4114800" cy="4114800"/>
         </p:xfrm>
         <a:graphic>
           <a:graphicData uri="http://schemas.openxmlformats.org/presentationml/2006/ole">
-            <p:oleObj spid="_x0000_s4110" name="Image" r:id="rId3" imgW="8229600" imgH="5486400" progId="">
+            <p:oleObj spid="_x0000_s2088" name="Image" r:id="rId3" imgW="5486400" imgH="5486400" progId="">
+              <p:embed/>
+            </p:oleObj>
+          </a:graphicData>
+        </a:graphic>
+      </p:graphicFrame>
+      <p:sp>
+        <p:nvSpPr>
+          <p:cNvPr id="7" name="Rectangle 4"/>
+          <p:cNvSpPr>
+            <a:spLocks noChangeArrowheads="1"/>
+          </p:cNvSpPr>
+          <p:nvPr/>
+        </p:nvSpPr>
+        <p:spPr bwMode="auto">
+          <a:xfrm>
+            <a:off x="0" y="0"/>
+            <a:ext cx="9144000" cy="0"/>
+          </a:xfrm>
+          <a:prstGeom prst="rect">
+            <a:avLst/>
+          </a:prstGeom>
+          <a:noFill/>
+          <a:ln>
+            <a:noFill/>
+          </a:ln>
+          <a:effectLst/>
+          <a:extLst>
+            <a:ext uri="{909E8E84-426E-40DD-AFC4-6F175D3DCCD1}">
+              <a14:hiddenFill xmlns="" xmlns:a14="http://schemas.microsoft.com/office/drawing/2010/main">
+                <a:solidFill>
+                  <a:schemeClr val="accent1"/>
+                </a:solidFill>
+              </a14:hiddenFill>
+            </a:ext>
+            <a:ext uri="{91240B29-F687-4F45-9708-019B960494DF}">
+              <a14:hiddenLine xmlns="" xmlns:a14="http://schemas.microsoft.com/office/drawing/2010/main" w="9525">
+                <a:solidFill>
+                  <a:schemeClr val="tx1"/>
+                </a:solidFill>
+                <a:miter lim="800000"/>
+                <a:headEnd/>
+                <a:tailEnd/>
+              </a14:hiddenLine>
+            </a:ext>
+            <a:ext uri="{AF507438-7753-43E0-B8FC-AC1667EBCBE1}">
+              <a14:hiddenEffects xmlns="" xmlns:a14="http://schemas.microsoft.com/office/drawing/2010/main">
+                <a:effectLst>
+                  <a:outerShdw dist="35921" dir="2700000" algn="ctr" rotWithShape="0">
+                    <a:schemeClr val="bg2"/>
+                  </a:outerShdw>
+                </a:effectLst>
+              </a14:hiddenEffects>
+            </a:ext>
+          </a:extLst>
+        </p:spPr>
+        <p:txBody>
+          <a:bodyPr vert="horz" wrap="none" lIns="91440" tIns="45720" rIns="91440" bIns="45720" numCol="1" anchor="ctr" anchorCtr="0" compatLnSpc="1">
+            <a:prstTxWarp prst="textNoShape">
+              <a:avLst/>
+            </a:prstTxWarp>
+            <a:spAutoFit/>
+          </a:bodyPr>
+          <a:lstStyle/>
+          <a:p>
+            <a:endParaRPr lang="en-US"/>
+          </a:p>
+        </p:txBody>
+      </p:sp>
+      <p:graphicFrame>
+        <p:nvGraphicFramePr>
+          <p:cNvPr id="8" name="Object 7"/>
+          <p:cNvGraphicFramePr>
+            <a:graphicFrameLocks noChangeAspect="1"/>
+          </p:cNvGraphicFramePr>
+          <p:nvPr>
+            <p:extLst>
+              <p:ext uri="{D42A27DB-BD31-4B8C-83A1-F6EECF244321}">
+                <p14:modId xmlns="" xmlns:p14="http://schemas.microsoft.com/office/powerpoint/2010/main" val="736740180"/>
+              </p:ext>
+            </p:extLst>
+          </p:nvPr>
+        </p:nvGraphicFramePr>
+        <p:xfrm>
+          <a:off x="4572000" y="0"/>
+          <a:ext cx="4114800" cy="3429000"/>
+        </p:xfrm>
+        <a:graphic>
+          <a:graphicData uri="http://schemas.openxmlformats.org/presentationml/2006/ole">
+            <p:oleObj spid="_x0000_s2089" name="Image" r:id="rId4" imgW="5486400" imgH="4572000" progId="">
+              <p:embed/>
+            </p:oleObj>
+          </a:graphicData>
+        </a:graphic>
+      </p:graphicFrame>
+      <p:sp>
+        <p:nvSpPr>
+          <p:cNvPr id="9" name="Rectangle 6"/>
+          <p:cNvSpPr>
+            <a:spLocks noChangeArrowheads="1"/>
+          </p:cNvSpPr>
+          <p:nvPr/>
+        </p:nvSpPr>
+        <p:spPr bwMode="auto">
+          <a:xfrm>
+            <a:off x="0" y="0"/>
+            <a:ext cx="9144000" cy="0"/>
+          </a:xfrm>
+          <a:prstGeom prst="rect">
+            <a:avLst/>
+          </a:prstGeom>
+          <a:noFill/>
+          <a:ln>
+            <a:noFill/>
+          </a:ln>
+          <a:effectLst/>
+          <a:extLst>
+            <a:ext uri="{909E8E84-426E-40DD-AFC4-6F175D3DCCD1}">
+              <a14:hiddenFill xmlns="" xmlns:a14="http://schemas.microsoft.com/office/drawing/2010/main">
+                <a:solidFill>
+                  <a:schemeClr val="accent1"/>
+                </a:solidFill>
+              </a14:hiddenFill>
+            </a:ext>
+            <a:ext uri="{91240B29-F687-4F45-9708-019B960494DF}">
+              <a14:hiddenLine xmlns="" xmlns:a14="http://schemas.microsoft.com/office/drawing/2010/main" w="9525">
+                <a:solidFill>
+                  <a:schemeClr val="tx1"/>
+                </a:solidFill>
+                <a:miter lim="800000"/>
+                <a:headEnd/>
+                <a:tailEnd/>
+              </a14:hiddenLine>
+            </a:ext>
+            <a:ext uri="{AF507438-7753-43E0-B8FC-AC1667EBCBE1}">
+              <a14:hiddenEffects xmlns="" xmlns:a14="http://schemas.microsoft.com/office/drawing/2010/main">
+                <a:effectLst>
+                  <a:outerShdw dist="35921" dir="2700000" algn="ctr" rotWithShape="0">
+                    <a:schemeClr val="bg2"/>
+                  </a:outerShdw>
+                </a:effectLst>
+              </a14:hiddenEffects>
+            </a:ext>
+          </a:extLst>
+        </p:spPr>
+        <p:txBody>
+          <a:bodyPr vert="horz" wrap="none" lIns="91440" tIns="45720" rIns="91440" bIns="45720" numCol="1" anchor="ctr" anchorCtr="0" compatLnSpc="1">
+            <a:prstTxWarp prst="textNoShape">
+              <a:avLst/>
+            </a:prstTxWarp>
+            <a:spAutoFit/>
+          </a:bodyPr>
+          <a:lstStyle/>
+          <a:p>
+            <a:endParaRPr lang="en-US"/>
+          </a:p>
+        </p:txBody>
+      </p:sp>
+      <p:graphicFrame>
+        <p:nvGraphicFramePr>
+          <p:cNvPr id="10" name="Object 9"/>
+          <p:cNvGraphicFramePr>
+            <a:graphicFrameLocks noChangeAspect="1"/>
+          </p:cNvGraphicFramePr>
+          <p:nvPr>
+            <p:extLst>
+              <p:ext uri="{D42A27DB-BD31-4B8C-83A1-F6EECF244321}">
+                <p14:modId xmlns="" xmlns:p14="http://schemas.microsoft.com/office/powerpoint/2010/main" val="4188053664"/>
+              </p:ext>
+            </p:extLst>
+          </p:nvPr>
+        </p:nvGraphicFramePr>
+        <p:xfrm>
+          <a:off x="4572000" y="3505200"/>
+          <a:ext cx="4114800" cy="2743200"/>
+        </p:xfrm>
+        <a:graphic>
+          <a:graphicData uri="http://schemas.openxmlformats.org/presentationml/2006/ole">
+            <p:oleObj spid="_x0000_s2090" name="Image" r:id="rId5" imgW="5486400" imgH="3657600" progId="">
               <p:embed/>
             </p:oleObj>
           </a:graphicData>
@@ -12887,7 +12747,7 @@
     </p:spTree>
     <p:extLst>
       <p:ext uri="{BB962C8B-B14F-4D97-AF65-F5344CB8AC3E}">
-        <p14:creationId xmlns:p14="http://schemas.microsoft.com/office/powerpoint/2010/main" xmlns="" val="1382202276"/>
+        <p14:creationId xmlns="" xmlns:p14="http://schemas.microsoft.com/office/powerpoint/2010/main" val="1511659555"/>
       </p:ext>
     </p:extLst>
   </p:cSld>
@@ -12898,6 +12758,294 @@
 </file>
 
 <file path=ppt/slides/slide21.xml><?xml version="1.0" encoding="utf-8"?>
+<p:sld xmlns:a="http://schemas.openxmlformats.org/drawingml/2006/main" xmlns:r="http://schemas.openxmlformats.org/officeDocument/2006/relationships" xmlns:p="http://schemas.openxmlformats.org/presentationml/2006/main">
+  <p:cSld>
+    <p:spTree>
+      <p:nvGrpSpPr>
+        <p:cNvPr id="1" name=""/>
+        <p:cNvGrpSpPr/>
+        <p:nvPr/>
+      </p:nvGrpSpPr>
+      <p:grpSpPr>
+        <a:xfrm>
+          <a:off x="0" y="0"/>
+          <a:ext cx="0" cy="0"/>
+          <a:chOff x="0" y="0"/>
+          <a:chExt cx="0" cy="0"/>
+        </a:xfrm>
+      </p:grpSpPr>
+      <p:sp>
+        <p:nvSpPr>
+          <p:cNvPr id="2" name="Content Placeholder 1"/>
+          <p:cNvSpPr>
+            <a:spLocks noGrp="1"/>
+          </p:cNvSpPr>
+          <p:nvPr>
+            <p:ph sz="half" idx="1"/>
+          </p:nvPr>
+        </p:nvSpPr>
+        <p:spPr/>
+        <p:txBody>
+          <a:bodyPr/>
+          <a:lstStyle/>
+          <a:p>
+            <a:endParaRPr lang="en-US"/>
+          </a:p>
+        </p:txBody>
+      </p:sp>
+      <p:sp>
+        <p:nvSpPr>
+          <p:cNvPr id="3" name="Content Placeholder 2"/>
+          <p:cNvSpPr>
+            <a:spLocks noGrp="1"/>
+          </p:cNvSpPr>
+          <p:nvPr>
+            <p:ph sz="half" idx="2"/>
+          </p:nvPr>
+        </p:nvSpPr>
+        <p:spPr/>
+        <p:txBody>
+          <a:bodyPr/>
+          <a:lstStyle/>
+          <a:p>
+            <a:endParaRPr lang="en-US"/>
+          </a:p>
+        </p:txBody>
+      </p:sp>
+      <p:sp>
+        <p:nvSpPr>
+          <p:cNvPr id="4" name="Title 3"/>
+          <p:cNvSpPr>
+            <a:spLocks noGrp="1"/>
+          </p:cNvSpPr>
+          <p:nvPr>
+            <p:ph type="title"/>
+          </p:nvPr>
+        </p:nvSpPr>
+        <p:spPr/>
+        <p:txBody>
+          <a:bodyPr/>
+          <a:lstStyle/>
+          <a:p>
+            <a:r>
+              <a:rPr lang="en-US" dirty="0" smtClean="0">
+                <a:latin typeface="Times New Roman" pitchFamily="18" charset="0"/>
+                <a:cs typeface="Times New Roman" pitchFamily="18" charset="0"/>
+              </a:rPr>
+              <a:t>Report</a:t>
+            </a:r>
+            <a:endParaRPr lang="en-US" dirty="0">
+              <a:latin typeface="Times New Roman" pitchFamily="18" charset="0"/>
+              <a:cs typeface="Times New Roman" pitchFamily="18" charset="0"/>
+            </a:endParaRPr>
+          </a:p>
+        </p:txBody>
+      </p:sp>
+      <p:pic>
+        <p:nvPicPr>
+          <p:cNvPr id="34818" name="Picture 2"/>
+          <p:cNvPicPr>
+            <a:picLocks noChangeAspect="1" noChangeArrowheads="1"/>
+          </p:cNvPicPr>
+          <p:nvPr/>
+        </p:nvPicPr>
+        <p:blipFill>
+          <a:blip r:embed="rId2"/>
+          <a:srcRect/>
+          <a:stretch>
+            <a:fillRect/>
+          </a:stretch>
+        </p:blipFill>
+        <p:spPr bwMode="auto">
+          <a:xfrm>
+            <a:off x="1219200" y="1143000"/>
+            <a:ext cx="6334717" cy="4367213"/>
+          </a:xfrm>
+          <a:prstGeom prst="rect">
+            <a:avLst/>
+          </a:prstGeom>
+          <a:noFill/>
+          <a:ln w="9525">
+            <a:noFill/>
+            <a:miter lim="800000"/>
+            <a:headEnd/>
+            <a:tailEnd/>
+          </a:ln>
+          <a:effectLst/>
+        </p:spPr>
+      </p:pic>
+    </p:spTree>
+  </p:cSld>
+  <p:clrMapOvr>
+    <a:masterClrMapping/>
+  </p:clrMapOvr>
+</p:sld>
+</file>
+
+<file path=ppt/slides/slide22.xml><?xml version="1.0" encoding="utf-8"?>
+<p:sld xmlns:a="http://schemas.openxmlformats.org/drawingml/2006/main" xmlns:r="http://schemas.openxmlformats.org/officeDocument/2006/relationships" xmlns:p="http://schemas.openxmlformats.org/presentationml/2006/main">
+  <p:cSld>
+    <p:spTree>
+      <p:nvGrpSpPr>
+        <p:cNvPr id="1" name=""/>
+        <p:cNvGrpSpPr/>
+        <p:nvPr/>
+      </p:nvGrpSpPr>
+      <p:grpSpPr>
+        <a:xfrm>
+          <a:off x="0" y="0"/>
+          <a:ext cx="0" cy="0"/>
+          <a:chOff x="0" y="0"/>
+          <a:chExt cx="0" cy="0"/>
+        </a:xfrm>
+      </p:grpSpPr>
+      <p:sp>
+        <p:nvSpPr>
+          <p:cNvPr id="2" name="Content Placeholder 1"/>
+          <p:cNvSpPr>
+            <a:spLocks noGrp="1"/>
+          </p:cNvSpPr>
+          <p:nvPr>
+            <p:ph sz="half" idx="1"/>
+          </p:nvPr>
+        </p:nvSpPr>
+        <p:spPr>
+          <a:xfrm>
+            <a:off x="822960" y="1097280"/>
+            <a:ext cx="7330440" cy="3712464"/>
+          </a:xfrm>
+        </p:spPr>
+        <p:txBody>
+          <a:bodyPr>
+            <a:normAutofit/>
+          </a:bodyPr>
+          <a:lstStyle/>
+          <a:p>
+            <a:r>
+              <a:rPr lang="en-US" sz="1300" b="0" dirty="0" err="1" smtClean="0">
+                <a:latin typeface="Times New Roman" pitchFamily="18" charset="0"/>
+                <a:cs typeface="Times New Roman" pitchFamily="18" charset="0"/>
+              </a:rPr>
+              <a:t>Appium</a:t>
+            </a:r>
+            <a:r>
+              <a:rPr lang="en-US" sz="1300" b="0" dirty="0" smtClean="0">
+                <a:latin typeface="Times New Roman" pitchFamily="18" charset="0"/>
+                <a:cs typeface="Times New Roman" pitchFamily="18" charset="0"/>
+              </a:rPr>
+              <a:t> is an open source test automation framework for use with native, </a:t>
+            </a:r>
+            <a:r>
+              <a:rPr lang="en-US" sz="1300" b="0" dirty="0" smtClean="0">
+                <a:latin typeface="Times New Roman" pitchFamily="18" charset="0"/>
+                <a:cs typeface="Times New Roman" pitchFamily="18" charset="0"/>
+                <a:hlinkClick r:id="rId2"/>
+              </a:rPr>
+              <a:t>hybrid</a:t>
+            </a:r>
+            <a:r>
+              <a:rPr lang="en-US" sz="1300" b="0" dirty="0" smtClean="0">
+                <a:latin typeface="Times New Roman" pitchFamily="18" charset="0"/>
+                <a:cs typeface="Times New Roman" pitchFamily="18" charset="0"/>
+              </a:rPr>
+              <a:t> and mobile web apps. </a:t>
+            </a:r>
+          </a:p>
+          <a:p>
+            <a:r>
+              <a:rPr lang="en-US" sz="1300" b="0" smtClean="0">
+                <a:latin typeface="Times New Roman" pitchFamily="18" charset="0"/>
+                <a:cs typeface="Times New Roman" pitchFamily="18" charset="0"/>
+              </a:rPr>
+              <a:t>It </a:t>
+            </a:r>
+            <a:r>
+              <a:rPr lang="en-US" sz="1300" b="0" dirty="0" smtClean="0">
+                <a:latin typeface="Times New Roman" pitchFamily="18" charset="0"/>
+                <a:cs typeface="Times New Roman" pitchFamily="18" charset="0"/>
+              </a:rPr>
+              <a:t>drives </a:t>
+            </a:r>
+            <a:r>
+              <a:rPr lang="en-US" sz="1300" b="0" dirty="0" err="1" smtClean="0">
+                <a:latin typeface="Times New Roman" pitchFamily="18" charset="0"/>
+                <a:cs typeface="Times New Roman" pitchFamily="18" charset="0"/>
+              </a:rPr>
+              <a:t>iOS</a:t>
+            </a:r>
+            <a:r>
+              <a:rPr lang="en-US" sz="1300" b="0" dirty="0" smtClean="0">
+                <a:latin typeface="Times New Roman" pitchFamily="18" charset="0"/>
+                <a:cs typeface="Times New Roman" pitchFamily="18" charset="0"/>
+              </a:rPr>
+              <a:t> and Android apps using the </a:t>
+            </a:r>
+            <a:r>
+              <a:rPr lang="en-US" sz="1300" b="0" dirty="0" err="1" smtClean="0">
+                <a:latin typeface="Times New Roman" pitchFamily="18" charset="0"/>
+                <a:cs typeface="Times New Roman" pitchFamily="18" charset="0"/>
+              </a:rPr>
+              <a:t>WebDriver</a:t>
+            </a:r>
+            <a:r>
+              <a:rPr lang="en-US" sz="1300" b="0" dirty="0" smtClean="0">
+                <a:latin typeface="Times New Roman" pitchFamily="18" charset="0"/>
+                <a:cs typeface="Times New Roman" pitchFamily="18" charset="0"/>
+              </a:rPr>
+              <a:t> protocol.</a:t>
+            </a:r>
+            <a:endParaRPr lang="en-US" sz="1300" dirty="0">
+              <a:latin typeface="Times New Roman" pitchFamily="18" charset="0"/>
+              <a:cs typeface="Times New Roman" pitchFamily="18" charset="0"/>
+            </a:endParaRPr>
+          </a:p>
+        </p:txBody>
+      </p:sp>
+      <p:sp>
+        <p:nvSpPr>
+          <p:cNvPr id="4" name="Title 3"/>
+          <p:cNvSpPr>
+            <a:spLocks noGrp="1"/>
+          </p:cNvSpPr>
+          <p:nvPr>
+            <p:ph type="title"/>
+          </p:nvPr>
+        </p:nvSpPr>
+        <p:spPr/>
+        <p:txBody>
+          <a:bodyPr/>
+          <a:lstStyle/>
+          <a:p>
+            <a:r>
+              <a:rPr lang="en-US" dirty="0" err="1" smtClean="0">
+                <a:latin typeface="Times New Roman" pitchFamily="18" charset="0"/>
+                <a:cs typeface="Times New Roman" pitchFamily="18" charset="0"/>
+              </a:rPr>
+              <a:t>APPiUm</a:t>
+            </a:r>
+            <a:r>
+              <a:rPr lang="en-US" smtClean="0">
+                <a:latin typeface="Times New Roman" pitchFamily="18" charset="0"/>
+                <a:cs typeface="Times New Roman" pitchFamily="18" charset="0"/>
+              </a:rPr>
+              <a:t>(Mobile WEB APP)</a:t>
+            </a:r>
+            <a:endParaRPr lang="en-US" dirty="0">
+              <a:latin typeface="Times New Roman" pitchFamily="18" charset="0"/>
+              <a:cs typeface="Times New Roman" pitchFamily="18" charset="0"/>
+            </a:endParaRPr>
+          </a:p>
+        </p:txBody>
+      </p:sp>
+    </p:spTree>
+  </p:cSld>
+  <p:clrMapOvr>
+    <a:masterClrMapping/>
+  </p:clrMapOvr>
+</p:sld>
+</file>
+
+<file path=ppt/slides/slide23.xml><?xml version="1.0" encoding="utf-8"?>
 <p:sld xmlns:a="http://schemas.openxmlformats.org/drawingml/2006/main" xmlns:r="http://schemas.openxmlformats.org/officeDocument/2006/relationships" xmlns:p="http://schemas.openxmlformats.org/presentationml/2006/main">
   <p:cSld>
     <p:spTree>
@@ -13990,7 +14138,7 @@
     </p:spTree>
     <p:extLst>
       <p:ext uri="{BB962C8B-B14F-4D97-AF65-F5344CB8AC3E}">
-        <p14:creationId xmlns:p14="http://schemas.microsoft.com/office/powerpoint/2010/main" xmlns="" val="1721387239"/>
+        <p14:creationId xmlns="" xmlns:p14="http://schemas.microsoft.com/office/powerpoint/2010/main" val="1721387239"/>
       </p:ext>
     </p:extLst>
   </p:cSld>
@@ -14000,7 +14148,7 @@
 </p:sld>
 </file>
 
-<file path=ppt/slides/slide22.xml><?xml version="1.0" encoding="utf-8"?>
+<file path=ppt/slides/slide24.xml><?xml version="1.0" encoding="utf-8"?>
 <p:sld xmlns:a="http://schemas.openxmlformats.org/drawingml/2006/main" xmlns:r="http://schemas.openxmlformats.org/officeDocument/2006/relationships" xmlns:p="http://schemas.openxmlformats.org/presentationml/2006/main">
   <p:cSld>
     <p:spTree>
@@ -14089,7 +14237,7 @@
           <a:blip r:embed="rId2">
             <a:extLst>
               <a:ext uri="{28A0092B-C50C-407E-A947-70E740481C1C}">
-                <a14:useLocalDpi xmlns:a14="http://schemas.microsoft.com/office/drawing/2010/main" xmlns="" val="0"/>
+                <a14:useLocalDpi xmlns="" xmlns:a14="http://schemas.microsoft.com/office/drawing/2010/main" val="0"/>
               </a:ext>
             </a:extLst>
           </a:blip>
@@ -14113,14 +14261,14 @@
           <a:effectLst/>
           <a:extLst>
             <a:ext uri="{909E8E84-426E-40DD-AFC4-6F175D3DCCD1}">
-              <a14:hiddenFill xmlns:a14="http://schemas.microsoft.com/office/drawing/2010/main" xmlns="">
+              <a14:hiddenFill xmlns="" xmlns:a14="http://schemas.microsoft.com/office/drawing/2010/main">
                 <a:solidFill>
                   <a:schemeClr val="accent1"/>
                 </a:solidFill>
               </a14:hiddenFill>
             </a:ext>
             <a:ext uri="{91240B29-F687-4F45-9708-019B960494DF}">
-              <a14:hiddenLine xmlns:a14="http://schemas.microsoft.com/office/drawing/2010/main" xmlns="" w="9525">
+              <a14:hiddenLine xmlns="" xmlns:a14="http://schemas.microsoft.com/office/drawing/2010/main" w="9525">
                 <a:solidFill>
                   <a:schemeClr val="tx1"/>
                 </a:solidFill>
@@ -14130,7 +14278,7 @@
               </a14:hiddenLine>
             </a:ext>
             <a:ext uri="{AF507438-7753-43E0-B8FC-AC1667EBCBE1}">
-              <a14:hiddenEffects xmlns:a14="http://schemas.microsoft.com/office/drawing/2010/main" xmlns="">
+              <a14:hiddenEffects xmlns="" xmlns:a14="http://schemas.microsoft.com/office/drawing/2010/main">
                 <a:effectLst>
                   <a:outerShdw dist="35921" dir="2700000" algn="ctr" rotWithShape="0">
                     <a:schemeClr val="bg2"/>
@@ -14327,7 +14475,7 @@
     </p:spTree>
     <p:extLst>
       <p:ext uri="{BB962C8B-B14F-4D97-AF65-F5344CB8AC3E}">
-        <p14:creationId xmlns:p14="http://schemas.microsoft.com/office/powerpoint/2010/main" xmlns="" val="123476170"/>
+        <p14:creationId xmlns="" xmlns:p14="http://schemas.microsoft.com/office/powerpoint/2010/main" val="123476170"/>
       </p:ext>
     </p:extLst>
   </p:cSld>
@@ -14337,7 +14485,7 @@
 </p:sld>
 </file>
 
-<file path=ppt/slides/slide23.xml><?xml version="1.0" encoding="utf-8"?>
+<file path=ppt/slides/slide25.xml><?xml version="1.0" encoding="utf-8"?>
 <p:sld xmlns:a="http://schemas.openxmlformats.org/drawingml/2006/main" xmlns:r="http://schemas.openxmlformats.org/officeDocument/2006/relationships" xmlns:p="http://schemas.openxmlformats.org/presentationml/2006/main">
   <p:cSld>
     <p:spTree>
@@ -14385,7 +14533,7 @@
     </p:spTree>
     <p:extLst>
       <p:ext uri="{BB962C8B-B14F-4D97-AF65-F5344CB8AC3E}">
-        <p14:creationId xmlns:p14="http://schemas.microsoft.com/office/powerpoint/2010/main" xmlns="" val="2579548298"/>
+        <p14:creationId xmlns="" xmlns:p14="http://schemas.microsoft.com/office/powerpoint/2010/main" val="2579548298"/>
       </p:ext>
     </p:extLst>
   </p:cSld>
@@ -15604,14 +15752,7 @@
                 <a:latin typeface="Times New Roman" pitchFamily="18" charset="0"/>
                 <a:cs typeface="Times New Roman" pitchFamily="18" charset="0"/>
               </a:rPr>
-              <a:t>Tự động hóa những cái gì</a:t>
-            </a:r>
-            <a:r>
-              <a:rPr lang="vi-VN" b="1" i="1" dirty="0" smtClean="0">
-                <a:latin typeface="Times New Roman" pitchFamily="18" charset="0"/>
-                <a:cs typeface="Times New Roman" pitchFamily="18" charset="0"/>
-              </a:rPr>
-              <a:t>?</a:t>
+              <a:t>Tự động hóa những cái gì?</a:t>
             </a:r>
             <a:endParaRPr lang="en-US" b="1" i="1" dirty="0" smtClean="0">
               <a:latin typeface="Times New Roman" pitchFamily="18" charset="0"/>
@@ -16301,14 +16442,7 @@
                 <a:latin typeface="Times New Roman" pitchFamily="18" charset="0"/>
                 <a:cs typeface="Times New Roman" pitchFamily="18" charset="0"/>
               </a:rPr>
-              <a:t>dự án đòi hỏi kiểm thử các khu vực thường </a:t>
-            </a:r>
-            <a:r>
-              <a:rPr lang="vi-VN" dirty="0" smtClean="0">
-                <a:latin typeface="Times New Roman" pitchFamily="18" charset="0"/>
-                <a:cs typeface="Times New Roman" pitchFamily="18" charset="0"/>
-              </a:rPr>
-              <a:t>xuyên</a:t>
+              <a:t>dự án đòi hỏi kiểm thử các khu vực thường xuyên</a:t>
             </a:r>
             <a:endParaRPr lang="en-US" dirty="0" smtClean="0">
               <a:latin typeface="Times New Roman" pitchFamily="18" charset="0"/>
@@ -16325,14 +16459,7 @@
                 <a:latin typeface="Times New Roman" pitchFamily="18" charset="0"/>
                 <a:cs typeface="Times New Roman" pitchFamily="18" charset="0"/>
               </a:rPr>
-              <a:t>Các yêu cầu không được thay đổi thường </a:t>
-            </a:r>
-            <a:r>
-              <a:rPr lang="vi-VN" dirty="0" smtClean="0">
-                <a:latin typeface="Times New Roman" pitchFamily="18" charset="0"/>
-                <a:cs typeface="Times New Roman" pitchFamily="18" charset="0"/>
-              </a:rPr>
-              <a:t>xuyên</a:t>
+              <a:t>Các yêu cầu không được thay đổi thường xuyên</a:t>
             </a:r>
             <a:endParaRPr lang="en-US" dirty="0" smtClean="0">
               <a:latin typeface="Times New Roman" pitchFamily="18" charset="0"/>
@@ -16349,14 +16476,7 @@
                 <a:latin typeface="Times New Roman" pitchFamily="18" charset="0"/>
                 <a:cs typeface="Times New Roman" pitchFamily="18" charset="0"/>
               </a:rPr>
-              <a:t> Truy cập ứng dụng tải và hiệu suất với nhiều người dùng </a:t>
-            </a:r>
-            <a:r>
-              <a:rPr lang="vi-VN" dirty="0" smtClean="0">
-                <a:latin typeface="Times New Roman" pitchFamily="18" charset="0"/>
-                <a:cs typeface="Times New Roman" pitchFamily="18" charset="0"/>
-              </a:rPr>
-              <a:t>ảo</a:t>
+              <a:t> Truy cập ứng dụng tải và hiệu suất với nhiều người dùng ảo</a:t>
             </a:r>
             <a:endParaRPr lang="en-US" dirty="0" smtClean="0">
               <a:latin typeface="Times New Roman" pitchFamily="18" charset="0"/>
@@ -16373,14 +16493,7 @@
                 <a:latin typeface="Times New Roman" pitchFamily="18" charset="0"/>
                 <a:cs typeface="Times New Roman" pitchFamily="18" charset="0"/>
               </a:rPr>
-              <a:t>phần mềm ổn định với phương pháp kiểm thử thủ </a:t>
-            </a:r>
-            <a:r>
-              <a:rPr lang="vi-VN" dirty="0" smtClean="0">
-                <a:latin typeface="Times New Roman" pitchFamily="18" charset="0"/>
-                <a:cs typeface="Times New Roman" pitchFamily="18" charset="0"/>
-              </a:rPr>
-              <a:t>công</a:t>
+              <a:t>phần mềm ổn định với phương pháp kiểm thử thủ công</a:t>
             </a:r>
             <a:endParaRPr lang="en-US" dirty="0" smtClean="0">
               <a:latin typeface="Times New Roman" pitchFamily="18" charset="0"/>
@@ -16676,14 +16789,7 @@
                 <a:latin typeface="Times New Roman" pitchFamily="18" charset="0"/>
                 <a:cs typeface="Times New Roman" pitchFamily="18" charset="0"/>
               </a:rPr>
-              <a:t>Tự động hóa như thế nào</a:t>
-            </a:r>
-            <a:r>
-              <a:rPr lang="vi-VN" b="1" i="1" dirty="0" smtClean="0">
-                <a:latin typeface="Times New Roman" pitchFamily="18" charset="0"/>
-                <a:cs typeface="Times New Roman" pitchFamily="18" charset="0"/>
-              </a:rPr>
-              <a:t>?</a:t>
+              <a:t>Tự động hóa như thế nào?</a:t>
             </a:r>
             <a:r>
               <a:rPr lang="en-US" b="1" i="1" dirty="0" smtClean="0">
@@ -17445,14 +17551,7 @@
                 <a:latin typeface="Times New Roman" pitchFamily="18" charset="0"/>
                 <a:cs typeface="Times New Roman" pitchFamily="18" charset="0"/>
               </a:rPr>
-              <a:t> xác định vùng kiểm thử trong phần </a:t>
-            </a:r>
-            <a:r>
-              <a:rPr lang="vi-VN" dirty="0" smtClean="0">
-                <a:latin typeface="Times New Roman" pitchFamily="18" charset="0"/>
-                <a:cs typeface="Times New Roman" pitchFamily="18" charset="0"/>
-              </a:rPr>
-              <a:t>mềm</a:t>
+              <a:t> xác định vùng kiểm thử trong phần mềm</a:t>
             </a:r>
             <a:endParaRPr lang="en-US" dirty="0" smtClean="0">
               <a:latin typeface="Times New Roman" pitchFamily="18" charset="0"/>
@@ -17469,14 +17568,7 @@
                 <a:latin typeface="Times New Roman" pitchFamily="18" charset="0"/>
                 <a:cs typeface="Times New Roman" pitchFamily="18" charset="0"/>
               </a:rPr>
-              <a:t>Chọn lựa công cụ thích hợp cho test tự </a:t>
-            </a:r>
-            <a:r>
-              <a:rPr lang="vi-VN" dirty="0" smtClean="0">
-                <a:latin typeface="Times New Roman" pitchFamily="18" charset="0"/>
-                <a:cs typeface="Times New Roman" pitchFamily="18" charset="0"/>
-              </a:rPr>
-              <a:t>động</a:t>
+              <a:t>Chọn lựa công cụ thích hợp cho test tự động</a:t>
             </a:r>
             <a:endParaRPr lang="en-US" dirty="0" smtClean="0">
               <a:latin typeface="Times New Roman" pitchFamily="18" charset="0"/>
@@ -17528,14 +17620,7 @@
                 <a:latin typeface="Times New Roman" pitchFamily="18" charset="0"/>
                 <a:cs typeface="Times New Roman" pitchFamily="18" charset="0"/>
               </a:rPr>
-              <a:t> </a:t>
-            </a:r>
-            <a:r>
-              <a:rPr lang="en-US" dirty="0" smtClean="0">
-                <a:latin typeface="Times New Roman" pitchFamily="18" charset="0"/>
-                <a:cs typeface="Times New Roman" pitchFamily="18" charset="0"/>
-              </a:rPr>
-              <a:t>test</a:t>
+              <a:t> test</a:t>
             </a:r>
           </a:p>
           <a:p>
@@ -17590,14 +17675,7 @@
                 <a:latin typeface="Times New Roman" pitchFamily="18" charset="0"/>
                 <a:cs typeface="Times New Roman" pitchFamily="18" charset="0"/>
               </a:rPr>
-              <a:t> test (Test suits</a:t>
-            </a:r>
-            <a:r>
-              <a:rPr lang="en-US" dirty="0" smtClean="0">
-                <a:latin typeface="Times New Roman" pitchFamily="18" charset="0"/>
-                <a:cs typeface="Times New Roman" pitchFamily="18" charset="0"/>
-              </a:rPr>
-              <a:t>)</a:t>
+              <a:t> test (Test suits)</a:t>
             </a:r>
           </a:p>
           <a:p>
@@ -17881,28 +17959,14 @@
                 <a:latin typeface="Times New Roman" pitchFamily="18" charset="0"/>
                 <a:cs typeface="Times New Roman" pitchFamily="18" charset="0"/>
               </a:rPr>
-              <a:t>Nguyên </a:t>
-            </a:r>
-            <a:r>
-              <a:rPr lang="vi-VN" dirty="0" smtClean="0">
-                <a:latin typeface="Times New Roman" pitchFamily="18" charset="0"/>
-                <a:cs typeface="Times New Roman" pitchFamily="18" charset="0"/>
-              </a:rPr>
-              <a:t>tắc 1</a:t>
+              <a:t>Nguyên tắc 1</a:t>
             </a:r>
             <a:r>
               <a:rPr lang="vi-VN" b="0" dirty="0" smtClean="0">
                 <a:latin typeface="Times New Roman" pitchFamily="18" charset="0"/>
                 <a:cs typeface="Times New Roman" pitchFamily="18" charset="0"/>
               </a:rPr>
-              <a:t>: Đọc và học/ hiểu cơ bản về nó (automation testing</a:t>
-            </a:r>
-            <a:r>
-              <a:rPr lang="vi-VN" b="0" dirty="0" smtClean="0">
-                <a:latin typeface="Times New Roman" pitchFamily="18" charset="0"/>
-                <a:cs typeface="Times New Roman" pitchFamily="18" charset="0"/>
-              </a:rPr>
-              <a:t>)</a:t>
+              <a:t>: Đọc và học/ hiểu cơ bản về nó (automation testing)</a:t>
             </a:r>
             <a:r>
               <a:rPr lang="en-US" b="0" dirty="0" smtClean="0">
@@ -17929,14 +17993,7 @@
                 <a:latin typeface="Times New Roman" pitchFamily="18" charset="0"/>
                 <a:cs typeface="Times New Roman" pitchFamily="18" charset="0"/>
               </a:rPr>
-              <a:t>: Kế hoạch chuẩn bị để đáp ứng các dự án tự </a:t>
-            </a:r>
-            <a:r>
-              <a:rPr lang="vi-VN" b="0" dirty="0" smtClean="0">
-                <a:latin typeface="Times New Roman" pitchFamily="18" charset="0"/>
-                <a:cs typeface="Times New Roman" pitchFamily="18" charset="0"/>
-              </a:rPr>
-              <a:t>động</a:t>
+              <a:t>: Kế hoạch chuẩn bị để đáp ứng các dự án tự động</a:t>
             </a:r>
             <a:r>
               <a:rPr lang="en-US" b="0" dirty="0" smtClean="0">
@@ -18047,14 +18104,245 @@
                 <a:latin typeface="Times New Roman" pitchFamily="18" charset="0"/>
                 <a:cs typeface="Times New Roman" pitchFamily="18" charset="0"/>
               </a:rPr>
-              <a:t>: Các khái niệm/ định nghĩa cơ bản là giống nhau. Hãy khám phá chúng</a:t>
+              <a:t>: Các khái niệm/ định nghĩa cơ bản là giống nhau. Hãy khám phá chúng!</a:t>
+            </a:r>
+            <a:r>
+              <a:rPr lang="en-US" b="0" dirty="0" smtClean="0">
+                <a:latin typeface="Times New Roman" pitchFamily="18" charset="0"/>
+                <a:cs typeface="Times New Roman" pitchFamily="18" charset="0"/>
+              </a:rPr>
+              <a:t> </a:t>
+            </a:r>
+            <a:r>
+              <a:rPr lang="en-US" b="0" dirty="0" err="1" smtClean="0">
+                <a:latin typeface="Times New Roman" pitchFamily="18" charset="0"/>
+                <a:cs typeface="Times New Roman" pitchFamily="18" charset="0"/>
+              </a:rPr>
+              <a:t>Các</a:t>
+            </a:r>
+            <a:r>
+              <a:rPr lang="en-US" b="0" dirty="0" smtClean="0">
+                <a:latin typeface="Times New Roman" pitchFamily="18" charset="0"/>
+                <a:cs typeface="Times New Roman" pitchFamily="18" charset="0"/>
+              </a:rPr>
+              <a:t> </a:t>
+            </a:r>
+            <a:r>
+              <a:rPr lang="en-US" b="0" dirty="0" err="1" smtClean="0">
+                <a:latin typeface="Times New Roman" pitchFamily="18" charset="0"/>
+                <a:cs typeface="Times New Roman" pitchFamily="18" charset="0"/>
+              </a:rPr>
+              <a:t>ngôn</a:t>
+            </a:r>
+            <a:r>
+              <a:rPr lang="en-US" b="0" dirty="0" smtClean="0">
+                <a:latin typeface="Times New Roman" pitchFamily="18" charset="0"/>
+                <a:cs typeface="Times New Roman" pitchFamily="18" charset="0"/>
+              </a:rPr>
+              <a:t> </a:t>
+            </a:r>
+            <a:r>
+              <a:rPr lang="en-US" b="0" dirty="0" err="1" smtClean="0">
+                <a:latin typeface="Times New Roman" pitchFamily="18" charset="0"/>
+                <a:cs typeface="Times New Roman" pitchFamily="18" charset="0"/>
+              </a:rPr>
+              <a:t>ngữ</a:t>
+            </a:r>
+            <a:r>
+              <a:rPr lang="en-US" b="0" dirty="0" smtClean="0">
+                <a:latin typeface="Times New Roman" pitchFamily="18" charset="0"/>
+                <a:cs typeface="Times New Roman" pitchFamily="18" charset="0"/>
+              </a:rPr>
+              <a:t> </a:t>
+            </a:r>
+            <a:r>
+              <a:rPr lang="en-US" b="0" dirty="0" err="1" smtClean="0">
+                <a:latin typeface="Times New Roman" pitchFamily="18" charset="0"/>
+                <a:cs typeface="Times New Roman" pitchFamily="18" charset="0"/>
+              </a:rPr>
+              <a:t>cơ</a:t>
+            </a:r>
+            <a:r>
+              <a:rPr lang="en-US" b="0" dirty="0" smtClean="0">
+                <a:latin typeface="Times New Roman" pitchFamily="18" charset="0"/>
+                <a:cs typeface="Times New Roman" pitchFamily="18" charset="0"/>
+              </a:rPr>
+              <a:t> </a:t>
+            </a:r>
+            <a:r>
+              <a:rPr lang="en-US" b="0" dirty="0" err="1" smtClean="0">
+                <a:latin typeface="Times New Roman" pitchFamily="18" charset="0"/>
+                <a:cs typeface="Times New Roman" pitchFamily="18" charset="0"/>
+              </a:rPr>
+              <a:t>bản</a:t>
+            </a:r>
+            <a:r>
+              <a:rPr lang="en-US" b="0" dirty="0" smtClean="0">
+                <a:latin typeface="Times New Roman" pitchFamily="18" charset="0"/>
+                <a:cs typeface="Times New Roman" pitchFamily="18" charset="0"/>
+              </a:rPr>
+              <a:t> </a:t>
+            </a:r>
+            <a:r>
+              <a:rPr lang="en-US" b="0" dirty="0" err="1" smtClean="0">
+                <a:latin typeface="Times New Roman" pitchFamily="18" charset="0"/>
+                <a:cs typeface="Times New Roman" pitchFamily="18" charset="0"/>
+              </a:rPr>
+              <a:t>cùng</a:t>
+            </a:r>
+            <a:r>
+              <a:rPr lang="en-US" b="0" dirty="0" smtClean="0">
+                <a:latin typeface="Times New Roman" pitchFamily="18" charset="0"/>
+                <a:cs typeface="Times New Roman" pitchFamily="18" charset="0"/>
+              </a:rPr>
+              <a:t> </a:t>
+            </a:r>
+            <a:r>
+              <a:rPr lang="en-US" b="0" dirty="0" err="1" smtClean="0">
+                <a:latin typeface="Times New Roman" pitchFamily="18" charset="0"/>
+                <a:cs typeface="Times New Roman" pitchFamily="18" charset="0"/>
+              </a:rPr>
+              <a:t>khái</a:t>
+            </a:r>
+            <a:r>
+              <a:rPr lang="en-US" b="0" dirty="0" smtClean="0">
+                <a:latin typeface="Times New Roman" pitchFamily="18" charset="0"/>
+                <a:cs typeface="Times New Roman" pitchFamily="18" charset="0"/>
+              </a:rPr>
+              <a:t> </a:t>
+            </a:r>
+            <a:r>
+              <a:rPr lang="en-US" b="0" dirty="0" err="1" smtClean="0">
+                <a:latin typeface="Times New Roman" pitchFamily="18" charset="0"/>
+                <a:cs typeface="Times New Roman" pitchFamily="18" charset="0"/>
+              </a:rPr>
+              <a:t>niệm</a:t>
+            </a:r>
+            <a:r>
+              <a:rPr lang="en-US" b="0" dirty="0" smtClean="0">
+                <a:latin typeface="Times New Roman" pitchFamily="18" charset="0"/>
+                <a:cs typeface="Times New Roman" pitchFamily="18" charset="0"/>
+              </a:rPr>
+              <a:t> </a:t>
+            </a:r>
+            <a:r>
+              <a:rPr lang="en-US" b="0" dirty="0" err="1" smtClean="0">
+                <a:latin typeface="Times New Roman" pitchFamily="18" charset="0"/>
+                <a:cs typeface="Times New Roman" pitchFamily="18" charset="0"/>
+              </a:rPr>
+              <a:t>như</a:t>
+            </a:r>
+            <a:r>
+              <a:rPr lang="en-US" b="0" dirty="0" smtClean="0">
+                <a:latin typeface="Times New Roman" pitchFamily="18" charset="0"/>
+                <a:cs typeface="Times New Roman" pitchFamily="18" charset="0"/>
+              </a:rPr>
+              <a:t> </a:t>
+            </a:r>
+            <a:r>
+              <a:rPr lang="en-US" b="0" dirty="0" err="1" smtClean="0">
+                <a:latin typeface="Times New Roman" pitchFamily="18" charset="0"/>
+                <a:cs typeface="Times New Roman" pitchFamily="18" charset="0"/>
+              </a:rPr>
+              <a:t>các</a:t>
+            </a:r>
+            <a:r>
+              <a:rPr lang="en-US" b="0" dirty="0" smtClean="0">
+                <a:latin typeface="Times New Roman" pitchFamily="18" charset="0"/>
+                <a:cs typeface="Times New Roman" pitchFamily="18" charset="0"/>
+              </a:rPr>
+              <a:t> </a:t>
+            </a:r>
+            <a:r>
+              <a:rPr lang="en-US" b="0" dirty="0" err="1" smtClean="0">
+                <a:latin typeface="Times New Roman" pitchFamily="18" charset="0"/>
+                <a:cs typeface="Times New Roman" pitchFamily="18" charset="0"/>
+              </a:rPr>
+              <a:t>biến</a:t>
+            </a:r>
+            <a:r>
+              <a:rPr lang="en-US" b="0" dirty="0" smtClean="0">
+                <a:latin typeface="Times New Roman" pitchFamily="18" charset="0"/>
+                <a:cs typeface="Times New Roman" pitchFamily="18" charset="0"/>
+              </a:rPr>
+              <a:t>, </a:t>
+            </a:r>
+            <a:r>
+              <a:rPr lang="en-US" b="0" dirty="0" err="1" smtClean="0">
+                <a:latin typeface="Times New Roman" pitchFamily="18" charset="0"/>
+                <a:cs typeface="Times New Roman" pitchFamily="18" charset="0"/>
+              </a:rPr>
+              <a:t>tham</a:t>
+            </a:r>
+            <a:r>
+              <a:rPr lang="en-US" b="0" dirty="0" smtClean="0">
+                <a:latin typeface="Times New Roman" pitchFamily="18" charset="0"/>
+                <a:cs typeface="Times New Roman" pitchFamily="18" charset="0"/>
+              </a:rPr>
+              <a:t> </a:t>
+            </a:r>
+            <a:r>
+              <a:rPr lang="en-US" b="0" dirty="0" err="1" smtClean="0">
+                <a:latin typeface="Times New Roman" pitchFamily="18" charset="0"/>
+                <a:cs typeface="Times New Roman" pitchFamily="18" charset="0"/>
+              </a:rPr>
+              <a:t>số</a:t>
+            </a:r>
+            <a:r>
+              <a:rPr lang="en-US" b="0" dirty="0" smtClean="0">
+                <a:latin typeface="Times New Roman" pitchFamily="18" charset="0"/>
+                <a:cs typeface="Times New Roman" pitchFamily="18" charset="0"/>
+              </a:rPr>
+              <a:t>, </a:t>
+            </a:r>
+            <a:r>
+              <a:rPr lang="en-US" b="0" dirty="0" err="1" smtClean="0">
+                <a:latin typeface="Times New Roman" pitchFamily="18" charset="0"/>
+                <a:cs typeface="Times New Roman" pitchFamily="18" charset="0"/>
+              </a:rPr>
+              <a:t>các</a:t>
+            </a:r>
+            <a:r>
+              <a:rPr lang="en-US" b="0" dirty="0" smtClean="0">
+                <a:latin typeface="Times New Roman" pitchFamily="18" charset="0"/>
+                <a:cs typeface="Times New Roman" pitchFamily="18" charset="0"/>
+              </a:rPr>
+              <a:t> </a:t>
+            </a:r>
+            <a:r>
+              <a:rPr lang="en-US" b="0" dirty="0" err="1" smtClean="0">
+                <a:latin typeface="Times New Roman" pitchFamily="18" charset="0"/>
+                <a:cs typeface="Times New Roman" pitchFamily="18" charset="0"/>
+              </a:rPr>
+              <a:t>chức</a:t>
+            </a:r>
+            <a:r>
+              <a:rPr lang="en-US" b="0" dirty="0" smtClean="0">
+                <a:latin typeface="Times New Roman" pitchFamily="18" charset="0"/>
+                <a:cs typeface="Times New Roman" pitchFamily="18" charset="0"/>
+              </a:rPr>
+              <a:t> </a:t>
+            </a:r>
+            <a:r>
+              <a:rPr lang="en-US" b="0" dirty="0" err="1" smtClean="0">
+                <a:latin typeface="Times New Roman" pitchFamily="18" charset="0"/>
+                <a:cs typeface="Times New Roman" pitchFamily="18" charset="0"/>
+              </a:rPr>
+              <a:t>năng</a:t>
+            </a:r>
+            <a:r>
+              <a:rPr lang="en-US" b="0" dirty="0" smtClean="0">
+                <a:latin typeface="Times New Roman" pitchFamily="18" charset="0"/>
+                <a:cs typeface="Times New Roman" pitchFamily="18" charset="0"/>
+              </a:rPr>
+              <a:t>,</a:t>
             </a:r>
             <a:r>
               <a:rPr lang="vi-VN" b="0" dirty="0" smtClean="0">
                 <a:latin typeface="Times New Roman" pitchFamily="18" charset="0"/>
                 <a:cs typeface="Times New Roman" pitchFamily="18" charset="0"/>
               </a:rPr>
-              <a:t>!</a:t>
+              <a:t>các</a:t>
             </a:r>
             <a:r>
               <a:rPr lang="en-US" b="0" dirty="0" smtClean="0">
@@ -18064,263 +18352,11 @@
               <a:t> </a:t>
             </a:r>
             <a:r>
-              <a:rPr lang="en-US" b="0" dirty="0" err="1" smtClean="0">
-                <a:latin typeface="Times New Roman" pitchFamily="18" charset="0"/>
-                <a:cs typeface="Times New Roman" pitchFamily="18" charset="0"/>
-              </a:rPr>
-              <a:t>Các</a:t>
-            </a:r>
-            <a:r>
-              <a:rPr lang="en-US" b="0" dirty="0" smtClean="0">
-                <a:latin typeface="Times New Roman" pitchFamily="18" charset="0"/>
-                <a:cs typeface="Times New Roman" pitchFamily="18" charset="0"/>
-              </a:rPr>
-              <a:t> </a:t>
-            </a:r>
-            <a:r>
-              <a:rPr lang="en-US" b="0" dirty="0" err="1" smtClean="0">
-                <a:latin typeface="Times New Roman" pitchFamily="18" charset="0"/>
-                <a:cs typeface="Times New Roman" pitchFamily="18" charset="0"/>
-              </a:rPr>
-              <a:t>ngôn</a:t>
-            </a:r>
-            <a:r>
-              <a:rPr lang="en-US" b="0" dirty="0" smtClean="0">
-                <a:latin typeface="Times New Roman" pitchFamily="18" charset="0"/>
-                <a:cs typeface="Times New Roman" pitchFamily="18" charset="0"/>
-              </a:rPr>
-              <a:t> </a:t>
-            </a:r>
-            <a:r>
-              <a:rPr lang="en-US" b="0" dirty="0" err="1" smtClean="0">
-                <a:latin typeface="Times New Roman" pitchFamily="18" charset="0"/>
-                <a:cs typeface="Times New Roman" pitchFamily="18" charset="0"/>
-              </a:rPr>
-              <a:t>ngữ</a:t>
-            </a:r>
-            <a:r>
-              <a:rPr lang="en-US" b="0" dirty="0" smtClean="0">
-                <a:latin typeface="Times New Roman" pitchFamily="18" charset="0"/>
-                <a:cs typeface="Times New Roman" pitchFamily="18" charset="0"/>
-              </a:rPr>
-              <a:t> </a:t>
-            </a:r>
-            <a:r>
-              <a:rPr lang="en-US" b="0" dirty="0" err="1" smtClean="0">
-                <a:latin typeface="Times New Roman" pitchFamily="18" charset="0"/>
-                <a:cs typeface="Times New Roman" pitchFamily="18" charset="0"/>
-              </a:rPr>
-              <a:t>cơ</a:t>
-            </a:r>
-            <a:r>
-              <a:rPr lang="en-US" b="0" dirty="0" smtClean="0">
-                <a:latin typeface="Times New Roman" pitchFamily="18" charset="0"/>
-                <a:cs typeface="Times New Roman" pitchFamily="18" charset="0"/>
-              </a:rPr>
-              <a:t> </a:t>
-            </a:r>
-            <a:r>
-              <a:rPr lang="en-US" b="0" dirty="0" err="1" smtClean="0">
-                <a:latin typeface="Times New Roman" pitchFamily="18" charset="0"/>
-                <a:cs typeface="Times New Roman" pitchFamily="18" charset="0"/>
-              </a:rPr>
-              <a:t>bản</a:t>
-            </a:r>
-            <a:r>
-              <a:rPr lang="en-US" b="0" dirty="0" smtClean="0">
-                <a:latin typeface="Times New Roman" pitchFamily="18" charset="0"/>
-                <a:cs typeface="Times New Roman" pitchFamily="18" charset="0"/>
-              </a:rPr>
-              <a:t> </a:t>
-            </a:r>
-            <a:r>
-              <a:rPr lang="en-US" b="0" dirty="0" err="1" smtClean="0">
-                <a:latin typeface="Times New Roman" pitchFamily="18" charset="0"/>
-                <a:cs typeface="Times New Roman" pitchFamily="18" charset="0"/>
-              </a:rPr>
-              <a:t>cùng</a:t>
-            </a:r>
-            <a:r>
-              <a:rPr lang="en-US" b="0" dirty="0" smtClean="0">
-                <a:latin typeface="Times New Roman" pitchFamily="18" charset="0"/>
-                <a:cs typeface="Times New Roman" pitchFamily="18" charset="0"/>
-              </a:rPr>
-              <a:t> </a:t>
-            </a:r>
-            <a:r>
-              <a:rPr lang="en-US" b="0" dirty="0" err="1" smtClean="0">
-                <a:latin typeface="Times New Roman" pitchFamily="18" charset="0"/>
-                <a:cs typeface="Times New Roman" pitchFamily="18" charset="0"/>
-              </a:rPr>
-              <a:t>khái</a:t>
-            </a:r>
-            <a:r>
-              <a:rPr lang="en-US" b="0" dirty="0" smtClean="0">
-                <a:latin typeface="Times New Roman" pitchFamily="18" charset="0"/>
-                <a:cs typeface="Times New Roman" pitchFamily="18" charset="0"/>
-              </a:rPr>
-              <a:t> </a:t>
-            </a:r>
-            <a:r>
-              <a:rPr lang="en-US" b="0" dirty="0" err="1" smtClean="0">
-                <a:latin typeface="Times New Roman" pitchFamily="18" charset="0"/>
-                <a:cs typeface="Times New Roman" pitchFamily="18" charset="0"/>
-              </a:rPr>
-              <a:t>niệm</a:t>
-            </a:r>
-            <a:r>
-              <a:rPr lang="en-US" b="0" dirty="0" smtClean="0">
-                <a:latin typeface="Times New Roman" pitchFamily="18" charset="0"/>
-                <a:cs typeface="Times New Roman" pitchFamily="18" charset="0"/>
-              </a:rPr>
-              <a:t> </a:t>
-            </a:r>
-            <a:r>
-              <a:rPr lang="en-US" b="0" dirty="0" err="1" smtClean="0">
-                <a:latin typeface="Times New Roman" pitchFamily="18" charset="0"/>
-                <a:cs typeface="Times New Roman" pitchFamily="18" charset="0"/>
-              </a:rPr>
-              <a:t>như</a:t>
-            </a:r>
-            <a:r>
-              <a:rPr lang="en-US" b="0" dirty="0" smtClean="0">
-                <a:latin typeface="Times New Roman" pitchFamily="18" charset="0"/>
-                <a:cs typeface="Times New Roman" pitchFamily="18" charset="0"/>
-              </a:rPr>
-              <a:t> </a:t>
-            </a:r>
-            <a:r>
-              <a:rPr lang="en-US" b="0" dirty="0" err="1" smtClean="0">
-                <a:latin typeface="Times New Roman" pitchFamily="18" charset="0"/>
-                <a:cs typeface="Times New Roman" pitchFamily="18" charset="0"/>
-              </a:rPr>
-              <a:t>các</a:t>
-            </a:r>
-            <a:r>
-              <a:rPr lang="en-US" b="0" dirty="0" smtClean="0">
-                <a:latin typeface="Times New Roman" pitchFamily="18" charset="0"/>
-                <a:cs typeface="Times New Roman" pitchFamily="18" charset="0"/>
-              </a:rPr>
-              <a:t> </a:t>
-            </a:r>
-            <a:r>
-              <a:rPr lang="en-US" b="0" dirty="0" err="1" smtClean="0">
-                <a:latin typeface="Times New Roman" pitchFamily="18" charset="0"/>
-                <a:cs typeface="Times New Roman" pitchFamily="18" charset="0"/>
-              </a:rPr>
-              <a:t>biến</a:t>
-            </a:r>
-            <a:r>
-              <a:rPr lang="en-US" b="0" dirty="0" smtClean="0">
-                <a:latin typeface="Times New Roman" pitchFamily="18" charset="0"/>
-                <a:cs typeface="Times New Roman" pitchFamily="18" charset="0"/>
-              </a:rPr>
-              <a:t>, </a:t>
-            </a:r>
-            <a:r>
-              <a:rPr lang="en-US" b="0" dirty="0" err="1" smtClean="0">
-                <a:latin typeface="Times New Roman" pitchFamily="18" charset="0"/>
-                <a:cs typeface="Times New Roman" pitchFamily="18" charset="0"/>
-              </a:rPr>
-              <a:t>tham</a:t>
-            </a:r>
-            <a:r>
-              <a:rPr lang="en-US" b="0" dirty="0" smtClean="0">
-                <a:latin typeface="Times New Roman" pitchFamily="18" charset="0"/>
-                <a:cs typeface="Times New Roman" pitchFamily="18" charset="0"/>
-              </a:rPr>
-              <a:t> </a:t>
-            </a:r>
-            <a:r>
-              <a:rPr lang="en-US" b="0" dirty="0" err="1" smtClean="0">
-                <a:latin typeface="Times New Roman" pitchFamily="18" charset="0"/>
-                <a:cs typeface="Times New Roman" pitchFamily="18" charset="0"/>
-              </a:rPr>
-              <a:t>số</a:t>
-            </a:r>
-            <a:r>
-              <a:rPr lang="en-US" b="0" dirty="0" smtClean="0">
-                <a:latin typeface="Times New Roman" pitchFamily="18" charset="0"/>
-                <a:cs typeface="Times New Roman" pitchFamily="18" charset="0"/>
-              </a:rPr>
-              <a:t>, </a:t>
-            </a:r>
-            <a:r>
-              <a:rPr lang="en-US" b="0" dirty="0" err="1" smtClean="0">
-                <a:latin typeface="Times New Roman" pitchFamily="18" charset="0"/>
-                <a:cs typeface="Times New Roman" pitchFamily="18" charset="0"/>
-              </a:rPr>
-              <a:t>các</a:t>
-            </a:r>
-            <a:r>
-              <a:rPr lang="en-US" b="0" dirty="0" smtClean="0">
-                <a:latin typeface="Times New Roman" pitchFamily="18" charset="0"/>
-                <a:cs typeface="Times New Roman" pitchFamily="18" charset="0"/>
-              </a:rPr>
-              <a:t> </a:t>
-            </a:r>
-            <a:r>
-              <a:rPr lang="en-US" b="0" dirty="0" err="1" smtClean="0">
-                <a:latin typeface="Times New Roman" pitchFamily="18" charset="0"/>
-                <a:cs typeface="Times New Roman" pitchFamily="18" charset="0"/>
-              </a:rPr>
-              <a:t>chức</a:t>
-            </a:r>
-            <a:r>
-              <a:rPr lang="en-US" b="0" dirty="0" smtClean="0">
-                <a:latin typeface="Times New Roman" pitchFamily="18" charset="0"/>
-                <a:cs typeface="Times New Roman" pitchFamily="18" charset="0"/>
-              </a:rPr>
-              <a:t> </a:t>
-            </a:r>
-            <a:r>
-              <a:rPr lang="en-US" b="0" dirty="0" err="1" smtClean="0">
-                <a:latin typeface="Times New Roman" pitchFamily="18" charset="0"/>
-                <a:cs typeface="Times New Roman" pitchFamily="18" charset="0"/>
-              </a:rPr>
-              <a:t>năng</a:t>
-            </a:r>
-            <a:r>
-              <a:rPr lang="en-US" b="0" dirty="0" smtClean="0">
-                <a:latin typeface="Times New Roman" pitchFamily="18" charset="0"/>
-                <a:cs typeface="Times New Roman" pitchFamily="18" charset="0"/>
-              </a:rPr>
-              <a:t>,</a:t>
-            </a:r>
-            <a:r>
               <a:rPr lang="vi-VN" b="0" dirty="0" smtClean="0">
                 <a:latin typeface="Times New Roman" pitchFamily="18" charset="0"/>
                 <a:cs typeface="Times New Roman" pitchFamily="18" charset="0"/>
               </a:rPr>
-              <a:t>các</a:t>
-            </a:r>
-            <a:r>
-              <a:rPr lang="en-US" b="0" dirty="0" smtClean="0">
-                <a:latin typeface="Times New Roman" pitchFamily="18" charset="0"/>
-                <a:cs typeface="Times New Roman" pitchFamily="18" charset="0"/>
-              </a:rPr>
-              <a:t> </a:t>
-            </a:r>
-            <a:r>
-              <a:rPr lang="vi-VN" b="0" dirty="0" smtClean="0">
-                <a:latin typeface="Times New Roman" pitchFamily="18" charset="0"/>
-                <a:cs typeface="Times New Roman" pitchFamily="18" charset="0"/>
-              </a:rPr>
-              <a:t>loại </a:t>
-            </a:r>
-            <a:r>
-              <a:rPr lang="vi-VN" b="0" dirty="0" smtClean="0">
-                <a:latin typeface="Times New Roman" pitchFamily="18" charset="0"/>
-                <a:cs typeface="Times New Roman" pitchFamily="18" charset="0"/>
-              </a:rPr>
-              <a:t>dữ liệu khác nhau, vòng lặp có điều kiện hoặc báo cáo, mảng, chỉ khác nhau ở công nghệ của mỗi ngôn ngữ</a:t>
-            </a:r>
-            <a:r>
-              <a:rPr lang="vi-VN" b="0" dirty="0" smtClean="0">
-                <a:latin typeface="Times New Roman" pitchFamily="18" charset="0"/>
-                <a:cs typeface="Times New Roman" pitchFamily="18" charset="0"/>
-              </a:rPr>
-              <a:t>.</a:t>
+              <a:t>loại dữ liệu khác nhau, vòng lặp có điều kiện hoặc báo cáo, mảng, chỉ khác nhau ở công nghệ của mỗi ngôn ngữ.</a:t>
             </a:r>
             <a:endParaRPr lang="en-US" b="0" dirty="0" smtClean="0">
               <a:latin typeface="Times New Roman" pitchFamily="18" charset="0"/>
@@ -18344,14 +18380,7 @@
                 <a:latin typeface="Times New Roman" pitchFamily="18" charset="0"/>
                 <a:cs typeface="Times New Roman" pitchFamily="18" charset="0"/>
               </a:rPr>
-              <a:t>: Không dừng lại khi chương trình đầu tiên bị </a:t>
-            </a:r>
-            <a:r>
-              <a:rPr lang="vi-VN" b="0" dirty="0" smtClean="0">
-                <a:latin typeface="Times New Roman" pitchFamily="18" charset="0"/>
-                <a:cs typeface="Times New Roman" pitchFamily="18" charset="0"/>
-              </a:rPr>
-              <a:t>FAIL</a:t>
+              <a:t>: Không dừng lại khi chương trình đầu tiên bị FAIL</a:t>
             </a:r>
             <a:r>
               <a:rPr lang="en-US" b="0" dirty="0" smtClean="0">
@@ -18400,14 +18429,7 @@
                 <a:latin typeface="Times New Roman" pitchFamily="18" charset="0"/>
                 <a:cs typeface="Times New Roman" pitchFamily="18" charset="0"/>
               </a:rPr>
-              <a:t> </a:t>
-            </a:r>
-            <a:r>
-              <a:rPr lang="en-US" b="0" dirty="0" smtClean="0">
-                <a:latin typeface="Times New Roman" pitchFamily="18" charset="0"/>
-                <a:cs typeface="Times New Roman" pitchFamily="18" charset="0"/>
-              </a:rPr>
-              <a:t> </a:t>
+              <a:t>  </a:t>
             </a:r>
             <a:r>
               <a:rPr lang="en-US" b="0" dirty="0" err="1" smtClean="0">
@@ -18589,14 +18611,7 @@
                 <a:latin typeface="Times New Roman" pitchFamily="18" charset="0"/>
                 <a:cs typeface="Times New Roman" pitchFamily="18" charset="0"/>
               </a:rPr>
-              <a:t> Nhìn vào code như một thủ tục chứ không phải là một </a:t>
-            </a:r>
-            <a:r>
-              <a:rPr lang="vi-VN" b="0" dirty="0" smtClean="0">
-                <a:latin typeface="Times New Roman" pitchFamily="18" charset="0"/>
-                <a:cs typeface="Times New Roman" pitchFamily="18" charset="0"/>
-              </a:rPr>
-              <a:t>magic</a:t>
+              <a:t> Nhìn vào code như một thủ tục chứ không phải là một magic</a:t>
             </a:r>
             <a:r>
               <a:rPr lang="en-US" b="0" dirty="0" smtClean="0">
@@ -19140,14 +19155,7 @@
                 <a:latin typeface="Times New Roman" pitchFamily="18" charset="0"/>
                 <a:cs typeface="Times New Roman" pitchFamily="18" charset="0"/>
               </a:rPr>
-              <a:t> </a:t>
-            </a:r>
-            <a:r>
-              <a:rPr lang="en-US" b="0" dirty="0" smtClean="0">
-                <a:latin typeface="Times New Roman" pitchFamily="18" charset="0"/>
-                <a:cs typeface="Times New Roman" pitchFamily="18" charset="0"/>
-              </a:rPr>
-              <a:t>tool.</a:t>
+              <a:t> tool.</a:t>
             </a:r>
           </a:p>
           <a:p>
@@ -19188,14 +19196,7 @@
                 <a:latin typeface="Times New Roman" pitchFamily="18" charset="0"/>
                 <a:cs typeface="Times New Roman" pitchFamily="18" charset="0"/>
               </a:rPr>
-              <a:t>: Search for help in help </a:t>
-            </a:r>
-            <a:r>
-              <a:rPr lang="en-US" b="0" dirty="0" smtClean="0">
-                <a:latin typeface="Times New Roman" pitchFamily="18" charset="0"/>
-                <a:cs typeface="Times New Roman" pitchFamily="18" charset="0"/>
-              </a:rPr>
-              <a:t>section.</a:t>
+              <a:t>: Search for help in help section.</a:t>
             </a:r>
           </a:p>
           <a:p>
@@ -19215,14 +19216,7 @@
                 <a:latin typeface="Times New Roman" pitchFamily="18" charset="0"/>
                 <a:cs typeface="Times New Roman" pitchFamily="18" charset="0"/>
               </a:rPr>
-              <a:t>: Thực hành nhiều, nhiều hơn có </a:t>
-            </a:r>
-            <a:r>
-              <a:rPr lang="vi-VN" b="0" dirty="0" smtClean="0">
-                <a:latin typeface="Times New Roman" pitchFamily="18" charset="0"/>
-                <a:cs typeface="Times New Roman" pitchFamily="18" charset="0"/>
-              </a:rPr>
-              <a:t>thể</a:t>
+              <a:t>: Thực hành nhiều, nhiều hơn có thể</a:t>
             </a:r>
             <a:r>
               <a:rPr lang="en-US" b="0" dirty="0" smtClean="0">
@@ -19249,14 +19243,7 @@
                 <a:latin typeface="Times New Roman" pitchFamily="18" charset="0"/>
                 <a:cs typeface="Times New Roman" pitchFamily="18" charset="0"/>
               </a:rPr>
-              <a:t>: Cải tiến cách/ phương pháp làm việc của </a:t>
-            </a:r>
-            <a:r>
-              <a:rPr lang="vi-VN" b="0" dirty="0" smtClean="0">
-                <a:latin typeface="Times New Roman" pitchFamily="18" charset="0"/>
-                <a:cs typeface="Times New Roman" pitchFamily="18" charset="0"/>
-              </a:rPr>
-              <a:t>bạn</a:t>
+              <a:t>: Cải tiến cách/ phương pháp làm việc của bạn</a:t>
             </a:r>
             <a:r>
               <a:rPr lang="en-US" b="0" dirty="0" smtClean="0">
@@ -19283,14 +19270,7 @@
                 <a:latin typeface="Times New Roman" pitchFamily="18" charset="0"/>
                 <a:cs typeface="Times New Roman" pitchFamily="18" charset="0"/>
               </a:rPr>
-              <a:t>: Không phải lúc nào cũng cần đến tự </a:t>
-            </a:r>
-            <a:r>
-              <a:rPr lang="vi-VN" b="0" dirty="0" smtClean="0">
-                <a:latin typeface="Times New Roman" pitchFamily="18" charset="0"/>
-                <a:cs typeface="Times New Roman" pitchFamily="18" charset="0"/>
-              </a:rPr>
-              <a:t>động</a:t>
+              <a:t>: Không phải lúc nào cũng cần đến tự động</a:t>
             </a:r>
             <a:r>
               <a:rPr lang="en-US" b="0" dirty="0" smtClean="0">
@@ -19733,21 +19713,7 @@
                 <a:latin typeface="Times New Roman" pitchFamily="18" charset="0"/>
                 <a:cs typeface="Times New Roman" pitchFamily="18" charset="0"/>
               </a:rPr>
-              <a:t>Việc </a:t>
-            </a:r>
-            <a:r>
-              <a:rPr lang="vi-VN" dirty="0" smtClean="0">
-                <a:latin typeface="Times New Roman" pitchFamily="18" charset="0"/>
-                <a:cs typeface="Times New Roman" pitchFamily="18" charset="0"/>
-              </a:rPr>
-              <a:t>tạo dữ liệu xử lý nhanh trong các hệ thống test có cơ sở dữ liệu căn cứ trên 1 cơ sở thường xuyên</a:t>
-            </a:r>
-            <a:r>
-              <a:rPr lang="vi-VN" dirty="0" smtClean="0">
-                <a:latin typeface="Times New Roman" pitchFamily="18" charset="0"/>
-                <a:cs typeface="Times New Roman" pitchFamily="18" charset="0"/>
-              </a:rPr>
-              <a:t>.</a:t>
+              <a:t>Việc tạo dữ liệu xử lý nhanh trong các hệ thống test có cơ sở dữ liệu căn cứ trên 1 cơ sở thường xuyên.</a:t>
             </a:r>
             <a:endParaRPr lang="en-US" b="0" dirty="0" smtClean="0">
               <a:latin typeface="Times New Roman" pitchFamily="18" charset="0"/>
@@ -19836,14 +19802,7 @@
                 <a:latin typeface="Times New Roman" pitchFamily="18" charset="0"/>
                 <a:cs typeface="Times New Roman" pitchFamily="18" charset="0"/>
               </a:rPr>
-              <a:t>Automated test KHÔNG phù hợp cho những mục đích sau</a:t>
-            </a:r>
-            <a:r>
-              <a:rPr lang="vi-VN" dirty="0" smtClean="0">
-                <a:latin typeface="Times New Roman" pitchFamily="18" charset="0"/>
-                <a:cs typeface="Times New Roman" pitchFamily="18" charset="0"/>
-              </a:rPr>
-              <a:t>:</a:t>
+              <a:t>Automated test KHÔNG phù hợp cho những mục đích sau:</a:t>
             </a:r>
             <a:endParaRPr lang="en-US" dirty="0" smtClean="0">
               <a:latin typeface="Times New Roman" pitchFamily="18" charset="0"/>
@@ -19860,14 +19819,7 @@
                 <a:latin typeface="Times New Roman" pitchFamily="18" charset="0"/>
                 <a:cs typeface="Times New Roman" pitchFamily="18" charset="0"/>
               </a:rPr>
-              <a:t>Thực hiện test chức năng mới – Việc này nên được làm bằng tay trước khi tạo automated test</a:t>
-            </a:r>
-            <a:r>
-              <a:rPr lang="vi-VN" dirty="0" smtClean="0">
-                <a:latin typeface="Times New Roman" pitchFamily="18" charset="0"/>
-                <a:cs typeface="Times New Roman" pitchFamily="18" charset="0"/>
-              </a:rPr>
-              <a:t>.</a:t>
+              <a:t>Thực hiện test chức năng mới – Việc này nên được làm bằng tay trước khi tạo automated test.</a:t>
             </a:r>
             <a:endParaRPr lang="en-US" dirty="0" smtClean="0">
               <a:latin typeface="Times New Roman" pitchFamily="18" charset="0"/>
@@ -19884,14 +19836,40 @@
                 <a:latin typeface="Times New Roman" pitchFamily="18" charset="0"/>
                 <a:cs typeface="Times New Roman" pitchFamily="18" charset="0"/>
               </a:rPr>
-              <a:t>Những hệ thống test hồi quy sẽ mang lại sự thay đổi giao diện người sử dụng quan trọng. Sự thay đổi lớn đối với giao diện người sử dụng cần nhiều sự bảo dưỡng duy trì cho automated test</a:t>
-            </a:r>
+              <a:t>Những hệ thống test hồi quy sẽ mang lại sự thay đổi giao diện người sử dụng quan trọng. Sự thay đổi lớn đối với giao diện người sử dụng cần nhiều sự bảo dưỡng duy trì cho automated test.</a:t>
+            </a:r>
+            <a:r>
+              <a:rPr lang="en-US" dirty="0" smtClean="0">
+                <a:latin typeface="Times New Roman" pitchFamily="18" charset="0"/>
+                <a:cs typeface="Times New Roman" pitchFamily="18" charset="0"/>
+              </a:rPr>
+              <a:t/>
+            </a:r>
+            <a:br>
+              <a:rPr lang="en-US" dirty="0" smtClean="0">
+                <a:latin typeface="Times New Roman" pitchFamily="18" charset="0"/>
+                <a:cs typeface="Times New Roman" pitchFamily="18" charset="0"/>
+              </a:rPr>
+            </a:br>
+            <a:r>
+              <a:rPr lang="en-US" dirty="0" smtClean="0">
+                <a:latin typeface="Times New Roman" pitchFamily="18" charset="0"/>
+                <a:cs typeface="Times New Roman" pitchFamily="18" charset="0"/>
+              </a:rPr>
+              <a:t/>
+            </a:r>
+            <a:br>
+              <a:rPr lang="en-US" dirty="0" smtClean="0">
+                <a:latin typeface="Times New Roman" pitchFamily="18" charset="0"/>
+                <a:cs typeface="Times New Roman" pitchFamily="18" charset="0"/>
+              </a:rPr>
+            </a:br>
             <a:r>
               <a:rPr lang="vi-VN" dirty="0" smtClean="0">
                 <a:latin typeface="Times New Roman" pitchFamily="18" charset="0"/>
                 <a:cs typeface="Times New Roman" pitchFamily="18" charset="0"/>
               </a:rPr>
-              <a:t>.</a:t>
+              <a:t>Khi tiến hành tự động hóa test, bạn nên chỉ tự động hóa các test mà nhóm của bạn có thể duy trì được dễ dàng. Nếu có vài test khó có thể duy trì thì phải cân nhắc để giảm các test đó.</a:t>
             </a:r>
             <a:r>
               <a:rPr lang="en-US" dirty="0" smtClean="0">
@@ -19920,58 +19898,11 @@
               </a:rPr>
             </a:br>
             <a:r>
-              <a:rPr lang="vi-VN" dirty="0" smtClean="0">
-                <a:latin typeface="Times New Roman" pitchFamily="18" charset="0"/>
-                <a:cs typeface="Times New Roman" pitchFamily="18" charset="0"/>
-              </a:rPr>
-              <a:t>Khi tiến hành tự động hóa test, bạn nên chỉ tự động hóa các test mà nhóm của bạn có thể duy trì được dễ dàng. Nếu có vài test khó có thể duy trì thì phải cân nhắc để giảm các test đó</a:t>
-            </a:r>
-            <a:r>
-              <a:rPr lang="vi-VN" dirty="0" smtClean="0">
-                <a:latin typeface="Times New Roman" pitchFamily="18" charset="0"/>
-                <a:cs typeface="Times New Roman" pitchFamily="18" charset="0"/>
-              </a:rPr>
-              <a:t>.</a:t>
-            </a:r>
-            <a:r>
-              <a:rPr lang="en-US" dirty="0" smtClean="0">
-                <a:latin typeface="Times New Roman" pitchFamily="18" charset="0"/>
-                <a:cs typeface="Times New Roman" pitchFamily="18" charset="0"/>
-              </a:rPr>
-              <a:t/>
-            </a:r>
-            <a:br>
-              <a:rPr lang="en-US" dirty="0" smtClean="0">
-                <a:latin typeface="Times New Roman" pitchFamily="18" charset="0"/>
-                <a:cs typeface="Times New Roman" pitchFamily="18" charset="0"/>
-              </a:rPr>
-            </a:br>
-            <a:r>
-              <a:rPr lang="en-US" dirty="0" smtClean="0">
-                <a:latin typeface="Times New Roman" pitchFamily="18" charset="0"/>
-                <a:cs typeface="Times New Roman" pitchFamily="18" charset="0"/>
-              </a:rPr>
-              <a:t/>
-            </a:r>
-            <a:br>
-              <a:rPr lang="en-US" dirty="0" smtClean="0">
-                <a:latin typeface="Times New Roman" pitchFamily="18" charset="0"/>
-                <a:cs typeface="Times New Roman" pitchFamily="18" charset="0"/>
-              </a:rPr>
-            </a:br>
-            <a:r>
               <a:rPr lang="vi-VN" b="1" dirty="0" smtClean="0">
                 <a:latin typeface="Times New Roman" pitchFamily="18" charset="0"/>
                 <a:cs typeface="Times New Roman" pitchFamily="18" charset="0"/>
               </a:rPr>
-              <a:t>Nói </a:t>
-            </a:r>
-            <a:r>
-              <a:rPr lang="vi-VN" b="1" dirty="0" smtClean="0">
-                <a:latin typeface="Times New Roman" pitchFamily="18" charset="0"/>
-                <a:cs typeface="Times New Roman" pitchFamily="18" charset="0"/>
-              </a:rPr>
-              <a:t>tóm lại, bạn hãy nhớ rằng automated test sẽ không bao giờ tìm ra được nhiều bug như 1 người tester tìm ra theo cùng các bước. </a:t>
+              <a:t>Nói tóm lại, bạn hãy nhớ rằng automated test sẽ không bao giờ tìm ra được nhiều bug như 1 người tester tìm ra theo cùng các bước. </a:t>
             </a:r>
             <a:r>
               <a:rPr lang="vi-VN" dirty="0" smtClean="0">

--- a/auto-test/Android Autotest Tool.pptx
+++ b/auto-test/Android Autotest Tool.pptx
@@ -17,19 +17,22 @@
     <p:sldId id="275" r:id="rId11"/>
     <p:sldId id="276" r:id="rId12"/>
     <p:sldId id="281" r:id="rId13"/>
-    <p:sldId id="282" r:id="rId14"/>
-    <p:sldId id="285" r:id="rId15"/>
-    <p:sldId id="286" r:id="rId16"/>
-    <p:sldId id="287" r:id="rId17"/>
-    <p:sldId id="258" r:id="rId18"/>
-    <p:sldId id="264" r:id="rId19"/>
-    <p:sldId id="259" r:id="rId20"/>
-    <p:sldId id="260" r:id="rId21"/>
-    <p:sldId id="284" r:id="rId22"/>
-    <p:sldId id="283" r:id="rId23"/>
-    <p:sldId id="265" r:id="rId24"/>
-    <p:sldId id="268" r:id="rId25"/>
-    <p:sldId id="270" r:id="rId26"/>
+    <p:sldId id="288" r:id="rId14"/>
+    <p:sldId id="282" r:id="rId15"/>
+    <p:sldId id="285" r:id="rId16"/>
+    <p:sldId id="286" r:id="rId17"/>
+    <p:sldId id="287" r:id="rId18"/>
+    <p:sldId id="258" r:id="rId19"/>
+    <p:sldId id="264" r:id="rId20"/>
+    <p:sldId id="259" r:id="rId21"/>
+    <p:sldId id="260" r:id="rId22"/>
+    <p:sldId id="284" r:id="rId23"/>
+    <p:sldId id="289" r:id="rId24"/>
+    <p:sldId id="290" r:id="rId25"/>
+    <p:sldId id="283" r:id="rId26"/>
+    <p:sldId id="265" r:id="rId27"/>
+    <p:sldId id="268" r:id="rId28"/>
+    <p:sldId id="270" r:id="rId29"/>
   </p:sldIdLst>
   <p:sldSz cx="9144000" cy="6858000" type="screen4x3"/>
   <p:notesSz cx="6858000" cy="9144000"/>
@@ -4919,7 +4922,7 @@
     </p:spTree>
     <p:extLst>
       <p:ext uri="{BB962C8B-B14F-4D97-AF65-F5344CB8AC3E}">
-        <p14:creationId xmlns="" xmlns:p14="http://schemas.microsoft.com/office/powerpoint/2010/main" val="4087301228"/>
+        <p14:creationId xmlns:p14="http://schemas.microsoft.com/office/powerpoint/2010/main" val="4087301228"/>
       </p:ext>
     </p:extLst>
   </p:cSld>
@@ -7197,6 +7200,104 @@
           <a:lstStyle/>
           <a:p>
             <a:r>
+              <a:rPr lang="en-US" smtClean="0">
+                <a:latin typeface="Times New Roman" pitchFamily="18" charset="0"/>
+                <a:cs typeface="Times New Roman" pitchFamily="18" charset="0"/>
+              </a:rPr>
+              <a:t>TEST SUITe</a:t>
+            </a:r>
+            <a:endParaRPr lang="en-US">
+              <a:latin typeface="Times New Roman" pitchFamily="18" charset="0"/>
+              <a:cs typeface="Times New Roman" pitchFamily="18" charset="0"/>
+            </a:endParaRPr>
+          </a:p>
+        </p:txBody>
+      </p:sp>
+      <p:sp>
+        <p:nvSpPr>
+          <p:cNvPr id="3" name="Content Placeholder 2"/>
+          <p:cNvSpPr>
+            <a:spLocks noGrp="1"/>
+          </p:cNvSpPr>
+          <p:nvPr>
+            <p:ph idx="1"/>
+          </p:nvPr>
+        </p:nvSpPr>
+        <p:spPr/>
+        <p:txBody>
+          <a:bodyPr/>
+          <a:lstStyle/>
+          <a:p>
+            <a:pPr>
+              <a:buFontTx/>
+              <a:buChar char="-"/>
+            </a:pPr>
+            <a:r>
+              <a:rPr lang="en-US" b="0" smtClean="0">
+                <a:latin typeface="Times New Roman" pitchFamily="18" charset="0"/>
+                <a:cs typeface="Times New Roman" pitchFamily="18" charset="0"/>
+              </a:rPr>
+              <a:t>Là tập hợp các testcase cho mục đích nhất định</a:t>
+            </a:r>
+          </a:p>
+          <a:p>
+            <a:pPr>
+              <a:buFontTx/>
+              <a:buChar char="-"/>
+            </a:pPr>
+            <a:endParaRPr lang="en-US" b="0">
+              <a:latin typeface="Times New Roman" pitchFamily="18" charset="0"/>
+              <a:cs typeface="Times New Roman" pitchFamily="18" charset="0"/>
+            </a:endParaRPr>
+          </a:p>
+        </p:txBody>
+      </p:sp>
+    </p:spTree>
+    <p:extLst>
+      <p:ext uri="{BB962C8B-B14F-4D97-AF65-F5344CB8AC3E}">
+        <p14:creationId xmlns:p14="http://schemas.microsoft.com/office/powerpoint/2010/main" val="751134777"/>
+      </p:ext>
+    </p:extLst>
+  </p:cSld>
+  <p:clrMapOvr>
+    <a:masterClrMapping/>
+  </p:clrMapOvr>
+</p:sld>
+</file>
+
+<file path=ppt/slides/slide14.xml><?xml version="1.0" encoding="utf-8"?>
+<p:sld xmlns:a="http://schemas.openxmlformats.org/drawingml/2006/main" xmlns:r="http://schemas.openxmlformats.org/officeDocument/2006/relationships" xmlns:p="http://schemas.openxmlformats.org/presentationml/2006/main">
+  <p:cSld>
+    <p:spTree>
+      <p:nvGrpSpPr>
+        <p:cNvPr id="1" name=""/>
+        <p:cNvGrpSpPr/>
+        <p:nvPr/>
+      </p:nvGrpSpPr>
+      <p:grpSpPr>
+        <a:xfrm>
+          <a:off x="0" y="0"/>
+          <a:ext cx="0" cy="0"/>
+          <a:chOff x="0" y="0"/>
+          <a:chExt cx="0" cy="0"/>
+        </a:xfrm>
+      </p:grpSpPr>
+      <p:sp>
+        <p:nvSpPr>
+          <p:cNvPr id="2" name="Title 1"/>
+          <p:cNvSpPr>
+            <a:spLocks noGrp="1"/>
+          </p:cNvSpPr>
+          <p:nvPr>
+            <p:ph type="title"/>
+          </p:nvPr>
+        </p:nvSpPr>
+        <p:spPr/>
+        <p:txBody>
+          <a:bodyPr/>
+          <a:lstStyle/>
+          <a:p>
+            <a:r>
               <a:rPr lang="en-US" sz="2400" dirty="0" smtClean="0">
                 <a:latin typeface="Times New Roman" pitchFamily="18" charset="0"/>
                 <a:cs typeface="Times New Roman" pitchFamily="18" charset="0"/>
@@ -7448,7 +7549,7 @@
 </p:sld>
 </file>
 
-<file path=ppt/slides/slide14.xml><?xml version="1.0" encoding="utf-8"?>
+<file path=ppt/slides/slide15.xml><?xml version="1.0" encoding="utf-8"?>
 <p:sld xmlns:a="http://schemas.openxmlformats.org/drawingml/2006/main" xmlns:r="http://schemas.openxmlformats.org/officeDocument/2006/relationships" xmlns:p="http://schemas.openxmlformats.org/presentationml/2006/main">
   <p:cSld>
     <p:spTree>
@@ -8618,7 +8719,7 @@
     </p:spTree>
     <p:extLst>
       <p:ext uri="{BB962C8B-B14F-4D97-AF65-F5344CB8AC3E}">
-        <p14:creationId xmlns="" xmlns:p14="http://schemas.microsoft.com/office/powerpoint/2010/main" val="1246253368"/>
+        <p14:creationId xmlns:p14="http://schemas.microsoft.com/office/powerpoint/2010/main" val="1246253368"/>
       </p:ext>
     </p:extLst>
   </p:cSld>
@@ -8628,7 +8729,7 @@
 </p:sld>
 </file>
 
-<file path=ppt/slides/slide15.xml><?xml version="1.0" encoding="utf-8"?>
+<file path=ppt/slides/slide16.xml><?xml version="1.0" encoding="utf-8"?>
 <p:sld xmlns:a="http://schemas.openxmlformats.org/drawingml/2006/main" xmlns:r="http://schemas.openxmlformats.org/officeDocument/2006/relationships" xmlns:p="http://schemas.openxmlformats.org/presentationml/2006/main">
   <p:cSld>
     <p:spTree>
@@ -8735,14 +8836,14 @@
           <a:effectLst/>
           <a:extLst>
             <a:ext uri="{909E8E84-426E-40DD-AFC4-6F175D3DCCD1}">
-              <a14:hiddenFill xmlns="" xmlns:a14="http://schemas.microsoft.com/office/drawing/2010/main">
+              <a14:hiddenFill xmlns:a14="http://schemas.microsoft.com/office/drawing/2010/main">
                 <a:solidFill>
                   <a:schemeClr val="accent1"/>
                 </a:solidFill>
               </a14:hiddenFill>
             </a:ext>
             <a:ext uri="{91240B29-F687-4F45-9708-019B960494DF}">
-              <a14:hiddenLine xmlns="" xmlns:a14="http://schemas.microsoft.com/office/drawing/2010/main" w="9525">
+              <a14:hiddenLine xmlns:a14="http://schemas.microsoft.com/office/drawing/2010/main" w="9525">
                 <a:solidFill>
                   <a:schemeClr val="tx1"/>
                 </a:solidFill>
@@ -8752,7 +8853,7 @@
               </a14:hiddenLine>
             </a:ext>
             <a:ext uri="{AF507438-7753-43E0-B8FC-AC1667EBCBE1}">
-              <a14:hiddenEffects xmlns="" xmlns:a14="http://schemas.microsoft.com/office/drawing/2010/main">
+              <a14:hiddenEffects xmlns:a14="http://schemas.microsoft.com/office/drawing/2010/main">
                 <a:effectLst>
                   <a:outerShdw dist="35921" dir="2700000" algn="ctr" rotWithShape="0">
                     <a:schemeClr val="bg2"/>
@@ -8784,7 +8885,7 @@
           <p:nvPr>
             <p:extLst>
               <p:ext uri="{D42A27DB-BD31-4B8C-83A1-F6EECF244321}">
-                <p14:modId xmlns="" xmlns:p14="http://schemas.microsoft.com/office/powerpoint/2010/main" val="4139227024"/>
+                <p14:modId xmlns:p14="http://schemas.microsoft.com/office/powerpoint/2010/main" val="4139227024"/>
               </p:ext>
             </p:extLst>
           </p:nvPr>
@@ -8795,9 +8896,59 @@
         </p:xfrm>
         <a:graphic>
           <a:graphicData uri="http://schemas.openxmlformats.org/presentationml/2006/ole">
-            <p:oleObj spid="_x0000_s35842" name="Image" r:id="rId3" imgW="7315200" imgH="5486400" progId="">
-              <p:embed/>
-            </p:oleObj>
+            <mc:AlternateContent xmlns:mc="http://schemas.openxmlformats.org/markup-compatibility/2006">
+              <mc:Choice xmlns:v="urn:schemas-microsoft-com:vml" Requires="v">
+                <p:oleObj spid="_x0000_s35850" name="Image" r:id="rId3" imgW="7315200" imgH="5486400" progId="">
+                  <p:embed/>
+                </p:oleObj>
+              </mc:Choice>
+              <mc:Fallback>
+                <p:oleObj name="Image" r:id="rId3" imgW="7315200" imgH="5486400" progId="">
+                  <p:embed/>
+                  <p:pic>
+                    <p:nvPicPr>
+                      <p:cNvPr id="0" name="Picture 2"/>
+                      <p:cNvPicPr>
+                        <a:picLocks noChangeAspect="1" noChangeArrowheads="1"/>
+                      </p:cNvPicPr>
+                      <p:nvPr/>
+                    </p:nvPicPr>
+                    <p:blipFill>
+                      <a:blip r:embed="rId4">
+                        <a:extLst>
+                          <a:ext uri="{28A0092B-C50C-407E-A947-70E740481C1C}">
+                            <a14:useLocalDpi xmlns:a14="http://schemas.microsoft.com/office/drawing/2010/main" val="0"/>
+                          </a:ext>
+                        </a:extLst>
+                      </a:blip>
+                      <a:srcRect/>
+                      <a:stretch>
+                        <a:fillRect/>
+                      </a:stretch>
+                    </p:blipFill>
+                    <p:spPr bwMode="auto">
+                      <a:xfrm>
+                        <a:off x="152400" y="990600"/>
+                        <a:ext cx="5486400" cy="4114800"/>
+                      </a:xfrm>
+                      <a:prstGeom prst="rect">
+                        <a:avLst/>
+                      </a:prstGeom>
+                      <a:noFill/>
+                      <a:extLst>
+                        <a:ext uri="{909E8E84-426E-40DD-AFC4-6F175D3DCCD1}">
+                          <a14:hiddenFill xmlns:a14="http://schemas.microsoft.com/office/drawing/2010/main">
+                            <a:solidFill>
+                              <a:srgbClr val="FFFFFF"/>
+                            </a:solidFill>
+                          </a14:hiddenFill>
+                        </a:ext>
+                      </a:extLst>
+                    </p:spPr>
+                  </p:pic>
+                </p:oleObj>
+              </mc:Fallback>
+            </mc:AlternateContent>
           </a:graphicData>
         </a:graphic>
       </p:graphicFrame>
@@ -8824,14 +8975,14 @@
           <a:effectLst/>
           <a:extLst>
             <a:ext uri="{909E8E84-426E-40DD-AFC4-6F175D3DCCD1}">
-              <a14:hiddenFill xmlns="" xmlns:a14="http://schemas.microsoft.com/office/drawing/2010/main">
+              <a14:hiddenFill xmlns:a14="http://schemas.microsoft.com/office/drawing/2010/main">
                 <a:solidFill>
                   <a:schemeClr val="accent1"/>
                 </a:solidFill>
               </a14:hiddenFill>
             </a:ext>
             <a:ext uri="{91240B29-F687-4F45-9708-019B960494DF}">
-              <a14:hiddenLine xmlns="" xmlns:a14="http://schemas.microsoft.com/office/drawing/2010/main" w="9525">
+              <a14:hiddenLine xmlns:a14="http://schemas.microsoft.com/office/drawing/2010/main" w="9525">
                 <a:solidFill>
                   <a:schemeClr val="tx1"/>
                 </a:solidFill>
@@ -8841,7 +8992,7 @@
               </a14:hiddenLine>
             </a:ext>
             <a:ext uri="{AF507438-7753-43E0-B8FC-AC1667EBCBE1}">
-              <a14:hiddenEffects xmlns="" xmlns:a14="http://schemas.microsoft.com/office/drawing/2010/main">
+              <a14:hiddenEffects xmlns:a14="http://schemas.microsoft.com/office/drawing/2010/main">
                 <a:effectLst>
                   <a:outerShdw dist="35921" dir="2700000" algn="ctr" rotWithShape="0">
                     <a:schemeClr val="bg2"/>
@@ -8873,7 +9024,7 @@
           <p:nvPr>
             <p:extLst>
               <p:ext uri="{D42A27DB-BD31-4B8C-83A1-F6EECF244321}">
-                <p14:modId xmlns="" xmlns:p14="http://schemas.microsoft.com/office/powerpoint/2010/main" val="438342961"/>
+                <p14:modId xmlns:p14="http://schemas.microsoft.com/office/powerpoint/2010/main" val="438342961"/>
               </p:ext>
             </p:extLst>
           </p:nvPr>
@@ -8884,9 +9035,59 @@
         </p:xfrm>
         <a:graphic>
           <a:graphicData uri="http://schemas.openxmlformats.org/presentationml/2006/ole">
-            <p:oleObj spid="_x0000_s35843" name="Image" r:id="rId4" imgW="3657600" imgH="3657600" progId="">
-              <p:embed/>
-            </p:oleObj>
+            <mc:AlternateContent xmlns:mc="http://schemas.openxmlformats.org/markup-compatibility/2006">
+              <mc:Choice xmlns:v="urn:schemas-microsoft-com:vml" Requires="v">
+                <p:oleObj spid="_x0000_s35851" name="Image" r:id="rId5" imgW="3657600" imgH="3657600" progId="">
+                  <p:embed/>
+                </p:oleObj>
+              </mc:Choice>
+              <mc:Fallback>
+                <p:oleObj name="Image" r:id="rId5" imgW="3657600" imgH="3657600" progId="">
+                  <p:embed/>
+                  <p:pic>
+                    <p:nvPicPr>
+                      <p:cNvPr id="0" name="Picture 3"/>
+                      <p:cNvPicPr>
+                        <a:picLocks noChangeAspect="1" noChangeArrowheads="1"/>
+                      </p:cNvPicPr>
+                      <p:nvPr/>
+                    </p:nvPicPr>
+                    <p:blipFill>
+                      <a:blip r:embed="rId6">
+                        <a:extLst>
+                          <a:ext uri="{28A0092B-C50C-407E-A947-70E740481C1C}">
+                            <a14:useLocalDpi xmlns:a14="http://schemas.microsoft.com/office/drawing/2010/main" val="0"/>
+                          </a:ext>
+                        </a:extLst>
+                      </a:blip>
+                      <a:srcRect/>
+                      <a:stretch>
+                        <a:fillRect/>
+                      </a:stretch>
+                    </p:blipFill>
+                    <p:spPr bwMode="auto">
+                      <a:xfrm>
+                        <a:off x="5715000" y="0"/>
+                        <a:ext cx="2743200" cy="2743200"/>
+                      </a:xfrm>
+                      <a:prstGeom prst="rect">
+                        <a:avLst/>
+                      </a:prstGeom>
+                      <a:noFill/>
+                      <a:extLst>
+                        <a:ext uri="{909E8E84-426E-40DD-AFC4-6F175D3DCCD1}">
+                          <a14:hiddenFill xmlns:a14="http://schemas.microsoft.com/office/drawing/2010/main">
+                            <a:solidFill>
+                              <a:srgbClr val="FFFFFF"/>
+                            </a:solidFill>
+                          </a14:hiddenFill>
+                        </a:ext>
+                      </a:extLst>
+                    </p:spPr>
+                  </p:pic>
+                </p:oleObj>
+              </mc:Fallback>
+            </mc:AlternateContent>
           </a:graphicData>
         </a:graphic>
       </p:graphicFrame>
@@ -8913,14 +9114,14 @@
           <a:effectLst/>
           <a:extLst>
             <a:ext uri="{909E8E84-426E-40DD-AFC4-6F175D3DCCD1}">
-              <a14:hiddenFill xmlns="" xmlns:a14="http://schemas.microsoft.com/office/drawing/2010/main">
+              <a14:hiddenFill xmlns:a14="http://schemas.microsoft.com/office/drawing/2010/main">
                 <a:solidFill>
                   <a:schemeClr val="accent1"/>
                 </a:solidFill>
               </a14:hiddenFill>
             </a:ext>
             <a:ext uri="{91240B29-F687-4F45-9708-019B960494DF}">
-              <a14:hiddenLine xmlns="" xmlns:a14="http://schemas.microsoft.com/office/drawing/2010/main" w="9525">
+              <a14:hiddenLine xmlns:a14="http://schemas.microsoft.com/office/drawing/2010/main" w="9525">
                 <a:solidFill>
                   <a:schemeClr val="tx1"/>
                 </a:solidFill>
@@ -8930,7 +9131,7 @@
               </a14:hiddenLine>
             </a:ext>
             <a:ext uri="{AF507438-7753-43E0-B8FC-AC1667EBCBE1}">
-              <a14:hiddenEffects xmlns="" xmlns:a14="http://schemas.microsoft.com/office/drawing/2010/main">
+              <a14:hiddenEffects xmlns:a14="http://schemas.microsoft.com/office/drawing/2010/main">
                 <a:effectLst>
                   <a:outerShdw dist="35921" dir="2700000" algn="ctr" rotWithShape="0">
                     <a:schemeClr val="bg2"/>
@@ -9017,10 +9218,10 @@
             <p:nvPr/>
           </p:nvPicPr>
           <p:blipFill>
-            <a:blip r:embed="rId5">
+            <a:blip r:embed="rId7">
               <a:extLst>
                 <a:ext uri="{28A0092B-C50C-407E-A947-70E740481C1C}">
-                  <a14:useLocalDpi xmlns="" xmlns:a14="http://schemas.microsoft.com/office/drawing/2010/main" val="0"/>
+                  <a14:useLocalDpi xmlns:a14="http://schemas.microsoft.com/office/drawing/2010/main" val="0"/>
                 </a:ext>
               </a:extLst>
             </a:blip>
@@ -9044,14 +9245,14 @@
             <a:effectLst/>
             <a:extLst>
               <a:ext uri="{909E8E84-426E-40DD-AFC4-6F175D3DCCD1}">
-                <a14:hiddenFill xmlns="" xmlns:a14="http://schemas.microsoft.com/office/drawing/2010/main">
+                <a14:hiddenFill xmlns:a14="http://schemas.microsoft.com/office/drawing/2010/main">
                   <a:solidFill>
                     <a:schemeClr val="accent1"/>
                   </a:solidFill>
                 </a14:hiddenFill>
               </a:ext>
               <a:ext uri="{91240B29-F687-4F45-9708-019B960494DF}">
-                <a14:hiddenLine xmlns="" xmlns:a14="http://schemas.microsoft.com/office/drawing/2010/main" w="9525">
+                <a14:hiddenLine xmlns:a14="http://schemas.microsoft.com/office/drawing/2010/main" w="9525">
                   <a:solidFill>
                     <a:schemeClr val="tx1"/>
                   </a:solidFill>
@@ -9061,7 +9262,7 @@
                 </a14:hiddenLine>
               </a:ext>
               <a:ext uri="{AF507438-7753-43E0-B8FC-AC1667EBCBE1}">
-                <a14:hiddenEffects xmlns="" xmlns:a14="http://schemas.microsoft.com/office/drawing/2010/main">
+                <a14:hiddenEffects xmlns:a14="http://schemas.microsoft.com/office/drawing/2010/main">
                   <a:effectLst>
                     <a:outerShdw dist="35921" dir="2700000" algn="ctr" rotWithShape="0">
                       <a:schemeClr val="bg2"/>
@@ -9117,7 +9318,7 @@
     </p:spTree>
     <p:extLst>
       <p:ext uri="{BB962C8B-B14F-4D97-AF65-F5344CB8AC3E}">
-        <p14:creationId xmlns="" xmlns:p14="http://schemas.microsoft.com/office/powerpoint/2010/main" val="3391081395"/>
+        <p14:creationId xmlns:p14="http://schemas.microsoft.com/office/powerpoint/2010/main" val="3391081395"/>
       </p:ext>
     </p:extLst>
   </p:cSld>
@@ -9127,7 +9328,7 @@
 </p:sld>
 </file>
 
-<file path=ppt/slides/slide16.xml><?xml version="1.0" encoding="utf-8"?>
+<file path=ppt/slides/slide17.xml><?xml version="1.0" encoding="utf-8"?>
 <p:sld xmlns:a="http://schemas.openxmlformats.org/drawingml/2006/main" xmlns:r="http://schemas.openxmlformats.org/officeDocument/2006/relationships" xmlns:p="http://schemas.openxmlformats.org/presentationml/2006/main">
   <p:cSld>
     <p:spTree>
@@ -9234,14 +9435,14 @@
           <a:effectLst/>
           <a:extLst>
             <a:ext uri="{909E8E84-426E-40DD-AFC4-6F175D3DCCD1}">
-              <a14:hiddenFill xmlns="" xmlns:a14="http://schemas.microsoft.com/office/drawing/2010/main">
+              <a14:hiddenFill xmlns:a14="http://schemas.microsoft.com/office/drawing/2010/main">
                 <a:solidFill>
                   <a:schemeClr val="accent1"/>
                 </a:solidFill>
               </a14:hiddenFill>
             </a:ext>
             <a:ext uri="{91240B29-F687-4F45-9708-019B960494DF}">
-              <a14:hiddenLine xmlns="" xmlns:a14="http://schemas.microsoft.com/office/drawing/2010/main" w="9525">
+              <a14:hiddenLine xmlns:a14="http://schemas.microsoft.com/office/drawing/2010/main" w="9525">
                 <a:solidFill>
                   <a:schemeClr val="tx1"/>
                 </a:solidFill>
@@ -9251,7 +9452,7 @@
               </a14:hiddenLine>
             </a:ext>
             <a:ext uri="{AF507438-7753-43E0-B8FC-AC1667EBCBE1}">
-              <a14:hiddenEffects xmlns="" xmlns:a14="http://schemas.microsoft.com/office/drawing/2010/main">
+              <a14:hiddenEffects xmlns:a14="http://schemas.microsoft.com/office/drawing/2010/main">
                 <a:effectLst>
                   <a:outerShdw dist="35921" dir="2700000" algn="ctr" rotWithShape="0">
                     <a:schemeClr val="bg2"/>
@@ -9283,7 +9484,7 @@
           <p:nvPr>
             <p:extLst>
               <p:ext uri="{D42A27DB-BD31-4B8C-83A1-F6EECF244321}">
-                <p14:modId xmlns="" xmlns:p14="http://schemas.microsoft.com/office/powerpoint/2010/main" val="3941052910"/>
+                <p14:modId xmlns:p14="http://schemas.microsoft.com/office/powerpoint/2010/main" val="3941052910"/>
               </p:ext>
             </p:extLst>
           </p:nvPr>
@@ -9294,16 +9495,66 @@
         </p:xfrm>
         <a:graphic>
           <a:graphicData uri="http://schemas.openxmlformats.org/presentationml/2006/ole">
-            <p:oleObj spid="_x0000_s36866" name="Image" r:id="rId3" imgW="8229600" imgH="5486400" progId="">
-              <p:embed/>
-            </p:oleObj>
+            <mc:AlternateContent xmlns:mc="http://schemas.openxmlformats.org/markup-compatibility/2006">
+              <mc:Choice xmlns:v="urn:schemas-microsoft-com:vml" Requires="v">
+                <p:oleObj spid="_x0000_s36870" name="Image" r:id="rId3" imgW="8229600" imgH="5486400" progId="">
+                  <p:embed/>
+                </p:oleObj>
+              </mc:Choice>
+              <mc:Fallback>
+                <p:oleObj name="Image" r:id="rId3" imgW="8229600" imgH="5486400" progId="">
+                  <p:embed/>
+                  <p:pic>
+                    <p:nvPicPr>
+                      <p:cNvPr id="0" name="Picture 2"/>
+                      <p:cNvPicPr>
+                        <a:picLocks noChangeAspect="1" noChangeArrowheads="1"/>
+                      </p:cNvPicPr>
+                      <p:nvPr/>
+                    </p:nvPicPr>
+                    <p:blipFill>
+                      <a:blip r:embed="rId4">
+                        <a:extLst>
+                          <a:ext uri="{28A0092B-C50C-407E-A947-70E740481C1C}">
+                            <a14:useLocalDpi xmlns:a14="http://schemas.microsoft.com/office/drawing/2010/main" val="0"/>
+                          </a:ext>
+                        </a:extLst>
+                      </a:blip>
+                      <a:srcRect/>
+                      <a:stretch>
+                        <a:fillRect/>
+                      </a:stretch>
+                    </p:blipFill>
+                    <p:spPr bwMode="auto">
+                      <a:xfrm>
+                        <a:off x="1295400" y="1066800"/>
+                        <a:ext cx="6172200" cy="4114800"/>
+                      </a:xfrm>
+                      <a:prstGeom prst="rect">
+                        <a:avLst/>
+                      </a:prstGeom>
+                      <a:noFill/>
+                      <a:extLst>
+                        <a:ext uri="{909E8E84-426E-40DD-AFC4-6F175D3DCCD1}">
+                          <a14:hiddenFill xmlns:a14="http://schemas.microsoft.com/office/drawing/2010/main">
+                            <a:solidFill>
+                              <a:srgbClr val="FFFFFF"/>
+                            </a:solidFill>
+                          </a14:hiddenFill>
+                        </a:ext>
+                      </a:extLst>
+                    </p:spPr>
+                  </p:pic>
+                </p:oleObj>
+              </mc:Fallback>
+            </mc:AlternateContent>
           </a:graphicData>
         </a:graphic>
       </p:graphicFrame>
     </p:spTree>
     <p:extLst>
       <p:ext uri="{BB962C8B-B14F-4D97-AF65-F5344CB8AC3E}">
-        <p14:creationId xmlns="" xmlns:p14="http://schemas.microsoft.com/office/powerpoint/2010/main" val="1382202276"/>
+        <p14:creationId xmlns:p14="http://schemas.microsoft.com/office/powerpoint/2010/main" val="1382202276"/>
       </p:ext>
     </p:extLst>
   </p:cSld>
@@ -9313,7 +9564,7 @@
 </p:sld>
 </file>
 
-<file path=ppt/slides/slide17.xml><?xml version="1.0" encoding="utf-8"?>
+<file path=ppt/slides/slide18.xml><?xml version="1.0" encoding="utf-8"?>
 <p:sld xmlns:a="http://schemas.openxmlformats.org/drawingml/2006/main" xmlns:r="http://schemas.openxmlformats.org/officeDocument/2006/relationships" xmlns:p="http://schemas.openxmlformats.org/presentationml/2006/main">
   <p:cSld>
     <p:spTree>
@@ -10805,7 +11056,7 @@
     </p:spTree>
     <p:extLst>
       <p:ext uri="{BB962C8B-B14F-4D97-AF65-F5344CB8AC3E}">
-        <p14:creationId xmlns="" xmlns:p14="http://schemas.microsoft.com/office/powerpoint/2010/main" val="2295439348"/>
+        <p14:creationId xmlns:p14="http://schemas.microsoft.com/office/powerpoint/2010/main" val="2295439348"/>
       </p:ext>
     </p:extLst>
   </p:cSld>
@@ -10815,7 +11066,7 @@
 </p:sld>
 </file>
 
-<file path=ppt/slides/slide18.xml><?xml version="1.0" encoding="utf-8"?>
+<file path=ppt/slides/slide19.xml><?xml version="1.0" encoding="utf-8"?>
 <p:sld xmlns:a="http://schemas.openxmlformats.org/drawingml/2006/main" xmlns:r="http://schemas.openxmlformats.org/officeDocument/2006/relationships" xmlns:p="http://schemas.openxmlformats.org/presentationml/2006/main" show="0">
   <p:cSld>
     <p:spTree>
@@ -10901,7 +11152,7 @@
           <a:blip r:embed="rId2">
             <a:extLst>
               <a:ext uri="{28A0092B-C50C-407E-A947-70E740481C1C}">
-                <a14:useLocalDpi xmlns="" xmlns:a14="http://schemas.microsoft.com/office/drawing/2010/main" val="0"/>
+                <a14:useLocalDpi xmlns:a14="http://schemas.microsoft.com/office/drawing/2010/main" val="0"/>
               </a:ext>
             </a:extLst>
           </a:blip>
@@ -10925,14 +11176,14 @@
           <a:effectLst/>
           <a:extLst>
             <a:ext uri="{909E8E84-426E-40DD-AFC4-6F175D3DCCD1}">
-              <a14:hiddenFill xmlns="" xmlns:a14="http://schemas.microsoft.com/office/drawing/2010/main">
+              <a14:hiddenFill xmlns:a14="http://schemas.microsoft.com/office/drawing/2010/main">
                 <a:solidFill>
                   <a:schemeClr val="accent1"/>
                 </a:solidFill>
               </a14:hiddenFill>
             </a:ext>
             <a:ext uri="{91240B29-F687-4F45-9708-019B960494DF}">
-              <a14:hiddenLine xmlns="" xmlns:a14="http://schemas.microsoft.com/office/drawing/2010/main" w="9525">
+              <a14:hiddenLine xmlns:a14="http://schemas.microsoft.com/office/drawing/2010/main" w="9525">
                 <a:solidFill>
                   <a:schemeClr val="tx1"/>
                 </a:solidFill>
@@ -10942,7 +11193,7 @@
               </a14:hiddenLine>
             </a:ext>
             <a:ext uri="{AF507438-7753-43E0-B8FC-AC1667EBCBE1}">
-              <a14:hiddenEffects xmlns="" xmlns:a14="http://schemas.microsoft.com/office/drawing/2010/main">
+              <a14:hiddenEffects xmlns:a14="http://schemas.microsoft.com/office/drawing/2010/main">
                 <a:effectLst>
                   <a:outerShdw dist="35921" dir="2700000" algn="ctr" rotWithShape="0">
                     <a:schemeClr val="bg2"/>
@@ -10956,7 +11207,7 @@
     </p:spTree>
     <p:extLst>
       <p:ext uri="{BB962C8B-B14F-4D97-AF65-F5344CB8AC3E}">
-        <p14:creationId xmlns="" xmlns:p14="http://schemas.microsoft.com/office/powerpoint/2010/main" val="2919713960"/>
+        <p14:creationId xmlns:p14="http://schemas.microsoft.com/office/powerpoint/2010/main" val="2919713960"/>
       </p:ext>
     </p:extLst>
   </p:cSld>
@@ -10964,411 +11215,6 @@
     <a:masterClrMapping/>
   </p:clrMapOvr>
   <p:transition/>
-</p:sld>
-</file>
-
-<file path=ppt/slides/slide19.xml><?xml version="1.0" encoding="utf-8"?>
-<p:sld xmlns:a="http://schemas.openxmlformats.org/drawingml/2006/main" xmlns:r="http://schemas.openxmlformats.org/officeDocument/2006/relationships" xmlns:p="http://schemas.openxmlformats.org/presentationml/2006/main">
-  <p:cSld>
-    <p:spTree>
-      <p:nvGrpSpPr>
-        <p:cNvPr id="1" name=""/>
-        <p:cNvGrpSpPr/>
-        <p:nvPr/>
-      </p:nvGrpSpPr>
-      <p:grpSpPr>
-        <a:xfrm>
-          <a:off x="0" y="0"/>
-          <a:ext cx="0" cy="0"/>
-          <a:chOff x="0" y="0"/>
-          <a:chExt cx="0" cy="0"/>
-        </a:xfrm>
-      </p:grpSpPr>
-      <p:sp>
-        <p:nvSpPr>
-          <p:cNvPr id="2" name="Content Placeholder 1"/>
-          <p:cNvSpPr>
-            <a:spLocks noGrp="1"/>
-          </p:cNvSpPr>
-          <p:nvPr>
-            <p:ph sz="half" idx="1"/>
-          </p:nvPr>
-        </p:nvSpPr>
-        <p:spPr>
-          <a:xfrm>
-            <a:off x="822960" y="1097280"/>
-            <a:ext cx="7406640" cy="3712464"/>
-          </a:xfrm>
-        </p:spPr>
-        <p:txBody>
-          <a:bodyPr/>
-          <a:lstStyle/>
-          <a:p>
-            <a:endParaRPr lang="en-US"/>
-          </a:p>
-        </p:txBody>
-      </p:sp>
-      <p:sp>
-        <p:nvSpPr>
-          <p:cNvPr id="3" name="Content Placeholder 2"/>
-          <p:cNvSpPr>
-            <a:spLocks noGrp="1"/>
-          </p:cNvSpPr>
-          <p:nvPr>
-            <p:ph sz="half" idx="2"/>
-          </p:nvPr>
-        </p:nvSpPr>
-        <p:spPr>
-          <a:xfrm>
-            <a:off x="2743200" y="5715000"/>
-            <a:ext cx="3200400" cy="3712464"/>
-          </a:xfrm>
-        </p:spPr>
-        <p:txBody>
-          <a:bodyPr/>
-          <a:lstStyle/>
-          <a:p>
-            <a:endParaRPr lang="en-US"/>
-          </a:p>
-        </p:txBody>
-      </p:sp>
-      <p:sp>
-        <p:nvSpPr>
-          <p:cNvPr id="4" name="Title 3"/>
-          <p:cNvSpPr>
-            <a:spLocks noGrp="1"/>
-          </p:cNvSpPr>
-          <p:nvPr>
-            <p:ph type="title"/>
-          </p:nvPr>
-        </p:nvSpPr>
-        <p:spPr/>
-        <p:txBody>
-          <a:bodyPr/>
-          <a:lstStyle/>
-          <a:p>
-            <a:r>
-              <a:rPr lang="en-US"/>
-              <a:t>Ranorex</a:t>
-            </a:r>
-          </a:p>
-        </p:txBody>
-      </p:sp>
-      <p:sp>
-        <p:nvSpPr>
-          <p:cNvPr id="5" name="Rectangle 2"/>
-          <p:cNvSpPr>
-            <a:spLocks noChangeArrowheads="1"/>
-          </p:cNvSpPr>
-          <p:nvPr/>
-        </p:nvSpPr>
-        <p:spPr bwMode="auto">
-          <a:xfrm>
-            <a:off x="0" y="0"/>
-            <a:ext cx="9144000" cy="0"/>
-          </a:xfrm>
-          <a:prstGeom prst="rect">
-            <a:avLst/>
-          </a:prstGeom>
-          <a:noFill/>
-          <a:ln>
-            <a:noFill/>
-          </a:ln>
-          <a:effectLst/>
-          <a:extLst>
-            <a:ext uri="{909E8E84-426E-40DD-AFC4-6F175D3DCCD1}">
-              <a14:hiddenFill xmlns="" xmlns:a14="http://schemas.microsoft.com/office/drawing/2010/main">
-                <a:solidFill>
-                  <a:schemeClr val="accent1"/>
-                </a:solidFill>
-              </a14:hiddenFill>
-            </a:ext>
-            <a:ext uri="{91240B29-F687-4F45-9708-019B960494DF}">
-              <a14:hiddenLine xmlns="" xmlns:a14="http://schemas.microsoft.com/office/drawing/2010/main" w="9525">
-                <a:solidFill>
-                  <a:schemeClr val="tx1"/>
-                </a:solidFill>
-                <a:miter lim="800000"/>
-                <a:headEnd/>
-                <a:tailEnd/>
-              </a14:hiddenLine>
-            </a:ext>
-            <a:ext uri="{AF507438-7753-43E0-B8FC-AC1667EBCBE1}">
-              <a14:hiddenEffects xmlns="" xmlns:a14="http://schemas.microsoft.com/office/drawing/2010/main">
-                <a:effectLst>
-                  <a:outerShdw dist="35921" dir="2700000" algn="ctr" rotWithShape="0">
-                    <a:schemeClr val="bg2"/>
-                  </a:outerShdw>
-                </a:effectLst>
-              </a14:hiddenEffects>
-            </a:ext>
-          </a:extLst>
-        </p:spPr>
-        <p:txBody>
-          <a:bodyPr vert="horz" wrap="none" lIns="91440" tIns="45720" rIns="91440" bIns="45720" numCol="1" anchor="ctr" anchorCtr="0" compatLnSpc="1">
-            <a:prstTxWarp prst="textNoShape">
-              <a:avLst/>
-            </a:prstTxWarp>
-            <a:spAutoFit/>
-          </a:bodyPr>
-          <a:lstStyle/>
-          <a:p>
-            <a:endParaRPr lang="en-US"/>
-          </a:p>
-        </p:txBody>
-      </p:sp>
-      <p:graphicFrame>
-        <p:nvGraphicFramePr>
-          <p:cNvPr id="6" name="Object 5"/>
-          <p:cNvGraphicFramePr>
-            <a:graphicFrameLocks noChangeAspect="1"/>
-          </p:cNvGraphicFramePr>
-          <p:nvPr>
-            <p:extLst>
-              <p:ext uri="{D42A27DB-BD31-4B8C-83A1-F6EECF244321}">
-                <p14:modId xmlns="" xmlns:p14="http://schemas.microsoft.com/office/powerpoint/2010/main" val="39709969"/>
-              </p:ext>
-            </p:extLst>
-          </p:nvPr>
-        </p:nvGraphicFramePr>
-        <p:xfrm>
-          <a:off x="838200" y="838200"/>
-          <a:ext cx="7467600" cy="1066800"/>
-        </p:xfrm>
-        <a:graphic>
-          <a:graphicData uri="http://schemas.openxmlformats.org/presentationml/2006/ole">
-            <p:oleObj spid="_x0000_s1054" r:id="rId3" imgW="7315200" imgH="914400" progId="">
-              <p:embed/>
-            </p:oleObj>
-          </a:graphicData>
-        </a:graphic>
-      </p:graphicFrame>
-      <p:sp>
-        <p:nvSpPr>
-          <p:cNvPr id="7" name="Rectangle 4"/>
-          <p:cNvSpPr>
-            <a:spLocks noChangeArrowheads="1"/>
-          </p:cNvSpPr>
-          <p:nvPr/>
-        </p:nvSpPr>
-        <p:spPr bwMode="auto">
-          <a:xfrm>
-            <a:off x="0" y="0"/>
-            <a:ext cx="9144000" cy="0"/>
-          </a:xfrm>
-          <a:prstGeom prst="rect">
-            <a:avLst/>
-          </a:prstGeom>
-          <a:noFill/>
-          <a:ln>
-            <a:noFill/>
-          </a:ln>
-          <a:effectLst/>
-          <a:extLst>
-            <a:ext uri="{909E8E84-426E-40DD-AFC4-6F175D3DCCD1}">
-              <a14:hiddenFill xmlns="" xmlns:a14="http://schemas.microsoft.com/office/drawing/2010/main">
-                <a:solidFill>
-                  <a:schemeClr val="accent1"/>
-                </a:solidFill>
-              </a14:hiddenFill>
-            </a:ext>
-            <a:ext uri="{91240B29-F687-4F45-9708-019B960494DF}">
-              <a14:hiddenLine xmlns="" xmlns:a14="http://schemas.microsoft.com/office/drawing/2010/main" w="9525">
-                <a:solidFill>
-                  <a:schemeClr val="tx1"/>
-                </a:solidFill>
-                <a:miter lim="800000"/>
-                <a:headEnd/>
-                <a:tailEnd/>
-              </a14:hiddenLine>
-            </a:ext>
-            <a:ext uri="{AF507438-7753-43E0-B8FC-AC1667EBCBE1}">
-              <a14:hiddenEffects xmlns="" xmlns:a14="http://schemas.microsoft.com/office/drawing/2010/main">
-                <a:effectLst>
-                  <a:outerShdw dist="35921" dir="2700000" algn="ctr" rotWithShape="0">
-                    <a:schemeClr val="bg2"/>
-                  </a:outerShdw>
-                </a:effectLst>
-              </a14:hiddenEffects>
-            </a:ext>
-          </a:extLst>
-        </p:spPr>
-        <p:txBody>
-          <a:bodyPr vert="horz" wrap="none" lIns="91440" tIns="45720" rIns="91440" bIns="45720" numCol="1" anchor="ctr" anchorCtr="0" compatLnSpc="1">
-            <a:prstTxWarp prst="textNoShape">
-              <a:avLst/>
-            </a:prstTxWarp>
-            <a:spAutoFit/>
-          </a:bodyPr>
-          <a:lstStyle/>
-          <a:p>
-            <a:endParaRPr lang="en-US"/>
-          </a:p>
-        </p:txBody>
-      </p:sp>
-      <p:pic>
-        <p:nvPicPr>
-          <p:cNvPr id="1029" name="Picture 5"/>
-          <p:cNvPicPr>
-            <a:picLocks noChangeAspect="1" noChangeArrowheads="1"/>
-          </p:cNvPicPr>
-          <p:nvPr/>
-        </p:nvPicPr>
-        <p:blipFill>
-          <a:blip r:embed="rId4">
-            <a:extLst>
-              <a:ext uri="{28A0092B-C50C-407E-A947-70E740481C1C}">
-                <a14:useLocalDpi xmlns="" xmlns:a14="http://schemas.microsoft.com/office/drawing/2010/main" val="0"/>
-              </a:ext>
-            </a:extLst>
-          </a:blip>
-          <a:srcRect/>
-          <a:stretch>
-            <a:fillRect/>
-          </a:stretch>
-        </p:blipFill>
-        <p:spPr bwMode="auto">
-          <a:xfrm>
-            <a:off x="67350" y="2302681"/>
-            <a:ext cx="4526259" cy="3403600"/>
-          </a:xfrm>
-          <a:prstGeom prst="rect">
-            <a:avLst/>
-          </a:prstGeom>
-          <a:noFill/>
-          <a:ln>
-            <a:noFill/>
-          </a:ln>
-          <a:effectLst/>
-          <a:extLst>
-            <a:ext uri="{909E8E84-426E-40DD-AFC4-6F175D3DCCD1}">
-              <a14:hiddenFill xmlns="" xmlns:a14="http://schemas.microsoft.com/office/drawing/2010/main">
-                <a:solidFill>
-                  <a:schemeClr val="accent1"/>
-                </a:solidFill>
-              </a14:hiddenFill>
-            </a:ext>
-            <a:ext uri="{91240B29-F687-4F45-9708-019B960494DF}">
-              <a14:hiddenLine xmlns="" xmlns:a14="http://schemas.microsoft.com/office/drawing/2010/main" w="9525">
-                <a:solidFill>
-                  <a:schemeClr val="tx1"/>
-                </a:solidFill>
-                <a:miter lim="800000"/>
-                <a:headEnd/>
-                <a:tailEnd/>
-              </a14:hiddenLine>
-            </a:ext>
-            <a:ext uri="{AF507438-7753-43E0-B8FC-AC1667EBCBE1}">
-              <a14:hiddenEffects xmlns="" xmlns:a14="http://schemas.microsoft.com/office/drawing/2010/main">
-                <a:effectLst>
-                  <a:outerShdw dist="35921" dir="2700000" algn="ctr" rotWithShape="0">
-                    <a:schemeClr val="bg2"/>
-                  </a:outerShdw>
-                </a:effectLst>
-              </a14:hiddenEffects>
-            </a:ext>
-          </a:extLst>
-        </p:spPr>
-      </p:pic>
-      <p:sp>
-        <p:nvSpPr>
-          <p:cNvPr id="9" name="Rectangle 7"/>
-          <p:cNvSpPr>
-            <a:spLocks noChangeArrowheads="1"/>
-          </p:cNvSpPr>
-          <p:nvPr/>
-        </p:nvSpPr>
-        <p:spPr bwMode="auto">
-          <a:xfrm>
-            <a:off x="0" y="0"/>
-            <a:ext cx="9144000" cy="0"/>
-          </a:xfrm>
-          <a:prstGeom prst="rect">
-            <a:avLst/>
-          </a:prstGeom>
-          <a:noFill/>
-          <a:ln>
-            <a:noFill/>
-          </a:ln>
-          <a:effectLst/>
-          <a:extLst>
-            <a:ext uri="{909E8E84-426E-40DD-AFC4-6F175D3DCCD1}">
-              <a14:hiddenFill xmlns="" xmlns:a14="http://schemas.microsoft.com/office/drawing/2010/main">
-                <a:solidFill>
-                  <a:schemeClr val="accent1"/>
-                </a:solidFill>
-              </a14:hiddenFill>
-            </a:ext>
-            <a:ext uri="{91240B29-F687-4F45-9708-019B960494DF}">
-              <a14:hiddenLine xmlns="" xmlns:a14="http://schemas.microsoft.com/office/drawing/2010/main" w="9525">
-                <a:solidFill>
-                  <a:schemeClr val="tx1"/>
-                </a:solidFill>
-                <a:miter lim="800000"/>
-                <a:headEnd/>
-                <a:tailEnd/>
-              </a14:hiddenLine>
-            </a:ext>
-            <a:ext uri="{AF507438-7753-43E0-B8FC-AC1667EBCBE1}">
-              <a14:hiddenEffects xmlns="" xmlns:a14="http://schemas.microsoft.com/office/drawing/2010/main">
-                <a:effectLst>
-                  <a:outerShdw dist="35921" dir="2700000" algn="ctr" rotWithShape="0">
-                    <a:schemeClr val="bg2"/>
-                  </a:outerShdw>
-                </a:effectLst>
-              </a14:hiddenEffects>
-            </a:ext>
-          </a:extLst>
-        </p:spPr>
-        <p:txBody>
-          <a:bodyPr vert="horz" wrap="none" lIns="91440" tIns="45720" rIns="91440" bIns="45720" numCol="1" anchor="ctr" anchorCtr="0" compatLnSpc="1">
-            <a:prstTxWarp prst="textNoShape">
-              <a:avLst/>
-            </a:prstTxWarp>
-            <a:spAutoFit/>
-          </a:bodyPr>
-          <a:lstStyle/>
-          <a:p>
-            <a:endParaRPr lang="en-US"/>
-          </a:p>
-        </p:txBody>
-      </p:sp>
-      <p:graphicFrame>
-        <p:nvGraphicFramePr>
-          <p:cNvPr id="10" name="Object 9"/>
-          <p:cNvGraphicFramePr>
-            <a:graphicFrameLocks noChangeAspect="1"/>
-          </p:cNvGraphicFramePr>
-          <p:nvPr>
-            <p:extLst>
-              <p:ext uri="{D42A27DB-BD31-4B8C-83A1-F6EECF244321}">
-                <p14:modId xmlns="" xmlns:p14="http://schemas.microsoft.com/office/powerpoint/2010/main" val="3136977526"/>
-              </p:ext>
-            </p:extLst>
-          </p:nvPr>
-        </p:nvGraphicFramePr>
-        <p:xfrm>
-          <a:off x="3352800" y="2819400"/>
-          <a:ext cx="5486400" cy="3429000"/>
-        </p:xfrm>
-        <a:graphic>
-          <a:graphicData uri="http://schemas.openxmlformats.org/presentationml/2006/ole">
-            <p:oleObj spid="_x0000_s1055" name="Image" r:id="rId5" imgW="7315200" imgH="4572000" progId="">
-              <p:embed/>
-            </p:oleObj>
-          </a:graphicData>
-        </a:graphic>
-      </p:graphicFrame>
-    </p:spTree>
-    <p:extLst>
-      <p:ext uri="{BB962C8B-B14F-4D97-AF65-F5344CB8AC3E}">
-        <p14:creationId xmlns="" xmlns:p14="http://schemas.microsoft.com/office/powerpoint/2010/main" val="1260448984"/>
-      </p:ext>
-    </p:extLst>
-  </p:cSld>
-  <p:clrMapOvr>
-    <a:masterClrMapping/>
-  </p:clrMapOvr>
 </p:sld>
 </file>
 
@@ -12426,7 +12272,12 @@
             <p:ph sz="half" idx="1"/>
           </p:nvPr>
         </p:nvSpPr>
-        <p:spPr/>
+        <p:spPr>
+          <a:xfrm>
+            <a:off x="822960" y="1097280"/>
+            <a:ext cx="7406640" cy="3712464"/>
+          </a:xfrm>
+        </p:spPr>
         <p:txBody>
           <a:bodyPr/>
           <a:lstStyle/>
@@ -12445,7 +12296,12 @@
             <p:ph sz="half" idx="2"/>
           </p:nvPr>
         </p:nvSpPr>
-        <p:spPr/>
+        <p:spPr>
+          <a:xfrm>
+            <a:off x="2743200" y="5715000"/>
+            <a:ext cx="3200400" cy="3712464"/>
+          </a:xfrm>
+        </p:spPr>
         <p:txBody>
           <a:bodyPr/>
           <a:lstStyle/>
@@ -12470,10 +12326,9 @@
           <a:lstStyle/>
           <a:p>
             <a:r>
-              <a:rPr lang="en-US" smtClean="0"/>
+              <a:rPr lang="en-US"/>
               <a:t>Ranorex</a:t>
             </a:r>
-            <a:endParaRPr lang="en-US"/>
           </a:p>
         </p:txBody>
       </p:sp>
@@ -12500,14 +12355,14 @@
           <a:effectLst/>
           <a:extLst>
             <a:ext uri="{909E8E84-426E-40DD-AFC4-6F175D3DCCD1}">
-              <a14:hiddenFill xmlns="" xmlns:a14="http://schemas.microsoft.com/office/drawing/2010/main">
+              <a14:hiddenFill xmlns:a14="http://schemas.microsoft.com/office/drawing/2010/main">
                 <a:solidFill>
                   <a:schemeClr val="accent1"/>
                 </a:solidFill>
               </a14:hiddenFill>
             </a:ext>
             <a:ext uri="{91240B29-F687-4F45-9708-019B960494DF}">
-              <a14:hiddenLine xmlns="" xmlns:a14="http://schemas.microsoft.com/office/drawing/2010/main" w="9525">
+              <a14:hiddenLine xmlns:a14="http://schemas.microsoft.com/office/drawing/2010/main" w="9525">
                 <a:solidFill>
                   <a:schemeClr val="tx1"/>
                 </a:solidFill>
@@ -12517,7 +12372,7 @@
               </a14:hiddenLine>
             </a:ext>
             <a:ext uri="{AF507438-7753-43E0-B8FC-AC1667EBCBE1}">
-              <a14:hiddenEffects xmlns="" xmlns:a14="http://schemas.microsoft.com/office/drawing/2010/main">
+              <a14:hiddenEffects xmlns:a14="http://schemas.microsoft.com/office/drawing/2010/main">
                 <a:effectLst>
                   <a:outerShdw dist="35921" dir="2700000" algn="ctr" rotWithShape="0">
                     <a:schemeClr val="bg2"/>
@@ -12549,20 +12404,70 @@
           <p:nvPr>
             <p:extLst>
               <p:ext uri="{D42A27DB-BD31-4B8C-83A1-F6EECF244321}">
-                <p14:modId xmlns="" xmlns:p14="http://schemas.microsoft.com/office/powerpoint/2010/main" val="2033785521"/>
+                <p14:modId xmlns:p14="http://schemas.microsoft.com/office/powerpoint/2010/main" val="39709969"/>
               </p:ext>
             </p:extLst>
           </p:nvPr>
         </p:nvGraphicFramePr>
         <p:xfrm>
-          <a:off x="152400" y="838200"/>
-          <a:ext cx="4114800" cy="4114800"/>
+          <a:off x="838200" y="838200"/>
+          <a:ext cx="7467600" cy="1066800"/>
         </p:xfrm>
         <a:graphic>
           <a:graphicData uri="http://schemas.openxmlformats.org/presentationml/2006/ole">
-            <p:oleObj spid="_x0000_s2088" name="Image" r:id="rId3" imgW="5486400" imgH="5486400" progId="">
-              <p:embed/>
-            </p:oleObj>
+            <mc:AlternateContent xmlns:mc="http://schemas.openxmlformats.org/markup-compatibility/2006">
+              <mc:Choice xmlns:v="urn:schemas-microsoft-com:vml" Requires="v">
+                <p:oleObj spid="_x0000_s1062" r:id="rId3" imgW="7315200" imgH="914400" progId="">
+                  <p:embed/>
+                </p:oleObj>
+              </mc:Choice>
+              <mc:Fallback>
+                <p:oleObj r:id="rId3" imgW="7315200" imgH="914400" progId="">
+                  <p:embed/>
+                  <p:pic>
+                    <p:nvPicPr>
+                      <p:cNvPr id="0" name="Picture 30"/>
+                      <p:cNvPicPr>
+                        <a:picLocks noChangeAspect="1" noChangeArrowheads="1"/>
+                      </p:cNvPicPr>
+                      <p:nvPr/>
+                    </p:nvPicPr>
+                    <p:blipFill>
+                      <a:blip r:embed="rId4">
+                        <a:extLst>
+                          <a:ext uri="{28A0092B-C50C-407E-A947-70E740481C1C}">
+                            <a14:useLocalDpi xmlns:a14="http://schemas.microsoft.com/office/drawing/2010/main" val="0"/>
+                          </a:ext>
+                        </a:extLst>
+                      </a:blip>
+                      <a:srcRect/>
+                      <a:stretch>
+                        <a:fillRect/>
+                      </a:stretch>
+                    </p:blipFill>
+                    <p:spPr bwMode="auto">
+                      <a:xfrm>
+                        <a:off x="838200" y="838200"/>
+                        <a:ext cx="7467600" cy="1066800"/>
+                      </a:xfrm>
+                      <a:prstGeom prst="rect">
+                        <a:avLst/>
+                      </a:prstGeom>
+                      <a:noFill/>
+                      <a:extLst>
+                        <a:ext uri="{909E8E84-426E-40DD-AFC4-6F175D3DCCD1}">
+                          <a14:hiddenFill xmlns:a14="http://schemas.microsoft.com/office/drawing/2010/main">
+                            <a:solidFill>
+                              <a:srgbClr val="FFFFFF"/>
+                            </a:solidFill>
+                          </a14:hiddenFill>
+                        </a:ext>
+                      </a:extLst>
+                    </p:spPr>
+                  </p:pic>
+                </p:oleObj>
+              </mc:Fallback>
+            </mc:AlternateContent>
           </a:graphicData>
         </a:graphic>
       </p:graphicFrame>
@@ -12589,14 +12494,14 @@
           <a:effectLst/>
           <a:extLst>
             <a:ext uri="{909E8E84-426E-40DD-AFC4-6F175D3DCCD1}">
-              <a14:hiddenFill xmlns="" xmlns:a14="http://schemas.microsoft.com/office/drawing/2010/main">
+              <a14:hiddenFill xmlns:a14="http://schemas.microsoft.com/office/drawing/2010/main">
                 <a:solidFill>
                   <a:schemeClr val="accent1"/>
                 </a:solidFill>
               </a14:hiddenFill>
             </a:ext>
             <a:ext uri="{91240B29-F687-4F45-9708-019B960494DF}">
-              <a14:hiddenLine xmlns="" xmlns:a14="http://schemas.microsoft.com/office/drawing/2010/main" w="9525">
+              <a14:hiddenLine xmlns:a14="http://schemas.microsoft.com/office/drawing/2010/main" w="9525">
                 <a:solidFill>
                   <a:schemeClr val="tx1"/>
                 </a:solidFill>
@@ -12606,7 +12511,7 @@
               </a14:hiddenLine>
             </a:ext>
             <a:ext uri="{AF507438-7753-43E0-B8FC-AC1667EBCBE1}">
-              <a14:hiddenEffects xmlns="" xmlns:a14="http://schemas.microsoft.com/office/drawing/2010/main">
+              <a14:hiddenEffects xmlns:a14="http://schemas.microsoft.com/office/drawing/2010/main">
                 <a:effectLst>
                   <a:outerShdw dist="35921" dir="2700000" algn="ctr" rotWithShape="0">
                     <a:schemeClr val="bg2"/>
@@ -12629,6 +12534,502 @@
           </a:p>
         </p:txBody>
       </p:sp>
+      <p:pic>
+        <p:nvPicPr>
+          <p:cNvPr id="1029" name="Picture 5"/>
+          <p:cNvPicPr>
+            <a:picLocks noChangeAspect="1" noChangeArrowheads="1"/>
+          </p:cNvPicPr>
+          <p:nvPr/>
+        </p:nvPicPr>
+        <p:blipFill>
+          <a:blip r:embed="rId5">
+            <a:extLst>
+              <a:ext uri="{28A0092B-C50C-407E-A947-70E740481C1C}">
+                <a14:useLocalDpi xmlns:a14="http://schemas.microsoft.com/office/drawing/2010/main" val="0"/>
+              </a:ext>
+            </a:extLst>
+          </a:blip>
+          <a:srcRect/>
+          <a:stretch>
+            <a:fillRect/>
+          </a:stretch>
+        </p:blipFill>
+        <p:spPr bwMode="auto">
+          <a:xfrm>
+            <a:off x="67350" y="2302681"/>
+            <a:ext cx="4526259" cy="3403600"/>
+          </a:xfrm>
+          <a:prstGeom prst="rect">
+            <a:avLst/>
+          </a:prstGeom>
+          <a:noFill/>
+          <a:ln>
+            <a:noFill/>
+          </a:ln>
+          <a:effectLst/>
+          <a:extLst>
+            <a:ext uri="{909E8E84-426E-40DD-AFC4-6F175D3DCCD1}">
+              <a14:hiddenFill xmlns:a14="http://schemas.microsoft.com/office/drawing/2010/main">
+                <a:solidFill>
+                  <a:schemeClr val="accent1"/>
+                </a:solidFill>
+              </a14:hiddenFill>
+            </a:ext>
+            <a:ext uri="{91240B29-F687-4F45-9708-019B960494DF}">
+              <a14:hiddenLine xmlns:a14="http://schemas.microsoft.com/office/drawing/2010/main" w="9525">
+                <a:solidFill>
+                  <a:schemeClr val="tx1"/>
+                </a:solidFill>
+                <a:miter lim="800000"/>
+                <a:headEnd/>
+                <a:tailEnd/>
+              </a14:hiddenLine>
+            </a:ext>
+            <a:ext uri="{AF507438-7753-43E0-B8FC-AC1667EBCBE1}">
+              <a14:hiddenEffects xmlns:a14="http://schemas.microsoft.com/office/drawing/2010/main">
+                <a:effectLst>
+                  <a:outerShdw dist="35921" dir="2700000" algn="ctr" rotWithShape="0">
+                    <a:schemeClr val="bg2"/>
+                  </a:outerShdw>
+                </a:effectLst>
+              </a14:hiddenEffects>
+            </a:ext>
+          </a:extLst>
+        </p:spPr>
+      </p:pic>
+      <p:sp>
+        <p:nvSpPr>
+          <p:cNvPr id="9" name="Rectangle 7"/>
+          <p:cNvSpPr>
+            <a:spLocks noChangeArrowheads="1"/>
+          </p:cNvSpPr>
+          <p:nvPr/>
+        </p:nvSpPr>
+        <p:spPr bwMode="auto">
+          <a:xfrm>
+            <a:off x="0" y="0"/>
+            <a:ext cx="9144000" cy="0"/>
+          </a:xfrm>
+          <a:prstGeom prst="rect">
+            <a:avLst/>
+          </a:prstGeom>
+          <a:noFill/>
+          <a:ln>
+            <a:noFill/>
+          </a:ln>
+          <a:effectLst/>
+          <a:extLst>
+            <a:ext uri="{909E8E84-426E-40DD-AFC4-6F175D3DCCD1}">
+              <a14:hiddenFill xmlns:a14="http://schemas.microsoft.com/office/drawing/2010/main">
+                <a:solidFill>
+                  <a:schemeClr val="accent1"/>
+                </a:solidFill>
+              </a14:hiddenFill>
+            </a:ext>
+            <a:ext uri="{91240B29-F687-4F45-9708-019B960494DF}">
+              <a14:hiddenLine xmlns:a14="http://schemas.microsoft.com/office/drawing/2010/main" w="9525">
+                <a:solidFill>
+                  <a:schemeClr val="tx1"/>
+                </a:solidFill>
+                <a:miter lim="800000"/>
+                <a:headEnd/>
+                <a:tailEnd/>
+              </a14:hiddenLine>
+            </a:ext>
+            <a:ext uri="{AF507438-7753-43E0-B8FC-AC1667EBCBE1}">
+              <a14:hiddenEffects xmlns:a14="http://schemas.microsoft.com/office/drawing/2010/main">
+                <a:effectLst>
+                  <a:outerShdw dist="35921" dir="2700000" algn="ctr" rotWithShape="0">
+                    <a:schemeClr val="bg2"/>
+                  </a:outerShdw>
+                </a:effectLst>
+              </a14:hiddenEffects>
+            </a:ext>
+          </a:extLst>
+        </p:spPr>
+        <p:txBody>
+          <a:bodyPr vert="horz" wrap="none" lIns="91440" tIns="45720" rIns="91440" bIns="45720" numCol="1" anchor="ctr" anchorCtr="0" compatLnSpc="1">
+            <a:prstTxWarp prst="textNoShape">
+              <a:avLst/>
+            </a:prstTxWarp>
+            <a:spAutoFit/>
+          </a:bodyPr>
+          <a:lstStyle/>
+          <a:p>
+            <a:endParaRPr lang="en-US"/>
+          </a:p>
+        </p:txBody>
+      </p:sp>
+      <p:graphicFrame>
+        <p:nvGraphicFramePr>
+          <p:cNvPr id="10" name="Object 9"/>
+          <p:cNvGraphicFramePr>
+            <a:graphicFrameLocks noChangeAspect="1"/>
+          </p:cNvGraphicFramePr>
+          <p:nvPr>
+            <p:extLst>
+              <p:ext uri="{D42A27DB-BD31-4B8C-83A1-F6EECF244321}">
+                <p14:modId xmlns:p14="http://schemas.microsoft.com/office/powerpoint/2010/main" val="3136977526"/>
+              </p:ext>
+            </p:extLst>
+          </p:nvPr>
+        </p:nvGraphicFramePr>
+        <p:xfrm>
+          <a:off x="3352800" y="2819400"/>
+          <a:ext cx="5486400" cy="3429000"/>
+        </p:xfrm>
+        <a:graphic>
+          <a:graphicData uri="http://schemas.openxmlformats.org/presentationml/2006/ole">
+            <mc:AlternateContent xmlns:mc="http://schemas.openxmlformats.org/markup-compatibility/2006">
+              <mc:Choice xmlns:v="urn:schemas-microsoft-com:vml" Requires="v">
+                <p:oleObj spid="_x0000_s1063" name="Image" r:id="rId6" imgW="7315200" imgH="4572000" progId="">
+                  <p:embed/>
+                </p:oleObj>
+              </mc:Choice>
+              <mc:Fallback>
+                <p:oleObj name="Image" r:id="rId6" imgW="7315200" imgH="4572000" progId="">
+                  <p:embed/>
+                  <p:pic>
+                    <p:nvPicPr>
+                      <p:cNvPr id="0" name="Picture 31"/>
+                      <p:cNvPicPr>
+                        <a:picLocks noChangeAspect="1" noChangeArrowheads="1"/>
+                      </p:cNvPicPr>
+                      <p:nvPr/>
+                    </p:nvPicPr>
+                    <p:blipFill>
+                      <a:blip r:embed="rId7">
+                        <a:extLst>
+                          <a:ext uri="{28A0092B-C50C-407E-A947-70E740481C1C}">
+                            <a14:useLocalDpi xmlns:a14="http://schemas.microsoft.com/office/drawing/2010/main" val="0"/>
+                          </a:ext>
+                        </a:extLst>
+                      </a:blip>
+                      <a:srcRect/>
+                      <a:stretch>
+                        <a:fillRect/>
+                      </a:stretch>
+                    </p:blipFill>
+                    <p:spPr bwMode="auto">
+                      <a:xfrm>
+                        <a:off x="3352800" y="2819400"/>
+                        <a:ext cx="5486400" cy="3429000"/>
+                      </a:xfrm>
+                      <a:prstGeom prst="rect">
+                        <a:avLst/>
+                      </a:prstGeom>
+                      <a:noFill/>
+                      <a:extLst>
+                        <a:ext uri="{909E8E84-426E-40DD-AFC4-6F175D3DCCD1}">
+                          <a14:hiddenFill xmlns:a14="http://schemas.microsoft.com/office/drawing/2010/main">
+                            <a:solidFill>
+                              <a:srgbClr val="FFFFFF"/>
+                            </a:solidFill>
+                          </a14:hiddenFill>
+                        </a:ext>
+                      </a:extLst>
+                    </p:spPr>
+                  </p:pic>
+                </p:oleObj>
+              </mc:Fallback>
+            </mc:AlternateContent>
+          </a:graphicData>
+        </a:graphic>
+      </p:graphicFrame>
+    </p:spTree>
+    <p:extLst>
+      <p:ext uri="{BB962C8B-B14F-4D97-AF65-F5344CB8AC3E}">
+        <p14:creationId xmlns:p14="http://schemas.microsoft.com/office/powerpoint/2010/main" val="1260448984"/>
+      </p:ext>
+    </p:extLst>
+  </p:cSld>
+  <p:clrMapOvr>
+    <a:masterClrMapping/>
+  </p:clrMapOvr>
+</p:sld>
+</file>
+
+<file path=ppt/slides/slide21.xml><?xml version="1.0" encoding="utf-8"?>
+<p:sld xmlns:a="http://schemas.openxmlformats.org/drawingml/2006/main" xmlns:r="http://schemas.openxmlformats.org/officeDocument/2006/relationships" xmlns:p="http://schemas.openxmlformats.org/presentationml/2006/main">
+  <p:cSld>
+    <p:spTree>
+      <p:nvGrpSpPr>
+        <p:cNvPr id="1" name=""/>
+        <p:cNvGrpSpPr/>
+        <p:nvPr/>
+      </p:nvGrpSpPr>
+      <p:grpSpPr>
+        <a:xfrm>
+          <a:off x="0" y="0"/>
+          <a:ext cx="0" cy="0"/>
+          <a:chOff x="0" y="0"/>
+          <a:chExt cx="0" cy="0"/>
+        </a:xfrm>
+      </p:grpSpPr>
+      <p:sp>
+        <p:nvSpPr>
+          <p:cNvPr id="2" name="Content Placeholder 1"/>
+          <p:cNvSpPr>
+            <a:spLocks noGrp="1"/>
+          </p:cNvSpPr>
+          <p:nvPr>
+            <p:ph sz="half" idx="1"/>
+          </p:nvPr>
+        </p:nvSpPr>
+        <p:spPr/>
+        <p:txBody>
+          <a:bodyPr/>
+          <a:lstStyle/>
+          <a:p>
+            <a:endParaRPr lang="en-US"/>
+          </a:p>
+        </p:txBody>
+      </p:sp>
+      <p:sp>
+        <p:nvSpPr>
+          <p:cNvPr id="3" name="Content Placeholder 2"/>
+          <p:cNvSpPr>
+            <a:spLocks noGrp="1"/>
+          </p:cNvSpPr>
+          <p:nvPr>
+            <p:ph sz="half" idx="2"/>
+          </p:nvPr>
+        </p:nvSpPr>
+        <p:spPr/>
+        <p:txBody>
+          <a:bodyPr/>
+          <a:lstStyle/>
+          <a:p>
+            <a:endParaRPr lang="en-US"/>
+          </a:p>
+        </p:txBody>
+      </p:sp>
+      <p:sp>
+        <p:nvSpPr>
+          <p:cNvPr id="4" name="Title 3"/>
+          <p:cNvSpPr>
+            <a:spLocks noGrp="1"/>
+          </p:cNvSpPr>
+          <p:nvPr>
+            <p:ph type="title"/>
+          </p:nvPr>
+        </p:nvSpPr>
+        <p:spPr/>
+        <p:txBody>
+          <a:bodyPr/>
+          <a:lstStyle/>
+          <a:p>
+            <a:r>
+              <a:rPr lang="en-US" smtClean="0"/>
+              <a:t>Ranorex</a:t>
+            </a:r>
+            <a:endParaRPr lang="en-US"/>
+          </a:p>
+        </p:txBody>
+      </p:sp>
+      <p:sp>
+        <p:nvSpPr>
+          <p:cNvPr id="5" name="Rectangle 2"/>
+          <p:cNvSpPr>
+            <a:spLocks noChangeArrowheads="1"/>
+          </p:cNvSpPr>
+          <p:nvPr/>
+        </p:nvSpPr>
+        <p:spPr bwMode="auto">
+          <a:xfrm>
+            <a:off x="0" y="0"/>
+            <a:ext cx="9144000" cy="0"/>
+          </a:xfrm>
+          <a:prstGeom prst="rect">
+            <a:avLst/>
+          </a:prstGeom>
+          <a:noFill/>
+          <a:ln>
+            <a:noFill/>
+          </a:ln>
+          <a:effectLst/>
+          <a:extLst>
+            <a:ext uri="{909E8E84-426E-40DD-AFC4-6F175D3DCCD1}">
+              <a14:hiddenFill xmlns:a14="http://schemas.microsoft.com/office/drawing/2010/main">
+                <a:solidFill>
+                  <a:schemeClr val="accent1"/>
+                </a:solidFill>
+              </a14:hiddenFill>
+            </a:ext>
+            <a:ext uri="{91240B29-F687-4F45-9708-019B960494DF}">
+              <a14:hiddenLine xmlns:a14="http://schemas.microsoft.com/office/drawing/2010/main" w="9525">
+                <a:solidFill>
+                  <a:schemeClr val="tx1"/>
+                </a:solidFill>
+                <a:miter lim="800000"/>
+                <a:headEnd/>
+                <a:tailEnd/>
+              </a14:hiddenLine>
+            </a:ext>
+            <a:ext uri="{AF507438-7753-43E0-B8FC-AC1667EBCBE1}">
+              <a14:hiddenEffects xmlns:a14="http://schemas.microsoft.com/office/drawing/2010/main">
+                <a:effectLst>
+                  <a:outerShdw dist="35921" dir="2700000" algn="ctr" rotWithShape="0">
+                    <a:schemeClr val="bg2"/>
+                  </a:outerShdw>
+                </a:effectLst>
+              </a14:hiddenEffects>
+            </a:ext>
+          </a:extLst>
+        </p:spPr>
+        <p:txBody>
+          <a:bodyPr vert="horz" wrap="none" lIns="91440" tIns="45720" rIns="91440" bIns="45720" numCol="1" anchor="ctr" anchorCtr="0" compatLnSpc="1">
+            <a:prstTxWarp prst="textNoShape">
+              <a:avLst/>
+            </a:prstTxWarp>
+            <a:spAutoFit/>
+          </a:bodyPr>
+          <a:lstStyle/>
+          <a:p>
+            <a:endParaRPr lang="en-US"/>
+          </a:p>
+        </p:txBody>
+      </p:sp>
+      <p:graphicFrame>
+        <p:nvGraphicFramePr>
+          <p:cNvPr id="6" name="Object 5"/>
+          <p:cNvGraphicFramePr>
+            <a:graphicFrameLocks noChangeAspect="1"/>
+          </p:cNvGraphicFramePr>
+          <p:nvPr>
+            <p:extLst>
+              <p:ext uri="{D42A27DB-BD31-4B8C-83A1-F6EECF244321}">
+                <p14:modId xmlns:p14="http://schemas.microsoft.com/office/powerpoint/2010/main" val="2033785521"/>
+              </p:ext>
+            </p:extLst>
+          </p:nvPr>
+        </p:nvGraphicFramePr>
+        <p:xfrm>
+          <a:off x="152400" y="838200"/>
+          <a:ext cx="4114800" cy="4114800"/>
+        </p:xfrm>
+        <a:graphic>
+          <a:graphicData uri="http://schemas.openxmlformats.org/presentationml/2006/ole">
+            <mc:AlternateContent xmlns:mc="http://schemas.openxmlformats.org/markup-compatibility/2006">
+              <mc:Choice xmlns:v="urn:schemas-microsoft-com:vml" Requires="v">
+                <p:oleObj spid="_x0000_s2100" name="Image" r:id="rId3" imgW="5486400" imgH="5486400" progId="">
+                  <p:embed/>
+                </p:oleObj>
+              </mc:Choice>
+              <mc:Fallback>
+                <p:oleObj name="Image" r:id="rId3" imgW="5486400" imgH="5486400" progId="">
+                  <p:embed/>
+                  <p:pic>
+                    <p:nvPicPr>
+                      <p:cNvPr id="0" name="Picture 40"/>
+                      <p:cNvPicPr>
+                        <a:picLocks noChangeAspect="1" noChangeArrowheads="1"/>
+                      </p:cNvPicPr>
+                      <p:nvPr/>
+                    </p:nvPicPr>
+                    <p:blipFill>
+                      <a:blip r:embed="rId4">
+                        <a:extLst>
+                          <a:ext uri="{28A0092B-C50C-407E-A947-70E740481C1C}">
+                            <a14:useLocalDpi xmlns:a14="http://schemas.microsoft.com/office/drawing/2010/main" val="0"/>
+                          </a:ext>
+                        </a:extLst>
+                      </a:blip>
+                      <a:srcRect/>
+                      <a:stretch>
+                        <a:fillRect/>
+                      </a:stretch>
+                    </p:blipFill>
+                    <p:spPr bwMode="auto">
+                      <a:xfrm>
+                        <a:off x="152400" y="838200"/>
+                        <a:ext cx="4114800" cy="4114800"/>
+                      </a:xfrm>
+                      <a:prstGeom prst="rect">
+                        <a:avLst/>
+                      </a:prstGeom>
+                      <a:noFill/>
+                      <a:extLst>
+                        <a:ext uri="{909E8E84-426E-40DD-AFC4-6F175D3DCCD1}">
+                          <a14:hiddenFill xmlns:a14="http://schemas.microsoft.com/office/drawing/2010/main">
+                            <a:solidFill>
+                              <a:srgbClr val="FFFFFF"/>
+                            </a:solidFill>
+                          </a14:hiddenFill>
+                        </a:ext>
+                      </a:extLst>
+                    </p:spPr>
+                  </p:pic>
+                </p:oleObj>
+              </mc:Fallback>
+            </mc:AlternateContent>
+          </a:graphicData>
+        </a:graphic>
+      </p:graphicFrame>
+      <p:sp>
+        <p:nvSpPr>
+          <p:cNvPr id="7" name="Rectangle 4"/>
+          <p:cNvSpPr>
+            <a:spLocks noChangeArrowheads="1"/>
+          </p:cNvSpPr>
+          <p:nvPr/>
+        </p:nvSpPr>
+        <p:spPr bwMode="auto">
+          <a:xfrm>
+            <a:off x="0" y="0"/>
+            <a:ext cx="9144000" cy="0"/>
+          </a:xfrm>
+          <a:prstGeom prst="rect">
+            <a:avLst/>
+          </a:prstGeom>
+          <a:noFill/>
+          <a:ln>
+            <a:noFill/>
+          </a:ln>
+          <a:effectLst/>
+          <a:extLst>
+            <a:ext uri="{909E8E84-426E-40DD-AFC4-6F175D3DCCD1}">
+              <a14:hiddenFill xmlns:a14="http://schemas.microsoft.com/office/drawing/2010/main">
+                <a:solidFill>
+                  <a:schemeClr val="accent1"/>
+                </a:solidFill>
+              </a14:hiddenFill>
+            </a:ext>
+            <a:ext uri="{91240B29-F687-4F45-9708-019B960494DF}">
+              <a14:hiddenLine xmlns:a14="http://schemas.microsoft.com/office/drawing/2010/main" w="9525">
+                <a:solidFill>
+                  <a:schemeClr val="tx1"/>
+                </a:solidFill>
+                <a:miter lim="800000"/>
+                <a:headEnd/>
+                <a:tailEnd/>
+              </a14:hiddenLine>
+            </a:ext>
+            <a:ext uri="{AF507438-7753-43E0-B8FC-AC1667EBCBE1}">
+              <a14:hiddenEffects xmlns:a14="http://schemas.microsoft.com/office/drawing/2010/main">
+                <a:effectLst>
+                  <a:outerShdw dist="35921" dir="2700000" algn="ctr" rotWithShape="0">
+                    <a:schemeClr val="bg2"/>
+                  </a:outerShdw>
+                </a:effectLst>
+              </a14:hiddenEffects>
+            </a:ext>
+          </a:extLst>
+        </p:spPr>
+        <p:txBody>
+          <a:bodyPr vert="horz" wrap="none" lIns="91440" tIns="45720" rIns="91440" bIns="45720" numCol="1" anchor="ctr" anchorCtr="0" compatLnSpc="1">
+            <a:prstTxWarp prst="textNoShape">
+              <a:avLst/>
+            </a:prstTxWarp>
+            <a:spAutoFit/>
+          </a:bodyPr>
+          <a:lstStyle/>
+          <a:p>
+            <a:endParaRPr lang="en-US"/>
+          </a:p>
+        </p:txBody>
+      </p:sp>
       <p:graphicFrame>
         <p:nvGraphicFramePr>
           <p:cNvPr id="8" name="Object 7"/>
@@ -12638,7 +13039,7 @@
           <p:nvPr>
             <p:extLst>
               <p:ext uri="{D42A27DB-BD31-4B8C-83A1-F6EECF244321}">
-                <p14:modId xmlns="" xmlns:p14="http://schemas.microsoft.com/office/powerpoint/2010/main" val="736740180"/>
+                <p14:modId xmlns:p14="http://schemas.microsoft.com/office/powerpoint/2010/main" val="736740180"/>
               </p:ext>
             </p:extLst>
           </p:nvPr>
@@ -12649,9 +13050,59 @@
         </p:xfrm>
         <a:graphic>
           <a:graphicData uri="http://schemas.openxmlformats.org/presentationml/2006/ole">
-            <p:oleObj spid="_x0000_s2089" name="Image" r:id="rId4" imgW="5486400" imgH="4572000" progId="">
-              <p:embed/>
-            </p:oleObj>
+            <mc:AlternateContent xmlns:mc="http://schemas.openxmlformats.org/markup-compatibility/2006">
+              <mc:Choice xmlns:v="urn:schemas-microsoft-com:vml" Requires="v">
+                <p:oleObj spid="_x0000_s2101" name="Image" r:id="rId5" imgW="5486400" imgH="4572000" progId="">
+                  <p:embed/>
+                </p:oleObj>
+              </mc:Choice>
+              <mc:Fallback>
+                <p:oleObj name="Image" r:id="rId5" imgW="5486400" imgH="4572000" progId="">
+                  <p:embed/>
+                  <p:pic>
+                    <p:nvPicPr>
+                      <p:cNvPr id="0" name="Picture 41"/>
+                      <p:cNvPicPr>
+                        <a:picLocks noChangeAspect="1" noChangeArrowheads="1"/>
+                      </p:cNvPicPr>
+                      <p:nvPr/>
+                    </p:nvPicPr>
+                    <p:blipFill>
+                      <a:blip r:embed="rId6">
+                        <a:extLst>
+                          <a:ext uri="{28A0092B-C50C-407E-A947-70E740481C1C}">
+                            <a14:useLocalDpi xmlns:a14="http://schemas.microsoft.com/office/drawing/2010/main" val="0"/>
+                          </a:ext>
+                        </a:extLst>
+                      </a:blip>
+                      <a:srcRect/>
+                      <a:stretch>
+                        <a:fillRect/>
+                      </a:stretch>
+                    </p:blipFill>
+                    <p:spPr bwMode="auto">
+                      <a:xfrm>
+                        <a:off x="4572000" y="0"/>
+                        <a:ext cx="4114800" cy="3429000"/>
+                      </a:xfrm>
+                      <a:prstGeom prst="rect">
+                        <a:avLst/>
+                      </a:prstGeom>
+                      <a:noFill/>
+                      <a:extLst>
+                        <a:ext uri="{909E8E84-426E-40DD-AFC4-6F175D3DCCD1}">
+                          <a14:hiddenFill xmlns:a14="http://schemas.microsoft.com/office/drawing/2010/main">
+                            <a:solidFill>
+                              <a:srgbClr val="FFFFFF"/>
+                            </a:solidFill>
+                          </a14:hiddenFill>
+                        </a:ext>
+                      </a:extLst>
+                    </p:spPr>
+                  </p:pic>
+                </p:oleObj>
+              </mc:Fallback>
+            </mc:AlternateContent>
           </a:graphicData>
         </a:graphic>
       </p:graphicFrame>
@@ -12678,14 +13129,14 @@
           <a:effectLst/>
           <a:extLst>
             <a:ext uri="{909E8E84-426E-40DD-AFC4-6F175D3DCCD1}">
-              <a14:hiddenFill xmlns="" xmlns:a14="http://schemas.microsoft.com/office/drawing/2010/main">
+              <a14:hiddenFill xmlns:a14="http://schemas.microsoft.com/office/drawing/2010/main">
                 <a:solidFill>
                   <a:schemeClr val="accent1"/>
                 </a:solidFill>
               </a14:hiddenFill>
             </a:ext>
             <a:ext uri="{91240B29-F687-4F45-9708-019B960494DF}">
-              <a14:hiddenLine xmlns="" xmlns:a14="http://schemas.microsoft.com/office/drawing/2010/main" w="9525">
+              <a14:hiddenLine xmlns:a14="http://schemas.microsoft.com/office/drawing/2010/main" w="9525">
                 <a:solidFill>
                   <a:schemeClr val="tx1"/>
                 </a:solidFill>
@@ -12695,7 +13146,7 @@
               </a14:hiddenLine>
             </a:ext>
             <a:ext uri="{AF507438-7753-43E0-B8FC-AC1667EBCBE1}">
-              <a14:hiddenEffects xmlns="" xmlns:a14="http://schemas.microsoft.com/office/drawing/2010/main">
+              <a14:hiddenEffects xmlns:a14="http://schemas.microsoft.com/office/drawing/2010/main">
                 <a:effectLst>
                   <a:outerShdw dist="35921" dir="2700000" algn="ctr" rotWithShape="0">
                     <a:schemeClr val="bg2"/>
@@ -12727,7 +13178,7 @@
           <p:nvPr>
             <p:extLst>
               <p:ext uri="{D42A27DB-BD31-4B8C-83A1-F6EECF244321}">
-                <p14:modId xmlns="" xmlns:p14="http://schemas.microsoft.com/office/powerpoint/2010/main" val="4188053664"/>
+                <p14:modId xmlns:p14="http://schemas.microsoft.com/office/powerpoint/2010/main" val="4188053664"/>
               </p:ext>
             </p:extLst>
           </p:nvPr>
@@ -12738,16 +13189,66 @@
         </p:xfrm>
         <a:graphic>
           <a:graphicData uri="http://schemas.openxmlformats.org/presentationml/2006/ole">
-            <p:oleObj spid="_x0000_s2090" name="Image" r:id="rId5" imgW="5486400" imgH="3657600" progId="">
-              <p:embed/>
-            </p:oleObj>
+            <mc:AlternateContent xmlns:mc="http://schemas.openxmlformats.org/markup-compatibility/2006">
+              <mc:Choice xmlns:v="urn:schemas-microsoft-com:vml" Requires="v">
+                <p:oleObj spid="_x0000_s2102" name="Image" r:id="rId7" imgW="5486400" imgH="3657600" progId="">
+                  <p:embed/>
+                </p:oleObj>
+              </mc:Choice>
+              <mc:Fallback>
+                <p:oleObj name="Image" r:id="rId7" imgW="5486400" imgH="3657600" progId="">
+                  <p:embed/>
+                  <p:pic>
+                    <p:nvPicPr>
+                      <p:cNvPr id="0" name="Picture 42"/>
+                      <p:cNvPicPr>
+                        <a:picLocks noChangeAspect="1" noChangeArrowheads="1"/>
+                      </p:cNvPicPr>
+                      <p:nvPr/>
+                    </p:nvPicPr>
+                    <p:blipFill>
+                      <a:blip r:embed="rId8">
+                        <a:extLst>
+                          <a:ext uri="{28A0092B-C50C-407E-A947-70E740481C1C}">
+                            <a14:useLocalDpi xmlns:a14="http://schemas.microsoft.com/office/drawing/2010/main" val="0"/>
+                          </a:ext>
+                        </a:extLst>
+                      </a:blip>
+                      <a:srcRect/>
+                      <a:stretch>
+                        <a:fillRect/>
+                      </a:stretch>
+                    </p:blipFill>
+                    <p:spPr bwMode="auto">
+                      <a:xfrm>
+                        <a:off x="4572000" y="3505200"/>
+                        <a:ext cx="4114800" cy="2743200"/>
+                      </a:xfrm>
+                      <a:prstGeom prst="rect">
+                        <a:avLst/>
+                      </a:prstGeom>
+                      <a:noFill/>
+                      <a:extLst>
+                        <a:ext uri="{909E8E84-426E-40DD-AFC4-6F175D3DCCD1}">
+                          <a14:hiddenFill xmlns:a14="http://schemas.microsoft.com/office/drawing/2010/main">
+                            <a:solidFill>
+                              <a:srgbClr val="FFFFFF"/>
+                            </a:solidFill>
+                          </a14:hiddenFill>
+                        </a:ext>
+                      </a:extLst>
+                    </p:spPr>
+                  </p:pic>
+                </p:oleObj>
+              </mc:Fallback>
+            </mc:AlternateContent>
           </a:graphicData>
         </a:graphic>
       </p:graphicFrame>
     </p:spTree>
     <p:extLst>
       <p:ext uri="{BB962C8B-B14F-4D97-AF65-F5344CB8AC3E}">
-        <p14:creationId xmlns="" xmlns:p14="http://schemas.microsoft.com/office/powerpoint/2010/main" val="1511659555"/>
+        <p14:creationId xmlns:p14="http://schemas.microsoft.com/office/powerpoint/2010/main" val="1511659555"/>
       </p:ext>
     </p:extLst>
   </p:cSld>
@@ -12757,7 +13258,7 @@
 </p:sld>
 </file>
 
-<file path=ppt/slides/slide21.xml><?xml version="1.0" encoding="utf-8"?>
+<file path=ppt/slides/slide22.xml><?xml version="1.0" encoding="utf-8"?>
 <p:sld xmlns:a="http://schemas.openxmlformats.org/drawingml/2006/main" xmlns:r="http://schemas.openxmlformats.org/officeDocument/2006/relationships" xmlns:p="http://schemas.openxmlformats.org/presentationml/2006/main">
   <p:cSld>
     <p:spTree>
@@ -12882,7 +13383,618 @@
 </p:sld>
 </file>
 
-<file path=ppt/slides/slide22.xml><?xml version="1.0" encoding="utf-8"?>
+<file path=ppt/slides/slide23.xml><?xml version="1.0" encoding="utf-8"?>
+<p:sld xmlns:a="http://schemas.openxmlformats.org/drawingml/2006/main" xmlns:r="http://schemas.openxmlformats.org/officeDocument/2006/relationships" xmlns:p="http://schemas.openxmlformats.org/presentationml/2006/main">
+  <p:cSld>
+    <p:spTree>
+      <p:nvGrpSpPr>
+        <p:cNvPr id="1" name=""/>
+        <p:cNvGrpSpPr/>
+        <p:nvPr/>
+      </p:nvGrpSpPr>
+      <p:grpSpPr>
+        <a:xfrm>
+          <a:off x="0" y="0"/>
+          <a:ext cx="0" cy="0"/>
+          <a:chOff x="0" y="0"/>
+          <a:chExt cx="0" cy="0"/>
+        </a:xfrm>
+      </p:grpSpPr>
+      <p:sp>
+        <p:nvSpPr>
+          <p:cNvPr id="2" name="Content Placeholder 1"/>
+          <p:cNvSpPr>
+            <a:spLocks noGrp="1"/>
+          </p:cNvSpPr>
+          <p:nvPr>
+            <p:ph sz="half" idx="1"/>
+          </p:nvPr>
+        </p:nvSpPr>
+        <p:spPr>
+          <a:xfrm>
+            <a:off x="822960" y="1097280"/>
+            <a:ext cx="7559040" cy="3712464"/>
+          </a:xfrm>
+        </p:spPr>
+        <p:txBody>
+          <a:bodyPr/>
+          <a:lstStyle/>
+          <a:p>
+            <a:endParaRPr lang="en-US">
+              <a:latin typeface="Times New Roman" pitchFamily="18" charset="0"/>
+              <a:cs typeface="Times New Roman" pitchFamily="18" charset="0"/>
+            </a:endParaRPr>
+          </a:p>
+        </p:txBody>
+      </p:sp>
+      <p:sp>
+        <p:nvSpPr>
+          <p:cNvPr id="4" name="Title 3"/>
+          <p:cNvSpPr>
+            <a:spLocks noGrp="1"/>
+          </p:cNvSpPr>
+          <p:nvPr>
+            <p:ph type="title"/>
+          </p:nvPr>
+        </p:nvSpPr>
+        <p:spPr>
+          <a:xfrm>
+            <a:off x="822960" y="76200"/>
+            <a:ext cx="7520940" cy="548640"/>
+          </a:xfrm>
+        </p:spPr>
+        <p:txBody>
+          <a:bodyPr/>
+          <a:lstStyle/>
+          <a:p>
+            <a:r>
+              <a:rPr lang="en-US" smtClean="0">
+                <a:latin typeface="Times New Roman" pitchFamily="18" charset="0"/>
+                <a:cs typeface="Times New Roman" pitchFamily="18" charset="0"/>
+              </a:rPr>
+              <a:t>TEST SUITE RANOREX</a:t>
+            </a:r>
+            <a:endParaRPr lang="en-US">
+              <a:latin typeface="Times New Roman" pitchFamily="18" charset="0"/>
+              <a:cs typeface="Times New Roman" pitchFamily="18" charset="0"/>
+            </a:endParaRPr>
+          </a:p>
+        </p:txBody>
+      </p:sp>
+      <p:pic>
+        <p:nvPicPr>
+          <p:cNvPr id="37890" name="Picture 2"/>
+          <p:cNvPicPr>
+            <a:picLocks noChangeAspect="1" noChangeArrowheads="1"/>
+          </p:cNvPicPr>
+          <p:nvPr/>
+        </p:nvPicPr>
+        <p:blipFill>
+          <a:blip r:embed="rId2">
+            <a:extLst>
+              <a:ext uri="{28A0092B-C50C-407E-A947-70E740481C1C}">
+                <a14:useLocalDpi xmlns:a14="http://schemas.microsoft.com/office/drawing/2010/main" val="0"/>
+              </a:ext>
+            </a:extLst>
+          </a:blip>
+          <a:srcRect/>
+          <a:stretch>
+            <a:fillRect/>
+          </a:stretch>
+        </p:blipFill>
+        <p:spPr bwMode="auto">
+          <a:xfrm>
+            <a:off x="383413" y="533400"/>
+            <a:ext cx="8455787" cy="5295900"/>
+          </a:xfrm>
+          <a:prstGeom prst="rect">
+            <a:avLst/>
+          </a:prstGeom>
+          <a:noFill/>
+          <a:ln>
+            <a:noFill/>
+          </a:ln>
+          <a:effectLst/>
+          <a:extLst>
+            <a:ext uri="{909E8E84-426E-40DD-AFC4-6F175D3DCCD1}">
+              <a14:hiddenFill xmlns:a14="http://schemas.microsoft.com/office/drawing/2010/main">
+                <a:solidFill>
+                  <a:schemeClr val="accent1"/>
+                </a:solidFill>
+              </a14:hiddenFill>
+            </a:ext>
+            <a:ext uri="{91240B29-F687-4F45-9708-019B960494DF}">
+              <a14:hiddenLine xmlns:a14="http://schemas.microsoft.com/office/drawing/2010/main" w="9525">
+                <a:solidFill>
+                  <a:schemeClr val="tx1"/>
+                </a:solidFill>
+                <a:miter lim="800000"/>
+                <a:headEnd/>
+                <a:tailEnd/>
+              </a14:hiddenLine>
+            </a:ext>
+            <a:ext uri="{AF507438-7753-43E0-B8FC-AC1667EBCBE1}">
+              <a14:hiddenEffects xmlns:a14="http://schemas.microsoft.com/office/drawing/2010/main">
+                <a:effectLst>
+                  <a:outerShdw dist="35921" dir="2700000" algn="ctr" rotWithShape="0">
+                    <a:schemeClr val="bg2"/>
+                  </a:outerShdw>
+                </a:effectLst>
+              </a14:hiddenEffects>
+            </a:ext>
+          </a:extLst>
+        </p:spPr>
+      </p:pic>
+      <p:sp>
+        <p:nvSpPr>
+          <p:cNvPr id="5" name="Oval 4"/>
+          <p:cNvSpPr/>
+          <p:nvPr/>
+        </p:nvSpPr>
+        <p:spPr>
+          <a:xfrm>
+            <a:off x="5867400" y="914400"/>
+            <a:ext cx="2743200" cy="1447800"/>
+          </a:xfrm>
+          <a:prstGeom prst="ellipse">
+            <a:avLst/>
+          </a:prstGeom>
+        </p:spPr>
+        <p:style>
+          <a:lnRef idx="2">
+            <a:schemeClr val="accent1">
+              <a:shade val="50000"/>
+            </a:schemeClr>
+          </a:lnRef>
+          <a:fillRef idx="1">
+            <a:schemeClr val="accent1"/>
+          </a:fillRef>
+          <a:effectRef idx="0">
+            <a:schemeClr val="accent1"/>
+          </a:effectRef>
+          <a:fontRef idx="minor">
+            <a:schemeClr val="lt1"/>
+          </a:fontRef>
+        </p:style>
+        <p:txBody>
+          <a:bodyPr rtlCol="0" anchor="ctr"/>
+          <a:lstStyle/>
+          <a:p>
+            <a:pPr algn="ctr"/>
+            <a:r>
+              <a:rPr lang="en-US" smtClean="0"/>
+              <a:t>C#</a:t>
+            </a:r>
+          </a:p>
+          <a:p>
+            <a:pPr algn="ctr"/>
+            <a:r>
+              <a:rPr lang="en-US" smtClean="0"/>
+              <a:t>Và</a:t>
+            </a:r>
+          </a:p>
+          <a:p>
+            <a:pPr algn="ctr"/>
+            <a:r>
+              <a:rPr lang="en-US" smtClean="0"/>
+              <a:t>VBNet</a:t>
+            </a:r>
+            <a:endParaRPr lang="en-US"/>
+          </a:p>
+        </p:txBody>
+      </p:sp>
+      <p:pic>
+        <p:nvPicPr>
+          <p:cNvPr id="37892" name="Picture 4" descr="Ranorex Test Suite file"/>
+          <p:cNvPicPr>
+            <a:picLocks noChangeAspect="1" noChangeArrowheads="1"/>
+          </p:cNvPicPr>
+          <p:nvPr/>
+        </p:nvPicPr>
+        <p:blipFill>
+          <a:blip r:embed="rId3">
+            <a:extLst>
+              <a:ext uri="{28A0092B-C50C-407E-A947-70E740481C1C}">
+                <a14:useLocalDpi xmlns:a14="http://schemas.microsoft.com/office/drawing/2010/main" val="0"/>
+              </a:ext>
+            </a:extLst>
+          </a:blip>
+          <a:srcRect/>
+          <a:stretch>
+            <a:fillRect/>
+          </a:stretch>
+        </p:blipFill>
+        <p:spPr bwMode="auto">
+          <a:xfrm>
+            <a:off x="0" y="3790950"/>
+            <a:ext cx="2590800" cy="3067050"/>
+          </a:xfrm>
+          <a:prstGeom prst="rect">
+            <a:avLst/>
+          </a:prstGeom>
+          <a:noFill/>
+          <a:extLst>
+            <a:ext uri="{909E8E84-426E-40DD-AFC4-6F175D3DCCD1}">
+              <a14:hiddenFill xmlns:a14="http://schemas.microsoft.com/office/drawing/2010/main">
+                <a:solidFill>
+                  <a:srgbClr val="FFFFFF"/>
+                </a:solidFill>
+              </a14:hiddenFill>
+            </a:ext>
+          </a:extLst>
+        </p:spPr>
+      </p:pic>
+      <p:sp>
+        <p:nvSpPr>
+          <p:cNvPr id="6" name="Oval 5"/>
+          <p:cNvSpPr/>
+          <p:nvPr/>
+        </p:nvSpPr>
+        <p:spPr>
+          <a:xfrm>
+            <a:off x="2209800" y="5181600"/>
+            <a:ext cx="4114800" cy="876300"/>
+          </a:xfrm>
+          <a:prstGeom prst="ellipse">
+            <a:avLst/>
+          </a:prstGeom>
+        </p:spPr>
+        <p:style>
+          <a:lnRef idx="2">
+            <a:schemeClr val="accent1">
+              <a:shade val="50000"/>
+            </a:schemeClr>
+          </a:lnRef>
+          <a:fillRef idx="1">
+            <a:schemeClr val="accent1"/>
+          </a:fillRef>
+          <a:effectRef idx="0">
+            <a:schemeClr val="accent1"/>
+          </a:effectRef>
+          <a:fontRef idx="minor">
+            <a:schemeClr val="lt1"/>
+          </a:fontRef>
+        </p:style>
+        <p:txBody>
+          <a:bodyPr rtlCol="0" anchor="ctr"/>
+          <a:lstStyle/>
+          <a:p>
+            <a:pPr algn="ctr"/>
+            <a:r>
+              <a:rPr lang="en-US"/>
+              <a:t>&lt;ProjectName&gt;.rxtst </a:t>
+            </a:r>
+          </a:p>
+        </p:txBody>
+      </p:sp>
+    </p:spTree>
+    <p:extLst>
+      <p:ext uri="{BB962C8B-B14F-4D97-AF65-F5344CB8AC3E}">
+        <p14:creationId xmlns:p14="http://schemas.microsoft.com/office/powerpoint/2010/main" val="2584803955"/>
+      </p:ext>
+    </p:extLst>
+  </p:cSld>
+  <p:clrMapOvr>
+    <a:masterClrMapping/>
+  </p:clrMapOvr>
+</p:sld>
+</file>
+
+<file path=ppt/slides/slide24.xml><?xml version="1.0" encoding="utf-8"?>
+<p:sld xmlns:a="http://schemas.openxmlformats.org/drawingml/2006/main" xmlns:r="http://schemas.openxmlformats.org/officeDocument/2006/relationships" xmlns:p="http://schemas.openxmlformats.org/presentationml/2006/main">
+  <p:cSld>
+    <p:spTree>
+      <p:nvGrpSpPr>
+        <p:cNvPr id="1" name=""/>
+        <p:cNvGrpSpPr/>
+        <p:nvPr/>
+      </p:nvGrpSpPr>
+      <p:grpSpPr>
+        <a:xfrm>
+          <a:off x="0" y="0"/>
+          <a:ext cx="0" cy="0"/>
+          <a:chOff x="0" y="0"/>
+          <a:chExt cx="0" cy="0"/>
+        </a:xfrm>
+      </p:grpSpPr>
+      <p:sp>
+        <p:nvSpPr>
+          <p:cNvPr id="2" name="Content Placeholder 1"/>
+          <p:cNvSpPr>
+            <a:spLocks noGrp="1"/>
+          </p:cNvSpPr>
+          <p:nvPr>
+            <p:ph sz="half" idx="1"/>
+          </p:nvPr>
+        </p:nvSpPr>
+        <p:spPr>
+          <a:xfrm>
+            <a:off x="822960" y="1097280"/>
+            <a:ext cx="7559040" cy="3712464"/>
+          </a:xfrm>
+        </p:spPr>
+        <p:txBody>
+          <a:bodyPr/>
+          <a:lstStyle/>
+          <a:p>
+            <a:endParaRPr lang="en-US">
+              <a:latin typeface="Times New Roman" pitchFamily="18" charset="0"/>
+              <a:cs typeface="Times New Roman" pitchFamily="18" charset="0"/>
+            </a:endParaRPr>
+          </a:p>
+        </p:txBody>
+      </p:sp>
+      <p:sp>
+        <p:nvSpPr>
+          <p:cNvPr id="4" name="Title 3"/>
+          <p:cNvSpPr>
+            <a:spLocks noGrp="1"/>
+          </p:cNvSpPr>
+          <p:nvPr>
+            <p:ph type="title"/>
+          </p:nvPr>
+        </p:nvSpPr>
+        <p:spPr>
+          <a:xfrm>
+            <a:off x="822960" y="76200"/>
+            <a:ext cx="7520940" cy="548640"/>
+          </a:xfrm>
+        </p:spPr>
+        <p:txBody>
+          <a:bodyPr/>
+          <a:lstStyle/>
+          <a:p>
+            <a:r>
+              <a:rPr lang="en-US" smtClean="0">
+                <a:latin typeface="Times New Roman" pitchFamily="18" charset="0"/>
+                <a:cs typeface="Times New Roman" pitchFamily="18" charset="0"/>
+              </a:rPr>
+              <a:t>TEST SUITE RANOREX</a:t>
+            </a:r>
+            <a:endParaRPr lang="en-US">
+              <a:latin typeface="Times New Roman" pitchFamily="18" charset="0"/>
+              <a:cs typeface="Times New Roman" pitchFamily="18" charset="0"/>
+            </a:endParaRPr>
+          </a:p>
+        </p:txBody>
+      </p:sp>
+      <p:pic>
+        <p:nvPicPr>
+          <p:cNvPr id="38914" name="Picture 2"/>
+          <p:cNvPicPr>
+            <a:picLocks noChangeAspect="1" noChangeArrowheads="1"/>
+          </p:cNvPicPr>
+          <p:nvPr/>
+        </p:nvPicPr>
+        <p:blipFill>
+          <a:blip r:embed="rId2">
+            <a:extLst>
+              <a:ext uri="{28A0092B-C50C-407E-A947-70E740481C1C}">
+                <a14:useLocalDpi xmlns:a14="http://schemas.microsoft.com/office/drawing/2010/main" val="0"/>
+              </a:ext>
+            </a:extLst>
+          </a:blip>
+          <a:srcRect/>
+          <a:stretch>
+            <a:fillRect/>
+          </a:stretch>
+        </p:blipFill>
+        <p:spPr bwMode="auto">
+          <a:xfrm>
+            <a:off x="0" y="685800"/>
+            <a:ext cx="3609975" cy="3943350"/>
+          </a:xfrm>
+          <a:prstGeom prst="rect">
+            <a:avLst/>
+          </a:prstGeom>
+          <a:noFill/>
+          <a:ln>
+            <a:noFill/>
+          </a:ln>
+          <a:effectLst/>
+          <a:extLst>
+            <a:ext uri="{909E8E84-426E-40DD-AFC4-6F175D3DCCD1}">
+              <a14:hiddenFill xmlns:a14="http://schemas.microsoft.com/office/drawing/2010/main">
+                <a:solidFill>
+                  <a:schemeClr val="accent1"/>
+                </a:solidFill>
+              </a14:hiddenFill>
+            </a:ext>
+            <a:ext uri="{91240B29-F687-4F45-9708-019B960494DF}">
+              <a14:hiddenLine xmlns:a14="http://schemas.microsoft.com/office/drawing/2010/main" w="9525">
+                <a:solidFill>
+                  <a:schemeClr val="tx1"/>
+                </a:solidFill>
+                <a:miter lim="800000"/>
+                <a:headEnd/>
+                <a:tailEnd/>
+              </a14:hiddenLine>
+            </a:ext>
+            <a:ext uri="{AF507438-7753-43E0-B8FC-AC1667EBCBE1}">
+              <a14:hiddenEffects xmlns:a14="http://schemas.microsoft.com/office/drawing/2010/main">
+                <a:effectLst>
+                  <a:outerShdw dist="35921" dir="2700000" algn="ctr" rotWithShape="0">
+                    <a:schemeClr val="bg2"/>
+                  </a:outerShdw>
+                </a:effectLst>
+              </a14:hiddenEffects>
+            </a:ext>
+          </a:extLst>
+        </p:spPr>
+      </p:pic>
+      <p:sp>
+        <p:nvSpPr>
+          <p:cNvPr id="7" name="Flowchart: Terminator 6"/>
+          <p:cNvSpPr/>
+          <p:nvPr/>
+        </p:nvSpPr>
+        <p:spPr>
+          <a:xfrm>
+            <a:off x="152400" y="1933575"/>
+            <a:ext cx="3352800" cy="1066800"/>
+          </a:xfrm>
+          <a:prstGeom prst="flowChartTerminator">
+            <a:avLst/>
+          </a:prstGeom>
+        </p:spPr>
+        <p:style>
+          <a:lnRef idx="2">
+            <a:schemeClr val="accent1">
+              <a:shade val="50000"/>
+            </a:schemeClr>
+          </a:lnRef>
+          <a:fillRef idx="1">
+            <a:schemeClr val="accent1"/>
+          </a:fillRef>
+          <a:effectRef idx="0">
+            <a:schemeClr val="accent1"/>
+          </a:effectRef>
+          <a:fontRef idx="minor">
+            <a:schemeClr val="lt1"/>
+          </a:fontRef>
+        </p:style>
+        <p:txBody>
+          <a:bodyPr rtlCol="0" anchor="ctr"/>
+          <a:lstStyle/>
+          <a:p>
+            <a:pPr algn="ctr"/>
+            <a:r>
+              <a:rPr lang="en-US" smtClean="0"/>
+              <a:t>Chọn new để tạo testcase và record</a:t>
+            </a:r>
+            <a:endParaRPr lang="en-US"/>
+          </a:p>
+        </p:txBody>
+      </p:sp>
+      <p:pic>
+        <p:nvPicPr>
+          <p:cNvPr id="38915" name="Picture 3"/>
+          <p:cNvPicPr>
+            <a:picLocks noChangeAspect="1" noChangeArrowheads="1"/>
+          </p:cNvPicPr>
+          <p:nvPr/>
+        </p:nvPicPr>
+        <p:blipFill>
+          <a:blip r:embed="rId3">
+            <a:extLst>
+              <a:ext uri="{28A0092B-C50C-407E-A947-70E740481C1C}">
+                <a14:useLocalDpi xmlns:a14="http://schemas.microsoft.com/office/drawing/2010/main" val="0"/>
+              </a:ext>
+            </a:extLst>
+          </a:blip>
+          <a:srcRect/>
+          <a:stretch>
+            <a:fillRect/>
+          </a:stretch>
+        </p:blipFill>
+        <p:spPr bwMode="auto">
+          <a:xfrm>
+            <a:off x="0" y="3025775"/>
+            <a:ext cx="6172200" cy="3885290"/>
+          </a:xfrm>
+          <a:prstGeom prst="rect">
+            <a:avLst/>
+          </a:prstGeom>
+          <a:noFill/>
+          <a:ln>
+            <a:noFill/>
+          </a:ln>
+          <a:effectLst/>
+          <a:extLst>
+            <a:ext uri="{909E8E84-426E-40DD-AFC4-6F175D3DCCD1}">
+              <a14:hiddenFill xmlns:a14="http://schemas.microsoft.com/office/drawing/2010/main">
+                <a:solidFill>
+                  <a:schemeClr val="accent1"/>
+                </a:solidFill>
+              </a14:hiddenFill>
+            </a:ext>
+            <a:ext uri="{91240B29-F687-4F45-9708-019B960494DF}">
+              <a14:hiddenLine xmlns:a14="http://schemas.microsoft.com/office/drawing/2010/main" w="9525">
+                <a:solidFill>
+                  <a:schemeClr val="tx1"/>
+                </a:solidFill>
+                <a:miter lim="800000"/>
+                <a:headEnd/>
+                <a:tailEnd/>
+              </a14:hiddenLine>
+            </a:ext>
+            <a:ext uri="{AF507438-7753-43E0-B8FC-AC1667EBCBE1}">
+              <a14:hiddenEffects xmlns:a14="http://schemas.microsoft.com/office/drawing/2010/main">
+                <a:effectLst>
+                  <a:outerShdw dist="35921" dir="2700000" algn="ctr" rotWithShape="0">
+                    <a:schemeClr val="bg2"/>
+                  </a:outerShdw>
+                </a:effectLst>
+              </a14:hiddenEffects>
+            </a:ext>
+          </a:extLst>
+        </p:spPr>
+      </p:pic>
+      <p:sp>
+        <p:nvSpPr>
+          <p:cNvPr id="12" name="Flowchart: Terminator 11"/>
+          <p:cNvSpPr/>
+          <p:nvPr/>
+        </p:nvSpPr>
+        <p:spPr>
+          <a:xfrm>
+            <a:off x="3124200" y="5844265"/>
+            <a:ext cx="3352800" cy="1066800"/>
+          </a:xfrm>
+          <a:prstGeom prst="flowChartTerminator">
+            <a:avLst/>
+          </a:prstGeom>
+        </p:spPr>
+        <p:style>
+          <a:lnRef idx="2">
+            <a:schemeClr val="accent1">
+              <a:shade val="50000"/>
+            </a:schemeClr>
+          </a:lnRef>
+          <a:fillRef idx="1">
+            <a:schemeClr val="accent1"/>
+          </a:fillRef>
+          <a:effectRef idx="0">
+            <a:schemeClr val="accent1"/>
+          </a:effectRef>
+          <a:fontRef idx="minor">
+            <a:schemeClr val="lt1"/>
+          </a:fontRef>
+        </p:style>
+        <p:txBody>
+          <a:bodyPr rtlCol="0" anchor="ctr"/>
+          <a:lstStyle/>
+          <a:p>
+            <a:pPr algn="ctr"/>
+            <a:r>
+              <a:rPr lang="en-US" smtClean="0"/>
+              <a:t>Record để viết script.</a:t>
+            </a:r>
+            <a:br>
+              <a:rPr lang="en-US" smtClean="0"/>
+            </a:br>
+            <a:r>
+              <a:rPr lang="en-US" smtClean="0"/>
+              <a:t>Add các sự kiện, các thao tác của testcase</a:t>
+            </a:r>
+            <a:endParaRPr lang="en-US"/>
+          </a:p>
+        </p:txBody>
+      </p:sp>
+    </p:spTree>
+    <p:extLst>
+      <p:ext uri="{BB962C8B-B14F-4D97-AF65-F5344CB8AC3E}">
+        <p14:creationId xmlns:p14="http://schemas.microsoft.com/office/powerpoint/2010/main" val="2237039494"/>
+      </p:ext>
+    </p:extLst>
+  </p:cSld>
+  <p:clrMapOvr>
+    <a:masterClrMapping/>
+  </p:clrMapOvr>
+</p:sld>
+</file>
+
+<file path=ppt/slides/slide25.xml><?xml version="1.0" encoding="utf-8"?>
 <p:sld xmlns:a="http://schemas.openxmlformats.org/drawingml/2006/main" xmlns:r="http://schemas.openxmlformats.org/officeDocument/2006/relationships" xmlns:p="http://schemas.openxmlformats.org/presentationml/2006/main">
   <p:cSld>
     <p:spTree>
@@ -13045,7 +14157,7 @@
 </p:sld>
 </file>
 
-<file path=ppt/slides/slide23.xml><?xml version="1.0" encoding="utf-8"?>
+<file path=ppt/slides/slide26.xml><?xml version="1.0" encoding="utf-8"?>
 <p:sld xmlns:a="http://schemas.openxmlformats.org/drawingml/2006/main" xmlns:r="http://schemas.openxmlformats.org/officeDocument/2006/relationships" xmlns:p="http://schemas.openxmlformats.org/presentationml/2006/main">
   <p:cSld>
     <p:spTree>
@@ -14138,7 +15250,7 @@
     </p:spTree>
     <p:extLst>
       <p:ext uri="{BB962C8B-B14F-4D97-AF65-F5344CB8AC3E}">
-        <p14:creationId xmlns="" xmlns:p14="http://schemas.microsoft.com/office/powerpoint/2010/main" val="1721387239"/>
+        <p14:creationId xmlns:p14="http://schemas.microsoft.com/office/powerpoint/2010/main" val="1721387239"/>
       </p:ext>
     </p:extLst>
   </p:cSld>
@@ -14148,7 +15260,7 @@
 </p:sld>
 </file>
 
-<file path=ppt/slides/slide24.xml><?xml version="1.0" encoding="utf-8"?>
+<file path=ppt/slides/slide27.xml><?xml version="1.0" encoding="utf-8"?>
 <p:sld xmlns:a="http://schemas.openxmlformats.org/drawingml/2006/main" xmlns:r="http://schemas.openxmlformats.org/officeDocument/2006/relationships" xmlns:p="http://schemas.openxmlformats.org/presentationml/2006/main">
   <p:cSld>
     <p:spTree>
@@ -14237,7 +15349,7 @@
           <a:blip r:embed="rId2">
             <a:extLst>
               <a:ext uri="{28A0092B-C50C-407E-A947-70E740481C1C}">
-                <a14:useLocalDpi xmlns="" xmlns:a14="http://schemas.microsoft.com/office/drawing/2010/main" val="0"/>
+                <a14:useLocalDpi xmlns:a14="http://schemas.microsoft.com/office/drawing/2010/main" val="0"/>
               </a:ext>
             </a:extLst>
           </a:blip>
@@ -14261,14 +15373,14 @@
           <a:effectLst/>
           <a:extLst>
             <a:ext uri="{909E8E84-426E-40DD-AFC4-6F175D3DCCD1}">
-              <a14:hiddenFill xmlns="" xmlns:a14="http://schemas.microsoft.com/office/drawing/2010/main">
+              <a14:hiddenFill xmlns:a14="http://schemas.microsoft.com/office/drawing/2010/main">
                 <a:solidFill>
                   <a:schemeClr val="accent1"/>
                 </a:solidFill>
               </a14:hiddenFill>
             </a:ext>
             <a:ext uri="{91240B29-F687-4F45-9708-019B960494DF}">
-              <a14:hiddenLine xmlns="" xmlns:a14="http://schemas.microsoft.com/office/drawing/2010/main" w="9525">
+              <a14:hiddenLine xmlns:a14="http://schemas.microsoft.com/office/drawing/2010/main" w="9525">
                 <a:solidFill>
                   <a:schemeClr val="tx1"/>
                 </a:solidFill>
@@ -14278,7 +15390,7 @@
               </a14:hiddenLine>
             </a:ext>
             <a:ext uri="{AF507438-7753-43E0-B8FC-AC1667EBCBE1}">
-              <a14:hiddenEffects xmlns="" xmlns:a14="http://schemas.microsoft.com/office/drawing/2010/main">
+              <a14:hiddenEffects xmlns:a14="http://schemas.microsoft.com/office/drawing/2010/main">
                 <a:effectLst>
                   <a:outerShdw dist="35921" dir="2700000" algn="ctr" rotWithShape="0">
                     <a:schemeClr val="bg2"/>
@@ -14475,7 +15587,7 @@
     </p:spTree>
     <p:extLst>
       <p:ext uri="{BB962C8B-B14F-4D97-AF65-F5344CB8AC3E}">
-        <p14:creationId xmlns="" xmlns:p14="http://schemas.microsoft.com/office/powerpoint/2010/main" val="123476170"/>
+        <p14:creationId xmlns:p14="http://schemas.microsoft.com/office/powerpoint/2010/main" val="123476170"/>
       </p:ext>
     </p:extLst>
   </p:cSld>
@@ -14485,7 +15597,7 @@
 </p:sld>
 </file>
 
-<file path=ppt/slides/slide25.xml><?xml version="1.0" encoding="utf-8"?>
+<file path=ppt/slides/slide28.xml><?xml version="1.0" encoding="utf-8"?>
 <p:sld xmlns:a="http://schemas.openxmlformats.org/drawingml/2006/main" xmlns:r="http://schemas.openxmlformats.org/officeDocument/2006/relationships" xmlns:p="http://schemas.openxmlformats.org/presentationml/2006/main">
   <p:cSld>
     <p:spTree>
@@ -14533,7 +15645,7 @@
     </p:spTree>
     <p:extLst>
       <p:ext uri="{BB962C8B-B14F-4D97-AF65-F5344CB8AC3E}">
-        <p14:creationId xmlns="" xmlns:p14="http://schemas.microsoft.com/office/powerpoint/2010/main" val="2579548298"/>
+        <p14:creationId xmlns:p14="http://schemas.microsoft.com/office/powerpoint/2010/main" val="2579548298"/>
       </p:ext>
     </p:extLst>
   </p:cSld>

--- a/auto-test/Android Autotest Tool.pptx
+++ b/auto-test/Android Autotest Tool.pptx
@@ -8898,7 +8898,7 @@
           <a:graphicData uri="http://schemas.openxmlformats.org/presentationml/2006/ole">
             <mc:AlternateContent xmlns:mc="http://schemas.openxmlformats.org/markup-compatibility/2006">
               <mc:Choice xmlns:v="urn:schemas-microsoft-com:vml" Requires="v">
-                <p:oleObj spid="_x0000_s35850" name="Image" r:id="rId3" imgW="7315200" imgH="5486400" progId="">
+                <p:oleObj spid="_x0000_s35852" name="Image" r:id="rId3" imgW="7315200" imgH="5486400" progId="">
                   <p:embed/>
                 </p:oleObj>
               </mc:Choice>
@@ -9037,7 +9037,7 @@
           <a:graphicData uri="http://schemas.openxmlformats.org/presentationml/2006/ole">
             <mc:AlternateContent xmlns:mc="http://schemas.openxmlformats.org/markup-compatibility/2006">
               <mc:Choice xmlns:v="urn:schemas-microsoft-com:vml" Requires="v">
-                <p:oleObj spid="_x0000_s35851" name="Image" r:id="rId5" imgW="3657600" imgH="3657600" progId="">
+                <p:oleObj spid="_x0000_s35853" name="Image" r:id="rId5" imgW="3657600" imgH="3657600" progId="">
                   <p:embed/>
                 </p:oleObj>
               </mc:Choice>
@@ -9497,7 +9497,7 @@
           <a:graphicData uri="http://schemas.openxmlformats.org/presentationml/2006/ole">
             <mc:AlternateContent xmlns:mc="http://schemas.openxmlformats.org/markup-compatibility/2006">
               <mc:Choice xmlns:v="urn:schemas-microsoft-com:vml" Requires="v">
-                <p:oleObj spid="_x0000_s36870" name="Image" r:id="rId3" imgW="8229600" imgH="5486400" progId="">
+                <p:oleObj spid="_x0000_s36871" name="Image" r:id="rId3" imgW="8229600" imgH="5486400" progId="">
                   <p:embed/>
                 </p:oleObj>
               </mc:Choice>
@@ -12417,7 +12417,7 @@
           <a:graphicData uri="http://schemas.openxmlformats.org/presentationml/2006/ole">
             <mc:AlternateContent xmlns:mc="http://schemas.openxmlformats.org/markup-compatibility/2006">
               <mc:Choice xmlns:v="urn:schemas-microsoft-com:vml" Requires="v">
-                <p:oleObj spid="_x0000_s1062" r:id="rId3" imgW="7315200" imgH="914400" progId="">
+                <p:oleObj spid="_x0000_s1064" r:id="rId3" imgW="7315200" imgH="914400" progId="">
                   <p:embed/>
                 </p:oleObj>
               </mc:Choice>
@@ -12683,7 +12683,7 @@
           <a:graphicData uri="http://schemas.openxmlformats.org/presentationml/2006/ole">
             <mc:AlternateContent xmlns:mc="http://schemas.openxmlformats.org/markup-compatibility/2006">
               <mc:Choice xmlns:v="urn:schemas-microsoft-com:vml" Requires="v">
-                <p:oleObj spid="_x0000_s1063" name="Image" r:id="rId6" imgW="7315200" imgH="4572000" progId="">
+                <p:oleObj spid="_x0000_s1065" name="Image" r:id="rId6" imgW="7315200" imgH="4572000" progId="">
                   <p:embed/>
                 </p:oleObj>
               </mc:Choice>
@@ -12913,7 +12913,7 @@
           <a:graphicData uri="http://schemas.openxmlformats.org/presentationml/2006/ole">
             <mc:AlternateContent xmlns:mc="http://schemas.openxmlformats.org/markup-compatibility/2006">
               <mc:Choice xmlns:v="urn:schemas-microsoft-com:vml" Requires="v">
-                <p:oleObj spid="_x0000_s2100" name="Image" r:id="rId3" imgW="5486400" imgH="5486400" progId="">
+                <p:oleObj spid="_x0000_s2103" name="Image" r:id="rId3" imgW="5486400" imgH="5486400" progId="">
                   <p:embed/>
                 </p:oleObj>
               </mc:Choice>
@@ -13052,7 +13052,7 @@
           <a:graphicData uri="http://schemas.openxmlformats.org/presentationml/2006/ole">
             <mc:AlternateContent xmlns:mc="http://schemas.openxmlformats.org/markup-compatibility/2006">
               <mc:Choice xmlns:v="urn:schemas-microsoft-com:vml" Requires="v">
-                <p:oleObj spid="_x0000_s2101" name="Image" r:id="rId5" imgW="5486400" imgH="4572000" progId="">
+                <p:oleObj spid="_x0000_s2104" name="Image" r:id="rId5" imgW="5486400" imgH="4572000" progId="">
                   <p:embed/>
                 </p:oleObj>
               </mc:Choice>
@@ -13191,7 +13191,7 @@
           <a:graphicData uri="http://schemas.openxmlformats.org/presentationml/2006/ole">
             <mc:AlternateContent xmlns:mc="http://schemas.openxmlformats.org/markup-compatibility/2006">
               <mc:Choice xmlns:v="urn:schemas-microsoft-com:vml" Requires="v">
-                <p:oleObj spid="_x0000_s2102" name="Image" r:id="rId7" imgW="5486400" imgH="3657600" progId="">
+                <p:oleObj spid="_x0000_s2105" name="Image" r:id="rId7" imgW="5486400" imgH="3657600" progId="">
                   <p:embed/>
                 </p:oleObj>
               </mc:Choice>
@@ -13699,33 +13699,6 @@
       </p:grpSpPr>
       <p:sp>
         <p:nvSpPr>
-          <p:cNvPr id="2" name="Content Placeholder 1"/>
-          <p:cNvSpPr>
-            <a:spLocks noGrp="1"/>
-          </p:cNvSpPr>
-          <p:nvPr>
-            <p:ph sz="half" idx="1"/>
-          </p:nvPr>
-        </p:nvSpPr>
-        <p:spPr>
-          <a:xfrm>
-            <a:off x="822960" y="1097280"/>
-            <a:ext cx="7559040" cy="3712464"/>
-          </a:xfrm>
-        </p:spPr>
-        <p:txBody>
-          <a:bodyPr/>
-          <a:lstStyle/>
-          <a:p>
-            <a:endParaRPr lang="en-US">
-              <a:latin typeface="Times New Roman" pitchFamily="18" charset="0"/>
-              <a:cs typeface="Times New Roman" pitchFamily="18" charset="0"/>
-            </a:endParaRPr>
-          </a:p>
-        </p:txBody>
-      </p:sp>
-      <p:sp>
-        <p:nvSpPr>
           <p:cNvPr id="4" name="Title 3"/>
           <p:cNvSpPr>
             <a:spLocks noGrp="1"/>
@@ -13978,6 +13951,75 @@
               <a:t>Add các sự kiện, các thao tác của testcase</a:t>
             </a:r>
             <a:endParaRPr lang="en-US"/>
+          </a:p>
+        </p:txBody>
+      </p:sp>
+      <p:sp>
+        <p:nvSpPr>
+          <p:cNvPr id="8" name="Content Placeholder 7"/>
+          <p:cNvSpPr>
+            <a:spLocks noGrp="1"/>
+          </p:cNvSpPr>
+          <p:nvPr>
+            <p:ph sz="half" idx="1"/>
+          </p:nvPr>
+        </p:nvSpPr>
+        <p:spPr/>
+        <p:txBody>
+          <a:bodyPr/>
+          <a:lstStyle/>
+          <a:p>
+            <a:endParaRPr lang="en-US"/>
+          </a:p>
+        </p:txBody>
+      </p:sp>
+      <p:sp>
+        <p:nvSpPr>
+          <p:cNvPr id="14" name="Content Placeholder 1"/>
+          <p:cNvSpPr>
+            <a:spLocks noGrp="1"/>
+          </p:cNvSpPr>
+          <p:nvPr>
+            <p:ph sz="half" idx="1"/>
+          </p:nvPr>
+        </p:nvSpPr>
+        <p:spPr>
+          <a:xfrm>
+            <a:off x="2133600" y="5856965"/>
+            <a:ext cx="7315200" cy="542544"/>
+          </a:xfrm>
+        </p:spPr>
+        <p:txBody>
+          <a:bodyPr>
+            <a:normAutofit fontScale="62500" lnSpcReduction="20000"/>
+          </a:bodyPr>
+          <a:lstStyle/>
+          <a:p>
+            <a:r>
+              <a:rPr lang="en-US">
+                <a:latin typeface="Times New Roman" pitchFamily="18" charset="0"/>
+                <a:cs typeface="Times New Roman" pitchFamily="18" charset="0"/>
+              </a:rPr>
+              <a:t>http</a:t>
+            </a:r>
+            <a:r>
+              <a:rPr lang="en-US">
+                <a:latin typeface="Times New Roman" pitchFamily="18" charset="0"/>
+                <a:cs typeface="Times New Roman" pitchFamily="18" charset="0"/>
+              </a:rPr>
+              <a:t>://</a:t>
+            </a:r>
+            <a:r>
+              <a:rPr lang="en-US" smtClean="0">
+                <a:latin typeface="Times New Roman" pitchFamily="18" charset="0"/>
+                <a:cs typeface="Times New Roman" pitchFamily="18" charset="0"/>
+              </a:rPr>
+              <a:t>www.ranorex.com/support/user-guide-20/lesson-4-ranorex-test-suite.htmlds</a:t>
+            </a:r>
+            <a:endParaRPr lang="en-US">
+              <a:latin typeface="Times New Roman" pitchFamily="18" charset="0"/>
+              <a:cs typeface="Times New Roman" pitchFamily="18" charset="0"/>
+            </a:endParaRPr>
           </a:p>
         </p:txBody>
       </p:sp>

--- a/auto-test/Android Autotest Tool.pptx
+++ b/auto-test/Android Autotest Tool.pptx
@@ -4922,7 +4922,7 @@
     </p:spTree>
     <p:extLst>
       <p:ext uri="{BB962C8B-B14F-4D97-AF65-F5344CB8AC3E}">
-        <p14:creationId xmlns:p14="http://schemas.microsoft.com/office/powerpoint/2010/main" val="4087301228"/>
+        <p14:creationId xmlns:p14="http://schemas.microsoft.com/office/powerpoint/2010/main" xmlns="" val="4087301228"/>
       </p:ext>
     </p:extLst>
   </p:cSld>
@@ -7255,7 +7255,7 @@
     </p:spTree>
     <p:extLst>
       <p:ext uri="{BB962C8B-B14F-4D97-AF65-F5344CB8AC3E}">
-        <p14:creationId xmlns:p14="http://schemas.microsoft.com/office/powerpoint/2010/main" val="751134777"/>
+        <p14:creationId xmlns:p14="http://schemas.microsoft.com/office/powerpoint/2010/main" xmlns="" val="751134777"/>
       </p:ext>
     </p:extLst>
   </p:cSld>
@@ -8719,7 +8719,7 @@
     </p:spTree>
     <p:extLst>
       <p:ext uri="{BB962C8B-B14F-4D97-AF65-F5344CB8AC3E}">
-        <p14:creationId xmlns:p14="http://schemas.microsoft.com/office/powerpoint/2010/main" val="1246253368"/>
+        <p14:creationId xmlns:p14="http://schemas.microsoft.com/office/powerpoint/2010/main" xmlns="" val="1246253368"/>
       </p:ext>
     </p:extLst>
   </p:cSld>
@@ -8836,14 +8836,14 @@
           <a:effectLst/>
           <a:extLst>
             <a:ext uri="{909E8E84-426E-40DD-AFC4-6F175D3DCCD1}">
-              <a14:hiddenFill xmlns:a14="http://schemas.microsoft.com/office/drawing/2010/main">
+              <a14:hiddenFill xmlns:a14="http://schemas.microsoft.com/office/drawing/2010/main" xmlns="">
                 <a:solidFill>
                   <a:schemeClr val="accent1"/>
                 </a:solidFill>
               </a14:hiddenFill>
             </a:ext>
             <a:ext uri="{91240B29-F687-4F45-9708-019B960494DF}">
-              <a14:hiddenLine xmlns:a14="http://schemas.microsoft.com/office/drawing/2010/main" w="9525">
+              <a14:hiddenLine xmlns:a14="http://schemas.microsoft.com/office/drawing/2010/main" xmlns="" w="9525">
                 <a:solidFill>
                   <a:schemeClr val="tx1"/>
                 </a:solidFill>
@@ -8853,7 +8853,7 @@
               </a14:hiddenLine>
             </a:ext>
             <a:ext uri="{AF507438-7753-43E0-B8FC-AC1667EBCBE1}">
-              <a14:hiddenEffects xmlns:a14="http://schemas.microsoft.com/office/drawing/2010/main">
+              <a14:hiddenEffects xmlns:a14="http://schemas.microsoft.com/office/drawing/2010/main" xmlns="">
                 <a:effectLst>
                   <a:outerShdw dist="35921" dir="2700000" algn="ctr" rotWithShape="0">
                     <a:schemeClr val="bg2"/>
@@ -8885,7 +8885,7 @@
           <p:nvPr>
             <p:extLst>
               <p:ext uri="{D42A27DB-BD31-4B8C-83A1-F6EECF244321}">
-                <p14:modId xmlns:p14="http://schemas.microsoft.com/office/powerpoint/2010/main" val="4139227024"/>
+                <p14:modId xmlns:p14="http://schemas.microsoft.com/office/powerpoint/2010/main" xmlns="" val="4139227024"/>
               </p:ext>
             </p:extLst>
           </p:nvPr>
@@ -8896,59 +8896,9 @@
         </p:xfrm>
         <a:graphic>
           <a:graphicData uri="http://schemas.openxmlformats.org/presentationml/2006/ole">
-            <mc:AlternateContent xmlns:mc="http://schemas.openxmlformats.org/markup-compatibility/2006">
-              <mc:Choice xmlns:v="urn:schemas-microsoft-com:vml" Requires="v">
-                <p:oleObj spid="_x0000_s35852" name="Image" r:id="rId3" imgW="7315200" imgH="5486400" progId="">
-                  <p:embed/>
-                </p:oleObj>
-              </mc:Choice>
-              <mc:Fallback>
-                <p:oleObj name="Image" r:id="rId3" imgW="7315200" imgH="5486400" progId="">
-                  <p:embed/>
-                  <p:pic>
-                    <p:nvPicPr>
-                      <p:cNvPr id="0" name="Picture 2"/>
-                      <p:cNvPicPr>
-                        <a:picLocks noChangeAspect="1" noChangeArrowheads="1"/>
-                      </p:cNvPicPr>
-                      <p:nvPr/>
-                    </p:nvPicPr>
-                    <p:blipFill>
-                      <a:blip r:embed="rId4">
-                        <a:extLst>
-                          <a:ext uri="{28A0092B-C50C-407E-A947-70E740481C1C}">
-                            <a14:useLocalDpi xmlns:a14="http://schemas.microsoft.com/office/drawing/2010/main" val="0"/>
-                          </a:ext>
-                        </a:extLst>
-                      </a:blip>
-                      <a:srcRect/>
-                      <a:stretch>
-                        <a:fillRect/>
-                      </a:stretch>
-                    </p:blipFill>
-                    <p:spPr bwMode="auto">
-                      <a:xfrm>
-                        <a:off x="152400" y="990600"/>
-                        <a:ext cx="5486400" cy="4114800"/>
-                      </a:xfrm>
-                      <a:prstGeom prst="rect">
-                        <a:avLst/>
-                      </a:prstGeom>
-                      <a:noFill/>
-                      <a:extLst>
-                        <a:ext uri="{909E8E84-426E-40DD-AFC4-6F175D3DCCD1}">
-                          <a14:hiddenFill xmlns:a14="http://schemas.microsoft.com/office/drawing/2010/main">
-                            <a:solidFill>
-                              <a:srgbClr val="FFFFFF"/>
-                            </a:solidFill>
-                          </a14:hiddenFill>
-                        </a:ext>
-                      </a:extLst>
-                    </p:spPr>
-                  </p:pic>
-                </p:oleObj>
-              </mc:Fallback>
-            </mc:AlternateContent>
+            <p:oleObj spid="_x0000_s35852" name="Image" r:id="rId3" imgW="7315200" imgH="5486400" progId="">
+              <p:embed/>
+            </p:oleObj>
           </a:graphicData>
         </a:graphic>
       </p:graphicFrame>
@@ -8975,14 +8925,14 @@
           <a:effectLst/>
           <a:extLst>
             <a:ext uri="{909E8E84-426E-40DD-AFC4-6F175D3DCCD1}">
-              <a14:hiddenFill xmlns:a14="http://schemas.microsoft.com/office/drawing/2010/main">
+              <a14:hiddenFill xmlns:a14="http://schemas.microsoft.com/office/drawing/2010/main" xmlns="">
                 <a:solidFill>
                   <a:schemeClr val="accent1"/>
                 </a:solidFill>
               </a14:hiddenFill>
             </a:ext>
             <a:ext uri="{91240B29-F687-4F45-9708-019B960494DF}">
-              <a14:hiddenLine xmlns:a14="http://schemas.microsoft.com/office/drawing/2010/main" w="9525">
+              <a14:hiddenLine xmlns:a14="http://schemas.microsoft.com/office/drawing/2010/main" xmlns="" w="9525">
                 <a:solidFill>
                   <a:schemeClr val="tx1"/>
                 </a:solidFill>
@@ -8992,7 +8942,7 @@
               </a14:hiddenLine>
             </a:ext>
             <a:ext uri="{AF507438-7753-43E0-B8FC-AC1667EBCBE1}">
-              <a14:hiddenEffects xmlns:a14="http://schemas.microsoft.com/office/drawing/2010/main">
+              <a14:hiddenEffects xmlns:a14="http://schemas.microsoft.com/office/drawing/2010/main" xmlns="">
                 <a:effectLst>
                   <a:outerShdw dist="35921" dir="2700000" algn="ctr" rotWithShape="0">
                     <a:schemeClr val="bg2"/>
@@ -9024,7 +8974,7 @@
           <p:nvPr>
             <p:extLst>
               <p:ext uri="{D42A27DB-BD31-4B8C-83A1-F6EECF244321}">
-                <p14:modId xmlns:p14="http://schemas.microsoft.com/office/powerpoint/2010/main" val="438342961"/>
+                <p14:modId xmlns:p14="http://schemas.microsoft.com/office/powerpoint/2010/main" xmlns="" val="438342961"/>
               </p:ext>
             </p:extLst>
           </p:nvPr>
@@ -9035,59 +8985,9 @@
         </p:xfrm>
         <a:graphic>
           <a:graphicData uri="http://schemas.openxmlformats.org/presentationml/2006/ole">
-            <mc:AlternateContent xmlns:mc="http://schemas.openxmlformats.org/markup-compatibility/2006">
-              <mc:Choice xmlns:v="urn:schemas-microsoft-com:vml" Requires="v">
-                <p:oleObj spid="_x0000_s35853" name="Image" r:id="rId5" imgW="3657600" imgH="3657600" progId="">
-                  <p:embed/>
-                </p:oleObj>
-              </mc:Choice>
-              <mc:Fallback>
-                <p:oleObj name="Image" r:id="rId5" imgW="3657600" imgH="3657600" progId="">
-                  <p:embed/>
-                  <p:pic>
-                    <p:nvPicPr>
-                      <p:cNvPr id="0" name="Picture 3"/>
-                      <p:cNvPicPr>
-                        <a:picLocks noChangeAspect="1" noChangeArrowheads="1"/>
-                      </p:cNvPicPr>
-                      <p:nvPr/>
-                    </p:nvPicPr>
-                    <p:blipFill>
-                      <a:blip r:embed="rId6">
-                        <a:extLst>
-                          <a:ext uri="{28A0092B-C50C-407E-A947-70E740481C1C}">
-                            <a14:useLocalDpi xmlns:a14="http://schemas.microsoft.com/office/drawing/2010/main" val="0"/>
-                          </a:ext>
-                        </a:extLst>
-                      </a:blip>
-                      <a:srcRect/>
-                      <a:stretch>
-                        <a:fillRect/>
-                      </a:stretch>
-                    </p:blipFill>
-                    <p:spPr bwMode="auto">
-                      <a:xfrm>
-                        <a:off x="5715000" y="0"/>
-                        <a:ext cx="2743200" cy="2743200"/>
-                      </a:xfrm>
-                      <a:prstGeom prst="rect">
-                        <a:avLst/>
-                      </a:prstGeom>
-                      <a:noFill/>
-                      <a:extLst>
-                        <a:ext uri="{909E8E84-426E-40DD-AFC4-6F175D3DCCD1}">
-                          <a14:hiddenFill xmlns:a14="http://schemas.microsoft.com/office/drawing/2010/main">
-                            <a:solidFill>
-                              <a:srgbClr val="FFFFFF"/>
-                            </a:solidFill>
-                          </a14:hiddenFill>
-                        </a:ext>
-                      </a:extLst>
-                    </p:spPr>
-                  </p:pic>
-                </p:oleObj>
-              </mc:Fallback>
-            </mc:AlternateContent>
+            <p:oleObj spid="_x0000_s35853" name="Image" r:id="rId4" imgW="3657600" imgH="3657600" progId="">
+              <p:embed/>
+            </p:oleObj>
           </a:graphicData>
         </a:graphic>
       </p:graphicFrame>
@@ -9114,14 +9014,14 @@
           <a:effectLst/>
           <a:extLst>
             <a:ext uri="{909E8E84-426E-40DD-AFC4-6F175D3DCCD1}">
-              <a14:hiddenFill xmlns:a14="http://schemas.microsoft.com/office/drawing/2010/main">
+              <a14:hiddenFill xmlns:a14="http://schemas.microsoft.com/office/drawing/2010/main" xmlns="">
                 <a:solidFill>
                   <a:schemeClr val="accent1"/>
                 </a:solidFill>
               </a14:hiddenFill>
             </a:ext>
             <a:ext uri="{91240B29-F687-4F45-9708-019B960494DF}">
-              <a14:hiddenLine xmlns:a14="http://schemas.microsoft.com/office/drawing/2010/main" w="9525">
+              <a14:hiddenLine xmlns:a14="http://schemas.microsoft.com/office/drawing/2010/main" xmlns="" w="9525">
                 <a:solidFill>
                   <a:schemeClr val="tx1"/>
                 </a:solidFill>
@@ -9131,7 +9031,7 @@
               </a14:hiddenLine>
             </a:ext>
             <a:ext uri="{AF507438-7753-43E0-B8FC-AC1667EBCBE1}">
-              <a14:hiddenEffects xmlns:a14="http://schemas.microsoft.com/office/drawing/2010/main">
+              <a14:hiddenEffects xmlns:a14="http://schemas.microsoft.com/office/drawing/2010/main" xmlns="">
                 <a:effectLst>
                   <a:outerShdw dist="35921" dir="2700000" algn="ctr" rotWithShape="0">
                     <a:schemeClr val="bg2"/>
@@ -9218,10 +9118,10 @@
             <p:nvPr/>
           </p:nvPicPr>
           <p:blipFill>
-            <a:blip r:embed="rId7">
+            <a:blip r:embed="rId5">
               <a:extLst>
                 <a:ext uri="{28A0092B-C50C-407E-A947-70E740481C1C}">
-                  <a14:useLocalDpi xmlns:a14="http://schemas.microsoft.com/office/drawing/2010/main" val="0"/>
+                  <a14:useLocalDpi xmlns:a14="http://schemas.microsoft.com/office/drawing/2010/main" xmlns="" val="0"/>
                 </a:ext>
               </a:extLst>
             </a:blip>
@@ -9245,14 +9145,14 @@
             <a:effectLst/>
             <a:extLst>
               <a:ext uri="{909E8E84-426E-40DD-AFC4-6F175D3DCCD1}">
-                <a14:hiddenFill xmlns:a14="http://schemas.microsoft.com/office/drawing/2010/main">
+                <a14:hiddenFill xmlns:a14="http://schemas.microsoft.com/office/drawing/2010/main" xmlns="">
                   <a:solidFill>
                     <a:schemeClr val="accent1"/>
                   </a:solidFill>
                 </a14:hiddenFill>
               </a:ext>
               <a:ext uri="{91240B29-F687-4F45-9708-019B960494DF}">
-                <a14:hiddenLine xmlns:a14="http://schemas.microsoft.com/office/drawing/2010/main" w="9525">
+                <a14:hiddenLine xmlns:a14="http://schemas.microsoft.com/office/drawing/2010/main" xmlns="" w="9525">
                   <a:solidFill>
                     <a:schemeClr val="tx1"/>
                   </a:solidFill>
@@ -9262,7 +9162,7 @@
                 </a14:hiddenLine>
               </a:ext>
               <a:ext uri="{AF507438-7753-43E0-B8FC-AC1667EBCBE1}">
-                <a14:hiddenEffects xmlns:a14="http://schemas.microsoft.com/office/drawing/2010/main">
+                <a14:hiddenEffects xmlns:a14="http://schemas.microsoft.com/office/drawing/2010/main" xmlns="">
                   <a:effectLst>
                     <a:outerShdw dist="35921" dir="2700000" algn="ctr" rotWithShape="0">
                       <a:schemeClr val="bg2"/>
@@ -9318,7 +9218,7 @@
     </p:spTree>
     <p:extLst>
       <p:ext uri="{BB962C8B-B14F-4D97-AF65-F5344CB8AC3E}">
-        <p14:creationId xmlns:p14="http://schemas.microsoft.com/office/powerpoint/2010/main" val="3391081395"/>
+        <p14:creationId xmlns:p14="http://schemas.microsoft.com/office/powerpoint/2010/main" xmlns="" val="3391081395"/>
       </p:ext>
     </p:extLst>
   </p:cSld>
@@ -9435,14 +9335,14 @@
           <a:effectLst/>
           <a:extLst>
             <a:ext uri="{909E8E84-426E-40DD-AFC4-6F175D3DCCD1}">
-              <a14:hiddenFill xmlns:a14="http://schemas.microsoft.com/office/drawing/2010/main">
+              <a14:hiddenFill xmlns:a14="http://schemas.microsoft.com/office/drawing/2010/main" xmlns="">
                 <a:solidFill>
                   <a:schemeClr val="accent1"/>
                 </a:solidFill>
               </a14:hiddenFill>
             </a:ext>
             <a:ext uri="{91240B29-F687-4F45-9708-019B960494DF}">
-              <a14:hiddenLine xmlns:a14="http://schemas.microsoft.com/office/drawing/2010/main" w="9525">
+              <a14:hiddenLine xmlns:a14="http://schemas.microsoft.com/office/drawing/2010/main" xmlns="" w="9525">
                 <a:solidFill>
                   <a:schemeClr val="tx1"/>
                 </a:solidFill>
@@ -9452,7 +9352,7 @@
               </a14:hiddenLine>
             </a:ext>
             <a:ext uri="{AF507438-7753-43E0-B8FC-AC1667EBCBE1}">
-              <a14:hiddenEffects xmlns:a14="http://schemas.microsoft.com/office/drawing/2010/main">
+              <a14:hiddenEffects xmlns:a14="http://schemas.microsoft.com/office/drawing/2010/main" xmlns="">
                 <a:effectLst>
                   <a:outerShdw dist="35921" dir="2700000" algn="ctr" rotWithShape="0">
                     <a:schemeClr val="bg2"/>
@@ -9484,7 +9384,7 @@
           <p:nvPr>
             <p:extLst>
               <p:ext uri="{D42A27DB-BD31-4B8C-83A1-F6EECF244321}">
-                <p14:modId xmlns:p14="http://schemas.microsoft.com/office/powerpoint/2010/main" val="3941052910"/>
+                <p14:modId xmlns:p14="http://schemas.microsoft.com/office/powerpoint/2010/main" xmlns="" val="3941052910"/>
               </p:ext>
             </p:extLst>
           </p:nvPr>
@@ -9495,66 +9395,16 @@
         </p:xfrm>
         <a:graphic>
           <a:graphicData uri="http://schemas.openxmlformats.org/presentationml/2006/ole">
-            <mc:AlternateContent xmlns:mc="http://schemas.openxmlformats.org/markup-compatibility/2006">
-              <mc:Choice xmlns:v="urn:schemas-microsoft-com:vml" Requires="v">
-                <p:oleObj spid="_x0000_s36871" name="Image" r:id="rId3" imgW="8229600" imgH="5486400" progId="">
-                  <p:embed/>
-                </p:oleObj>
-              </mc:Choice>
-              <mc:Fallback>
-                <p:oleObj name="Image" r:id="rId3" imgW="8229600" imgH="5486400" progId="">
-                  <p:embed/>
-                  <p:pic>
-                    <p:nvPicPr>
-                      <p:cNvPr id="0" name="Picture 2"/>
-                      <p:cNvPicPr>
-                        <a:picLocks noChangeAspect="1" noChangeArrowheads="1"/>
-                      </p:cNvPicPr>
-                      <p:nvPr/>
-                    </p:nvPicPr>
-                    <p:blipFill>
-                      <a:blip r:embed="rId4">
-                        <a:extLst>
-                          <a:ext uri="{28A0092B-C50C-407E-A947-70E740481C1C}">
-                            <a14:useLocalDpi xmlns:a14="http://schemas.microsoft.com/office/drawing/2010/main" val="0"/>
-                          </a:ext>
-                        </a:extLst>
-                      </a:blip>
-                      <a:srcRect/>
-                      <a:stretch>
-                        <a:fillRect/>
-                      </a:stretch>
-                    </p:blipFill>
-                    <p:spPr bwMode="auto">
-                      <a:xfrm>
-                        <a:off x="1295400" y="1066800"/>
-                        <a:ext cx="6172200" cy="4114800"/>
-                      </a:xfrm>
-                      <a:prstGeom prst="rect">
-                        <a:avLst/>
-                      </a:prstGeom>
-                      <a:noFill/>
-                      <a:extLst>
-                        <a:ext uri="{909E8E84-426E-40DD-AFC4-6F175D3DCCD1}">
-                          <a14:hiddenFill xmlns:a14="http://schemas.microsoft.com/office/drawing/2010/main">
-                            <a:solidFill>
-                              <a:srgbClr val="FFFFFF"/>
-                            </a:solidFill>
-                          </a14:hiddenFill>
-                        </a:ext>
-                      </a:extLst>
-                    </p:spPr>
-                  </p:pic>
-                </p:oleObj>
-              </mc:Fallback>
-            </mc:AlternateContent>
+            <p:oleObj spid="_x0000_s36871" name="Image" r:id="rId3" imgW="8229600" imgH="5486400" progId="">
+              <p:embed/>
+            </p:oleObj>
           </a:graphicData>
         </a:graphic>
       </p:graphicFrame>
     </p:spTree>
     <p:extLst>
       <p:ext uri="{BB962C8B-B14F-4D97-AF65-F5344CB8AC3E}">
-        <p14:creationId xmlns:p14="http://schemas.microsoft.com/office/powerpoint/2010/main" val="1382202276"/>
+        <p14:creationId xmlns:p14="http://schemas.microsoft.com/office/powerpoint/2010/main" xmlns="" val="1382202276"/>
       </p:ext>
     </p:extLst>
   </p:cSld>
@@ -11056,7 +10906,7 @@
     </p:spTree>
     <p:extLst>
       <p:ext uri="{BB962C8B-B14F-4D97-AF65-F5344CB8AC3E}">
-        <p14:creationId xmlns:p14="http://schemas.microsoft.com/office/powerpoint/2010/main" val="2295439348"/>
+        <p14:creationId xmlns:p14="http://schemas.microsoft.com/office/powerpoint/2010/main" xmlns="" val="2295439348"/>
       </p:ext>
     </p:extLst>
   </p:cSld>
@@ -11152,7 +11002,7 @@
           <a:blip r:embed="rId2">
             <a:extLst>
               <a:ext uri="{28A0092B-C50C-407E-A947-70E740481C1C}">
-                <a14:useLocalDpi xmlns:a14="http://schemas.microsoft.com/office/drawing/2010/main" val="0"/>
+                <a14:useLocalDpi xmlns:a14="http://schemas.microsoft.com/office/drawing/2010/main" xmlns="" val="0"/>
               </a:ext>
             </a:extLst>
           </a:blip>
@@ -11176,14 +11026,14 @@
           <a:effectLst/>
           <a:extLst>
             <a:ext uri="{909E8E84-426E-40DD-AFC4-6F175D3DCCD1}">
-              <a14:hiddenFill xmlns:a14="http://schemas.microsoft.com/office/drawing/2010/main">
+              <a14:hiddenFill xmlns:a14="http://schemas.microsoft.com/office/drawing/2010/main" xmlns="">
                 <a:solidFill>
                   <a:schemeClr val="accent1"/>
                 </a:solidFill>
               </a14:hiddenFill>
             </a:ext>
             <a:ext uri="{91240B29-F687-4F45-9708-019B960494DF}">
-              <a14:hiddenLine xmlns:a14="http://schemas.microsoft.com/office/drawing/2010/main" w="9525">
+              <a14:hiddenLine xmlns:a14="http://schemas.microsoft.com/office/drawing/2010/main" xmlns="" w="9525">
                 <a:solidFill>
                   <a:schemeClr val="tx1"/>
                 </a:solidFill>
@@ -11193,7 +11043,7 @@
               </a14:hiddenLine>
             </a:ext>
             <a:ext uri="{AF507438-7753-43E0-B8FC-AC1667EBCBE1}">
-              <a14:hiddenEffects xmlns:a14="http://schemas.microsoft.com/office/drawing/2010/main">
+              <a14:hiddenEffects xmlns:a14="http://schemas.microsoft.com/office/drawing/2010/main" xmlns="">
                 <a:effectLst>
                   <a:outerShdw dist="35921" dir="2700000" algn="ctr" rotWithShape="0">
                     <a:schemeClr val="bg2"/>
@@ -11207,7 +11057,7 @@
     </p:spTree>
     <p:extLst>
       <p:ext uri="{BB962C8B-B14F-4D97-AF65-F5344CB8AC3E}">
-        <p14:creationId xmlns:p14="http://schemas.microsoft.com/office/powerpoint/2010/main" val="2919713960"/>
+        <p14:creationId xmlns:p14="http://schemas.microsoft.com/office/powerpoint/2010/main" xmlns="" val="2919713960"/>
       </p:ext>
     </p:extLst>
   </p:cSld>
@@ -12355,14 +12205,14 @@
           <a:effectLst/>
           <a:extLst>
             <a:ext uri="{909E8E84-426E-40DD-AFC4-6F175D3DCCD1}">
-              <a14:hiddenFill xmlns:a14="http://schemas.microsoft.com/office/drawing/2010/main">
+              <a14:hiddenFill xmlns:a14="http://schemas.microsoft.com/office/drawing/2010/main" xmlns="">
                 <a:solidFill>
                   <a:schemeClr val="accent1"/>
                 </a:solidFill>
               </a14:hiddenFill>
             </a:ext>
             <a:ext uri="{91240B29-F687-4F45-9708-019B960494DF}">
-              <a14:hiddenLine xmlns:a14="http://schemas.microsoft.com/office/drawing/2010/main" w="9525">
+              <a14:hiddenLine xmlns:a14="http://schemas.microsoft.com/office/drawing/2010/main" xmlns="" w="9525">
                 <a:solidFill>
                   <a:schemeClr val="tx1"/>
                 </a:solidFill>
@@ -12372,7 +12222,7 @@
               </a14:hiddenLine>
             </a:ext>
             <a:ext uri="{AF507438-7753-43E0-B8FC-AC1667EBCBE1}">
-              <a14:hiddenEffects xmlns:a14="http://schemas.microsoft.com/office/drawing/2010/main">
+              <a14:hiddenEffects xmlns:a14="http://schemas.microsoft.com/office/drawing/2010/main" xmlns="">
                 <a:effectLst>
                   <a:outerShdw dist="35921" dir="2700000" algn="ctr" rotWithShape="0">
                     <a:schemeClr val="bg2"/>
@@ -12404,7 +12254,7 @@
           <p:nvPr>
             <p:extLst>
               <p:ext uri="{D42A27DB-BD31-4B8C-83A1-F6EECF244321}">
-                <p14:modId xmlns:p14="http://schemas.microsoft.com/office/powerpoint/2010/main" val="39709969"/>
+                <p14:modId xmlns:p14="http://schemas.microsoft.com/office/powerpoint/2010/main" xmlns="" val="39709969"/>
               </p:ext>
             </p:extLst>
           </p:nvPr>
@@ -12415,59 +12265,9 @@
         </p:xfrm>
         <a:graphic>
           <a:graphicData uri="http://schemas.openxmlformats.org/presentationml/2006/ole">
-            <mc:AlternateContent xmlns:mc="http://schemas.openxmlformats.org/markup-compatibility/2006">
-              <mc:Choice xmlns:v="urn:schemas-microsoft-com:vml" Requires="v">
-                <p:oleObj spid="_x0000_s1064" r:id="rId3" imgW="7315200" imgH="914400" progId="">
-                  <p:embed/>
-                </p:oleObj>
-              </mc:Choice>
-              <mc:Fallback>
-                <p:oleObj r:id="rId3" imgW="7315200" imgH="914400" progId="">
-                  <p:embed/>
-                  <p:pic>
-                    <p:nvPicPr>
-                      <p:cNvPr id="0" name="Picture 30"/>
-                      <p:cNvPicPr>
-                        <a:picLocks noChangeAspect="1" noChangeArrowheads="1"/>
-                      </p:cNvPicPr>
-                      <p:nvPr/>
-                    </p:nvPicPr>
-                    <p:blipFill>
-                      <a:blip r:embed="rId4">
-                        <a:extLst>
-                          <a:ext uri="{28A0092B-C50C-407E-A947-70E740481C1C}">
-                            <a14:useLocalDpi xmlns:a14="http://schemas.microsoft.com/office/drawing/2010/main" val="0"/>
-                          </a:ext>
-                        </a:extLst>
-                      </a:blip>
-                      <a:srcRect/>
-                      <a:stretch>
-                        <a:fillRect/>
-                      </a:stretch>
-                    </p:blipFill>
-                    <p:spPr bwMode="auto">
-                      <a:xfrm>
-                        <a:off x="838200" y="838200"/>
-                        <a:ext cx="7467600" cy="1066800"/>
-                      </a:xfrm>
-                      <a:prstGeom prst="rect">
-                        <a:avLst/>
-                      </a:prstGeom>
-                      <a:noFill/>
-                      <a:extLst>
-                        <a:ext uri="{909E8E84-426E-40DD-AFC4-6F175D3DCCD1}">
-                          <a14:hiddenFill xmlns:a14="http://schemas.microsoft.com/office/drawing/2010/main">
-                            <a:solidFill>
-                              <a:srgbClr val="FFFFFF"/>
-                            </a:solidFill>
-                          </a14:hiddenFill>
-                        </a:ext>
-                      </a:extLst>
-                    </p:spPr>
-                  </p:pic>
-                </p:oleObj>
-              </mc:Fallback>
-            </mc:AlternateContent>
+            <p:oleObj spid="_x0000_s1064" r:id="rId3" imgW="7315200" imgH="914400" progId="">
+              <p:embed/>
+            </p:oleObj>
           </a:graphicData>
         </a:graphic>
       </p:graphicFrame>
@@ -12494,14 +12294,14 @@
           <a:effectLst/>
           <a:extLst>
             <a:ext uri="{909E8E84-426E-40DD-AFC4-6F175D3DCCD1}">
-              <a14:hiddenFill xmlns:a14="http://schemas.microsoft.com/office/drawing/2010/main">
+              <a14:hiddenFill xmlns:a14="http://schemas.microsoft.com/office/drawing/2010/main" xmlns="">
                 <a:solidFill>
                   <a:schemeClr val="accent1"/>
                 </a:solidFill>
               </a14:hiddenFill>
             </a:ext>
             <a:ext uri="{91240B29-F687-4F45-9708-019B960494DF}">
-              <a14:hiddenLine xmlns:a14="http://schemas.microsoft.com/office/drawing/2010/main" w="9525">
+              <a14:hiddenLine xmlns:a14="http://schemas.microsoft.com/office/drawing/2010/main" xmlns="" w="9525">
                 <a:solidFill>
                   <a:schemeClr val="tx1"/>
                 </a:solidFill>
@@ -12511,7 +12311,7 @@
               </a14:hiddenLine>
             </a:ext>
             <a:ext uri="{AF507438-7753-43E0-B8FC-AC1667EBCBE1}">
-              <a14:hiddenEffects xmlns:a14="http://schemas.microsoft.com/office/drawing/2010/main">
+              <a14:hiddenEffects xmlns:a14="http://schemas.microsoft.com/office/drawing/2010/main" xmlns="">
                 <a:effectLst>
                   <a:outerShdw dist="35921" dir="2700000" algn="ctr" rotWithShape="0">
                     <a:schemeClr val="bg2"/>
@@ -12543,10 +12343,10 @@
           <p:nvPr/>
         </p:nvPicPr>
         <p:blipFill>
-          <a:blip r:embed="rId5">
+          <a:blip r:embed="rId4">
             <a:extLst>
               <a:ext uri="{28A0092B-C50C-407E-A947-70E740481C1C}">
-                <a14:useLocalDpi xmlns:a14="http://schemas.microsoft.com/office/drawing/2010/main" val="0"/>
+                <a14:useLocalDpi xmlns:a14="http://schemas.microsoft.com/office/drawing/2010/main" xmlns="" val="0"/>
               </a:ext>
             </a:extLst>
           </a:blip>
@@ -12570,14 +12370,14 @@
           <a:effectLst/>
           <a:extLst>
             <a:ext uri="{909E8E84-426E-40DD-AFC4-6F175D3DCCD1}">
-              <a14:hiddenFill xmlns:a14="http://schemas.microsoft.com/office/drawing/2010/main">
+              <a14:hiddenFill xmlns:a14="http://schemas.microsoft.com/office/drawing/2010/main" xmlns="">
                 <a:solidFill>
                   <a:schemeClr val="accent1"/>
                 </a:solidFill>
               </a14:hiddenFill>
             </a:ext>
             <a:ext uri="{91240B29-F687-4F45-9708-019B960494DF}">
-              <a14:hiddenLine xmlns:a14="http://schemas.microsoft.com/office/drawing/2010/main" w="9525">
+              <a14:hiddenLine xmlns:a14="http://schemas.microsoft.com/office/drawing/2010/main" xmlns="" w="9525">
                 <a:solidFill>
                   <a:schemeClr val="tx1"/>
                 </a:solidFill>
@@ -12587,7 +12387,7 @@
               </a14:hiddenLine>
             </a:ext>
             <a:ext uri="{AF507438-7753-43E0-B8FC-AC1667EBCBE1}">
-              <a14:hiddenEffects xmlns:a14="http://schemas.microsoft.com/office/drawing/2010/main">
+              <a14:hiddenEffects xmlns:a14="http://schemas.microsoft.com/office/drawing/2010/main" xmlns="">
                 <a:effectLst>
                   <a:outerShdw dist="35921" dir="2700000" algn="ctr" rotWithShape="0">
                     <a:schemeClr val="bg2"/>
@@ -12621,14 +12421,14 @@
           <a:effectLst/>
           <a:extLst>
             <a:ext uri="{909E8E84-426E-40DD-AFC4-6F175D3DCCD1}">
-              <a14:hiddenFill xmlns:a14="http://schemas.microsoft.com/office/drawing/2010/main">
+              <a14:hiddenFill xmlns:a14="http://schemas.microsoft.com/office/drawing/2010/main" xmlns="">
                 <a:solidFill>
                   <a:schemeClr val="accent1"/>
                 </a:solidFill>
               </a14:hiddenFill>
             </a:ext>
             <a:ext uri="{91240B29-F687-4F45-9708-019B960494DF}">
-              <a14:hiddenLine xmlns:a14="http://schemas.microsoft.com/office/drawing/2010/main" w="9525">
+              <a14:hiddenLine xmlns:a14="http://schemas.microsoft.com/office/drawing/2010/main" xmlns="" w="9525">
                 <a:solidFill>
                   <a:schemeClr val="tx1"/>
                 </a:solidFill>
@@ -12638,7 +12438,7 @@
               </a14:hiddenLine>
             </a:ext>
             <a:ext uri="{AF507438-7753-43E0-B8FC-AC1667EBCBE1}">
-              <a14:hiddenEffects xmlns:a14="http://schemas.microsoft.com/office/drawing/2010/main">
+              <a14:hiddenEffects xmlns:a14="http://schemas.microsoft.com/office/drawing/2010/main" xmlns="">
                 <a:effectLst>
                   <a:outerShdw dist="35921" dir="2700000" algn="ctr" rotWithShape="0">
                     <a:schemeClr val="bg2"/>
@@ -12670,7 +12470,7 @@
           <p:nvPr>
             <p:extLst>
               <p:ext uri="{D42A27DB-BD31-4B8C-83A1-F6EECF244321}">
-                <p14:modId xmlns:p14="http://schemas.microsoft.com/office/powerpoint/2010/main" val="3136977526"/>
+                <p14:modId xmlns:p14="http://schemas.microsoft.com/office/powerpoint/2010/main" xmlns="" val="3136977526"/>
               </p:ext>
             </p:extLst>
           </p:nvPr>
@@ -12681,66 +12481,16 @@
         </p:xfrm>
         <a:graphic>
           <a:graphicData uri="http://schemas.openxmlformats.org/presentationml/2006/ole">
-            <mc:AlternateContent xmlns:mc="http://schemas.openxmlformats.org/markup-compatibility/2006">
-              <mc:Choice xmlns:v="urn:schemas-microsoft-com:vml" Requires="v">
-                <p:oleObj spid="_x0000_s1065" name="Image" r:id="rId6" imgW="7315200" imgH="4572000" progId="">
-                  <p:embed/>
-                </p:oleObj>
-              </mc:Choice>
-              <mc:Fallback>
-                <p:oleObj name="Image" r:id="rId6" imgW="7315200" imgH="4572000" progId="">
-                  <p:embed/>
-                  <p:pic>
-                    <p:nvPicPr>
-                      <p:cNvPr id="0" name="Picture 31"/>
-                      <p:cNvPicPr>
-                        <a:picLocks noChangeAspect="1" noChangeArrowheads="1"/>
-                      </p:cNvPicPr>
-                      <p:nvPr/>
-                    </p:nvPicPr>
-                    <p:blipFill>
-                      <a:blip r:embed="rId7">
-                        <a:extLst>
-                          <a:ext uri="{28A0092B-C50C-407E-A947-70E740481C1C}">
-                            <a14:useLocalDpi xmlns:a14="http://schemas.microsoft.com/office/drawing/2010/main" val="0"/>
-                          </a:ext>
-                        </a:extLst>
-                      </a:blip>
-                      <a:srcRect/>
-                      <a:stretch>
-                        <a:fillRect/>
-                      </a:stretch>
-                    </p:blipFill>
-                    <p:spPr bwMode="auto">
-                      <a:xfrm>
-                        <a:off x="3352800" y="2819400"/>
-                        <a:ext cx="5486400" cy="3429000"/>
-                      </a:xfrm>
-                      <a:prstGeom prst="rect">
-                        <a:avLst/>
-                      </a:prstGeom>
-                      <a:noFill/>
-                      <a:extLst>
-                        <a:ext uri="{909E8E84-426E-40DD-AFC4-6F175D3DCCD1}">
-                          <a14:hiddenFill xmlns:a14="http://schemas.microsoft.com/office/drawing/2010/main">
-                            <a:solidFill>
-                              <a:srgbClr val="FFFFFF"/>
-                            </a:solidFill>
-                          </a14:hiddenFill>
-                        </a:ext>
-                      </a:extLst>
-                    </p:spPr>
-                  </p:pic>
-                </p:oleObj>
-              </mc:Fallback>
-            </mc:AlternateContent>
+            <p:oleObj spid="_x0000_s1065" name="Image" r:id="rId5" imgW="7315200" imgH="4572000" progId="">
+              <p:embed/>
+            </p:oleObj>
           </a:graphicData>
         </a:graphic>
       </p:graphicFrame>
     </p:spTree>
     <p:extLst>
       <p:ext uri="{BB962C8B-B14F-4D97-AF65-F5344CB8AC3E}">
-        <p14:creationId xmlns:p14="http://schemas.microsoft.com/office/powerpoint/2010/main" val="1260448984"/>
+        <p14:creationId xmlns:p14="http://schemas.microsoft.com/office/powerpoint/2010/main" xmlns="" val="1260448984"/>
       </p:ext>
     </p:extLst>
   </p:cSld>
@@ -12851,14 +12601,14 @@
           <a:effectLst/>
           <a:extLst>
             <a:ext uri="{909E8E84-426E-40DD-AFC4-6F175D3DCCD1}">
-              <a14:hiddenFill xmlns:a14="http://schemas.microsoft.com/office/drawing/2010/main">
+              <a14:hiddenFill xmlns:a14="http://schemas.microsoft.com/office/drawing/2010/main" xmlns="">
                 <a:solidFill>
                   <a:schemeClr val="accent1"/>
                 </a:solidFill>
               </a14:hiddenFill>
             </a:ext>
             <a:ext uri="{91240B29-F687-4F45-9708-019B960494DF}">
-              <a14:hiddenLine xmlns:a14="http://schemas.microsoft.com/office/drawing/2010/main" w="9525">
+              <a14:hiddenLine xmlns:a14="http://schemas.microsoft.com/office/drawing/2010/main" xmlns="" w="9525">
                 <a:solidFill>
                   <a:schemeClr val="tx1"/>
                 </a:solidFill>
@@ -12868,7 +12618,7 @@
               </a14:hiddenLine>
             </a:ext>
             <a:ext uri="{AF507438-7753-43E0-B8FC-AC1667EBCBE1}">
-              <a14:hiddenEffects xmlns:a14="http://schemas.microsoft.com/office/drawing/2010/main">
+              <a14:hiddenEffects xmlns:a14="http://schemas.microsoft.com/office/drawing/2010/main" xmlns="">
                 <a:effectLst>
                   <a:outerShdw dist="35921" dir="2700000" algn="ctr" rotWithShape="0">
                     <a:schemeClr val="bg2"/>
@@ -12900,7 +12650,7 @@
           <p:nvPr>
             <p:extLst>
               <p:ext uri="{D42A27DB-BD31-4B8C-83A1-F6EECF244321}">
-                <p14:modId xmlns:p14="http://schemas.microsoft.com/office/powerpoint/2010/main" val="2033785521"/>
+                <p14:modId xmlns:p14="http://schemas.microsoft.com/office/powerpoint/2010/main" xmlns="" val="2033785521"/>
               </p:ext>
             </p:extLst>
           </p:nvPr>
@@ -12911,59 +12661,9 @@
         </p:xfrm>
         <a:graphic>
           <a:graphicData uri="http://schemas.openxmlformats.org/presentationml/2006/ole">
-            <mc:AlternateContent xmlns:mc="http://schemas.openxmlformats.org/markup-compatibility/2006">
-              <mc:Choice xmlns:v="urn:schemas-microsoft-com:vml" Requires="v">
-                <p:oleObj spid="_x0000_s2103" name="Image" r:id="rId3" imgW="5486400" imgH="5486400" progId="">
-                  <p:embed/>
-                </p:oleObj>
-              </mc:Choice>
-              <mc:Fallback>
-                <p:oleObj name="Image" r:id="rId3" imgW="5486400" imgH="5486400" progId="">
-                  <p:embed/>
-                  <p:pic>
-                    <p:nvPicPr>
-                      <p:cNvPr id="0" name="Picture 40"/>
-                      <p:cNvPicPr>
-                        <a:picLocks noChangeAspect="1" noChangeArrowheads="1"/>
-                      </p:cNvPicPr>
-                      <p:nvPr/>
-                    </p:nvPicPr>
-                    <p:blipFill>
-                      <a:blip r:embed="rId4">
-                        <a:extLst>
-                          <a:ext uri="{28A0092B-C50C-407E-A947-70E740481C1C}">
-                            <a14:useLocalDpi xmlns:a14="http://schemas.microsoft.com/office/drawing/2010/main" val="0"/>
-                          </a:ext>
-                        </a:extLst>
-                      </a:blip>
-                      <a:srcRect/>
-                      <a:stretch>
-                        <a:fillRect/>
-                      </a:stretch>
-                    </p:blipFill>
-                    <p:spPr bwMode="auto">
-                      <a:xfrm>
-                        <a:off x="152400" y="838200"/>
-                        <a:ext cx="4114800" cy="4114800"/>
-                      </a:xfrm>
-                      <a:prstGeom prst="rect">
-                        <a:avLst/>
-                      </a:prstGeom>
-                      <a:noFill/>
-                      <a:extLst>
-                        <a:ext uri="{909E8E84-426E-40DD-AFC4-6F175D3DCCD1}">
-                          <a14:hiddenFill xmlns:a14="http://schemas.microsoft.com/office/drawing/2010/main">
-                            <a:solidFill>
-                              <a:srgbClr val="FFFFFF"/>
-                            </a:solidFill>
-                          </a14:hiddenFill>
-                        </a:ext>
-                      </a:extLst>
-                    </p:spPr>
-                  </p:pic>
-                </p:oleObj>
-              </mc:Fallback>
-            </mc:AlternateContent>
+            <p:oleObj spid="_x0000_s2103" name="Image" r:id="rId3" imgW="5486400" imgH="5486400" progId="">
+              <p:embed/>
+            </p:oleObj>
           </a:graphicData>
         </a:graphic>
       </p:graphicFrame>
@@ -12990,14 +12690,14 @@
           <a:effectLst/>
           <a:extLst>
             <a:ext uri="{909E8E84-426E-40DD-AFC4-6F175D3DCCD1}">
-              <a14:hiddenFill xmlns:a14="http://schemas.microsoft.com/office/drawing/2010/main">
+              <a14:hiddenFill xmlns:a14="http://schemas.microsoft.com/office/drawing/2010/main" xmlns="">
                 <a:solidFill>
                   <a:schemeClr val="accent1"/>
                 </a:solidFill>
               </a14:hiddenFill>
             </a:ext>
             <a:ext uri="{91240B29-F687-4F45-9708-019B960494DF}">
-              <a14:hiddenLine xmlns:a14="http://schemas.microsoft.com/office/drawing/2010/main" w="9525">
+              <a14:hiddenLine xmlns:a14="http://schemas.microsoft.com/office/drawing/2010/main" xmlns="" w="9525">
                 <a:solidFill>
                   <a:schemeClr val="tx1"/>
                 </a:solidFill>
@@ -13007,7 +12707,7 @@
               </a14:hiddenLine>
             </a:ext>
             <a:ext uri="{AF507438-7753-43E0-B8FC-AC1667EBCBE1}">
-              <a14:hiddenEffects xmlns:a14="http://schemas.microsoft.com/office/drawing/2010/main">
+              <a14:hiddenEffects xmlns:a14="http://schemas.microsoft.com/office/drawing/2010/main" xmlns="">
                 <a:effectLst>
                   <a:outerShdw dist="35921" dir="2700000" algn="ctr" rotWithShape="0">
                     <a:schemeClr val="bg2"/>
@@ -13039,7 +12739,7 @@
           <p:nvPr>
             <p:extLst>
               <p:ext uri="{D42A27DB-BD31-4B8C-83A1-F6EECF244321}">
-                <p14:modId xmlns:p14="http://schemas.microsoft.com/office/powerpoint/2010/main" val="736740180"/>
+                <p14:modId xmlns:p14="http://schemas.microsoft.com/office/powerpoint/2010/main" xmlns="" val="736740180"/>
               </p:ext>
             </p:extLst>
           </p:nvPr>
@@ -13050,59 +12750,9 @@
         </p:xfrm>
         <a:graphic>
           <a:graphicData uri="http://schemas.openxmlformats.org/presentationml/2006/ole">
-            <mc:AlternateContent xmlns:mc="http://schemas.openxmlformats.org/markup-compatibility/2006">
-              <mc:Choice xmlns:v="urn:schemas-microsoft-com:vml" Requires="v">
-                <p:oleObj spid="_x0000_s2104" name="Image" r:id="rId5" imgW="5486400" imgH="4572000" progId="">
-                  <p:embed/>
-                </p:oleObj>
-              </mc:Choice>
-              <mc:Fallback>
-                <p:oleObj name="Image" r:id="rId5" imgW="5486400" imgH="4572000" progId="">
-                  <p:embed/>
-                  <p:pic>
-                    <p:nvPicPr>
-                      <p:cNvPr id="0" name="Picture 41"/>
-                      <p:cNvPicPr>
-                        <a:picLocks noChangeAspect="1" noChangeArrowheads="1"/>
-                      </p:cNvPicPr>
-                      <p:nvPr/>
-                    </p:nvPicPr>
-                    <p:blipFill>
-                      <a:blip r:embed="rId6">
-                        <a:extLst>
-                          <a:ext uri="{28A0092B-C50C-407E-A947-70E740481C1C}">
-                            <a14:useLocalDpi xmlns:a14="http://schemas.microsoft.com/office/drawing/2010/main" val="0"/>
-                          </a:ext>
-                        </a:extLst>
-                      </a:blip>
-                      <a:srcRect/>
-                      <a:stretch>
-                        <a:fillRect/>
-                      </a:stretch>
-                    </p:blipFill>
-                    <p:spPr bwMode="auto">
-                      <a:xfrm>
-                        <a:off x="4572000" y="0"/>
-                        <a:ext cx="4114800" cy="3429000"/>
-                      </a:xfrm>
-                      <a:prstGeom prst="rect">
-                        <a:avLst/>
-                      </a:prstGeom>
-                      <a:noFill/>
-                      <a:extLst>
-                        <a:ext uri="{909E8E84-426E-40DD-AFC4-6F175D3DCCD1}">
-                          <a14:hiddenFill xmlns:a14="http://schemas.microsoft.com/office/drawing/2010/main">
-                            <a:solidFill>
-                              <a:srgbClr val="FFFFFF"/>
-                            </a:solidFill>
-                          </a14:hiddenFill>
-                        </a:ext>
-                      </a:extLst>
-                    </p:spPr>
-                  </p:pic>
-                </p:oleObj>
-              </mc:Fallback>
-            </mc:AlternateContent>
+            <p:oleObj spid="_x0000_s2104" name="Image" r:id="rId4" imgW="5486400" imgH="4572000" progId="">
+              <p:embed/>
+            </p:oleObj>
           </a:graphicData>
         </a:graphic>
       </p:graphicFrame>
@@ -13129,14 +12779,14 @@
           <a:effectLst/>
           <a:extLst>
             <a:ext uri="{909E8E84-426E-40DD-AFC4-6F175D3DCCD1}">
-              <a14:hiddenFill xmlns:a14="http://schemas.microsoft.com/office/drawing/2010/main">
+              <a14:hiddenFill xmlns:a14="http://schemas.microsoft.com/office/drawing/2010/main" xmlns="">
                 <a:solidFill>
                   <a:schemeClr val="accent1"/>
                 </a:solidFill>
               </a14:hiddenFill>
             </a:ext>
             <a:ext uri="{91240B29-F687-4F45-9708-019B960494DF}">
-              <a14:hiddenLine xmlns:a14="http://schemas.microsoft.com/office/drawing/2010/main" w="9525">
+              <a14:hiddenLine xmlns:a14="http://schemas.microsoft.com/office/drawing/2010/main" xmlns="" w="9525">
                 <a:solidFill>
                   <a:schemeClr val="tx1"/>
                 </a:solidFill>
@@ -13146,7 +12796,7 @@
               </a14:hiddenLine>
             </a:ext>
             <a:ext uri="{AF507438-7753-43E0-B8FC-AC1667EBCBE1}">
-              <a14:hiddenEffects xmlns:a14="http://schemas.microsoft.com/office/drawing/2010/main">
+              <a14:hiddenEffects xmlns:a14="http://schemas.microsoft.com/office/drawing/2010/main" xmlns="">
                 <a:effectLst>
                   <a:outerShdw dist="35921" dir="2700000" algn="ctr" rotWithShape="0">
                     <a:schemeClr val="bg2"/>
@@ -13178,7 +12828,7 @@
           <p:nvPr>
             <p:extLst>
               <p:ext uri="{D42A27DB-BD31-4B8C-83A1-F6EECF244321}">
-                <p14:modId xmlns:p14="http://schemas.microsoft.com/office/powerpoint/2010/main" val="4188053664"/>
+                <p14:modId xmlns:p14="http://schemas.microsoft.com/office/powerpoint/2010/main" xmlns="" val="4188053664"/>
               </p:ext>
             </p:extLst>
           </p:nvPr>
@@ -13189,66 +12839,16 @@
         </p:xfrm>
         <a:graphic>
           <a:graphicData uri="http://schemas.openxmlformats.org/presentationml/2006/ole">
-            <mc:AlternateContent xmlns:mc="http://schemas.openxmlformats.org/markup-compatibility/2006">
-              <mc:Choice xmlns:v="urn:schemas-microsoft-com:vml" Requires="v">
-                <p:oleObj spid="_x0000_s2105" name="Image" r:id="rId7" imgW="5486400" imgH="3657600" progId="">
-                  <p:embed/>
-                </p:oleObj>
-              </mc:Choice>
-              <mc:Fallback>
-                <p:oleObj name="Image" r:id="rId7" imgW="5486400" imgH="3657600" progId="">
-                  <p:embed/>
-                  <p:pic>
-                    <p:nvPicPr>
-                      <p:cNvPr id="0" name="Picture 42"/>
-                      <p:cNvPicPr>
-                        <a:picLocks noChangeAspect="1" noChangeArrowheads="1"/>
-                      </p:cNvPicPr>
-                      <p:nvPr/>
-                    </p:nvPicPr>
-                    <p:blipFill>
-                      <a:blip r:embed="rId8">
-                        <a:extLst>
-                          <a:ext uri="{28A0092B-C50C-407E-A947-70E740481C1C}">
-                            <a14:useLocalDpi xmlns:a14="http://schemas.microsoft.com/office/drawing/2010/main" val="0"/>
-                          </a:ext>
-                        </a:extLst>
-                      </a:blip>
-                      <a:srcRect/>
-                      <a:stretch>
-                        <a:fillRect/>
-                      </a:stretch>
-                    </p:blipFill>
-                    <p:spPr bwMode="auto">
-                      <a:xfrm>
-                        <a:off x="4572000" y="3505200"/>
-                        <a:ext cx="4114800" cy="2743200"/>
-                      </a:xfrm>
-                      <a:prstGeom prst="rect">
-                        <a:avLst/>
-                      </a:prstGeom>
-                      <a:noFill/>
-                      <a:extLst>
-                        <a:ext uri="{909E8E84-426E-40DD-AFC4-6F175D3DCCD1}">
-                          <a14:hiddenFill xmlns:a14="http://schemas.microsoft.com/office/drawing/2010/main">
-                            <a:solidFill>
-                              <a:srgbClr val="FFFFFF"/>
-                            </a:solidFill>
-                          </a14:hiddenFill>
-                        </a:ext>
-                      </a:extLst>
-                    </p:spPr>
-                  </p:pic>
-                </p:oleObj>
-              </mc:Fallback>
-            </mc:AlternateContent>
+            <p:oleObj spid="_x0000_s2105" name="Image" r:id="rId5" imgW="5486400" imgH="3657600" progId="">
+              <p:embed/>
+            </p:oleObj>
           </a:graphicData>
         </a:graphic>
       </p:graphicFrame>
     </p:spTree>
     <p:extLst>
       <p:ext uri="{BB962C8B-B14F-4D97-AF65-F5344CB8AC3E}">
-        <p14:creationId xmlns:p14="http://schemas.microsoft.com/office/powerpoint/2010/main" val="1511659555"/>
+        <p14:creationId xmlns:p14="http://schemas.microsoft.com/office/powerpoint/2010/main" xmlns="" val="1511659555"/>
       </p:ext>
     </p:extLst>
   </p:cSld>
@@ -13473,7 +13073,7 @@
           <a:blip r:embed="rId2">
             <a:extLst>
               <a:ext uri="{28A0092B-C50C-407E-A947-70E740481C1C}">
-                <a14:useLocalDpi xmlns:a14="http://schemas.microsoft.com/office/drawing/2010/main" val="0"/>
+                <a14:useLocalDpi xmlns:a14="http://schemas.microsoft.com/office/drawing/2010/main" xmlns="" val="0"/>
               </a:ext>
             </a:extLst>
           </a:blip>
@@ -13497,14 +13097,14 @@
           <a:effectLst/>
           <a:extLst>
             <a:ext uri="{909E8E84-426E-40DD-AFC4-6F175D3DCCD1}">
-              <a14:hiddenFill xmlns:a14="http://schemas.microsoft.com/office/drawing/2010/main">
+              <a14:hiddenFill xmlns:a14="http://schemas.microsoft.com/office/drawing/2010/main" xmlns="">
                 <a:solidFill>
                   <a:schemeClr val="accent1"/>
                 </a:solidFill>
               </a14:hiddenFill>
             </a:ext>
             <a:ext uri="{91240B29-F687-4F45-9708-019B960494DF}">
-              <a14:hiddenLine xmlns:a14="http://schemas.microsoft.com/office/drawing/2010/main" w="9525">
+              <a14:hiddenLine xmlns:a14="http://schemas.microsoft.com/office/drawing/2010/main" xmlns="" w="9525">
                 <a:solidFill>
                   <a:schemeClr val="tx1"/>
                 </a:solidFill>
@@ -13514,7 +13114,7 @@
               </a14:hiddenLine>
             </a:ext>
             <a:ext uri="{AF507438-7753-43E0-B8FC-AC1667EBCBE1}">
-              <a14:hiddenEffects xmlns:a14="http://schemas.microsoft.com/office/drawing/2010/main">
+              <a14:hiddenEffects xmlns:a14="http://schemas.microsoft.com/office/drawing/2010/main" xmlns="">
                 <a:effectLst>
                   <a:outerShdw dist="35921" dir="2700000" algn="ctr" rotWithShape="0">
                     <a:schemeClr val="bg2"/>
@@ -13595,7 +13195,7 @@
           <a:blip r:embed="rId3">
             <a:extLst>
               <a:ext uri="{28A0092B-C50C-407E-A947-70E740481C1C}">
-                <a14:useLocalDpi xmlns:a14="http://schemas.microsoft.com/office/drawing/2010/main" val="0"/>
+                <a14:useLocalDpi xmlns:a14="http://schemas.microsoft.com/office/drawing/2010/main" xmlns="" val="0"/>
               </a:ext>
             </a:extLst>
           </a:blip>
@@ -13615,7 +13215,7 @@
           <a:noFill/>
           <a:extLst>
             <a:ext uri="{909E8E84-426E-40DD-AFC4-6F175D3DCCD1}">
-              <a14:hiddenFill xmlns:a14="http://schemas.microsoft.com/office/drawing/2010/main">
+              <a14:hiddenFill xmlns:a14="http://schemas.microsoft.com/office/drawing/2010/main" xmlns="">
                 <a:solidFill>
                   <a:srgbClr val="FFFFFF"/>
                 </a:solidFill>
@@ -13670,7 +13270,7 @@
     </p:spTree>
     <p:extLst>
       <p:ext uri="{BB962C8B-B14F-4D97-AF65-F5344CB8AC3E}">
-        <p14:creationId xmlns:p14="http://schemas.microsoft.com/office/powerpoint/2010/main" val="2584803955"/>
+        <p14:creationId xmlns:p14="http://schemas.microsoft.com/office/powerpoint/2010/main" xmlns="" val="2584803955"/>
       </p:ext>
     </p:extLst>
   </p:cSld>
@@ -13743,7 +13343,7 @@
           <a:blip r:embed="rId2">
             <a:extLst>
               <a:ext uri="{28A0092B-C50C-407E-A947-70E740481C1C}">
-                <a14:useLocalDpi xmlns:a14="http://schemas.microsoft.com/office/drawing/2010/main" val="0"/>
+                <a14:useLocalDpi xmlns:a14="http://schemas.microsoft.com/office/drawing/2010/main" xmlns="" val="0"/>
               </a:ext>
             </a:extLst>
           </a:blip>
@@ -13767,14 +13367,14 @@
           <a:effectLst/>
           <a:extLst>
             <a:ext uri="{909E8E84-426E-40DD-AFC4-6F175D3DCCD1}">
-              <a14:hiddenFill xmlns:a14="http://schemas.microsoft.com/office/drawing/2010/main">
+              <a14:hiddenFill xmlns:a14="http://schemas.microsoft.com/office/drawing/2010/main" xmlns="">
                 <a:solidFill>
                   <a:schemeClr val="accent1"/>
                 </a:solidFill>
               </a14:hiddenFill>
             </a:ext>
             <a:ext uri="{91240B29-F687-4F45-9708-019B960494DF}">
-              <a14:hiddenLine xmlns:a14="http://schemas.microsoft.com/office/drawing/2010/main" w="9525">
+              <a14:hiddenLine xmlns:a14="http://schemas.microsoft.com/office/drawing/2010/main" xmlns="" w="9525">
                 <a:solidFill>
                   <a:schemeClr val="tx1"/>
                 </a:solidFill>
@@ -13784,7 +13384,7 @@
               </a14:hiddenLine>
             </a:ext>
             <a:ext uri="{AF507438-7753-43E0-B8FC-AC1667EBCBE1}">
-              <a14:hiddenEffects xmlns:a14="http://schemas.microsoft.com/office/drawing/2010/main">
+              <a14:hiddenEffects xmlns:a14="http://schemas.microsoft.com/office/drawing/2010/main" xmlns="">
                 <a:effectLst>
                   <a:outerShdw dist="35921" dir="2700000" algn="ctr" rotWithShape="0">
                     <a:schemeClr val="bg2"/>
@@ -13851,7 +13451,7 @@
           <a:blip r:embed="rId3">
             <a:extLst>
               <a:ext uri="{28A0092B-C50C-407E-A947-70E740481C1C}">
-                <a14:useLocalDpi xmlns:a14="http://schemas.microsoft.com/office/drawing/2010/main" val="0"/>
+                <a14:useLocalDpi xmlns:a14="http://schemas.microsoft.com/office/drawing/2010/main" xmlns="" val="0"/>
               </a:ext>
             </a:extLst>
           </a:blip>
@@ -13875,14 +13475,14 @@
           <a:effectLst/>
           <a:extLst>
             <a:ext uri="{909E8E84-426E-40DD-AFC4-6F175D3DCCD1}">
-              <a14:hiddenFill xmlns:a14="http://schemas.microsoft.com/office/drawing/2010/main">
+              <a14:hiddenFill xmlns:a14="http://schemas.microsoft.com/office/drawing/2010/main" xmlns="">
                 <a:solidFill>
                   <a:schemeClr val="accent1"/>
                 </a:solidFill>
               </a14:hiddenFill>
             </a:ext>
             <a:ext uri="{91240B29-F687-4F45-9708-019B960494DF}">
-              <a14:hiddenLine xmlns:a14="http://schemas.microsoft.com/office/drawing/2010/main" w="9525">
+              <a14:hiddenLine xmlns:a14="http://schemas.microsoft.com/office/drawing/2010/main" xmlns="" w="9525">
                 <a:solidFill>
                   <a:schemeClr val="tx1"/>
                 </a:solidFill>
@@ -13892,7 +13492,7 @@
               </a14:hiddenLine>
             </a:ext>
             <a:ext uri="{AF507438-7753-43E0-B8FC-AC1667EBCBE1}">
-              <a14:hiddenEffects xmlns:a14="http://schemas.microsoft.com/office/drawing/2010/main">
+              <a14:hiddenEffects xmlns:a14="http://schemas.microsoft.com/office/drawing/2010/main" xmlns="">
                 <a:effectLst>
                   <a:outerShdw dist="35921" dir="2700000" algn="ctr" rotWithShape="0">
                     <a:schemeClr val="bg2"/>
@@ -13956,25 +13556,6 @@
       </p:sp>
       <p:sp>
         <p:nvSpPr>
-          <p:cNvPr id="8" name="Content Placeholder 7"/>
-          <p:cNvSpPr>
-            <a:spLocks noGrp="1"/>
-          </p:cNvSpPr>
-          <p:nvPr>
-            <p:ph sz="half" idx="1"/>
-          </p:nvPr>
-        </p:nvSpPr>
-        <p:spPr/>
-        <p:txBody>
-          <a:bodyPr/>
-          <a:lstStyle/>
-          <a:p>
-            <a:endParaRPr lang="en-US"/>
-          </a:p>
-        </p:txBody>
-      </p:sp>
-      <p:sp>
-        <p:nvSpPr>
           <p:cNvPr id="14" name="Content Placeholder 1"/>
           <p:cNvSpPr>
             <a:spLocks noGrp="1"/>
@@ -13996,17 +13577,17 @@
           <a:lstStyle/>
           <a:p>
             <a:r>
+              <a:rPr lang="en-US" dirty="0">
+                <a:latin typeface="Times New Roman" pitchFamily="18" charset="0"/>
+                <a:cs typeface="Times New Roman" pitchFamily="18" charset="0"/>
+              </a:rPr>
+              <a:t>http</a:t>
+            </a:r>
+            <a:r>
               <a:rPr lang="en-US">
                 <a:latin typeface="Times New Roman" pitchFamily="18" charset="0"/>
                 <a:cs typeface="Times New Roman" pitchFamily="18" charset="0"/>
               </a:rPr>
-              <a:t>http</a:t>
-            </a:r>
-            <a:r>
-              <a:rPr lang="en-US">
-                <a:latin typeface="Times New Roman" pitchFamily="18" charset="0"/>
-                <a:cs typeface="Times New Roman" pitchFamily="18" charset="0"/>
-              </a:rPr>
               <a:t>://</a:t>
             </a:r>
             <a:r>
@@ -14014,9 +13595,9 @@
                 <a:latin typeface="Times New Roman" pitchFamily="18" charset="0"/>
                 <a:cs typeface="Times New Roman" pitchFamily="18" charset="0"/>
               </a:rPr>
-              <a:t>www.ranorex.com/support/user-guide-20/lesson-4-ranorex-test-suite.htmlds</a:t>
-            </a:r>
-            <a:endParaRPr lang="en-US">
+              <a:t>www.ranorex.com/support/user-guide-20/lesson-4-ranorex-test-suite.html</a:t>
+            </a:r>
+            <a:endParaRPr lang="en-US" dirty="0">
               <a:latin typeface="Times New Roman" pitchFamily="18" charset="0"/>
               <a:cs typeface="Times New Roman" pitchFamily="18" charset="0"/>
             </a:endParaRPr>
@@ -14026,7 +13607,7 @@
     </p:spTree>
     <p:extLst>
       <p:ext uri="{BB962C8B-B14F-4D97-AF65-F5344CB8AC3E}">
-        <p14:creationId xmlns:p14="http://schemas.microsoft.com/office/powerpoint/2010/main" val="2237039494"/>
+        <p14:creationId xmlns:p14="http://schemas.microsoft.com/office/powerpoint/2010/main" xmlns="" val="2237039494"/>
       </p:ext>
     </p:extLst>
   </p:cSld>
@@ -15292,7 +14873,7 @@
     </p:spTree>
     <p:extLst>
       <p:ext uri="{BB962C8B-B14F-4D97-AF65-F5344CB8AC3E}">
-        <p14:creationId xmlns:p14="http://schemas.microsoft.com/office/powerpoint/2010/main" val="1721387239"/>
+        <p14:creationId xmlns:p14="http://schemas.microsoft.com/office/powerpoint/2010/main" xmlns="" val="1721387239"/>
       </p:ext>
     </p:extLst>
   </p:cSld>
@@ -15391,7 +14972,7 @@
           <a:blip r:embed="rId2">
             <a:extLst>
               <a:ext uri="{28A0092B-C50C-407E-A947-70E740481C1C}">
-                <a14:useLocalDpi xmlns:a14="http://schemas.microsoft.com/office/drawing/2010/main" val="0"/>
+                <a14:useLocalDpi xmlns:a14="http://schemas.microsoft.com/office/drawing/2010/main" xmlns="" val="0"/>
               </a:ext>
             </a:extLst>
           </a:blip>
@@ -15415,14 +14996,14 @@
           <a:effectLst/>
           <a:extLst>
             <a:ext uri="{909E8E84-426E-40DD-AFC4-6F175D3DCCD1}">
-              <a14:hiddenFill xmlns:a14="http://schemas.microsoft.com/office/drawing/2010/main">
+              <a14:hiddenFill xmlns:a14="http://schemas.microsoft.com/office/drawing/2010/main" xmlns="">
                 <a:solidFill>
                   <a:schemeClr val="accent1"/>
                 </a:solidFill>
               </a14:hiddenFill>
             </a:ext>
             <a:ext uri="{91240B29-F687-4F45-9708-019B960494DF}">
-              <a14:hiddenLine xmlns:a14="http://schemas.microsoft.com/office/drawing/2010/main" w="9525">
+              <a14:hiddenLine xmlns:a14="http://schemas.microsoft.com/office/drawing/2010/main" xmlns="" w="9525">
                 <a:solidFill>
                   <a:schemeClr val="tx1"/>
                 </a:solidFill>
@@ -15432,7 +15013,7 @@
               </a14:hiddenLine>
             </a:ext>
             <a:ext uri="{AF507438-7753-43E0-B8FC-AC1667EBCBE1}">
-              <a14:hiddenEffects xmlns:a14="http://schemas.microsoft.com/office/drawing/2010/main">
+              <a14:hiddenEffects xmlns:a14="http://schemas.microsoft.com/office/drawing/2010/main" xmlns="">
                 <a:effectLst>
                   <a:outerShdw dist="35921" dir="2700000" algn="ctr" rotWithShape="0">
                     <a:schemeClr val="bg2"/>
@@ -15629,7 +15210,7 @@
     </p:spTree>
     <p:extLst>
       <p:ext uri="{BB962C8B-B14F-4D97-AF65-F5344CB8AC3E}">
-        <p14:creationId xmlns:p14="http://schemas.microsoft.com/office/powerpoint/2010/main" val="123476170"/>
+        <p14:creationId xmlns:p14="http://schemas.microsoft.com/office/powerpoint/2010/main" xmlns="" val="123476170"/>
       </p:ext>
     </p:extLst>
   </p:cSld>
@@ -15687,7 +15268,7 @@
     </p:spTree>
     <p:extLst>
       <p:ext uri="{BB962C8B-B14F-4D97-AF65-F5344CB8AC3E}">
-        <p14:creationId xmlns:p14="http://schemas.microsoft.com/office/powerpoint/2010/main" val="2579548298"/>
+        <p14:creationId xmlns:p14="http://schemas.microsoft.com/office/powerpoint/2010/main" xmlns="" val="2579548298"/>
       </p:ext>
     </p:extLst>
   </p:cSld>

--- a/auto-test/Android Autotest Tool.pptx
+++ b/auto-test/Android Autotest Tool.pptx
@@ -29,10 +29,12 @@
     <p:sldId id="284" r:id="rId23"/>
     <p:sldId id="289" r:id="rId24"/>
     <p:sldId id="290" r:id="rId25"/>
-    <p:sldId id="283" r:id="rId26"/>
-    <p:sldId id="265" r:id="rId27"/>
-    <p:sldId id="268" r:id="rId28"/>
-    <p:sldId id="270" r:id="rId29"/>
+    <p:sldId id="291" r:id="rId26"/>
+    <p:sldId id="292" r:id="rId27"/>
+    <p:sldId id="283" r:id="rId28"/>
+    <p:sldId id="265" r:id="rId29"/>
+    <p:sldId id="268" r:id="rId30"/>
+    <p:sldId id="270" r:id="rId31"/>
   </p:sldIdLst>
   <p:sldSz cx="9144000" cy="6858000" type="screen4x3"/>
   <p:notesSz cx="6858000" cy="9144000"/>
@@ -4922,7 +4924,7 @@
     </p:spTree>
     <p:extLst>
       <p:ext uri="{BB962C8B-B14F-4D97-AF65-F5344CB8AC3E}">
-        <p14:creationId xmlns:p14="http://schemas.microsoft.com/office/powerpoint/2010/main" xmlns="" val="4087301228"/>
+        <p14:creationId xmlns:p14="http://schemas.microsoft.com/office/powerpoint/2010/main" val="4087301228"/>
       </p:ext>
     </p:extLst>
   </p:cSld>
@@ -7255,7 +7257,7 @@
     </p:spTree>
     <p:extLst>
       <p:ext uri="{BB962C8B-B14F-4D97-AF65-F5344CB8AC3E}">
-        <p14:creationId xmlns:p14="http://schemas.microsoft.com/office/powerpoint/2010/main" xmlns="" val="751134777"/>
+        <p14:creationId xmlns:p14="http://schemas.microsoft.com/office/powerpoint/2010/main" val="751134777"/>
       </p:ext>
     </p:extLst>
   </p:cSld>
@@ -7550,7 +7552,7 @@
 </file>
 
 <file path=ppt/slides/slide15.xml><?xml version="1.0" encoding="utf-8"?>
-<p:sld xmlns:a="http://schemas.openxmlformats.org/drawingml/2006/main" xmlns:r="http://schemas.openxmlformats.org/officeDocument/2006/relationships" xmlns:p="http://schemas.openxmlformats.org/presentationml/2006/main">
+<p:sld xmlns:a="http://schemas.openxmlformats.org/drawingml/2006/main" xmlns:r="http://schemas.openxmlformats.org/officeDocument/2006/relationships" xmlns:p="http://schemas.openxmlformats.org/presentationml/2006/main" show="0">
   <p:cSld>
     <p:spTree>
       <p:nvGrpSpPr>
@@ -8719,18 +8721,26 @@
     </p:spTree>
     <p:extLst>
       <p:ext uri="{BB962C8B-B14F-4D97-AF65-F5344CB8AC3E}">
-        <p14:creationId xmlns:p14="http://schemas.microsoft.com/office/powerpoint/2010/main" xmlns="" val="1246253368"/>
+        <p14:creationId xmlns:p14="http://schemas.microsoft.com/office/powerpoint/2010/main" val="1246253368"/>
       </p:ext>
     </p:extLst>
   </p:cSld>
   <p:clrMapOvr>
     <a:masterClrMapping/>
   </p:clrMapOvr>
+  <mc:AlternateContent xmlns:mc="http://schemas.openxmlformats.org/markup-compatibility/2006">
+    <mc:Choice xmlns:p14="http://schemas.microsoft.com/office/powerpoint/2010/main" Requires="p14">
+      <p:transition spd="slow" p14:dur="2000"/>
+    </mc:Choice>
+    <mc:Fallback>
+      <p:transition spd="slow"/>
+    </mc:Fallback>
+  </mc:AlternateContent>
 </p:sld>
 </file>
 
 <file path=ppt/slides/slide16.xml><?xml version="1.0" encoding="utf-8"?>
-<p:sld xmlns:a="http://schemas.openxmlformats.org/drawingml/2006/main" xmlns:r="http://schemas.openxmlformats.org/officeDocument/2006/relationships" xmlns:p="http://schemas.openxmlformats.org/presentationml/2006/main">
+<p:sld xmlns:a="http://schemas.openxmlformats.org/drawingml/2006/main" xmlns:r="http://schemas.openxmlformats.org/officeDocument/2006/relationships" xmlns:p="http://schemas.openxmlformats.org/presentationml/2006/main" show="0">
   <p:cSld>
     <p:spTree>
       <p:nvGrpSpPr>
@@ -8836,14 +8846,14 @@
           <a:effectLst/>
           <a:extLst>
             <a:ext uri="{909E8E84-426E-40DD-AFC4-6F175D3DCCD1}">
-              <a14:hiddenFill xmlns:a14="http://schemas.microsoft.com/office/drawing/2010/main" xmlns="">
+              <a14:hiddenFill xmlns:a14="http://schemas.microsoft.com/office/drawing/2010/main">
                 <a:solidFill>
                   <a:schemeClr val="accent1"/>
                 </a:solidFill>
               </a14:hiddenFill>
             </a:ext>
             <a:ext uri="{91240B29-F687-4F45-9708-019B960494DF}">
-              <a14:hiddenLine xmlns:a14="http://schemas.microsoft.com/office/drawing/2010/main" xmlns="" w="9525">
+              <a14:hiddenLine xmlns:a14="http://schemas.microsoft.com/office/drawing/2010/main" w="9525">
                 <a:solidFill>
                   <a:schemeClr val="tx1"/>
                 </a:solidFill>
@@ -8853,7 +8863,7 @@
               </a14:hiddenLine>
             </a:ext>
             <a:ext uri="{AF507438-7753-43E0-B8FC-AC1667EBCBE1}">
-              <a14:hiddenEffects xmlns:a14="http://schemas.microsoft.com/office/drawing/2010/main" xmlns="">
+              <a14:hiddenEffects xmlns:a14="http://schemas.microsoft.com/office/drawing/2010/main">
                 <a:effectLst>
                   <a:outerShdw dist="35921" dir="2700000" algn="ctr" rotWithShape="0">
                     <a:schemeClr val="bg2"/>
@@ -8885,7 +8895,7 @@
           <p:nvPr>
             <p:extLst>
               <p:ext uri="{D42A27DB-BD31-4B8C-83A1-F6EECF244321}">
-                <p14:modId xmlns:p14="http://schemas.microsoft.com/office/powerpoint/2010/main" xmlns="" val="4139227024"/>
+                <p14:modId xmlns:p14="http://schemas.microsoft.com/office/powerpoint/2010/main" val="4139227024"/>
               </p:ext>
             </p:extLst>
           </p:nvPr>
@@ -8896,9 +8906,59 @@
         </p:xfrm>
         <a:graphic>
           <a:graphicData uri="http://schemas.openxmlformats.org/presentationml/2006/ole">
-            <p:oleObj spid="_x0000_s35852" name="Image" r:id="rId3" imgW="7315200" imgH="5486400" progId="">
-              <p:embed/>
-            </p:oleObj>
+            <mc:AlternateContent xmlns:mc="http://schemas.openxmlformats.org/markup-compatibility/2006">
+              <mc:Choice xmlns:v="urn:schemas-microsoft-com:vml" Requires="v">
+                <p:oleObj spid="_x0000_s35896" name="Image" r:id="rId3" imgW="7315200" imgH="5486400" progId="">
+                  <p:embed/>
+                </p:oleObj>
+              </mc:Choice>
+              <mc:Fallback>
+                <p:oleObj name="Image" r:id="rId3" imgW="7315200" imgH="5486400" progId="">
+                  <p:embed/>
+                  <p:pic>
+                    <p:nvPicPr>
+                      <p:cNvPr id="0" name="Picture 12"/>
+                      <p:cNvPicPr>
+                        <a:picLocks noChangeAspect="1" noChangeArrowheads="1"/>
+                      </p:cNvPicPr>
+                      <p:nvPr/>
+                    </p:nvPicPr>
+                    <p:blipFill>
+                      <a:blip r:embed="rId4">
+                        <a:extLst>
+                          <a:ext uri="{28A0092B-C50C-407E-A947-70E740481C1C}">
+                            <a14:useLocalDpi xmlns:a14="http://schemas.microsoft.com/office/drawing/2010/main" val="0"/>
+                          </a:ext>
+                        </a:extLst>
+                      </a:blip>
+                      <a:srcRect/>
+                      <a:stretch>
+                        <a:fillRect/>
+                      </a:stretch>
+                    </p:blipFill>
+                    <p:spPr bwMode="auto">
+                      <a:xfrm>
+                        <a:off x="152400" y="990600"/>
+                        <a:ext cx="5486400" cy="4114800"/>
+                      </a:xfrm>
+                      <a:prstGeom prst="rect">
+                        <a:avLst/>
+                      </a:prstGeom>
+                      <a:noFill/>
+                      <a:extLst>
+                        <a:ext uri="{909E8E84-426E-40DD-AFC4-6F175D3DCCD1}">
+                          <a14:hiddenFill xmlns:a14="http://schemas.microsoft.com/office/drawing/2010/main">
+                            <a:solidFill>
+                              <a:srgbClr val="FFFFFF"/>
+                            </a:solidFill>
+                          </a14:hiddenFill>
+                        </a:ext>
+                      </a:extLst>
+                    </p:spPr>
+                  </p:pic>
+                </p:oleObj>
+              </mc:Fallback>
+            </mc:AlternateContent>
           </a:graphicData>
         </a:graphic>
       </p:graphicFrame>
@@ -8925,14 +8985,14 @@
           <a:effectLst/>
           <a:extLst>
             <a:ext uri="{909E8E84-426E-40DD-AFC4-6F175D3DCCD1}">
-              <a14:hiddenFill xmlns:a14="http://schemas.microsoft.com/office/drawing/2010/main" xmlns="">
+              <a14:hiddenFill xmlns:a14="http://schemas.microsoft.com/office/drawing/2010/main">
                 <a:solidFill>
                   <a:schemeClr val="accent1"/>
                 </a:solidFill>
               </a14:hiddenFill>
             </a:ext>
             <a:ext uri="{91240B29-F687-4F45-9708-019B960494DF}">
-              <a14:hiddenLine xmlns:a14="http://schemas.microsoft.com/office/drawing/2010/main" xmlns="" w="9525">
+              <a14:hiddenLine xmlns:a14="http://schemas.microsoft.com/office/drawing/2010/main" w="9525">
                 <a:solidFill>
                   <a:schemeClr val="tx1"/>
                 </a:solidFill>
@@ -8942,7 +9002,7 @@
               </a14:hiddenLine>
             </a:ext>
             <a:ext uri="{AF507438-7753-43E0-B8FC-AC1667EBCBE1}">
-              <a14:hiddenEffects xmlns:a14="http://schemas.microsoft.com/office/drawing/2010/main" xmlns="">
+              <a14:hiddenEffects xmlns:a14="http://schemas.microsoft.com/office/drawing/2010/main">
                 <a:effectLst>
                   <a:outerShdw dist="35921" dir="2700000" algn="ctr" rotWithShape="0">
                     <a:schemeClr val="bg2"/>
@@ -8974,7 +9034,7 @@
           <p:nvPr>
             <p:extLst>
               <p:ext uri="{D42A27DB-BD31-4B8C-83A1-F6EECF244321}">
-                <p14:modId xmlns:p14="http://schemas.microsoft.com/office/powerpoint/2010/main" xmlns="" val="438342961"/>
+                <p14:modId xmlns:p14="http://schemas.microsoft.com/office/powerpoint/2010/main" val="438342961"/>
               </p:ext>
             </p:extLst>
           </p:nvPr>
@@ -8985,9 +9045,59 @@
         </p:xfrm>
         <a:graphic>
           <a:graphicData uri="http://schemas.openxmlformats.org/presentationml/2006/ole">
-            <p:oleObj spid="_x0000_s35853" name="Image" r:id="rId4" imgW="3657600" imgH="3657600" progId="">
-              <p:embed/>
-            </p:oleObj>
+            <mc:AlternateContent xmlns:mc="http://schemas.openxmlformats.org/markup-compatibility/2006">
+              <mc:Choice xmlns:v="urn:schemas-microsoft-com:vml" Requires="v">
+                <p:oleObj spid="_x0000_s35897" name="Image" r:id="rId5" imgW="3657600" imgH="3657600" progId="">
+                  <p:embed/>
+                </p:oleObj>
+              </mc:Choice>
+              <mc:Fallback>
+                <p:oleObj name="Image" r:id="rId5" imgW="3657600" imgH="3657600" progId="">
+                  <p:embed/>
+                  <p:pic>
+                    <p:nvPicPr>
+                      <p:cNvPr id="0" name="Picture 13"/>
+                      <p:cNvPicPr>
+                        <a:picLocks noChangeAspect="1" noChangeArrowheads="1"/>
+                      </p:cNvPicPr>
+                      <p:nvPr/>
+                    </p:nvPicPr>
+                    <p:blipFill>
+                      <a:blip r:embed="rId6">
+                        <a:extLst>
+                          <a:ext uri="{28A0092B-C50C-407E-A947-70E740481C1C}">
+                            <a14:useLocalDpi xmlns:a14="http://schemas.microsoft.com/office/drawing/2010/main" val="0"/>
+                          </a:ext>
+                        </a:extLst>
+                      </a:blip>
+                      <a:srcRect/>
+                      <a:stretch>
+                        <a:fillRect/>
+                      </a:stretch>
+                    </p:blipFill>
+                    <p:spPr bwMode="auto">
+                      <a:xfrm>
+                        <a:off x="5715000" y="0"/>
+                        <a:ext cx="2743200" cy="2743200"/>
+                      </a:xfrm>
+                      <a:prstGeom prst="rect">
+                        <a:avLst/>
+                      </a:prstGeom>
+                      <a:noFill/>
+                      <a:extLst>
+                        <a:ext uri="{909E8E84-426E-40DD-AFC4-6F175D3DCCD1}">
+                          <a14:hiddenFill xmlns:a14="http://schemas.microsoft.com/office/drawing/2010/main">
+                            <a:solidFill>
+                              <a:srgbClr val="FFFFFF"/>
+                            </a:solidFill>
+                          </a14:hiddenFill>
+                        </a:ext>
+                      </a:extLst>
+                    </p:spPr>
+                  </p:pic>
+                </p:oleObj>
+              </mc:Fallback>
+            </mc:AlternateContent>
           </a:graphicData>
         </a:graphic>
       </p:graphicFrame>
@@ -9014,14 +9124,14 @@
           <a:effectLst/>
           <a:extLst>
             <a:ext uri="{909E8E84-426E-40DD-AFC4-6F175D3DCCD1}">
-              <a14:hiddenFill xmlns:a14="http://schemas.microsoft.com/office/drawing/2010/main" xmlns="">
+              <a14:hiddenFill xmlns:a14="http://schemas.microsoft.com/office/drawing/2010/main">
                 <a:solidFill>
                   <a:schemeClr val="accent1"/>
                 </a:solidFill>
               </a14:hiddenFill>
             </a:ext>
             <a:ext uri="{91240B29-F687-4F45-9708-019B960494DF}">
-              <a14:hiddenLine xmlns:a14="http://schemas.microsoft.com/office/drawing/2010/main" xmlns="" w="9525">
+              <a14:hiddenLine xmlns:a14="http://schemas.microsoft.com/office/drawing/2010/main" w="9525">
                 <a:solidFill>
                   <a:schemeClr val="tx1"/>
                 </a:solidFill>
@@ -9031,7 +9141,7 @@
               </a14:hiddenLine>
             </a:ext>
             <a:ext uri="{AF507438-7753-43E0-B8FC-AC1667EBCBE1}">
-              <a14:hiddenEffects xmlns:a14="http://schemas.microsoft.com/office/drawing/2010/main" xmlns="">
+              <a14:hiddenEffects xmlns:a14="http://schemas.microsoft.com/office/drawing/2010/main">
                 <a:effectLst>
                   <a:outerShdw dist="35921" dir="2700000" algn="ctr" rotWithShape="0">
                     <a:schemeClr val="bg2"/>
@@ -9118,10 +9228,10 @@
             <p:nvPr/>
           </p:nvPicPr>
           <p:blipFill>
-            <a:blip r:embed="rId5">
+            <a:blip r:embed="rId7">
               <a:extLst>
                 <a:ext uri="{28A0092B-C50C-407E-A947-70E740481C1C}">
-                  <a14:useLocalDpi xmlns:a14="http://schemas.microsoft.com/office/drawing/2010/main" xmlns="" val="0"/>
+                  <a14:useLocalDpi xmlns:a14="http://schemas.microsoft.com/office/drawing/2010/main" val="0"/>
                 </a:ext>
               </a:extLst>
             </a:blip>
@@ -9145,14 +9255,14 @@
             <a:effectLst/>
             <a:extLst>
               <a:ext uri="{909E8E84-426E-40DD-AFC4-6F175D3DCCD1}">
-                <a14:hiddenFill xmlns:a14="http://schemas.microsoft.com/office/drawing/2010/main" xmlns="">
+                <a14:hiddenFill xmlns:a14="http://schemas.microsoft.com/office/drawing/2010/main">
                   <a:solidFill>
                     <a:schemeClr val="accent1"/>
                   </a:solidFill>
                 </a14:hiddenFill>
               </a:ext>
               <a:ext uri="{91240B29-F687-4F45-9708-019B960494DF}">
-                <a14:hiddenLine xmlns:a14="http://schemas.microsoft.com/office/drawing/2010/main" xmlns="" w="9525">
+                <a14:hiddenLine xmlns:a14="http://schemas.microsoft.com/office/drawing/2010/main" w="9525">
                   <a:solidFill>
                     <a:schemeClr val="tx1"/>
                   </a:solidFill>
@@ -9162,7 +9272,7 @@
                 </a14:hiddenLine>
               </a:ext>
               <a:ext uri="{AF507438-7753-43E0-B8FC-AC1667EBCBE1}">
-                <a14:hiddenEffects xmlns:a14="http://schemas.microsoft.com/office/drawing/2010/main" xmlns="">
+                <a14:hiddenEffects xmlns:a14="http://schemas.microsoft.com/office/drawing/2010/main">
                   <a:effectLst>
                     <a:outerShdw dist="35921" dir="2700000" algn="ctr" rotWithShape="0">
                       <a:schemeClr val="bg2"/>
@@ -9218,18 +9328,26 @@
     </p:spTree>
     <p:extLst>
       <p:ext uri="{BB962C8B-B14F-4D97-AF65-F5344CB8AC3E}">
-        <p14:creationId xmlns:p14="http://schemas.microsoft.com/office/powerpoint/2010/main" xmlns="" val="3391081395"/>
+        <p14:creationId xmlns:p14="http://schemas.microsoft.com/office/powerpoint/2010/main" val="3391081395"/>
       </p:ext>
     </p:extLst>
   </p:cSld>
   <p:clrMapOvr>
     <a:masterClrMapping/>
   </p:clrMapOvr>
+  <mc:AlternateContent xmlns:mc="http://schemas.openxmlformats.org/markup-compatibility/2006">
+    <mc:Choice xmlns:p14="http://schemas.microsoft.com/office/powerpoint/2010/main" Requires="p14">
+      <p:transition spd="slow" p14:dur="2000"/>
+    </mc:Choice>
+    <mc:Fallback>
+      <p:transition spd="slow"/>
+    </mc:Fallback>
+  </mc:AlternateContent>
 </p:sld>
 </file>
 
 <file path=ppt/slides/slide17.xml><?xml version="1.0" encoding="utf-8"?>
-<p:sld xmlns:a="http://schemas.openxmlformats.org/drawingml/2006/main" xmlns:r="http://schemas.openxmlformats.org/officeDocument/2006/relationships" xmlns:p="http://schemas.openxmlformats.org/presentationml/2006/main">
+<p:sld xmlns:a="http://schemas.openxmlformats.org/drawingml/2006/main" xmlns:r="http://schemas.openxmlformats.org/officeDocument/2006/relationships" xmlns:p="http://schemas.openxmlformats.org/presentationml/2006/main" show="0">
   <p:cSld>
     <p:spTree>
       <p:nvGrpSpPr>
@@ -9335,14 +9453,14 @@
           <a:effectLst/>
           <a:extLst>
             <a:ext uri="{909E8E84-426E-40DD-AFC4-6F175D3DCCD1}">
-              <a14:hiddenFill xmlns:a14="http://schemas.microsoft.com/office/drawing/2010/main" xmlns="">
+              <a14:hiddenFill xmlns:a14="http://schemas.microsoft.com/office/drawing/2010/main">
                 <a:solidFill>
                   <a:schemeClr val="accent1"/>
                 </a:solidFill>
               </a14:hiddenFill>
             </a:ext>
             <a:ext uri="{91240B29-F687-4F45-9708-019B960494DF}">
-              <a14:hiddenLine xmlns:a14="http://schemas.microsoft.com/office/drawing/2010/main" xmlns="" w="9525">
+              <a14:hiddenLine xmlns:a14="http://schemas.microsoft.com/office/drawing/2010/main" w="9525">
                 <a:solidFill>
                   <a:schemeClr val="tx1"/>
                 </a:solidFill>
@@ -9352,7 +9470,7 @@
               </a14:hiddenLine>
             </a:ext>
             <a:ext uri="{AF507438-7753-43E0-B8FC-AC1667EBCBE1}">
-              <a14:hiddenEffects xmlns:a14="http://schemas.microsoft.com/office/drawing/2010/main" xmlns="">
+              <a14:hiddenEffects xmlns:a14="http://schemas.microsoft.com/office/drawing/2010/main">
                 <a:effectLst>
                   <a:outerShdw dist="35921" dir="2700000" algn="ctr" rotWithShape="0">
                     <a:schemeClr val="bg2"/>
@@ -9384,7 +9502,7 @@
           <p:nvPr>
             <p:extLst>
               <p:ext uri="{D42A27DB-BD31-4B8C-83A1-F6EECF244321}">
-                <p14:modId xmlns:p14="http://schemas.microsoft.com/office/powerpoint/2010/main" xmlns="" val="3941052910"/>
+                <p14:modId xmlns:p14="http://schemas.microsoft.com/office/powerpoint/2010/main" val="3941052910"/>
               </p:ext>
             </p:extLst>
           </p:nvPr>
@@ -9395,22 +9513,80 @@
         </p:xfrm>
         <a:graphic>
           <a:graphicData uri="http://schemas.openxmlformats.org/presentationml/2006/ole">
-            <p:oleObj spid="_x0000_s36871" name="Image" r:id="rId3" imgW="8229600" imgH="5486400" progId="">
-              <p:embed/>
-            </p:oleObj>
+            <mc:AlternateContent xmlns:mc="http://schemas.openxmlformats.org/markup-compatibility/2006">
+              <mc:Choice xmlns:v="urn:schemas-microsoft-com:vml" Requires="v">
+                <p:oleObj spid="_x0000_s36893" name="Image" r:id="rId3" imgW="8229600" imgH="5486400" progId="">
+                  <p:embed/>
+                </p:oleObj>
+              </mc:Choice>
+              <mc:Fallback>
+                <p:oleObj name="Image" r:id="rId3" imgW="8229600" imgH="5486400" progId="">
+                  <p:embed/>
+                  <p:pic>
+                    <p:nvPicPr>
+                      <p:cNvPr id="0" name="Picture 7"/>
+                      <p:cNvPicPr>
+                        <a:picLocks noChangeAspect="1" noChangeArrowheads="1"/>
+                      </p:cNvPicPr>
+                      <p:nvPr/>
+                    </p:nvPicPr>
+                    <p:blipFill>
+                      <a:blip r:embed="rId4">
+                        <a:extLst>
+                          <a:ext uri="{28A0092B-C50C-407E-A947-70E740481C1C}">
+                            <a14:useLocalDpi xmlns:a14="http://schemas.microsoft.com/office/drawing/2010/main" val="0"/>
+                          </a:ext>
+                        </a:extLst>
+                      </a:blip>
+                      <a:srcRect/>
+                      <a:stretch>
+                        <a:fillRect/>
+                      </a:stretch>
+                    </p:blipFill>
+                    <p:spPr bwMode="auto">
+                      <a:xfrm>
+                        <a:off x="1295400" y="1066800"/>
+                        <a:ext cx="6172200" cy="4114800"/>
+                      </a:xfrm>
+                      <a:prstGeom prst="rect">
+                        <a:avLst/>
+                      </a:prstGeom>
+                      <a:noFill/>
+                      <a:extLst>
+                        <a:ext uri="{909E8E84-426E-40DD-AFC4-6F175D3DCCD1}">
+                          <a14:hiddenFill xmlns:a14="http://schemas.microsoft.com/office/drawing/2010/main">
+                            <a:solidFill>
+                              <a:srgbClr val="FFFFFF"/>
+                            </a:solidFill>
+                          </a14:hiddenFill>
+                        </a:ext>
+                      </a:extLst>
+                    </p:spPr>
+                  </p:pic>
+                </p:oleObj>
+              </mc:Fallback>
+            </mc:AlternateContent>
           </a:graphicData>
         </a:graphic>
       </p:graphicFrame>
     </p:spTree>
     <p:extLst>
       <p:ext uri="{BB962C8B-B14F-4D97-AF65-F5344CB8AC3E}">
-        <p14:creationId xmlns:p14="http://schemas.microsoft.com/office/powerpoint/2010/main" xmlns="" val="1382202276"/>
+        <p14:creationId xmlns:p14="http://schemas.microsoft.com/office/powerpoint/2010/main" val="1382202276"/>
       </p:ext>
     </p:extLst>
   </p:cSld>
   <p:clrMapOvr>
     <a:masterClrMapping/>
   </p:clrMapOvr>
+  <mc:AlternateContent xmlns:mc="http://schemas.openxmlformats.org/markup-compatibility/2006">
+    <mc:Choice xmlns:p14="http://schemas.microsoft.com/office/powerpoint/2010/main" Requires="p14">
+      <p:transition spd="slow" p14:dur="2000"/>
+    </mc:Choice>
+    <mc:Fallback>
+      <p:transition spd="slow"/>
+    </mc:Fallback>
+  </mc:AlternateContent>
 </p:sld>
 </file>
 
@@ -10906,7 +11082,7 @@
     </p:spTree>
     <p:extLst>
       <p:ext uri="{BB962C8B-B14F-4D97-AF65-F5344CB8AC3E}">
-        <p14:creationId xmlns:p14="http://schemas.microsoft.com/office/powerpoint/2010/main" xmlns="" val="2295439348"/>
+        <p14:creationId xmlns:p14="http://schemas.microsoft.com/office/powerpoint/2010/main" val="2295439348"/>
       </p:ext>
     </p:extLst>
   </p:cSld>
@@ -11002,7 +11178,7 @@
           <a:blip r:embed="rId2">
             <a:extLst>
               <a:ext uri="{28A0092B-C50C-407E-A947-70E740481C1C}">
-                <a14:useLocalDpi xmlns:a14="http://schemas.microsoft.com/office/drawing/2010/main" xmlns="" val="0"/>
+                <a14:useLocalDpi xmlns:a14="http://schemas.microsoft.com/office/drawing/2010/main" val="0"/>
               </a:ext>
             </a:extLst>
           </a:blip>
@@ -11026,14 +11202,14 @@
           <a:effectLst/>
           <a:extLst>
             <a:ext uri="{909E8E84-426E-40DD-AFC4-6F175D3DCCD1}">
-              <a14:hiddenFill xmlns:a14="http://schemas.microsoft.com/office/drawing/2010/main" xmlns="">
+              <a14:hiddenFill xmlns:a14="http://schemas.microsoft.com/office/drawing/2010/main">
                 <a:solidFill>
                   <a:schemeClr val="accent1"/>
                 </a:solidFill>
               </a14:hiddenFill>
             </a:ext>
             <a:ext uri="{91240B29-F687-4F45-9708-019B960494DF}">
-              <a14:hiddenLine xmlns:a14="http://schemas.microsoft.com/office/drawing/2010/main" xmlns="" w="9525">
+              <a14:hiddenLine xmlns:a14="http://schemas.microsoft.com/office/drawing/2010/main" w="9525">
                 <a:solidFill>
                   <a:schemeClr val="tx1"/>
                 </a:solidFill>
@@ -11043,7 +11219,7 @@
               </a14:hiddenLine>
             </a:ext>
             <a:ext uri="{AF507438-7753-43E0-B8FC-AC1667EBCBE1}">
-              <a14:hiddenEffects xmlns:a14="http://schemas.microsoft.com/office/drawing/2010/main" xmlns="">
+              <a14:hiddenEffects xmlns:a14="http://schemas.microsoft.com/office/drawing/2010/main">
                 <a:effectLst>
                   <a:outerShdw dist="35921" dir="2700000" algn="ctr" rotWithShape="0">
                     <a:schemeClr val="bg2"/>
@@ -11057,7 +11233,7 @@
     </p:spTree>
     <p:extLst>
       <p:ext uri="{BB962C8B-B14F-4D97-AF65-F5344CB8AC3E}">
-        <p14:creationId xmlns:p14="http://schemas.microsoft.com/office/powerpoint/2010/main" xmlns="" val="2919713960"/>
+        <p14:creationId xmlns:p14="http://schemas.microsoft.com/office/powerpoint/2010/main" val="2919713960"/>
       </p:ext>
     </p:extLst>
   </p:cSld>
@@ -12114,54 +12290,6 @@
       </p:grpSpPr>
       <p:sp>
         <p:nvSpPr>
-          <p:cNvPr id="2" name="Content Placeholder 1"/>
-          <p:cNvSpPr>
-            <a:spLocks noGrp="1"/>
-          </p:cNvSpPr>
-          <p:nvPr>
-            <p:ph sz="half" idx="1"/>
-          </p:nvPr>
-        </p:nvSpPr>
-        <p:spPr>
-          <a:xfrm>
-            <a:off x="822960" y="1097280"/>
-            <a:ext cx="7406640" cy="3712464"/>
-          </a:xfrm>
-        </p:spPr>
-        <p:txBody>
-          <a:bodyPr/>
-          <a:lstStyle/>
-          <a:p>
-            <a:endParaRPr lang="en-US"/>
-          </a:p>
-        </p:txBody>
-      </p:sp>
-      <p:sp>
-        <p:nvSpPr>
-          <p:cNvPr id="3" name="Content Placeholder 2"/>
-          <p:cNvSpPr>
-            <a:spLocks noGrp="1"/>
-          </p:cNvSpPr>
-          <p:nvPr>
-            <p:ph sz="half" idx="2"/>
-          </p:nvPr>
-        </p:nvSpPr>
-        <p:spPr>
-          <a:xfrm>
-            <a:off x="2743200" y="5715000"/>
-            <a:ext cx="3200400" cy="3712464"/>
-          </a:xfrm>
-        </p:spPr>
-        <p:txBody>
-          <a:bodyPr/>
-          <a:lstStyle/>
-          <a:p>
-            <a:endParaRPr lang="en-US"/>
-          </a:p>
-        </p:txBody>
-      </p:sp>
-      <p:sp>
-        <p:nvSpPr>
           <p:cNvPr id="4" name="Title 3"/>
           <p:cNvSpPr>
             <a:spLocks noGrp="1"/>
@@ -12205,14 +12333,14 @@
           <a:effectLst/>
           <a:extLst>
             <a:ext uri="{909E8E84-426E-40DD-AFC4-6F175D3DCCD1}">
-              <a14:hiddenFill xmlns:a14="http://schemas.microsoft.com/office/drawing/2010/main" xmlns="">
+              <a14:hiddenFill xmlns:a14="http://schemas.microsoft.com/office/drawing/2010/main">
                 <a:solidFill>
                   <a:schemeClr val="accent1"/>
                 </a:solidFill>
               </a14:hiddenFill>
             </a:ext>
             <a:ext uri="{91240B29-F687-4F45-9708-019B960494DF}">
-              <a14:hiddenLine xmlns:a14="http://schemas.microsoft.com/office/drawing/2010/main" xmlns="" w="9525">
+              <a14:hiddenLine xmlns:a14="http://schemas.microsoft.com/office/drawing/2010/main" w="9525">
                 <a:solidFill>
                   <a:schemeClr val="tx1"/>
                 </a:solidFill>
@@ -12222,7 +12350,7 @@
               </a14:hiddenLine>
             </a:ext>
             <a:ext uri="{AF507438-7753-43E0-B8FC-AC1667EBCBE1}">
-              <a14:hiddenEffects xmlns:a14="http://schemas.microsoft.com/office/drawing/2010/main" xmlns="">
+              <a14:hiddenEffects xmlns:a14="http://schemas.microsoft.com/office/drawing/2010/main">
                 <a:effectLst>
                   <a:outerShdw dist="35921" dir="2700000" algn="ctr" rotWithShape="0">
                     <a:schemeClr val="bg2"/>
@@ -12254,7 +12382,7 @@
           <p:nvPr>
             <p:extLst>
               <p:ext uri="{D42A27DB-BD31-4B8C-83A1-F6EECF244321}">
-                <p14:modId xmlns:p14="http://schemas.microsoft.com/office/powerpoint/2010/main" xmlns="" val="39709969"/>
+                <p14:modId xmlns:p14="http://schemas.microsoft.com/office/powerpoint/2010/main" val="39709969"/>
               </p:ext>
             </p:extLst>
           </p:nvPr>
@@ -12265,9 +12393,59 @@
         </p:xfrm>
         <a:graphic>
           <a:graphicData uri="http://schemas.openxmlformats.org/presentationml/2006/ole">
-            <p:oleObj spid="_x0000_s1064" r:id="rId3" imgW="7315200" imgH="914400" progId="">
-              <p:embed/>
-            </p:oleObj>
+            <mc:AlternateContent xmlns:mc="http://schemas.openxmlformats.org/markup-compatibility/2006">
+              <mc:Choice xmlns:v="urn:schemas-microsoft-com:vml" Requires="v">
+                <p:oleObj spid="_x0000_s1108" r:id="rId3" imgW="7315200" imgH="914400" progId="">
+                  <p:embed/>
+                </p:oleObj>
+              </mc:Choice>
+              <mc:Fallback>
+                <p:oleObj r:id="rId3" imgW="7315200" imgH="914400" progId="">
+                  <p:embed/>
+                  <p:pic>
+                    <p:nvPicPr>
+                      <p:cNvPr id="0" name="Picture 40"/>
+                      <p:cNvPicPr>
+                        <a:picLocks noChangeAspect="1" noChangeArrowheads="1"/>
+                      </p:cNvPicPr>
+                      <p:nvPr/>
+                    </p:nvPicPr>
+                    <p:blipFill>
+                      <a:blip r:embed="rId4">
+                        <a:extLst>
+                          <a:ext uri="{28A0092B-C50C-407E-A947-70E740481C1C}">
+                            <a14:useLocalDpi xmlns:a14="http://schemas.microsoft.com/office/drawing/2010/main" val="0"/>
+                          </a:ext>
+                        </a:extLst>
+                      </a:blip>
+                      <a:srcRect/>
+                      <a:stretch>
+                        <a:fillRect/>
+                      </a:stretch>
+                    </p:blipFill>
+                    <p:spPr bwMode="auto">
+                      <a:xfrm>
+                        <a:off x="838200" y="838200"/>
+                        <a:ext cx="7467600" cy="1066800"/>
+                      </a:xfrm>
+                      <a:prstGeom prst="rect">
+                        <a:avLst/>
+                      </a:prstGeom>
+                      <a:noFill/>
+                      <a:extLst>
+                        <a:ext uri="{909E8E84-426E-40DD-AFC4-6F175D3DCCD1}">
+                          <a14:hiddenFill xmlns:a14="http://schemas.microsoft.com/office/drawing/2010/main">
+                            <a:solidFill>
+                              <a:srgbClr val="FFFFFF"/>
+                            </a:solidFill>
+                          </a14:hiddenFill>
+                        </a:ext>
+                      </a:extLst>
+                    </p:spPr>
+                  </p:pic>
+                </p:oleObj>
+              </mc:Fallback>
+            </mc:AlternateContent>
           </a:graphicData>
         </a:graphic>
       </p:graphicFrame>
@@ -12294,14 +12472,14 @@
           <a:effectLst/>
           <a:extLst>
             <a:ext uri="{909E8E84-426E-40DD-AFC4-6F175D3DCCD1}">
-              <a14:hiddenFill xmlns:a14="http://schemas.microsoft.com/office/drawing/2010/main" xmlns="">
+              <a14:hiddenFill xmlns:a14="http://schemas.microsoft.com/office/drawing/2010/main">
                 <a:solidFill>
                   <a:schemeClr val="accent1"/>
                 </a:solidFill>
               </a14:hiddenFill>
             </a:ext>
             <a:ext uri="{91240B29-F687-4F45-9708-019B960494DF}">
-              <a14:hiddenLine xmlns:a14="http://schemas.microsoft.com/office/drawing/2010/main" xmlns="" w="9525">
+              <a14:hiddenLine xmlns:a14="http://schemas.microsoft.com/office/drawing/2010/main" w="9525">
                 <a:solidFill>
                   <a:schemeClr val="tx1"/>
                 </a:solidFill>
@@ -12311,7 +12489,7 @@
               </a14:hiddenLine>
             </a:ext>
             <a:ext uri="{AF507438-7753-43E0-B8FC-AC1667EBCBE1}">
-              <a14:hiddenEffects xmlns:a14="http://schemas.microsoft.com/office/drawing/2010/main" xmlns="">
+              <a14:hiddenEffects xmlns:a14="http://schemas.microsoft.com/office/drawing/2010/main">
                 <a:effectLst>
                   <a:outerShdw dist="35921" dir="2700000" algn="ctr" rotWithShape="0">
                     <a:schemeClr val="bg2"/>
@@ -12343,10 +12521,10 @@
           <p:nvPr/>
         </p:nvPicPr>
         <p:blipFill>
-          <a:blip r:embed="rId4">
+          <a:blip r:embed="rId5">
             <a:extLst>
               <a:ext uri="{28A0092B-C50C-407E-A947-70E740481C1C}">
-                <a14:useLocalDpi xmlns:a14="http://schemas.microsoft.com/office/drawing/2010/main" xmlns="" val="0"/>
+                <a14:useLocalDpi xmlns:a14="http://schemas.microsoft.com/office/drawing/2010/main" val="0"/>
               </a:ext>
             </a:extLst>
           </a:blip>
@@ -12357,8 +12535,8 @@
         </p:blipFill>
         <p:spPr bwMode="auto">
           <a:xfrm>
-            <a:off x="67350" y="2302681"/>
-            <a:ext cx="4526259" cy="3403600"/>
+            <a:off x="0" y="3886200"/>
+            <a:ext cx="4953000" cy="2971800"/>
           </a:xfrm>
           <a:prstGeom prst="rect">
             <a:avLst/>
@@ -12370,14 +12548,14 @@
           <a:effectLst/>
           <a:extLst>
             <a:ext uri="{909E8E84-426E-40DD-AFC4-6F175D3DCCD1}">
-              <a14:hiddenFill xmlns:a14="http://schemas.microsoft.com/office/drawing/2010/main" xmlns="">
+              <a14:hiddenFill xmlns:a14="http://schemas.microsoft.com/office/drawing/2010/main">
                 <a:solidFill>
                   <a:schemeClr val="accent1"/>
                 </a:solidFill>
               </a14:hiddenFill>
             </a:ext>
             <a:ext uri="{91240B29-F687-4F45-9708-019B960494DF}">
-              <a14:hiddenLine xmlns:a14="http://schemas.microsoft.com/office/drawing/2010/main" xmlns="" w="9525">
+              <a14:hiddenLine xmlns:a14="http://schemas.microsoft.com/office/drawing/2010/main" w="9525">
                 <a:solidFill>
                   <a:schemeClr val="tx1"/>
                 </a:solidFill>
@@ -12387,7 +12565,7 @@
               </a14:hiddenLine>
             </a:ext>
             <a:ext uri="{AF507438-7753-43E0-B8FC-AC1667EBCBE1}">
-              <a14:hiddenEffects xmlns:a14="http://schemas.microsoft.com/office/drawing/2010/main" xmlns="">
+              <a14:hiddenEffects xmlns:a14="http://schemas.microsoft.com/office/drawing/2010/main">
                 <a:effectLst>
                   <a:outerShdw dist="35921" dir="2700000" algn="ctr" rotWithShape="0">
                     <a:schemeClr val="bg2"/>
@@ -12421,14 +12599,14 @@
           <a:effectLst/>
           <a:extLst>
             <a:ext uri="{909E8E84-426E-40DD-AFC4-6F175D3DCCD1}">
-              <a14:hiddenFill xmlns:a14="http://schemas.microsoft.com/office/drawing/2010/main" xmlns="">
+              <a14:hiddenFill xmlns:a14="http://schemas.microsoft.com/office/drawing/2010/main">
                 <a:solidFill>
                   <a:schemeClr val="accent1"/>
                 </a:solidFill>
               </a14:hiddenFill>
             </a:ext>
             <a:ext uri="{91240B29-F687-4F45-9708-019B960494DF}">
-              <a14:hiddenLine xmlns:a14="http://schemas.microsoft.com/office/drawing/2010/main" xmlns="" w="9525">
+              <a14:hiddenLine xmlns:a14="http://schemas.microsoft.com/office/drawing/2010/main" w="9525">
                 <a:solidFill>
                   <a:schemeClr val="tx1"/>
                 </a:solidFill>
@@ -12438,7 +12616,7 @@
               </a14:hiddenLine>
             </a:ext>
             <a:ext uri="{AF507438-7753-43E0-B8FC-AC1667EBCBE1}">
-              <a14:hiddenEffects xmlns:a14="http://schemas.microsoft.com/office/drawing/2010/main" xmlns="">
+              <a14:hiddenEffects xmlns:a14="http://schemas.microsoft.com/office/drawing/2010/main">
                 <a:effectLst>
                   <a:outerShdw dist="35921" dir="2700000" algn="ctr" rotWithShape="0">
                     <a:schemeClr val="bg2"/>
@@ -12470,27 +12648,141 @@
           <p:nvPr>
             <p:extLst>
               <p:ext uri="{D42A27DB-BD31-4B8C-83A1-F6EECF244321}">
-                <p14:modId xmlns:p14="http://schemas.microsoft.com/office/powerpoint/2010/main" xmlns="" val="3136977526"/>
+                <p14:modId xmlns:p14="http://schemas.microsoft.com/office/powerpoint/2010/main" val="3168555283"/>
               </p:ext>
             </p:extLst>
           </p:nvPr>
         </p:nvGraphicFramePr>
         <p:xfrm>
-          <a:off x="3352800" y="2819400"/>
-          <a:ext cx="5486400" cy="3429000"/>
+          <a:off x="4876800" y="3733800"/>
+          <a:ext cx="4267200" cy="3124200"/>
         </p:xfrm>
         <a:graphic>
           <a:graphicData uri="http://schemas.openxmlformats.org/presentationml/2006/ole">
-            <p:oleObj spid="_x0000_s1065" name="Image" r:id="rId5" imgW="7315200" imgH="4572000" progId="">
-              <p:embed/>
-            </p:oleObj>
+            <mc:AlternateContent xmlns:mc="http://schemas.openxmlformats.org/markup-compatibility/2006">
+              <mc:Choice xmlns:v="urn:schemas-microsoft-com:vml" Requires="v">
+                <p:oleObj spid="_x0000_s1109" name="Image" r:id="rId6" imgW="7315200" imgH="4572000" progId="">
+                  <p:embed/>
+                </p:oleObj>
+              </mc:Choice>
+              <mc:Fallback>
+                <p:oleObj name="Image" r:id="rId6" imgW="7315200" imgH="4572000" progId="">
+                  <p:embed/>
+                  <p:pic>
+                    <p:nvPicPr>
+                      <p:cNvPr id="0" name="Picture 41"/>
+                      <p:cNvPicPr>
+                        <a:picLocks noChangeAspect="1" noChangeArrowheads="1"/>
+                      </p:cNvPicPr>
+                      <p:nvPr/>
+                    </p:nvPicPr>
+                    <p:blipFill>
+                      <a:blip r:embed="rId7">
+                        <a:extLst>
+                          <a:ext uri="{28A0092B-C50C-407E-A947-70E740481C1C}">
+                            <a14:useLocalDpi xmlns:a14="http://schemas.microsoft.com/office/drawing/2010/main" val="0"/>
+                          </a:ext>
+                        </a:extLst>
+                      </a:blip>
+                      <a:srcRect/>
+                      <a:stretch>
+                        <a:fillRect/>
+                      </a:stretch>
+                    </p:blipFill>
+                    <p:spPr bwMode="auto">
+                      <a:xfrm>
+                        <a:off x="4876800" y="3733800"/>
+                        <a:ext cx="4267200" cy="3124200"/>
+                      </a:xfrm>
+                      <a:prstGeom prst="rect">
+                        <a:avLst/>
+                      </a:prstGeom>
+                      <a:noFill/>
+                    </p:spPr>
+                  </p:pic>
+                </p:oleObj>
+              </mc:Fallback>
+            </mc:AlternateContent>
           </a:graphicData>
         </a:graphic>
       </p:graphicFrame>
+      <p:sp>
+        <p:nvSpPr>
+          <p:cNvPr id="11" name="Content Placeholder 1"/>
+          <p:cNvSpPr>
+            <a:spLocks noGrp="1"/>
+          </p:cNvSpPr>
+          <p:nvPr>
+            <p:ph sz="half" idx="1"/>
+          </p:nvPr>
+        </p:nvSpPr>
+        <p:spPr>
+          <a:xfrm>
+            <a:off x="685800" y="2057400"/>
+            <a:ext cx="7406640" cy="2066544"/>
+          </a:xfrm>
+        </p:spPr>
+        <p:txBody>
+          <a:bodyPr>
+            <a:normAutofit/>
+          </a:bodyPr>
+          <a:lstStyle/>
+          <a:p>
+            <a:r>
+              <a:rPr lang="en-US" sz="2000" b="0" smtClean="0">
+                <a:latin typeface="Times New Roman" pitchFamily="18" charset="0"/>
+                <a:cs typeface="Times New Roman" pitchFamily="18" charset="0"/>
+              </a:rPr>
+              <a:t>Qua USB hỗ chợ đầy đủ tính năng.</a:t>
+            </a:r>
+            <a:br>
+              <a:rPr lang="en-US" sz="2000" b="0" smtClean="0">
+                <a:latin typeface="Times New Roman" pitchFamily="18" charset="0"/>
+                <a:cs typeface="Times New Roman" pitchFamily="18" charset="0"/>
+              </a:rPr>
+            </a:br>
+            <a:r>
+              <a:rPr lang="en-US" sz="2000" b="0" smtClean="0">
+                <a:latin typeface="Times New Roman" pitchFamily="18" charset="0"/>
+                <a:cs typeface="Times New Roman" pitchFamily="18" charset="0"/>
+              </a:rPr>
+              <a:t>Build trực tiếp file apk vào máy.</a:t>
+            </a:r>
+            <a:br>
+              <a:rPr lang="en-US" sz="2000" b="0" smtClean="0">
+                <a:latin typeface="Times New Roman" pitchFamily="18" charset="0"/>
+                <a:cs typeface="Times New Roman" pitchFamily="18" charset="0"/>
+              </a:rPr>
+            </a:br>
+            <a:r>
+              <a:rPr lang="en-US" sz="2000" b="0" smtClean="0">
+                <a:latin typeface="Times New Roman" pitchFamily="18" charset="0"/>
+                <a:cs typeface="Times New Roman" pitchFamily="18" charset="0"/>
+              </a:rPr>
+              <a:t>Build Web thông qua WebDriver</a:t>
+            </a:r>
+          </a:p>
+          <a:p>
+            <a:r>
+              <a:rPr lang="en-US" sz="2000" b="0" smtClean="0">
+                <a:latin typeface="Times New Roman" pitchFamily="18" charset="0"/>
+                <a:cs typeface="Times New Roman" pitchFamily="18" charset="0"/>
+              </a:rPr>
+              <a:t>Hỗ tợ test cho android, IOS.</a:t>
+            </a:r>
+          </a:p>
+          <a:p>
+            <a:endParaRPr lang="en-US" sz="2000" b="0">
+              <a:latin typeface="Times New Roman" pitchFamily="18" charset="0"/>
+              <a:cs typeface="Times New Roman" pitchFamily="18" charset="0"/>
+            </a:endParaRPr>
+          </a:p>
+        </p:txBody>
+      </p:sp>
     </p:spTree>
     <p:extLst>
       <p:ext uri="{BB962C8B-B14F-4D97-AF65-F5344CB8AC3E}">
-        <p14:creationId xmlns:p14="http://schemas.microsoft.com/office/powerpoint/2010/main" xmlns="" val="1260448984"/>
+        <p14:creationId xmlns:p14="http://schemas.microsoft.com/office/powerpoint/2010/main" val="1260448984"/>
       </p:ext>
     </p:extLst>
   </p:cSld>
@@ -12527,31 +12819,72 @@
             <p:ph sz="half" idx="1"/>
           </p:nvPr>
         </p:nvSpPr>
-        <p:spPr/>
+        <p:spPr>
+          <a:xfrm>
+            <a:off x="12700" y="478536"/>
+            <a:ext cx="4724400" cy="3712464"/>
+          </a:xfrm>
+        </p:spPr>
         <p:txBody>
-          <a:bodyPr/>
+          <a:bodyPr>
+            <a:noAutofit/>
+          </a:bodyPr>
           <a:lstStyle/>
           <a:p>
-            <a:endParaRPr lang="en-US"/>
-          </a:p>
-        </p:txBody>
-      </p:sp>
-      <p:sp>
-        <p:nvSpPr>
-          <p:cNvPr id="3" name="Content Placeholder 2"/>
-          <p:cNvSpPr>
-            <a:spLocks noGrp="1"/>
-          </p:cNvSpPr>
-          <p:nvPr>
-            <p:ph sz="half" idx="2"/>
-          </p:nvPr>
-        </p:nvSpPr>
-        <p:spPr/>
-        <p:txBody>
-          <a:bodyPr/>
-          <a:lstStyle/>
-          <a:p>
-            <a:endParaRPr lang="en-US"/>
+            <a:pPr>
+              <a:buFontTx/>
+              <a:buChar char="-"/>
+            </a:pPr>
+            <a:r>
+              <a:rPr lang="en-US" sz="2000" b="0" smtClean="0">
+                <a:latin typeface="Times New Roman" pitchFamily="18" charset="0"/>
+                <a:cs typeface="Times New Roman" pitchFamily="18" charset="0"/>
+              </a:rPr>
+              <a:t>Ranorex sẽ được cài đặt trên máy test.</a:t>
+            </a:r>
+          </a:p>
+          <a:p>
+            <a:pPr>
+              <a:buFontTx/>
+              <a:buChar char="-"/>
+            </a:pPr>
+            <a:r>
+              <a:rPr lang="en-US" sz="2000" b="0" smtClean="0">
+                <a:latin typeface="Times New Roman" pitchFamily="18" charset="0"/>
+                <a:cs typeface="Times New Roman" pitchFamily="18" charset="0"/>
+              </a:rPr>
+              <a:t>Cho phép chọn app để test.</a:t>
+            </a:r>
+          </a:p>
+          <a:p>
+            <a:pPr>
+              <a:buFontTx/>
+              <a:buChar char="-"/>
+            </a:pPr>
+            <a:r>
+              <a:rPr lang="en-US" sz="2000" b="0" smtClean="0">
+                <a:latin typeface="Times New Roman" pitchFamily="18" charset="0"/>
+                <a:cs typeface="Times New Roman" pitchFamily="18" charset="0"/>
+              </a:rPr>
+              <a:t>Hiển thị các hành động của người test.</a:t>
+            </a:r>
+          </a:p>
+          <a:p>
+            <a:pPr>
+              <a:buFontTx/>
+              <a:buChar char="-"/>
+            </a:pPr>
+            <a:r>
+              <a:rPr lang="en-US" sz="2000" b="0" smtClean="0">
+                <a:latin typeface="Times New Roman" pitchFamily="18" charset="0"/>
+                <a:cs typeface="Times New Roman" pitchFamily="18" charset="0"/>
+              </a:rPr>
+              <a:t>Cho phép lưu lại record, chỉnh sửa record.</a:t>
+            </a:r>
+            <a:endParaRPr lang="en-US" sz="2000" b="0">
+              <a:latin typeface="Times New Roman" pitchFamily="18" charset="0"/>
+              <a:cs typeface="Times New Roman" pitchFamily="18" charset="0"/>
+            </a:endParaRPr>
           </a:p>
         </p:txBody>
       </p:sp>
@@ -12565,7 +12898,12 @@
             <p:ph type="title"/>
           </p:nvPr>
         </p:nvSpPr>
-        <p:spPr/>
+        <p:spPr>
+          <a:xfrm>
+            <a:off x="811530" y="12700"/>
+            <a:ext cx="7520940" cy="548640"/>
+          </a:xfrm>
+        </p:spPr>
         <p:txBody>
           <a:bodyPr/>
           <a:lstStyle/>
@@ -12601,14 +12939,14 @@
           <a:effectLst/>
           <a:extLst>
             <a:ext uri="{909E8E84-426E-40DD-AFC4-6F175D3DCCD1}">
-              <a14:hiddenFill xmlns:a14="http://schemas.microsoft.com/office/drawing/2010/main" xmlns="">
+              <a14:hiddenFill xmlns:a14="http://schemas.microsoft.com/office/drawing/2010/main">
                 <a:solidFill>
                   <a:schemeClr val="accent1"/>
                 </a:solidFill>
               </a14:hiddenFill>
             </a:ext>
             <a:ext uri="{91240B29-F687-4F45-9708-019B960494DF}">
-              <a14:hiddenLine xmlns:a14="http://schemas.microsoft.com/office/drawing/2010/main" xmlns="" w="9525">
+              <a14:hiddenLine xmlns:a14="http://schemas.microsoft.com/office/drawing/2010/main" w="9525">
                 <a:solidFill>
                   <a:schemeClr val="tx1"/>
                 </a:solidFill>
@@ -12618,7 +12956,7 @@
               </a14:hiddenLine>
             </a:ext>
             <a:ext uri="{AF507438-7753-43E0-B8FC-AC1667EBCBE1}">
-              <a14:hiddenEffects xmlns:a14="http://schemas.microsoft.com/office/drawing/2010/main" xmlns="">
+              <a14:hiddenEffects xmlns:a14="http://schemas.microsoft.com/office/drawing/2010/main">
                 <a:effectLst>
                   <a:outerShdw dist="35921" dir="2700000" algn="ctr" rotWithShape="0">
                     <a:schemeClr val="bg2"/>
@@ -12650,20 +12988,61 @@
           <p:nvPr>
             <p:extLst>
               <p:ext uri="{D42A27DB-BD31-4B8C-83A1-F6EECF244321}">
-                <p14:modId xmlns:p14="http://schemas.microsoft.com/office/powerpoint/2010/main" xmlns="" val="2033785521"/>
+                <p14:modId xmlns:p14="http://schemas.microsoft.com/office/powerpoint/2010/main" val="2032408773"/>
               </p:ext>
             </p:extLst>
           </p:nvPr>
         </p:nvGraphicFramePr>
         <p:xfrm>
-          <a:off x="152400" y="838200"/>
-          <a:ext cx="4114800" cy="4114800"/>
+          <a:off x="0" y="3276600"/>
+          <a:ext cx="4953000" cy="3581400"/>
         </p:xfrm>
         <a:graphic>
           <a:graphicData uri="http://schemas.openxmlformats.org/presentationml/2006/ole">
-            <p:oleObj spid="_x0000_s2103" name="Image" r:id="rId3" imgW="5486400" imgH="5486400" progId="">
-              <p:embed/>
-            </p:oleObj>
+            <mc:AlternateContent xmlns:mc="http://schemas.openxmlformats.org/markup-compatibility/2006">
+              <mc:Choice xmlns:v="urn:schemas-microsoft-com:vml" Requires="v">
+                <p:oleObj spid="_x0000_s2169" name="Image" r:id="rId3" imgW="5486400" imgH="5486400" progId="">
+                  <p:embed/>
+                </p:oleObj>
+              </mc:Choice>
+              <mc:Fallback>
+                <p:oleObj name="Image" r:id="rId3" imgW="5486400" imgH="5486400" progId="">
+                  <p:embed/>
+                  <p:pic>
+                    <p:nvPicPr>
+                      <p:cNvPr id="0" name="Picture 55"/>
+                      <p:cNvPicPr>
+                        <a:picLocks noChangeAspect="1" noChangeArrowheads="1"/>
+                      </p:cNvPicPr>
+                      <p:nvPr/>
+                    </p:nvPicPr>
+                    <p:blipFill>
+                      <a:blip r:embed="rId4">
+                        <a:extLst>
+                          <a:ext uri="{28A0092B-C50C-407E-A947-70E740481C1C}">
+                            <a14:useLocalDpi xmlns:a14="http://schemas.microsoft.com/office/drawing/2010/main" val="0"/>
+                          </a:ext>
+                        </a:extLst>
+                      </a:blip>
+                      <a:srcRect/>
+                      <a:stretch>
+                        <a:fillRect/>
+                      </a:stretch>
+                    </p:blipFill>
+                    <p:spPr bwMode="auto">
+                      <a:xfrm>
+                        <a:off x="0" y="3276600"/>
+                        <a:ext cx="4953000" cy="3581400"/>
+                      </a:xfrm>
+                      <a:prstGeom prst="rect">
+                        <a:avLst/>
+                      </a:prstGeom>
+                      <a:noFill/>
+                    </p:spPr>
+                  </p:pic>
+                </p:oleObj>
+              </mc:Fallback>
+            </mc:AlternateContent>
           </a:graphicData>
         </a:graphic>
       </p:graphicFrame>
@@ -12690,14 +13069,14 @@
           <a:effectLst/>
           <a:extLst>
             <a:ext uri="{909E8E84-426E-40DD-AFC4-6F175D3DCCD1}">
-              <a14:hiddenFill xmlns:a14="http://schemas.microsoft.com/office/drawing/2010/main" xmlns="">
+              <a14:hiddenFill xmlns:a14="http://schemas.microsoft.com/office/drawing/2010/main">
                 <a:solidFill>
                   <a:schemeClr val="accent1"/>
                 </a:solidFill>
               </a14:hiddenFill>
             </a:ext>
             <a:ext uri="{91240B29-F687-4F45-9708-019B960494DF}">
-              <a14:hiddenLine xmlns:a14="http://schemas.microsoft.com/office/drawing/2010/main" xmlns="" w="9525">
+              <a14:hiddenLine xmlns:a14="http://schemas.microsoft.com/office/drawing/2010/main" w="9525">
                 <a:solidFill>
                   <a:schemeClr val="tx1"/>
                 </a:solidFill>
@@ -12707,7 +13086,7 @@
               </a14:hiddenLine>
             </a:ext>
             <a:ext uri="{AF507438-7753-43E0-B8FC-AC1667EBCBE1}">
-              <a14:hiddenEffects xmlns:a14="http://schemas.microsoft.com/office/drawing/2010/main" xmlns="">
+              <a14:hiddenEffects xmlns:a14="http://schemas.microsoft.com/office/drawing/2010/main">
                 <a:effectLst>
                   <a:outerShdw dist="35921" dir="2700000" algn="ctr" rotWithShape="0">
                     <a:schemeClr val="bg2"/>
@@ -12739,20 +13118,70 @@
           <p:nvPr>
             <p:extLst>
               <p:ext uri="{D42A27DB-BD31-4B8C-83A1-F6EECF244321}">
-                <p14:modId xmlns:p14="http://schemas.microsoft.com/office/powerpoint/2010/main" xmlns="" val="736740180"/>
+                <p14:modId xmlns:p14="http://schemas.microsoft.com/office/powerpoint/2010/main" val="1291173594"/>
               </p:ext>
             </p:extLst>
           </p:nvPr>
         </p:nvGraphicFramePr>
         <p:xfrm>
-          <a:off x="4572000" y="0"/>
+          <a:off x="4991100" y="0"/>
           <a:ext cx="4114800" cy="3429000"/>
         </p:xfrm>
         <a:graphic>
           <a:graphicData uri="http://schemas.openxmlformats.org/presentationml/2006/ole">
-            <p:oleObj spid="_x0000_s2104" name="Image" r:id="rId4" imgW="5486400" imgH="4572000" progId="">
-              <p:embed/>
-            </p:oleObj>
+            <mc:AlternateContent xmlns:mc="http://schemas.openxmlformats.org/markup-compatibility/2006">
+              <mc:Choice xmlns:v="urn:schemas-microsoft-com:vml" Requires="v">
+                <p:oleObj spid="_x0000_s2170" name="Image" r:id="rId5" imgW="5486400" imgH="4572000" progId="">
+                  <p:embed/>
+                </p:oleObj>
+              </mc:Choice>
+              <mc:Fallback>
+                <p:oleObj name="Image" r:id="rId5" imgW="5486400" imgH="4572000" progId="">
+                  <p:embed/>
+                  <p:pic>
+                    <p:nvPicPr>
+                      <p:cNvPr id="0" name="Picture 56"/>
+                      <p:cNvPicPr>
+                        <a:picLocks noChangeAspect="1" noChangeArrowheads="1"/>
+                      </p:cNvPicPr>
+                      <p:nvPr/>
+                    </p:nvPicPr>
+                    <p:blipFill>
+                      <a:blip r:embed="rId6">
+                        <a:extLst>
+                          <a:ext uri="{28A0092B-C50C-407E-A947-70E740481C1C}">
+                            <a14:useLocalDpi xmlns:a14="http://schemas.microsoft.com/office/drawing/2010/main" val="0"/>
+                          </a:ext>
+                        </a:extLst>
+                      </a:blip>
+                      <a:srcRect/>
+                      <a:stretch>
+                        <a:fillRect/>
+                      </a:stretch>
+                    </p:blipFill>
+                    <p:spPr bwMode="auto">
+                      <a:xfrm>
+                        <a:off x="4991100" y="0"/>
+                        <a:ext cx="4114800" cy="3429000"/>
+                      </a:xfrm>
+                      <a:prstGeom prst="rect">
+                        <a:avLst/>
+                      </a:prstGeom>
+                      <a:noFill/>
+                      <a:extLst>
+                        <a:ext uri="{909E8E84-426E-40DD-AFC4-6F175D3DCCD1}">
+                          <a14:hiddenFill xmlns:a14="http://schemas.microsoft.com/office/drawing/2010/main">
+                            <a:solidFill>
+                              <a:srgbClr val="FFFFFF"/>
+                            </a:solidFill>
+                          </a14:hiddenFill>
+                        </a:ext>
+                      </a:extLst>
+                    </p:spPr>
+                  </p:pic>
+                </p:oleObj>
+              </mc:Fallback>
+            </mc:AlternateContent>
           </a:graphicData>
         </a:graphic>
       </p:graphicFrame>
@@ -12779,14 +13208,14 @@
           <a:effectLst/>
           <a:extLst>
             <a:ext uri="{909E8E84-426E-40DD-AFC4-6F175D3DCCD1}">
-              <a14:hiddenFill xmlns:a14="http://schemas.microsoft.com/office/drawing/2010/main" xmlns="">
+              <a14:hiddenFill xmlns:a14="http://schemas.microsoft.com/office/drawing/2010/main">
                 <a:solidFill>
                   <a:schemeClr val="accent1"/>
                 </a:solidFill>
               </a14:hiddenFill>
             </a:ext>
             <a:ext uri="{91240B29-F687-4F45-9708-019B960494DF}">
-              <a14:hiddenLine xmlns:a14="http://schemas.microsoft.com/office/drawing/2010/main" xmlns="" w="9525">
+              <a14:hiddenLine xmlns:a14="http://schemas.microsoft.com/office/drawing/2010/main" w="9525">
                 <a:solidFill>
                   <a:schemeClr val="tx1"/>
                 </a:solidFill>
@@ -12796,7 +13225,7 @@
               </a14:hiddenLine>
             </a:ext>
             <a:ext uri="{AF507438-7753-43E0-B8FC-AC1667EBCBE1}">
-              <a14:hiddenEffects xmlns:a14="http://schemas.microsoft.com/office/drawing/2010/main" xmlns="">
+              <a14:hiddenEffects xmlns:a14="http://schemas.microsoft.com/office/drawing/2010/main">
                 <a:effectLst>
                   <a:outerShdw dist="35921" dir="2700000" algn="ctr" rotWithShape="0">
                     <a:schemeClr val="bg2"/>
@@ -12828,27 +13257,68 @@
           <p:nvPr>
             <p:extLst>
               <p:ext uri="{D42A27DB-BD31-4B8C-83A1-F6EECF244321}">
-                <p14:modId xmlns:p14="http://schemas.microsoft.com/office/powerpoint/2010/main" xmlns="" val="4188053664"/>
+                <p14:modId xmlns:p14="http://schemas.microsoft.com/office/powerpoint/2010/main" val="4128963667"/>
               </p:ext>
             </p:extLst>
           </p:nvPr>
         </p:nvGraphicFramePr>
         <p:xfrm>
-          <a:off x="4572000" y="3505200"/>
-          <a:ext cx="4114800" cy="2743200"/>
+          <a:off x="5016500" y="3429000"/>
+          <a:ext cx="4114800" cy="3429000"/>
         </p:xfrm>
         <a:graphic>
           <a:graphicData uri="http://schemas.openxmlformats.org/presentationml/2006/ole">
-            <p:oleObj spid="_x0000_s2105" name="Image" r:id="rId5" imgW="5486400" imgH="3657600" progId="">
-              <p:embed/>
-            </p:oleObj>
+            <mc:AlternateContent xmlns:mc="http://schemas.openxmlformats.org/markup-compatibility/2006">
+              <mc:Choice xmlns:v="urn:schemas-microsoft-com:vml" Requires="v">
+                <p:oleObj spid="_x0000_s2171" name="Image" r:id="rId7" imgW="5486400" imgH="3657600" progId="">
+                  <p:embed/>
+                </p:oleObj>
+              </mc:Choice>
+              <mc:Fallback>
+                <p:oleObj name="Image" r:id="rId7" imgW="5486400" imgH="3657600" progId="">
+                  <p:embed/>
+                  <p:pic>
+                    <p:nvPicPr>
+                      <p:cNvPr id="0" name="Picture 57"/>
+                      <p:cNvPicPr>
+                        <a:picLocks noChangeAspect="1" noChangeArrowheads="1"/>
+                      </p:cNvPicPr>
+                      <p:nvPr/>
+                    </p:nvPicPr>
+                    <p:blipFill>
+                      <a:blip r:embed="rId8">
+                        <a:extLst>
+                          <a:ext uri="{28A0092B-C50C-407E-A947-70E740481C1C}">
+                            <a14:useLocalDpi xmlns:a14="http://schemas.microsoft.com/office/drawing/2010/main" val="0"/>
+                          </a:ext>
+                        </a:extLst>
+                      </a:blip>
+                      <a:srcRect/>
+                      <a:stretch>
+                        <a:fillRect/>
+                      </a:stretch>
+                    </p:blipFill>
+                    <p:spPr bwMode="auto">
+                      <a:xfrm>
+                        <a:off x="5016500" y="3429000"/>
+                        <a:ext cx="4114800" cy="3429000"/>
+                      </a:xfrm>
+                      <a:prstGeom prst="rect">
+                        <a:avLst/>
+                      </a:prstGeom>
+                      <a:noFill/>
+                    </p:spPr>
+                  </p:pic>
+                </p:oleObj>
+              </mc:Fallback>
+            </mc:AlternateContent>
           </a:graphicData>
         </a:graphic>
       </p:graphicFrame>
     </p:spTree>
     <p:extLst>
       <p:ext uri="{BB962C8B-B14F-4D97-AF65-F5344CB8AC3E}">
-        <p14:creationId xmlns:p14="http://schemas.microsoft.com/office/powerpoint/2010/main" xmlns="" val="1511659555"/>
+        <p14:creationId xmlns:p14="http://schemas.microsoft.com/office/powerpoint/2010/main" val="1511659555"/>
       </p:ext>
     </p:extLst>
   </p:cSld>
@@ -12885,31 +13355,42 @@
             <p:ph sz="half" idx="1"/>
           </p:nvPr>
         </p:nvSpPr>
-        <p:spPr/>
+        <p:spPr>
+          <a:xfrm>
+            <a:off x="822960" y="1097280"/>
+            <a:ext cx="8016240" cy="3712464"/>
+          </a:xfrm>
+        </p:spPr>
         <p:txBody>
-          <a:bodyPr/>
+          <a:bodyPr>
+            <a:normAutofit/>
+          </a:bodyPr>
           <a:lstStyle/>
           <a:p>
-            <a:endParaRPr lang="en-US"/>
-          </a:p>
-        </p:txBody>
-      </p:sp>
-      <p:sp>
-        <p:nvSpPr>
-          <p:cNvPr id="3" name="Content Placeholder 2"/>
-          <p:cNvSpPr>
-            <a:spLocks noGrp="1"/>
-          </p:cNvSpPr>
-          <p:nvPr>
-            <p:ph sz="half" idx="2"/>
-          </p:nvPr>
-        </p:nvSpPr>
-        <p:spPr/>
-        <p:txBody>
-          <a:bodyPr/>
-          <a:lstStyle/>
-          <a:p>
-            <a:endParaRPr lang="en-US"/>
+            <a:r>
+              <a:rPr lang="en-US" sz="2000" b="0" smtClean="0">
+                <a:latin typeface="Times New Roman" pitchFamily="18" charset="0"/>
+                <a:cs typeface="Times New Roman" pitchFamily="18" charset="0"/>
+              </a:rPr>
+              <a:t>Sau khi chạy testcase sẽ tạo ra các report bằng hình ảnh.</a:t>
+            </a:r>
+            <a:br>
+              <a:rPr lang="en-US" sz="2000" b="0" smtClean="0">
+                <a:latin typeface="Times New Roman" pitchFamily="18" charset="0"/>
+                <a:cs typeface="Times New Roman" pitchFamily="18" charset="0"/>
+              </a:rPr>
+            </a:br>
+            <a:r>
+              <a:rPr lang="en-US" sz="2000" b="0" smtClean="0">
+                <a:latin typeface="Times New Roman" pitchFamily="18" charset="0"/>
+                <a:cs typeface="Times New Roman" pitchFamily="18" charset="0"/>
+              </a:rPr>
+              <a:t>Với các trạng thái thành công, thất bại.</a:t>
+            </a:r>
+            <a:endParaRPr lang="en-US" sz="2000" b="0">
+              <a:latin typeface="Times New Roman" pitchFamily="18" charset="0"/>
+              <a:cs typeface="Times New Roman" pitchFamily="18" charset="0"/>
+            </a:endParaRPr>
           </a:p>
         </p:txBody>
       </p:sp>
@@ -12959,8 +13440,8 @@
         </p:blipFill>
         <p:spPr bwMode="auto">
           <a:xfrm>
-            <a:off x="1219200" y="1143000"/>
-            <a:ext cx="6334717" cy="4367213"/>
+            <a:off x="38100" y="3759200"/>
+            <a:ext cx="4531705" cy="3124200"/>
           </a:xfrm>
           <a:prstGeom prst="rect">
             <a:avLst/>
@@ -12973,6 +13454,70 @@
             <a:tailEnd/>
           </a:ln>
           <a:effectLst/>
+        </p:spPr>
+      </p:pic>
+      <p:pic>
+        <p:nvPicPr>
+          <p:cNvPr id="40963" name="Picture 3"/>
+          <p:cNvPicPr>
+            <a:picLocks noChangeAspect="1" noChangeArrowheads="1"/>
+          </p:cNvPicPr>
+          <p:nvPr/>
+        </p:nvPicPr>
+        <p:blipFill>
+          <a:blip r:embed="rId3">
+            <a:extLst>
+              <a:ext uri="{28A0092B-C50C-407E-A947-70E740481C1C}">
+                <a14:useLocalDpi xmlns:a14="http://schemas.microsoft.com/office/drawing/2010/main" val="0"/>
+              </a:ext>
+            </a:extLst>
+          </a:blip>
+          <a:srcRect/>
+          <a:stretch>
+            <a:fillRect/>
+          </a:stretch>
+        </p:blipFill>
+        <p:spPr bwMode="auto">
+          <a:xfrm>
+            <a:off x="4738509" y="3642518"/>
+            <a:ext cx="4405491" cy="3281363"/>
+          </a:xfrm>
+          <a:prstGeom prst="rect">
+            <a:avLst/>
+          </a:prstGeom>
+          <a:noFill/>
+          <a:ln>
+            <a:noFill/>
+          </a:ln>
+          <a:effectLst/>
+          <a:extLst>
+            <a:ext uri="{909E8E84-426E-40DD-AFC4-6F175D3DCCD1}">
+              <a14:hiddenFill xmlns:a14="http://schemas.microsoft.com/office/drawing/2010/main">
+                <a:solidFill>
+                  <a:schemeClr val="accent1"/>
+                </a:solidFill>
+              </a14:hiddenFill>
+            </a:ext>
+            <a:ext uri="{91240B29-F687-4F45-9708-019B960494DF}">
+              <a14:hiddenLine xmlns:a14="http://schemas.microsoft.com/office/drawing/2010/main" w="9525">
+                <a:solidFill>
+                  <a:schemeClr val="tx1"/>
+                </a:solidFill>
+                <a:miter lim="800000"/>
+                <a:headEnd/>
+                <a:tailEnd/>
+              </a14:hiddenLine>
+            </a:ext>
+            <a:ext uri="{AF507438-7753-43E0-B8FC-AC1667EBCBE1}">
+              <a14:hiddenEffects xmlns:a14="http://schemas.microsoft.com/office/drawing/2010/main">
+                <a:effectLst>
+                  <a:outerShdw dist="35921" dir="2700000" algn="ctr" rotWithShape="0">
+                    <a:schemeClr val="bg2"/>
+                  </a:outerShdw>
+                </a:effectLst>
+              </a14:hiddenEffects>
+            </a:ext>
+          </a:extLst>
         </p:spPr>
       </p:pic>
     </p:spTree>
@@ -13073,7 +13618,7 @@
           <a:blip r:embed="rId2">
             <a:extLst>
               <a:ext uri="{28A0092B-C50C-407E-A947-70E740481C1C}">
-                <a14:useLocalDpi xmlns:a14="http://schemas.microsoft.com/office/drawing/2010/main" xmlns="" val="0"/>
+                <a14:useLocalDpi xmlns:a14="http://schemas.microsoft.com/office/drawing/2010/main" val="0"/>
               </a:ext>
             </a:extLst>
           </a:blip>
@@ -13097,14 +13642,14 @@
           <a:effectLst/>
           <a:extLst>
             <a:ext uri="{909E8E84-426E-40DD-AFC4-6F175D3DCCD1}">
-              <a14:hiddenFill xmlns:a14="http://schemas.microsoft.com/office/drawing/2010/main" xmlns="">
+              <a14:hiddenFill xmlns:a14="http://schemas.microsoft.com/office/drawing/2010/main">
                 <a:solidFill>
                   <a:schemeClr val="accent1"/>
                 </a:solidFill>
               </a14:hiddenFill>
             </a:ext>
             <a:ext uri="{91240B29-F687-4F45-9708-019B960494DF}">
-              <a14:hiddenLine xmlns:a14="http://schemas.microsoft.com/office/drawing/2010/main" xmlns="" w="9525">
+              <a14:hiddenLine xmlns:a14="http://schemas.microsoft.com/office/drawing/2010/main" w="9525">
                 <a:solidFill>
                   <a:schemeClr val="tx1"/>
                 </a:solidFill>
@@ -13114,7 +13659,7 @@
               </a14:hiddenLine>
             </a:ext>
             <a:ext uri="{AF507438-7753-43E0-B8FC-AC1667EBCBE1}">
-              <a14:hiddenEffects xmlns:a14="http://schemas.microsoft.com/office/drawing/2010/main" xmlns="">
+              <a14:hiddenEffects xmlns:a14="http://schemas.microsoft.com/office/drawing/2010/main">
                 <a:effectLst>
                   <a:outerShdw dist="35921" dir="2700000" algn="ctr" rotWithShape="0">
                     <a:schemeClr val="bg2"/>
@@ -13160,26 +13705,31 @@
           <a:bodyPr rtlCol="0" anchor="ctr"/>
           <a:lstStyle/>
           <a:p>
-            <a:pPr algn="ctr"/>
-            <a:r>
-              <a:rPr lang="en-US" smtClean="0"/>
-              <a:t>C#</a:t>
-            </a:r>
-          </a:p>
-          <a:p>
-            <a:pPr algn="ctr"/>
-            <a:r>
-              <a:rPr lang="en-US" smtClean="0"/>
-              <a:t>Và</a:t>
-            </a:r>
-          </a:p>
-          <a:p>
-            <a:pPr algn="ctr"/>
-            <a:r>
-              <a:rPr lang="en-US" smtClean="0"/>
+            <a:r>
+              <a:rPr lang="en-US" smtClean="0">
+                <a:latin typeface="Times New Roman" pitchFamily="18" charset="0"/>
+                <a:cs typeface="Times New Roman" pitchFamily="18" charset="0"/>
+              </a:rPr>
+              <a:t>Hỗ trợ 2 ngôn ngữ là C# Và</a:t>
+            </a:r>
+            <a:r>
+              <a:rPr lang="en-US">
+                <a:latin typeface="Times New Roman" pitchFamily="18" charset="0"/>
+                <a:cs typeface="Times New Roman" pitchFamily="18" charset="0"/>
+              </a:rPr>
+              <a:t> </a:t>
+            </a:r>
+            <a:r>
+              <a:rPr lang="en-US" smtClean="0">
+                <a:latin typeface="Times New Roman" pitchFamily="18" charset="0"/>
+                <a:cs typeface="Times New Roman" pitchFamily="18" charset="0"/>
+              </a:rPr>
               <a:t>VBNet</a:t>
             </a:r>
-            <a:endParaRPr lang="en-US"/>
+            <a:endParaRPr lang="en-US">
+              <a:latin typeface="Times New Roman" pitchFamily="18" charset="0"/>
+              <a:cs typeface="Times New Roman" pitchFamily="18" charset="0"/>
+            </a:endParaRPr>
           </a:p>
         </p:txBody>
       </p:sp>
@@ -13195,7 +13745,7 @@
           <a:blip r:embed="rId3">
             <a:extLst>
               <a:ext uri="{28A0092B-C50C-407E-A947-70E740481C1C}">
-                <a14:useLocalDpi xmlns:a14="http://schemas.microsoft.com/office/drawing/2010/main" xmlns="" val="0"/>
+                <a14:useLocalDpi xmlns:a14="http://schemas.microsoft.com/office/drawing/2010/main" val="0"/>
               </a:ext>
             </a:extLst>
           </a:blip>
@@ -13206,7 +13756,7 @@
         </p:blipFill>
         <p:spPr bwMode="auto">
           <a:xfrm>
-            <a:off x="0" y="3790950"/>
+            <a:off x="383413" y="1647825"/>
             <a:ext cx="2590800" cy="3067050"/>
           </a:xfrm>
           <a:prstGeom prst="rect">
@@ -13215,7 +13765,7 @@
           <a:noFill/>
           <a:extLst>
             <a:ext uri="{909E8E84-426E-40DD-AFC4-6F175D3DCCD1}">
-              <a14:hiddenFill xmlns:a14="http://schemas.microsoft.com/office/drawing/2010/main" xmlns="">
+              <a14:hiddenFill xmlns:a14="http://schemas.microsoft.com/office/drawing/2010/main">
                 <a:solidFill>
                   <a:srgbClr val="FFFFFF"/>
                 </a:solidFill>
@@ -13232,8 +13782,8 @@
         </p:nvSpPr>
         <p:spPr>
           <a:xfrm>
-            <a:off x="2209800" y="5181600"/>
-            <a:ext cx="4114800" cy="876300"/>
+            <a:off x="5181600" y="3092451"/>
+            <a:ext cx="4114800" cy="3695700"/>
           </a:xfrm>
           <a:prstGeom prst="ellipse">
             <a:avLst/>
@@ -13259,18 +13809,117 @@
           <a:bodyPr rtlCol="0" anchor="ctr"/>
           <a:lstStyle/>
           <a:p>
-            <a:pPr algn="ctr"/>
-            <a:r>
-              <a:rPr lang="en-US"/>
-              <a:t>&lt;ProjectName&gt;.rxtst </a:t>
-            </a:r>
+            <a:r>
+              <a:rPr lang="en-US" smtClean="0">
+                <a:latin typeface="Times New Roman" pitchFamily="18" charset="0"/>
+                <a:cs typeface="Times New Roman" pitchFamily="18" charset="0"/>
+              </a:rPr>
+              <a:t>Cấu trúc gồm.</a:t>
+            </a:r>
+            <a:endParaRPr lang="en-US" smtClean="0">
+              <a:latin typeface="Times New Roman" pitchFamily="18" charset="0"/>
+              <a:cs typeface="Times New Roman" pitchFamily="18" charset="0"/>
+            </a:endParaRPr>
+          </a:p>
+          <a:p>
+            <a:r>
+              <a:rPr lang="en-US" smtClean="0">
+                <a:latin typeface="Times New Roman" pitchFamily="18" charset="0"/>
+                <a:cs typeface="Times New Roman" pitchFamily="18" charset="0"/>
+              </a:rPr>
+              <a:t>1. &lt;ProjectName</a:t>
+            </a:r>
+            <a:r>
+              <a:rPr lang="en-US">
+                <a:latin typeface="Times New Roman" pitchFamily="18" charset="0"/>
+                <a:cs typeface="Times New Roman" pitchFamily="18" charset="0"/>
+              </a:rPr>
+              <a:t>&gt;.</a:t>
+            </a:r>
+            <a:r>
+              <a:rPr lang="en-US">
+                <a:latin typeface="Times New Roman" pitchFamily="18" charset="0"/>
+                <a:cs typeface="Times New Roman" pitchFamily="18" charset="0"/>
+              </a:rPr>
+              <a:t>rxtst</a:t>
+            </a:r>
+            <a:br>
+              <a:rPr lang="en-US">
+                <a:latin typeface="Times New Roman" pitchFamily="18" charset="0"/>
+                <a:cs typeface="Times New Roman" pitchFamily="18" charset="0"/>
+              </a:rPr>
+            </a:br>
+            <a:r>
+              <a:rPr lang="en-US">
+                <a:latin typeface="Times New Roman" pitchFamily="18" charset="0"/>
+                <a:cs typeface="Times New Roman" pitchFamily="18" charset="0"/>
+              </a:rPr>
+              <a:t>Các testcase</a:t>
+            </a:r>
+            <a:br>
+              <a:rPr lang="en-US">
+                <a:latin typeface="Times New Roman" pitchFamily="18" charset="0"/>
+                <a:cs typeface="Times New Roman" pitchFamily="18" charset="0"/>
+              </a:rPr>
+            </a:br>
+            <a:r>
+              <a:rPr lang="en-US">
+                <a:latin typeface="Times New Roman" pitchFamily="18" charset="0"/>
+                <a:cs typeface="Times New Roman" pitchFamily="18" charset="0"/>
+              </a:rPr>
+              <a:t>2. &lt;ProjectName</a:t>
+            </a:r>
+            <a:r>
+              <a:rPr lang="en-US">
+                <a:latin typeface="Times New Roman" pitchFamily="18" charset="0"/>
+                <a:cs typeface="Times New Roman" pitchFamily="18" charset="0"/>
+              </a:rPr>
+              <a:t>&gt;.</a:t>
+            </a:r>
+            <a:r>
+              <a:rPr lang="en-US" smtClean="0">
+                <a:latin typeface="Times New Roman" pitchFamily="18" charset="0"/>
+                <a:cs typeface="Times New Roman" pitchFamily="18" charset="0"/>
+              </a:rPr>
+              <a:t>rxtmg</a:t>
+            </a:r>
+            <a:br>
+              <a:rPr lang="en-US" smtClean="0">
+                <a:latin typeface="Times New Roman" pitchFamily="18" charset="0"/>
+                <a:cs typeface="Times New Roman" pitchFamily="18" charset="0"/>
+              </a:rPr>
+            </a:br>
+            <a:r>
+              <a:rPr lang="en-US" smtClean="0">
+                <a:latin typeface="Times New Roman" pitchFamily="18" charset="0"/>
+                <a:cs typeface="Times New Roman" pitchFamily="18" charset="0"/>
+              </a:rPr>
+              <a:t>Các group</a:t>
+            </a:r>
+            <a:br>
+              <a:rPr lang="en-US" smtClean="0">
+                <a:latin typeface="Times New Roman" pitchFamily="18" charset="0"/>
+                <a:cs typeface="Times New Roman" pitchFamily="18" charset="0"/>
+              </a:rPr>
+            </a:br>
+            <a:r>
+              <a:rPr lang="en-US" smtClean="0">
+                <a:latin typeface="Times New Roman" pitchFamily="18" charset="0"/>
+                <a:cs typeface="Times New Roman" pitchFamily="18" charset="0"/>
+              </a:rPr>
+              <a:t>3. Các testcase, các record.</a:t>
+            </a:r>
+            <a:endParaRPr lang="en-US">
+              <a:latin typeface="Times New Roman" pitchFamily="18" charset="0"/>
+              <a:cs typeface="Times New Roman" pitchFamily="18" charset="0"/>
+            </a:endParaRPr>
           </a:p>
         </p:txBody>
       </p:sp>
     </p:spTree>
     <p:extLst>
       <p:ext uri="{BB962C8B-B14F-4D97-AF65-F5344CB8AC3E}">
-        <p14:creationId xmlns:p14="http://schemas.microsoft.com/office/powerpoint/2010/main" xmlns="" val="2584803955"/>
+        <p14:creationId xmlns:p14="http://schemas.microsoft.com/office/powerpoint/2010/main" val="2584803955"/>
       </p:ext>
     </p:extLst>
   </p:cSld>
@@ -13343,7 +13992,7 @@
           <a:blip r:embed="rId2">
             <a:extLst>
               <a:ext uri="{28A0092B-C50C-407E-A947-70E740481C1C}">
-                <a14:useLocalDpi xmlns:a14="http://schemas.microsoft.com/office/drawing/2010/main" xmlns="" val="0"/>
+                <a14:useLocalDpi xmlns:a14="http://schemas.microsoft.com/office/drawing/2010/main" val="0"/>
               </a:ext>
             </a:extLst>
           </a:blip>
@@ -13354,7 +14003,7 @@
         </p:blipFill>
         <p:spPr bwMode="auto">
           <a:xfrm>
-            <a:off x="0" y="685800"/>
+            <a:off x="5534025" y="2914650"/>
             <a:ext cx="3609975" cy="3943350"/>
           </a:xfrm>
           <a:prstGeom prst="rect">
@@ -13367,14 +14016,14 @@
           <a:effectLst/>
           <a:extLst>
             <a:ext uri="{909E8E84-426E-40DD-AFC4-6F175D3DCCD1}">
-              <a14:hiddenFill xmlns:a14="http://schemas.microsoft.com/office/drawing/2010/main" xmlns="">
+              <a14:hiddenFill xmlns:a14="http://schemas.microsoft.com/office/drawing/2010/main">
                 <a:solidFill>
                   <a:schemeClr val="accent1"/>
                 </a:solidFill>
               </a14:hiddenFill>
             </a:ext>
             <a:ext uri="{91240B29-F687-4F45-9708-019B960494DF}">
-              <a14:hiddenLine xmlns:a14="http://schemas.microsoft.com/office/drawing/2010/main" xmlns="" w="9525">
+              <a14:hiddenLine xmlns:a14="http://schemas.microsoft.com/office/drawing/2010/main" w="9525">
                 <a:solidFill>
                   <a:schemeClr val="tx1"/>
                 </a:solidFill>
@@ -13384,7 +14033,7 @@
               </a14:hiddenLine>
             </a:ext>
             <a:ext uri="{AF507438-7753-43E0-B8FC-AC1667EBCBE1}">
-              <a14:hiddenEffects xmlns:a14="http://schemas.microsoft.com/office/drawing/2010/main" xmlns="">
+              <a14:hiddenEffects xmlns:a14="http://schemas.microsoft.com/office/drawing/2010/main">
                 <a:effectLst>
                   <a:outerShdw dist="35921" dir="2700000" algn="ctr" rotWithShape="0">
                     <a:schemeClr val="bg2"/>
@@ -13397,51 +14046,160 @@
       </p:pic>
       <p:sp>
         <p:nvSpPr>
-          <p:cNvPr id="7" name="Flowchart: Terminator 6"/>
-          <p:cNvSpPr/>
-          <p:nvPr/>
+          <p:cNvPr id="10" name="Content Placeholder 1"/>
+          <p:cNvSpPr>
+            <a:spLocks noGrp="1"/>
+          </p:cNvSpPr>
+          <p:nvPr>
+            <p:ph sz="half" idx="1"/>
+          </p:nvPr>
         </p:nvSpPr>
         <p:spPr>
           <a:xfrm>
-            <a:off x="152400" y="1933575"/>
-            <a:ext cx="3352800" cy="1066800"/>
+            <a:off x="822960" y="1097280"/>
+            <a:ext cx="7330440" cy="3712464"/>
           </a:xfrm>
-          <a:prstGeom prst="flowChartTerminator">
-            <a:avLst/>
-          </a:prstGeom>
         </p:spPr>
-        <p:style>
-          <a:lnRef idx="2">
-            <a:schemeClr val="accent1">
-              <a:shade val="50000"/>
-            </a:schemeClr>
-          </a:lnRef>
-          <a:fillRef idx="1">
-            <a:schemeClr val="accent1"/>
-          </a:fillRef>
-          <a:effectRef idx="0">
-            <a:schemeClr val="accent1"/>
-          </a:effectRef>
-          <a:fontRef idx="minor">
-            <a:schemeClr val="lt1"/>
-          </a:fontRef>
-        </p:style>
         <p:txBody>
-          <a:bodyPr rtlCol="0" anchor="ctr"/>
+          <a:bodyPr>
+            <a:normAutofit/>
+          </a:bodyPr>
           <a:lstStyle/>
           <a:p>
-            <a:pPr algn="ctr"/>
-            <a:r>
-              <a:rPr lang="en-US" smtClean="0"/>
-              <a:t>Chọn new để tạo testcase và record</a:t>
-            </a:r>
-            <a:endParaRPr lang="en-US"/>
+            <a:r>
+              <a:rPr lang="en-US" sz="1300" b="0" smtClean="0">
+                <a:latin typeface="Times New Roman" pitchFamily="18" charset="0"/>
+                <a:cs typeface="Times New Roman" pitchFamily="18" charset="0"/>
+              </a:rPr>
+              <a:t>Quản lý trong &lt;Tên project&gt;..rxtst</a:t>
+            </a:r>
+          </a:p>
+          <a:p>
+            <a:pPr>
+              <a:buFontTx/>
+              <a:buChar char="-"/>
+            </a:pPr>
+            <a:r>
+              <a:rPr lang="en-US" sz="1300" b="0" smtClean="0">
+                <a:latin typeface="Times New Roman" pitchFamily="18" charset="0"/>
+                <a:cs typeface="Times New Roman" pitchFamily="18" charset="0"/>
+              </a:rPr>
+              <a:t>Có các biến chung.</a:t>
+            </a:r>
+            <a:endParaRPr lang="en-US" sz="1300" b="0">
+              <a:latin typeface="Times New Roman" pitchFamily="18" charset="0"/>
+              <a:cs typeface="Times New Roman" pitchFamily="18" charset="0"/>
+            </a:endParaRPr>
+          </a:p>
+          <a:p>
+            <a:pPr>
+              <a:buFontTx/>
+              <a:buChar char="-"/>
+            </a:pPr>
+            <a:r>
+              <a:rPr lang="en-US" sz="1300" b="0" smtClean="0">
+                <a:latin typeface="Times New Roman" pitchFamily="18" charset="0"/>
+                <a:cs typeface="Times New Roman" pitchFamily="18" charset="0"/>
+              </a:rPr>
+              <a:t>Các thành phần : testcase, record, group.</a:t>
+            </a:r>
+            <a:br>
+              <a:rPr lang="en-US" sz="1300" b="0" smtClean="0">
+                <a:latin typeface="Times New Roman" pitchFamily="18" charset="0"/>
+                <a:cs typeface="Times New Roman" pitchFamily="18" charset="0"/>
+              </a:rPr>
+            </a:br>
+            <a:r>
+              <a:rPr lang="en-US" sz="1300" b="0" smtClean="0">
+                <a:latin typeface="Times New Roman" pitchFamily="18" charset="0"/>
+                <a:cs typeface="Times New Roman" pitchFamily="18" charset="0"/>
+              </a:rPr>
+              <a:t>1 testcase có thể có nhiều record.</a:t>
+            </a:r>
+            <a:br>
+              <a:rPr lang="en-US" sz="1300" b="0" smtClean="0">
+                <a:latin typeface="Times New Roman" pitchFamily="18" charset="0"/>
+                <a:cs typeface="Times New Roman" pitchFamily="18" charset="0"/>
+              </a:rPr>
+            </a:br>
+            <a:r>
+              <a:rPr lang="en-US" sz="1300" b="0" smtClean="0">
+                <a:latin typeface="Times New Roman" pitchFamily="18" charset="0"/>
+                <a:cs typeface="Times New Roman" pitchFamily="18" charset="0"/>
+              </a:rPr>
+              <a:t>Các record có thể group với nhau.</a:t>
+            </a:r>
+          </a:p>
+          <a:p>
+            <a:pPr>
+              <a:buFontTx/>
+              <a:buChar char="-"/>
+            </a:pPr>
+            <a:r>
+              <a:rPr lang="en-US" sz="1300" b="0" smtClean="0">
+                <a:latin typeface="Times New Roman" pitchFamily="18" charset="0"/>
+                <a:cs typeface="Times New Roman" pitchFamily="18" charset="0"/>
+              </a:rPr>
+              <a:t>Các record dùng để viết các script, các hành động để thực hiện testcase</a:t>
+            </a:r>
+            <a:br>
+              <a:rPr lang="en-US" sz="1300" b="0" smtClean="0">
+                <a:latin typeface="Times New Roman" pitchFamily="18" charset="0"/>
+                <a:cs typeface="Times New Roman" pitchFamily="18" charset="0"/>
+              </a:rPr>
+            </a:br>
+            <a:r>
+              <a:rPr lang="en-US" sz="1300" b="0" smtClean="0">
+                <a:latin typeface="Times New Roman" pitchFamily="18" charset="0"/>
+                <a:cs typeface="Times New Roman" pitchFamily="18" charset="0"/>
+              </a:rPr>
+              <a:t>Tùy chỉnh các thao tác trên ui</a:t>
+            </a:r>
+            <a:br>
+              <a:rPr lang="en-US" sz="1300" b="0" smtClean="0">
+                <a:latin typeface="Times New Roman" pitchFamily="18" charset="0"/>
+                <a:cs typeface="Times New Roman" pitchFamily="18" charset="0"/>
+              </a:rPr>
+            </a:br>
+            <a:r>
+              <a:rPr lang="en-US" sz="1300" b="0" smtClean="0">
+                <a:latin typeface="Times New Roman" pitchFamily="18" charset="0"/>
+                <a:cs typeface="Times New Roman" pitchFamily="18" charset="0"/>
+              </a:rPr>
+              <a:t>Thêm các hành động</a:t>
+            </a:r>
+            <a:br>
+              <a:rPr lang="en-US" sz="1300" b="0" smtClean="0">
+                <a:latin typeface="Times New Roman" pitchFamily="18" charset="0"/>
+                <a:cs typeface="Times New Roman" pitchFamily="18" charset="0"/>
+              </a:rPr>
+            </a:br>
+            <a:r>
+              <a:rPr lang="en-US" sz="1300" b="0" smtClean="0">
+                <a:latin typeface="Times New Roman" pitchFamily="18" charset="0"/>
+                <a:cs typeface="Times New Roman" pitchFamily="18" charset="0"/>
+              </a:rPr>
+              <a:t>Chạy testcase.</a:t>
+            </a:r>
+          </a:p>
+          <a:p>
+            <a:pPr>
+              <a:buFontTx/>
+              <a:buChar char="-"/>
+            </a:pPr>
+            <a:r>
+              <a:rPr lang="en-US" sz="1300" b="0" smtClean="0">
+                <a:latin typeface="Times New Roman" pitchFamily="18" charset="0"/>
+                <a:cs typeface="Times New Roman" pitchFamily="18" charset="0"/>
+              </a:rPr>
+              <a:t>Các testcase chạy theo thứ tự được sắp xếp từ trên xuống.</a:t>
+            </a:r>
           </a:p>
         </p:txBody>
       </p:sp>
       <p:pic>
         <p:nvPicPr>
-          <p:cNvPr id="38915" name="Picture 3"/>
+          <p:cNvPr id="2" name="Picture 2"/>
           <p:cNvPicPr>
             <a:picLocks noChangeAspect="1" noChangeArrowheads="1"/>
           </p:cNvPicPr>
@@ -13451,7 +14209,7 @@
           <a:blip r:embed="rId3">
             <a:extLst>
               <a:ext uri="{28A0092B-C50C-407E-A947-70E740481C1C}">
-                <a14:useLocalDpi xmlns:a14="http://schemas.microsoft.com/office/drawing/2010/main" xmlns="" val="0"/>
+                <a14:useLocalDpi xmlns:a14="http://schemas.microsoft.com/office/drawing/2010/main" val="0"/>
               </a:ext>
             </a:extLst>
           </a:blip>
@@ -13462,8 +14220,8 @@
         </p:blipFill>
         <p:spPr bwMode="auto">
           <a:xfrm>
-            <a:off x="0" y="3025775"/>
-            <a:ext cx="6172200" cy="3885290"/>
+            <a:off x="6248400" y="-76200"/>
+            <a:ext cx="2914650" cy="2190750"/>
           </a:xfrm>
           <a:prstGeom prst="rect">
             <a:avLst/>
@@ -13475,14 +14233,14 @@
           <a:effectLst/>
           <a:extLst>
             <a:ext uri="{909E8E84-426E-40DD-AFC4-6F175D3DCCD1}">
-              <a14:hiddenFill xmlns:a14="http://schemas.microsoft.com/office/drawing/2010/main" xmlns="">
+              <a14:hiddenFill xmlns:a14="http://schemas.microsoft.com/office/drawing/2010/main">
                 <a:solidFill>
                   <a:schemeClr val="accent1"/>
                 </a:solidFill>
               </a14:hiddenFill>
             </a:ext>
             <a:ext uri="{91240B29-F687-4F45-9708-019B960494DF}">
-              <a14:hiddenLine xmlns:a14="http://schemas.microsoft.com/office/drawing/2010/main" xmlns="" w="9525">
+              <a14:hiddenLine xmlns:a14="http://schemas.microsoft.com/office/drawing/2010/main" w="9525">
                 <a:solidFill>
                   <a:schemeClr val="tx1"/>
                 </a:solidFill>
@@ -13492,7 +14250,71 @@
               </a14:hiddenLine>
             </a:ext>
             <a:ext uri="{AF507438-7753-43E0-B8FC-AC1667EBCBE1}">
-              <a14:hiddenEffects xmlns:a14="http://schemas.microsoft.com/office/drawing/2010/main" xmlns="">
+              <a14:hiddenEffects xmlns:a14="http://schemas.microsoft.com/office/drawing/2010/main">
+                <a:effectLst>
+                  <a:outerShdw dist="35921" dir="2700000" algn="ctr" rotWithShape="0">
+                    <a:schemeClr val="bg2"/>
+                  </a:outerShdw>
+                </a:effectLst>
+              </a14:hiddenEffects>
+            </a:ext>
+          </a:extLst>
+        </p:spPr>
+      </p:pic>
+      <p:pic>
+        <p:nvPicPr>
+          <p:cNvPr id="3" name="Picture 3"/>
+          <p:cNvPicPr>
+            <a:picLocks noChangeAspect="1" noChangeArrowheads="1"/>
+          </p:cNvPicPr>
+          <p:nvPr/>
+        </p:nvPicPr>
+        <p:blipFill>
+          <a:blip r:embed="rId4">
+            <a:extLst>
+              <a:ext uri="{28A0092B-C50C-407E-A947-70E740481C1C}">
+                <a14:useLocalDpi xmlns:a14="http://schemas.microsoft.com/office/drawing/2010/main" val="0"/>
+              </a:ext>
+            </a:extLst>
+          </a:blip>
+          <a:srcRect/>
+          <a:stretch>
+            <a:fillRect/>
+          </a:stretch>
+        </p:blipFill>
+        <p:spPr bwMode="auto">
+          <a:xfrm>
+            <a:off x="0" y="3962400"/>
+            <a:ext cx="5368925" cy="2895600"/>
+          </a:xfrm>
+          <a:prstGeom prst="rect">
+            <a:avLst/>
+          </a:prstGeom>
+          <a:noFill/>
+          <a:ln>
+            <a:noFill/>
+          </a:ln>
+          <a:effectLst/>
+          <a:extLst>
+            <a:ext uri="{909E8E84-426E-40DD-AFC4-6F175D3DCCD1}">
+              <a14:hiddenFill xmlns:a14="http://schemas.microsoft.com/office/drawing/2010/main">
+                <a:solidFill>
+                  <a:schemeClr val="accent1"/>
+                </a:solidFill>
+              </a14:hiddenFill>
+            </a:ext>
+            <a:ext uri="{91240B29-F687-4F45-9708-019B960494DF}">
+              <a14:hiddenLine xmlns:a14="http://schemas.microsoft.com/office/drawing/2010/main" w="9525">
+                <a:solidFill>
+                  <a:schemeClr val="tx1"/>
+                </a:solidFill>
+                <a:miter lim="800000"/>
+                <a:headEnd/>
+                <a:tailEnd/>
+              </a14:hiddenLine>
+            </a:ext>
+            <a:ext uri="{AF507438-7753-43E0-B8FC-AC1667EBCBE1}">
+              <a14:hiddenEffects xmlns:a14="http://schemas.microsoft.com/office/drawing/2010/main">
                 <a:effectLst>
                   <a:outerShdw dist="35921" dir="2700000" algn="ctr" rotWithShape="0">
                     <a:schemeClr val="bg2"/>
@@ -13505,58 +14327,7 @@
       </p:pic>
       <p:sp>
         <p:nvSpPr>
-          <p:cNvPr id="12" name="Flowchart: Terminator 11"/>
-          <p:cNvSpPr/>
-          <p:nvPr/>
-        </p:nvSpPr>
-        <p:spPr>
-          <a:xfrm>
-            <a:off x="3124200" y="5844265"/>
-            <a:ext cx="3352800" cy="1066800"/>
-          </a:xfrm>
-          <a:prstGeom prst="flowChartTerminator">
-            <a:avLst/>
-          </a:prstGeom>
-        </p:spPr>
-        <p:style>
-          <a:lnRef idx="2">
-            <a:schemeClr val="accent1">
-              <a:shade val="50000"/>
-            </a:schemeClr>
-          </a:lnRef>
-          <a:fillRef idx="1">
-            <a:schemeClr val="accent1"/>
-          </a:fillRef>
-          <a:effectRef idx="0">
-            <a:schemeClr val="accent1"/>
-          </a:effectRef>
-          <a:fontRef idx="minor">
-            <a:schemeClr val="lt1"/>
-          </a:fontRef>
-        </p:style>
-        <p:txBody>
-          <a:bodyPr rtlCol="0" anchor="ctr"/>
-          <a:lstStyle/>
-          <a:p>
-            <a:pPr algn="ctr"/>
-            <a:r>
-              <a:rPr lang="en-US" smtClean="0"/>
-              <a:t>Record để viết script.</a:t>
-            </a:r>
-            <a:br>
-              <a:rPr lang="en-US" smtClean="0"/>
-            </a:br>
-            <a:r>
-              <a:rPr lang="en-US" smtClean="0"/>
-              <a:t>Add các sự kiện, các thao tác của testcase</a:t>
-            </a:r>
-            <a:endParaRPr lang="en-US"/>
-          </a:p>
-        </p:txBody>
-      </p:sp>
-      <p:sp>
-        <p:nvSpPr>
-          <p:cNvPr id="14" name="Content Placeholder 1"/>
+          <p:cNvPr id="15" name="Content Placeholder 1"/>
           <p:cNvSpPr>
             <a:spLocks noGrp="1"/>
           </p:cNvSpPr>
@@ -13566,7 +14337,7 @@
         </p:nvSpPr>
         <p:spPr>
           <a:xfrm>
-            <a:off x="2133600" y="5856965"/>
+            <a:off x="1711325" y="6315456"/>
             <a:ext cx="7315200" cy="542544"/>
           </a:xfrm>
         </p:spPr>
@@ -13607,7 +14378,7 @@
     </p:spTree>
     <p:extLst>
       <p:ext uri="{BB962C8B-B14F-4D97-AF65-F5344CB8AC3E}">
-        <p14:creationId xmlns:p14="http://schemas.microsoft.com/office/powerpoint/2010/main" xmlns="" val="2237039494"/>
+        <p14:creationId xmlns:p14="http://schemas.microsoft.com/office/powerpoint/2010/main" val="2237039494"/>
       </p:ext>
     </p:extLst>
   </p:cSld>
@@ -13618,6 +14389,473 @@
 </file>
 
 <file path=ppt/slides/slide25.xml><?xml version="1.0" encoding="utf-8"?>
+<p:sld xmlns:a="http://schemas.openxmlformats.org/drawingml/2006/main" xmlns:r="http://schemas.openxmlformats.org/officeDocument/2006/relationships" xmlns:p="http://schemas.openxmlformats.org/presentationml/2006/main">
+  <p:cSld>
+    <p:spTree>
+      <p:nvGrpSpPr>
+        <p:cNvPr id="1" name=""/>
+        <p:cNvGrpSpPr/>
+        <p:nvPr/>
+      </p:nvGrpSpPr>
+      <p:grpSpPr>
+        <a:xfrm>
+          <a:off x="0" y="0"/>
+          <a:ext cx="0" cy="0"/>
+          <a:chOff x="0" y="0"/>
+          <a:chExt cx="0" cy="0"/>
+        </a:xfrm>
+      </p:grpSpPr>
+      <p:sp>
+        <p:nvSpPr>
+          <p:cNvPr id="4" name="Title 3"/>
+          <p:cNvSpPr>
+            <a:spLocks noGrp="1"/>
+          </p:cNvSpPr>
+          <p:nvPr>
+            <p:ph type="title"/>
+          </p:nvPr>
+        </p:nvSpPr>
+        <p:spPr>
+          <a:xfrm>
+            <a:off x="822960" y="76200"/>
+            <a:ext cx="7520940" cy="548640"/>
+          </a:xfrm>
+        </p:spPr>
+        <p:txBody>
+          <a:bodyPr/>
+          <a:lstStyle/>
+          <a:p>
+            <a:r>
+              <a:rPr lang="en-US" smtClean="0">
+                <a:latin typeface="Times New Roman" pitchFamily="18" charset="0"/>
+                <a:cs typeface="Times New Roman" pitchFamily="18" charset="0"/>
+              </a:rPr>
+              <a:t>TEST SUITE </a:t>
+            </a:r>
+            <a:r>
+              <a:rPr lang="en-US" smtClean="0">
+                <a:latin typeface="Times New Roman" pitchFamily="18" charset="0"/>
+                <a:cs typeface="Times New Roman" pitchFamily="18" charset="0"/>
+              </a:rPr>
+              <a:t>RANOREX(Group)</a:t>
+            </a:r>
+            <a:endParaRPr lang="en-US">
+              <a:latin typeface="Times New Roman" pitchFamily="18" charset="0"/>
+              <a:cs typeface="Times New Roman" pitchFamily="18" charset="0"/>
+            </a:endParaRPr>
+          </a:p>
+        </p:txBody>
+      </p:sp>
+      <p:pic>
+        <p:nvPicPr>
+          <p:cNvPr id="37890" name="Picture 2"/>
+          <p:cNvPicPr>
+            <a:picLocks noChangeAspect="1" noChangeArrowheads="1"/>
+          </p:cNvPicPr>
+          <p:nvPr/>
+        </p:nvPicPr>
+        <p:blipFill>
+          <a:blip r:embed="rId2">
+            <a:extLst>
+              <a:ext uri="{28A0092B-C50C-407E-A947-70E740481C1C}">
+                <a14:useLocalDpi xmlns:a14="http://schemas.microsoft.com/office/drawing/2010/main" val="0"/>
+              </a:ext>
+            </a:extLst>
+          </a:blip>
+          <a:srcRect/>
+          <a:stretch>
+            <a:fillRect/>
+          </a:stretch>
+        </p:blipFill>
+        <p:spPr bwMode="auto">
+          <a:xfrm>
+            <a:off x="0" y="3534911"/>
+            <a:ext cx="3733800" cy="3364615"/>
+          </a:xfrm>
+          <a:prstGeom prst="rect">
+            <a:avLst/>
+          </a:prstGeom>
+          <a:noFill/>
+          <a:ln>
+            <a:noFill/>
+          </a:ln>
+          <a:effectLst/>
+          <a:extLst>
+            <a:ext uri="{909E8E84-426E-40DD-AFC4-6F175D3DCCD1}">
+              <a14:hiddenFill xmlns:a14="http://schemas.microsoft.com/office/drawing/2010/main">
+                <a:solidFill>
+                  <a:schemeClr val="accent1"/>
+                </a:solidFill>
+              </a14:hiddenFill>
+            </a:ext>
+            <a:ext uri="{91240B29-F687-4F45-9708-019B960494DF}">
+              <a14:hiddenLine xmlns:a14="http://schemas.microsoft.com/office/drawing/2010/main" w="9525">
+                <a:solidFill>
+                  <a:schemeClr val="tx1"/>
+                </a:solidFill>
+                <a:miter lim="800000"/>
+                <a:headEnd/>
+                <a:tailEnd/>
+              </a14:hiddenLine>
+            </a:ext>
+            <a:ext uri="{AF507438-7753-43E0-B8FC-AC1667EBCBE1}">
+              <a14:hiddenEffects xmlns:a14="http://schemas.microsoft.com/office/drawing/2010/main">
+                <a:effectLst>
+                  <a:outerShdw dist="35921" dir="2700000" algn="ctr" rotWithShape="0">
+                    <a:schemeClr val="bg2"/>
+                  </a:outerShdw>
+                </a:effectLst>
+              </a14:hiddenEffects>
+            </a:ext>
+          </a:extLst>
+        </p:spPr>
+      </p:pic>
+      <p:sp>
+        <p:nvSpPr>
+          <p:cNvPr id="10" name="Content Placeholder 1"/>
+          <p:cNvSpPr>
+            <a:spLocks noGrp="1"/>
+          </p:cNvSpPr>
+          <p:nvPr>
+            <p:ph sz="half" idx="1"/>
+          </p:nvPr>
+        </p:nvSpPr>
+        <p:spPr>
+          <a:xfrm>
+            <a:off x="822960" y="1097280"/>
+            <a:ext cx="7330440" cy="3712464"/>
+          </a:xfrm>
+        </p:spPr>
+        <p:txBody>
+          <a:bodyPr>
+            <a:normAutofit/>
+          </a:bodyPr>
+          <a:lstStyle/>
+          <a:p>
+            <a:r>
+              <a:rPr lang="en-US" sz="1300" b="0" smtClean="0">
+                <a:latin typeface="Times New Roman" pitchFamily="18" charset="0"/>
+                <a:cs typeface="Times New Roman" pitchFamily="18" charset="0"/>
+              </a:rPr>
+              <a:t>Quản lý trong &lt;Tên project&gt;.rxtmg</a:t>
+            </a:r>
+          </a:p>
+          <a:p>
+            <a:pPr>
+              <a:buFontTx/>
+              <a:buChar char="-"/>
+            </a:pPr>
+            <a:r>
+              <a:rPr lang="en-US" sz="1300" b="0" smtClean="0">
+                <a:latin typeface="Times New Roman" pitchFamily="18" charset="0"/>
+                <a:cs typeface="Times New Roman" pitchFamily="18" charset="0"/>
+              </a:rPr>
+              <a:t>Nhóm các testcase có mối liên hệ với nhau lại.</a:t>
+            </a:r>
+          </a:p>
+          <a:p>
+            <a:pPr>
+              <a:buFontTx/>
+              <a:buChar char="-"/>
+            </a:pPr>
+            <a:r>
+              <a:rPr lang="en-US" sz="1300" b="0" smtClean="0">
+                <a:latin typeface="Times New Roman" pitchFamily="18" charset="0"/>
+                <a:cs typeface="Times New Roman" pitchFamily="18" charset="0"/>
+              </a:rPr>
+              <a:t>Được dùng trong các testcase.</a:t>
+            </a:r>
+          </a:p>
+          <a:p>
+            <a:pPr>
+              <a:buFontTx/>
+              <a:buChar char="-"/>
+            </a:pPr>
+            <a:r>
+              <a:rPr lang="en-US" sz="1300" b="0" smtClean="0">
+                <a:latin typeface="Times New Roman" pitchFamily="18" charset="0"/>
+                <a:cs typeface="Times New Roman" pitchFamily="18" charset="0"/>
+              </a:rPr>
+              <a:t>Phù hợp cho các quá trình liên tiếp nhau.</a:t>
+            </a:r>
+          </a:p>
+          <a:p>
+            <a:pPr>
+              <a:buFontTx/>
+              <a:buChar char="-"/>
+            </a:pPr>
+            <a:r>
+              <a:rPr lang="en-US" sz="1300" b="0" smtClean="0">
+                <a:latin typeface="Times New Roman" pitchFamily="18" charset="0"/>
+                <a:cs typeface="Times New Roman" pitchFamily="18" charset="0"/>
+              </a:rPr>
+              <a:t>Giúp dùng lại các record.</a:t>
+            </a:r>
+            <a:endParaRPr lang="en-US" sz="1300" dirty="0">
+              <a:latin typeface="Times New Roman" pitchFamily="18" charset="0"/>
+              <a:cs typeface="Times New Roman" pitchFamily="18" charset="0"/>
+            </a:endParaRPr>
+          </a:p>
+        </p:txBody>
+      </p:sp>
+      <p:pic>
+        <p:nvPicPr>
+          <p:cNvPr id="37891" name="Picture 3"/>
+          <p:cNvPicPr>
+            <a:picLocks noChangeAspect="1" noChangeArrowheads="1"/>
+          </p:cNvPicPr>
+          <p:nvPr/>
+        </p:nvPicPr>
+        <p:blipFill>
+          <a:blip r:embed="rId3">
+            <a:extLst>
+              <a:ext uri="{28A0092B-C50C-407E-A947-70E740481C1C}">
+                <a14:useLocalDpi xmlns:a14="http://schemas.microsoft.com/office/drawing/2010/main" val="0"/>
+              </a:ext>
+            </a:extLst>
+          </a:blip>
+          <a:srcRect/>
+          <a:stretch>
+            <a:fillRect/>
+          </a:stretch>
+        </p:blipFill>
+        <p:spPr bwMode="auto">
+          <a:xfrm>
+            <a:off x="4511675" y="3560311"/>
+            <a:ext cx="4629150" cy="3297689"/>
+          </a:xfrm>
+          <a:prstGeom prst="rect">
+            <a:avLst/>
+          </a:prstGeom>
+          <a:noFill/>
+          <a:ln>
+            <a:noFill/>
+          </a:ln>
+          <a:effectLst/>
+          <a:extLst>
+            <a:ext uri="{909E8E84-426E-40DD-AFC4-6F175D3DCCD1}">
+              <a14:hiddenFill xmlns:a14="http://schemas.microsoft.com/office/drawing/2010/main">
+                <a:solidFill>
+                  <a:schemeClr val="accent1"/>
+                </a:solidFill>
+              </a14:hiddenFill>
+            </a:ext>
+            <a:ext uri="{91240B29-F687-4F45-9708-019B960494DF}">
+              <a14:hiddenLine xmlns:a14="http://schemas.microsoft.com/office/drawing/2010/main" w="9525">
+                <a:solidFill>
+                  <a:schemeClr val="tx1"/>
+                </a:solidFill>
+                <a:miter lim="800000"/>
+                <a:headEnd/>
+                <a:tailEnd/>
+              </a14:hiddenLine>
+            </a:ext>
+            <a:ext uri="{AF507438-7753-43E0-B8FC-AC1667EBCBE1}">
+              <a14:hiddenEffects xmlns:a14="http://schemas.microsoft.com/office/drawing/2010/main">
+                <a:effectLst>
+                  <a:outerShdw dist="35921" dir="2700000" algn="ctr" rotWithShape="0">
+                    <a:schemeClr val="bg2"/>
+                  </a:outerShdw>
+                </a:effectLst>
+              </a14:hiddenEffects>
+            </a:ext>
+          </a:extLst>
+        </p:spPr>
+      </p:pic>
+    </p:spTree>
+    <p:extLst>
+      <p:ext uri="{BB962C8B-B14F-4D97-AF65-F5344CB8AC3E}">
+        <p14:creationId xmlns:p14="http://schemas.microsoft.com/office/powerpoint/2010/main" val="553389921"/>
+      </p:ext>
+    </p:extLst>
+  </p:cSld>
+  <p:clrMapOvr>
+    <a:masterClrMapping/>
+  </p:clrMapOvr>
+</p:sld>
+</file>
+
+<file path=ppt/slides/slide26.xml><?xml version="1.0" encoding="utf-8"?>
+<p:sld xmlns:a="http://schemas.openxmlformats.org/drawingml/2006/main" xmlns:r="http://schemas.openxmlformats.org/officeDocument/2006/relationships" xmlns:p="http://schemas.openxmlformats.org/presentationml/2006/main">
+  <p:cSld>
+    <p:spTree>
+      <p:nvGrpSpPr>
+        <p:cNvPr id="1" name=""/>
+        <p:cNvGrpSpPr/>
+        <p:nvPr/>
+      </p:nvGrpSpPr>
+      <p:grpSpPr>
+        <a:xfrm>
+          <a:off x="0" y="0"/>
+          <a:ext cx="0" cy="0"/>
+          <a:chOff x="0" y="0"/>
+          <a:chExt cx="0" cy="0"/>
+        </a:xfrm>
+      </p:grpSpPr>
+      <p:sp>
+        <p:nvSpPr>
+          <p:cNvPr id="4" name="Title 3"/>
+          <p:cNvSpPr>
+            <a:spLocks noGrp="1"/>
+          </p:cNvSpPr>
+          <p:nvPr>
+            <p:ph type="title"/>
+          </p:nvPr>
+        </p:nvSpPr>
+        <p:spPr>
+          <a:xfrm>
+            <a:off x="822960" y="76200"/>
+            <a:ext cx="7520940" cy="548640"/>
+          </a:xfrm>
+        </p:spPr>
+        <p:txBody>
+          <a:bodyPr/>
+          <a:lstStyle/>
+          <a:p>
+            <a:r>
+              <a:rPr lang="en-US" smtClean="0">
+                <a:latin typeface="Times New Roman" pitchFamily="18" charset="0"/>
+                <a:cs typeface="Times New Roman" pitchFamily="18" charset="0"/>
+              </a:rPr>
+              <a:t>TEST SUITE </a:t>
+            </a:r>
+            <a:r>
+              <a:rPr lang="en-US" smtClean="0">
+                <a:latin typeface="Times New Roman" pitchFamily="18" charset="0"/>
+                <a:cs typeface="Times New Roman" pitchFamily="18" charset="0"/>
+              </a:rPr>
+              <a:t>RANOREX(RUN)</a:t>
+            </a:r>
+            <a:endParaRPr lang="en-US">
+              <a:latin typeface="Times New Roman" pitchFamily="18" charset="0"/>
+              <a:cs typeface="Times New Roman" pitchFamily="18" charset="0"/>
+            </a:endParaRPr>
+          </a:p>
+        </p:txBody>
+      </p:sp>
+      <p:sp>
+        <p:nvSpPr>
+          <p:cNvPr id="10" name="Content Placeholder 1"/>
+          <p:cNvSpPr>
+            <a:spLocks noGrp="1"/>
+          </p:cNvSpPr>
+          <p:nvPr>
+            <p:ph sz="half" idx="1"/>
+          </p:nvPr>
+        </p:nvSpPr>
+        <p:spPr>
+          <a:xfrm>
+            <a:off x="822960" y="1097280"/>
+            <a:ext cx="7330440" cy="3712464"/>
+          </a:xfrm>
+        </p:spPr>
+        <p:txBody>
+          <a:bodyPr>
+            <a:normAutofit/>
+          </a:bodyPr>
+          <a:lstStyle/>
+          <a:p>
+            <a:r>
+              <a:rPr lang="en-US" sz="1300" b="0" smtClean="0">
+                <a:latin typeface="Times New Roman" pitchFamily="18" charset="0"/>
+                <a:cs typeface="Times New Roman" pitchFamily="18" charset="0"/>
+              </a:rPr>
+              <a:t>Quản lý trong &lt;Tên project&gt;.rxtmg</a:t>
+            </a:r>
+          </a:p>
+          <a:p>
+            <a:r>
+              <a:rPr lang="en-US" sz="1300" b="0" smtClean="0">
+                <a:latin typeface="Times New Roman" pitchFamily="18" charset="0"/>
+                <a:cs typeface="Times New Roman" pitchFamily="18" charset="0"/>
+              </a:rPr>
+              <a:t>Chạy Run</a:t>
+            </a:r>
+            <a:endParaRPr lang="en-US" sz="1300" b="0" smtClean="0">
+              <a:latin typeface="Times New Roman" pitchFamily="18" charset="0"/>
+              <a:cs typeface="Times New Roman" pitchFamily="18" charset="0"/>
+            </a:endParaRPr>
+          </a:p>
+        </p:txBody>
+      </p:sp>
+      <p:pic>
+        <p:nvPicPr>
+          <p:cNvPr id="39938" name="Picture 2"/>
+          <p:cNvPicPr>
+            <a:picLocks noChangeAspect="1" noChangeArrowheads="1"/>
+          </p:cNvPicPr>
+          <p:nvPr/>
+        </p:nvPicPr>
+        <p:blipFill>
+          <a:blip r:embed="rId2">
+            <a:extLst>
+              <a:ext uri="{28A0092B-C50C-407E-A947-70E740481C1C}">
+                <a14:useLocalDpi xmlns:a14="http://schemas.microsoft.com/office/drawing/2010/main" val="0"/>
+              </a:ext>
+            </a:extLst>
+          </a:blip>
+          <a:srcRect/>
+          <a:stretch>
+            <a:fillRect/>
+          </a:stretch>
+        </p:blipFill>
+        <p:spPr bwMode="auto">
+          <a:xfrm>
+            <a:off x="576263" y="3000375"/>
+            <a:ext cx="8067675" cy="3857625"/>
+          </a:xfrm>
+          <a:prstGeom prst="rect">
+            <a:avLst/>
+          </a:prstGeom>
+          <a:noFill/>
+          <a:ln>
+            <a:noFill/>
+          </a:ln>
+          <a:effectLst/>
+          <a:extLst>
+            <a:ext uri="{909E8E84-426E-40DD-AFC4-6F175D3DCCD1}">
+              <a14:hiddenFill xmlns:a14="http://schemas.microsoft.com/office/drawing/2010/main">
+                <a:solidFill>
+                  <a:schemeClr val="accent1"/>
+                </a:solidFill>
+              </a14:hiddenFill>
+            </a:ext>
+            <a:ext uri="{91240B29-F687-4F45-9708-019B960494DF}">
+              <a14:hiddenLine xmlns:a14="http://schemas.microsoft.com/office/drawing/2010/main" w="9525">
+                <a:solidFill>
+                  <a:schemeClr val="tx1"/>
+                </a:solidFill>
+                <a:miter lim="800000"/>
+                <a:headEnd/>
+                <a:tailEnd/>
+              </a14:hiddenLine>
+            </a:ext>
+            <a:ext uri="{AF507438-7753-43E0-B8FC-AC1667EBCBE1}">
+              <a14:hiddenEffects xmlns:a14="http://schemas.microsoft.com/office/drawing/2010/main">
+                <a:effectLst>
+                  <a:outerShdw dist="35921" dir="2700000" algn="ctr" rotWithShape="0">
+                    <a:schemeClr val="bg2"/>
+                  </a:outerShdw>
+                </a:effectLst>
+              </a14:hiddenEffects>
+            </a:ext>
+          </a:extLst>
+        </p:spPr>
+      </p:pic>
+    </p:spTree>
+    <p:extLst>
+      <p:ext uri="{BB962C8B-B14F-4D97-AF65-F5344CB8AC3E}">
+        <p14:creationId xmlns:p14="http://schemas.microsoft.com/office/powerpoint/2010/main" val="2315181801"/>
+      </p:ext>
+    </p:extLst>
+  </p:cSld>
+  <p:clrMapOvr>
+    <a:masterClrMapping/>
+  </p:clrMapOvr>
+</p:sld>
+</file>
+
+<file path=ppt/slides/slide27.xml><?xml version="1.0" encoding="utf-8"?>
 <p:sld xmlns:a="http://schemas.openxmlformats.org/drawingml/2006/main" xmlns:r="http://schemas.openxmlformats.org/officeDocument/2006/relationships" xmlns:p="http://schemas.openxmlformats.org/presentationml/2006/main">
   <p:cSld>
     <p:spTree>
@@ -13780,8 +15018,8 @@
 </p:sld>
 </file>
 
-<file path=ppt/slides/slide26.xml><?xml version="1.0" encoding="utf-8"?>
-<p:sld xmlns:a="http://schemas.openxmlformats.org/drawingml/2006/main" xmlns:r="http://schemas.openxmlformats.org/officeDocument/2006/relationships" xmlns:p="http://schemas.openxmlformats.org/presentationml/2006/main">
+<file path=ppt/slides/slide28.xml><?xml version="1.0" encoding="utf-8"?>
+<p:sld xmlns:a="http://schemas.openxmlformats.org/drawingml/2006/main" xmlns:r="http://schemas.openxmlformats.org/officeDocument/2006/relationships" xmlns:p="http://schemas.openxmlformats.org/presentationml/2006/main" show="0">
   <p:cSld>
     <p:spTree>
       <p:nvGrpSpPr>
@@ -14873,17 +16111,25 @@
     </p:spTree>
     <p:extLst>
       <p:ext uri="{BB962C8B-B14F-4D97-AF65-F5344CB8AC3E}">
-        <p14:creationId xmlns:p14="http://schemas.microsoft.com/office/powerpoint/2010/main" xmlns="" val="1721387239"/>
+        <p14:creationId xmlns:p14="http://schemas.microsoft.com/office/powerpoint/2010/main" val="1721387239"/>
       </p:ext>
     </p:extLst>
   </p:cSld>
   <p:clrMapOvr>
     <a:masterClrMapping/>
   </p:clrMapOvr>
+  <mc:AlternateContent xmlns:mc="http://schemas.openxmlformats.org/markup-compatibility/2006">
+    <mc:Choice xmlns:p14="http://schemas.microsoft.com/office/powerpoint/2010/main" Requires="p14">
+      <p:transition spd="slow" p14:dur="2000"/>
+    </mc:Choice>
+    <mc:Fallback>
+      <p:transition spd="slow"/>
+    </mc:Fallback>
+  </mc:AlternateContent>
 </p:sld>
 </file>
 
-<file path=ppt/slides/slide27.xml><?xml version="1.0" encoding="utf-8"?>
+<file path=ppt/slides/slide29.xml><?xml version="1.0" encoding="utf-8"?>
 <p:sld xmlns:a="http://schemas.openxmlformats.org/drawingml/2006/main" xmlns:r="http://schemas.openxmlformats.org/officeDocument/2006/relationships" xmlns:p="http://schemas.openxmlformats.org/presentationml/2006/main">
   <p:cSld>
     <p:spTree>
@@ -14972,7 +16218,7 @@
           <a:blip r:embed="rId2">
             <a:extLst>
               <a:ext uri="{28A0092B-C50C-407E-A947-70E740481C1C}">
-                <a14:useLocalDpi xmlns:a14="http://schemas.microsoft.com/office/drawing/2010/main" xmlns="" val="0"/>
+                <a14:useLocalDpi xmlns:a14="http://schemas.microsoft.com/office/drawing/2010/main" val="0"/>
               </a:ext>
             </a:extLst>
           </a:blip>
@@ -14996,14 +16242,14 @@
           <a:effectLst/>
           <a:extLst>
             <a:ext uri="{909E8E84-426E-40DD-AFC4-6F175D3DCCD1}">
-              <a14:hiddenFill xmlns:a14="http://schemas.microsoft.com/office/drawing/2010/main" xmlns="">
+              <a14:hiddenFill xmlns:a14="http://schemas.microsoft.com/office/drawing/2010/main">
                 <a:solidFill>
                   <a:schemeClr val="accent1"/>
                 </a:solidFill>
               </a14:hiddenFill>
             </a:ext>
             <a:ext uri="{91240B29-F687-4F45-9708-019B960494DF}">
-              <a14:hiddenLine xmlns:a14="http://schemas.microsoft.com/office/drawing/2010/main" xmlns="" w="9525">
+              <a14:hiddenLine xmlns:a14="http://schemas.microsoft.com/office/drawing/2010/main" w="9525">
                 <a:solidFill>
                   <a:schemeClr val="tx1"/>
                 </a:solidFill>
@@ -15013,7 +16259,7 @@
               </a14:hiddenLine>
             </a:ext>
             <a:ext uri="{AF507438-7753-43E0-B8FC-AC1667EBCBE1}">
-              <a14:hiddenEffects xmlns:a14="http://schemas.microsoft.com/office/drawing/2010/main" xmlns="">
+              <a14:hiddenEffects xmlns:a14="http://schemas.microsoft.com/office/drawing/2010/main">
                 <a:effectLst>
                   <a:outerShdw dist="35921" dir="2700000" algn="ctr" rotWithShape="0">
                     <a:schemeClr val="bg2"/>
@@ -15210,65 +16456,7 @@
     </p:spTree>
     <p:extLst>
       <p:ext uri="{BB962C8B-B14F-4D97-AF65-F5344CB8AC3E}">
-        <p14:creationId xmlns:p14="http://schemas.microsoft.com/office/powerpoint/2010/main" xmlns="" val="123476170"/>
-      </p:ext>
-    </p:extLst>
-  </p:cSld>
-  <p:clrMapOvr>
-    <a:masterClrMapping/>
-  </p:clrMapOvr>
-</p:sld>
-</file>
-
-<file path=ppt/slides/slide28.xml><?xml version="1.0" encoding="utf-8"?>
-<p:sld xmlns:a="http://schemas.openxmlformats.org/drawingml/2006/main" xmlns:r="http://schemas.openxmlformats.org/officeDocument/2006/relationships" xmlns:p="http://schemas.openxmlformats.org/presentationml/2006/main">
-  <p:cSld>
-    <p:spTree>
-      <p:nvGrpSpPr>
-        <p:cNvPr id="1" name=""/>
-        <p:cNvGrpSpPr/>
-        <p:nvPr/>
-      </p:nvGrpSpPr>
-      <p:grpSpPr>
-        <a:xfrm>
-          <a:off x="0" y="0"/>
-          <a:ext cx="0" cy="0"/>
-          <a:chOff x="0" y="0"/>
-          <a:chExt cx="0" cy="0"/>
-        </a:xfrm>
-      </p:grpSpPr>
-      <p:sp>
-        <p:nvSpPr>
-          <p:cNvPr id="4" name="Title 3"/>
-          <p:cNvSpPr>
-            <a:spLocks noGrp="1"/>
-          </p:cNvSpPr>
-          <p:nvPr>
-            <p:ph type="title"/>
-          </p:nvPr>
-        </p:nvSpPr>
-        <p:spPr>
-          <a:xfrm>
-            <a:off x="2209800" y="2895600"/>
-            <a:ext cx="4724400" cy="548640"/>
-          </a:xfrm>
-        </p:spPr>
-        <p:txBody>
-          <a:bodyPr/>
-          <a:lstStyle/>
-          <a:p>
-            <a:r>
-              <a:rPr lang="en-US" sz="10000" smtClean="0"/>
-              <a:t>ThANKS</a:t>
-            </a:r>
-            <a:endParaRPr lang="en-US" sz="10000"/>
-          </a:p>
-        </p:txBody>
-      </p:sp>
-    </p:spTree>
-    <p:extLst>
-      <p:ext uri="{BB962C8B-B14F-4D97-AF65-F5344CB8AC3E}">
-        <p14:creationId xmlns:p14="http://schemas.microsoft.com/office/powerpoint/2010/main" xmlns="" val="2579548298"/>
+        <p14:creationId xmlns:p14="http://schemas.microsoft.com/office/powerpoint/2010/main" val="123476170"/>
       </p:ext>
     </p:extLst>
   </p:cSld>
@@ -16277,6 +17465,64 @@
         </p:txBody>
       </p:sp>
     </p:spTree>
+  </p:cSld>
+  <p:clrMapOvr>
+    <a:masterClrMapping/>
+  </p:clrMapOvr>
+</p:sld>
+</file>
+
+<file path=ppt/slides/slide30.xml><?xml version="1.0" encoding="utf-8"?>
+<p:sld xmlns:a="http://schemas.openxmlformats.org/drawingml/2006/main" xmlns:r="http://schemas.openxmlformats.org/officeDocument/2006/relationships" xmlns:p="http://schemas.openxmlformats.org/presentationml/2006/main">
+  <p:cSld>
+    <p:spTree>
+      <p:nvGrpSpPr>
+        <p:cNvPr id="1" name=""/>
+        <p:cNvGrpSpPr/>
+        <p:nvPr/>
+      </p:nvGrpSpPr>
+      <p:grpSpPr>
+        <a:xfrm>
+          <a:off x="0" y="0"/>
+          <a:ext cx="0" cy="0"/>
+          <a:chOff x="0" y="0"/>
+          <a:chExt cx="0" cy="0"/>
+        </a:xfrm>
+      </p:grpSpPr>
+      <p:sp>
+        <p:nvSpPr>
+          <p:cNvPr id="4" name="Title 3"/>
+          <p:cNvSpPr>
+            <a:spLocks noGrp="1"/>
+          </p:cNvSpPr>
+          <p:nvPr>
+            <p:ph type="title"/>
+          </p:nvPr>
+        </p:nvSpPr>
+        <p:spPr>
+          <a:xfrm>
+            <a:off x="2209800" y="2895600"/>
+            <a:ext cx="4724400" cy="548640"/>
+          </a:xfrm>
+        </p:spPr>
+        <p:txBody>
+          <a:bodyPr/>
+          <a:lstStyle/>
+          <a:p>
+            <a:r>
+              <a:rPr lang="en-US" sz="10000" smtClean="0"/>
+              <a:t>ThANKS</a:t>
+            </a:r>
+            <a:endParaRPr lang="en-US" sz="10000"/>
+          </a:p>
+        </p:txBody>
+      </p:sp>
+    </p:spTree>
+    <p:extLst>
+      <p:ext uri="{BB962C8B-B14F-4D97-AF65-F5344CB8AC3E}">
+        <p14:creationId xmlns:p14="http://schemas.microsoft.com/office/powerpoint/2010/main" val="2579548298"/>
+      </p:ext>
+    </p:extLst>
   </p:cSld>
   <p:clrMapOvr>
     <a:masterClrMapping/>

--- a/auto-test/Android Autotest Tool.pptx
+++ b/auto-test/Android Autotest Tool.pptx
@@ -4931,6 +4931,13 @@
   <p:clrMapOvr>
     <a:masterClrMapping/>
   </p:clrMapOvr>
+  <p:timing>
+    <p:tnLst>
+      <p:par>
+        <p:cTn id="1" dur="indefinite" restart="never" nodeType="tmRoot"/>
+      </p:par>
+    </p:tnLst>
+  </p:timing>
 </p:sld>
 </file>
 
@@ -5220,6 +5227,13 @@
   <p:clrMapOvr>
     <a:masterClrMapping/>
   </p:clrMapOvr>
+  <p:timing>
+    <p:tnLst>
+      <p:par>
+        <p:cTn id="1" dur="indefinite" restart="never" nodeType="tmRoot"/>
+      </p:par>
+    </p:tnLst>
+  </p:timing>
 </p:sld>
 </file>
 
@@ -6593,6 +6607,13 @@
   <p:clrMapOvr>
     <a:masterClrMapping/>
   </p:clrMapOvr>
+  <p:timing>
+    <p:tnLst>
+      <p:par>
+        <p:cTn id="1" dur="indefinite" restart="never" nodeType="tmRoot"/>
+      </p:par>
+    </p:tnLst>
+  </p:timing>
 </p:sld>
 </file>
 
@@ -7166,6 +7187,13 @@
   <p:clrMapOvr>
     <a:masterClrMapping/>
   </p:clrMapOvr>
+  <p:timing>
+    <p:tnLst>
+      <p:par>
+        <p:cTn id="1" dur="indefinite" restart="never" nodeType="tmRoot"/>
+      </p:par>
+    </p:tnLst>
+  </p:timing>
 </p:sld>
 </file>
 
@@ -7264,6 +7292,13 @@
   <p:clrMapOvr>
     <a:masterClrMapping/>
   </p:clrMapOvr>
+  <p:timing>
+    <p:tnLst>
+      <p:par>
+        <p:cTn id="1" dur="indefinite" restart="never" nodeType="tmRoot"/>
+      </p:par>
+    </p:tnLst>
+  </p:timing>
 </p:sld>
 </file>
 
@@ -7548,6 +7583,13 @@
   <p:clrMapOvr>
     <a:masterClrMapping/>
   </p:clrMapOvr>
+  <p:timing>
+    <p:tnLst>
+      <p:par>
+        <p:cTn id="1" dur="indefinite" restart="never" nodeType="tmRoot"/>
+      </p:par>
+    </p:tnLst>
+  </p:timing>
 </p:sld>
 </file>
 
@@ -8736,6 +8778,13 @@
       <p:transition spd="slow"/>
     </mc:Fallback>
   </mc:AlternateContent>
+  <p:timing>
+    <p:tnLst>
+      <p:par>
+        <p:cTn id="1" dur="indefinite" restart="never" nodeType="tmRoot"/>
+      </p:par>
+    </p:tnLst>
+  </p:timing>
 </p:sld>
 </file>
 
@@ -8908,7 +8957,7 @@
           <a:graphicData uri="http://schemas.openxmlformats.org/presentationml/2006/ole">
             <mc:AlternateContent xmlns:mc="http://schemas.openxmlformats.org/markup-compatibility/2006">
               <mc:Choice xmlns:v="urn:schemas-microsoft-com:vml" Requires="v">
-                <p:oleObj spid="_x0000_s35896" name="Image" r:id="rId3" imgW="7315200" imgH="5486400" progId="">
+                <p:oleObj spid="_x0000_s35898" name="Image" r:id="rId3" imgW="7315200" imgH="5486400" progId="">
                   <p:embed/>
                 </p:oleObj>
               </mc:Choice>
@@ -9047,7 +9096,7 @@
           <a:graphicData uri="http://schemas.openxmlformats.org/presentationml/2006/ole">
             <mc:AlternateContent xmlns:mc="http://schemas.openxmlformats.org/markup-compatibility/2006">
               <mc:Choice xmlns:v="urn:schemas-microsoft-com:vml" Requires="v">
-                <p:oleObj spid="_x0000_s35897" name="Image" r:id="rId5" imgW="3657600" imgH="3657600" progId="">
+                <p:oleObj spid="_x0000_s35899" name="Image" r:id="rId5" imgW="3657600" imgH="3657600" progId="">
                   <p:embed/>
                 </p:oleObj>
               </mc:Choice>
@@ -9343,6 +9392,13 @@
       <p:transition spd="slow"/>
     </mc:Fallback>
   </mc:AlternateContent>
+  <p:timing>
+    <p:tnLst>
+      <p:par>
+        <p:cTn id="1" dur="indefinite" restart="never" nodeType="tmRoot"/>
+      </p:par>
+    </p:tnLst>
+  </p:timing>
 </p:sld>
 </file>
 
@@ -9515,7 +9571,7 @@
           <a:graphicData uri="http://schemas.openxmlformats.org/presentationml/2006/ole">
             <mc:AlternateContent xmlns:mc="http://schemas.openxmlformats.org/markup-compatibility/2006">
               <mc:Choice xmlns:v="urn:schemas-microsoft-com:vml" Requires="v">
-                <p:oleObj spid="_x0000_s36893" name="Image" r:id="rId3" imgW="8229600" imgH="5486400" progId="">
+                <p:oleObj spid="_x0000_s36894" name="Image" r:id="rId3" imgW="8229600" imgH="5486400" progId="">
                   <p:embed/>
                 </p:oleObj>
               </mc:Choice>
@@ -9587,6 +9643,13 @@
       <p:transition spd="slow"/>
     </mc:Fallback>
   </mc:AlternateContent>
+  <p:timing>
+    <p:tnLst>
+      <p:par>
+        <p:cTn id="1" dur="indefinite" restart="never" nodeType="tmRoot"/>
+      </p:par>
+    </p:tnLst>
+  </p:timing>
 </p:sld>
 </file>
 
@@ -11089,6 +11152,13 @@
   <p:clrMapOvr>
     <a:masterClrMapping/>
   </p:clrMapOvr>
+  <p:timing>
+    <p:tnLst>
+      <p:par>
+        <p:cTn id="1" dur="indefinite" restart="never" nodeType="tmRoot"/>
+      </p:par>
+    </p:tnLst>
+  </p:timing>
 </p:sld>
 </file>
 
@@ -11241,6 +11311,13 @@
     <a:masterClrMapping/>
   </p:clrMapOvr>
   <p:transition/>
+  <p:timing>
+    <p:tnLst>
+      <p:par>
+        <p:cTn id="1" dur="indefinite" restart="never" nodeType="tmRoot"/>
+      </p:par>
+    </p:tnLst>
+  </p:timing>
 </p:sld>
 </file>
 
@@ -12268,6 +12345,13 @@
   <p:clrMapOvr>
     <a:masterClrMapping/>
   </p:clrMapOvr>
+  <p:timing>
+    <p:tnLst>
+      <p:par>
+        <p:cTn id="1" dur="indefinite" restart="never" nodeType="tmRoot"/>
+      </p:par>
+    </p:tnLst>
+  </p:timing>
 </p:sld>
 </file>
 
@@ -12395,7 +12479,7 @@
           <a:graphicData uri="http://schemas.openxmlformats.org/presentationml/2006/ole">
             <mc:AlternateContent xmlns:mc="http://schemas.openxmlformats.org/markup-compatibility/2006">
               <mc:Choice xmlns:v="urn:schemas-microsoft-com:vml" Requires="v">
-                <p:oleObj spid="_x0000_s1108" r:id="rId3" imgW="7315200" imgH="914400" progId="">
+                <p:oleObj spid="_x0000_s1110" r:id="rId3" imgW="7315200" imgH="914400" progId="">
                   <p:embed/>
                 </p:oleObj>
               </mc:Choice>
@@ -12661,7 +12745,7 @@
           <a:graphicData uri="http://schemas.openxmlformats.org/presentationml/2006/ole">
             <mc:AlternateContent xmlns:mc="http://schemas.openxmlformats.org/markup-compatibility/2006">
               <mc:Choice xmlns:v="urn:schemas-microsoft-com:vml" Requires="v">
-                <p:oleObj spid="_x0000_s1109" name="Image" r:id="rId6" imgW="7315200" imgH="4572000" progId="">
+                <p:oleObj spid="_x0000_s1111" name="Image" r:id="rId6" imgW="7315200" imgH="4572000" progId="">
                   <p:embed/>
                 </p:oleObj>
               </mc:Choice>
@@ -12789,6 +12873,13 @@
   <p:clrMapOvr>
     <a:masterClrMapping/>
   </p:clrMapOvr>
+  <p:timing>
+    <p:tnLst>
+      <p:par>
+        <p:cTn id="1" dur="indefinite" restart="never" nodeType="tmRoot"/>
+      </p:par>
+    </p:tnLst>
+  </p:timing>
 </p:sld>
 </file>
 
@@ -13001,7 +13092,7 @@
           <a:graphicData uri="http://schemas.openxmlformats.org/presentationml/2006/ole">
             <mc:AlternateContent xmlns:mc="http://schemas.openxmlformats.org/markup-compatibility/2006">
               <mc:Choice xmlns:v="urn:schemas-microsoft-com:vml" Requires="v">
-                <p:oleObj spid="_x0000_s2169" name="Image" r:id="rId3" imgW="5486400" imgH="5486400" progId="">
+                <p:oleObj spid="_x0000_s2172" name="Image" r:id="rId3" imgW="5486400" imgH="5486400" progId="">
                   <p:embed/>
                 </p:oleObj>
               </mc:Choice>
@@ -13131,7 +13222,7 @@
           <a:graphicData uri="http://schemas.openxmlformats.org/presentationml/2006/ole">
             <mc:AlternateContent xmlns:mc="http://schemas.openxmlformats.org/markup-compatibility/2006">
               <mc:Choice xmlns:v="urn:schemas-microsoft-com:vml" Requires="v">
-                <p:oleObj spid="_x0000_s2170" name="Image" r:id="rId5" imgW="5486400" imgH="4572000" progId="">
+                <p:oleObj spid="_x0000_s2173" name="Image" r:id="rId5" imgW="5486400" imgH="4572000" progId="">
                   <p:embed/>
                 </p:oleObj>
               </mc:Choice>
@@ -13270,7 +13361,7 @@
           <a:graphicData uri="http://schemas.openxmlformats.org/presentationml/2006/ole">
             <mc:AlternateContent xmlns:mc="http://schemas.openxmlformats.org/markup-compatibility/2006">
               <mc:Choice xmlns:v="urn:schemas-microsoft-com:vml" Requires="v">
-                <p:oleObj spid="_x0000_s2171" name="Image" r:id="rId7" imgW="5486400" imgH="3657600" progId="">
+                <p:oleObj spid="_x0000_s2174" name="Image" r:id="rId7" imgW="5486400" imgH="3657600" progId="">
                   <p:embed/>
                 </p:oleObj>
               </mc:Choice>
@@ -13325,6 +13416,13 @@
   <p:clrMapOvr>
     <a:masterClrMapping/>
   </p:clrMapOvr>
+  <p:timing>
+    <p:tnLst>
+      <p:par>
+        <p:cTn id="1" dur="indefinite" restart="never" nodeType="tmRoot"/>
+      </p:par>
+    </p:tnLst>
+  </p:timing>
 </p:sld>
 </file>
 
@@ -13525,6 +13623,13 @@
   <p:clrMapOvr>
     <a:masterClrMapping/>
   </p:clrMapOvr>
+  <p:timing>
+    <p:tnLst>
+      <p:par>
+        <p:cTn id="1" dur="indefinite" restart="never" nodeType="tmRoot"/>
+      </p:par>
+    </p:tnLst>
+  </p:timing>
 </p:sld>
 </file>
 
@@ -13926,6 +14031,13 @@
   <p:clrMapOvr>
     <a:masterClrMapping/>
   </p:clrMapOvr>
+  <p:timing>
+    <p:tnLst>
+      <p:par>
+        <p:cTn id="1" dur="indefinite" restart="never" nodeType="tmRoot"/>
+      </p:par>
+    </p:tnLst>
+  </p:timing>
 </p:sld>
 </file>
 
@@ -14385,6 +14497,13 @@
   <p:clrMapOvr>
     <a:masterClrMapping/>
   </p:clrMapOvr>
+  <p:timing>
+    <p:tnLst>
+      <p:par>
+        <p:cTn id="1" dur="indefinite" restart="never" nodeType="tmRoot"/>
+      </p:par>
+    </p:tnLst>
+  </p:timing>
 </p:sld>
 </file>
 
@@ -14672,6 +14791,13 @@
   <p:clrMapOvr>
     <a:masterClrMapping/>
   </p:clrMapOvr>
+  <p:timing>
+    <p:tnLst>
+      <p:par>
+        <p:cTn id="1" dur="indefinite" restart="never" nodeType="tmRoot"/>
+      </p:par>
+    </p:tnLst>
+  </p:timing>
 </p:sld>
 </file>
 
@@ -14852,11 +14978,18 @@
   <p:clrMapOvr>
     <a:masterClrMapping/>
   </p:clrMapOvr>
+  <p:timing>
+    <p:tnLst>
+      <p:par>
+        <p:cTn id="1" dur="indefinite" restart="never" nodeType="tmRoot"/>
+      </p:par>
+    </p:tnLst>
+  </p:timing>
 </p:sld>
 </file>
 
 <file path=ppt/slides/slide27.xml><?xml version="1.0" encoding="utf-8"?>
-<p:sld xmlns:a="http://schemas.openxmlformats.org/drawingml/2006/main" xmlns:r="http://schemas.openxmlformats.org/officeDocument/2006/relationships" xmlns:p="http://schemas.openxmlformats.org/presentationml/2006/main">
+<p:sld xmlns:a="http://schemas.openxmlformats.org/drawingml/2006/main" xmlns:r="http://schemas.openxmlformats.org/officeDocument/2006/relationships" xmlns:p="http://schemas.openxmlformats.org/presentationml/2006/main" show="0">
   <p:cSld>
     <p:spTree>
       <p:nvGrpSpPr>
@@ -15015,6 +15148,21 @@
   <p:clrMapOvr>
     <a:masterClrMapping/>
   </p:clrMapOvr>
+  <mc:AlternateContent xmlns:mc="http://schemas.openxmlformats.org/markup-compatibility/2006">
+    <mc:Choice xmlns:p14="http://schemas.microsoft.com/office/powerpoint/2010/main" Requires="p14">
+      <p:transition spd="slow" p14:dur="2000"/>
+    </mc:Choice>
+    <mc:Fallback>
+      <p:transition spd="slow"/>
+    </mc:Fallback>
+  </mc:AlternateContent>
+  <p:timing>
+    <p:tnLst>
+      <p:par>
+        <p:cTn id="1" dur="indefinite" restart="never" nodeType="tmRoot"/>
+      </p:par>
+    </p:tnLst>
+  </p:timing>
 </p:sld>
 </file>
 
@@ -16126,6 +16274,13 @@
       <p:transition spd="slow"/>
     </mc:Fallback>
   </mc:AlternateContent>
+  <p:timing>
+    <p:tnLst>
+      <p:par>
+        <p:cTn id="1" dur="indefinite" restart="never" nodeType="tmRoot"/>
+      </p:par>
+    </p:tnLst>
+  </p:timing>
 </p:sld>
 </file>
 
@@ -16463,6 +16618,13 @@
   <p:clrMapOvr>
     <a:masterClrMapping/>
   </p:clrMapOvr>
+  <p:timing>
+    <p:tnLst>
+      <p:par>
+        <p:cTn id="1" dur="indefinite" restart="never" nodeType="tmRoot"/>
+      </p:par>
+    </p:tnLst>
+  </p:timing>
 </p:sld>
 </file>
 
@@ -17469,6 +17631,13 @@
   <p:clrMapOvr>
     <a:masterClrMapping/>
   </p:clrMapOvr>
+  <p:timing>
+    <p:tnLst>
+      <p:par>
+        <p:cTn id="1" dur="indefinite" restart="never" nodeType="tmRoot"/>
+      </p:par>
+    </p:tnLst>
+  </p:timing>
 </p:sld>
 </file>
 
@@ -17527,6 +17696,13 @@
   <p:clrMapOvr>
     <a:masterClrMapping/>
   </p:clrMapOvr>
+  <p:timing>
+    <p:tnLst>
+      <p:par>
+        <p:cTn id="1" dur="indefinite" restart="never" nodeType="tmRoot"/>
+      </p:par>
+    </p:tnLst>
+  </p:timing>
 </p:sld>
 </file>
 
@@ -18564,6 +18740,13 @@
   <p:clrMapOvr>
     <a:masterClrMapping/>
   </p:clrMapOvr>
+  <p:timing>
+    <p:tnLst>
+      <p:par>
+        <p:cTn id="1" dur="indefinite" restart="never" nodeType="tmRoot"/>
+      </p:par>
+    </p:tnLst>
+  </p:timing>
 </p:sld>
 </file>
 
@@ -19839,6 +20022,13 @@
   <p:clrMapOvr>
     <a:masterClrMapping/>
   </p:clrMapOvr>
+  <p:timing>
+    <p:tnLst>
+      <p:par>
+        <p:cTn id="1" dur="indefinite" restart="never" nodeType="tmRoot"/>
+      </p:par>
+    </p:tnLst>
+  </p:timing>
 </p:sld>
 </file>
 
@@ -20979,6 +21169,13 @@
   <p:clrMapOvr>
     <a:masterClrMapping/>
   </p:clrMapOvr>
+  <p:timing>
+    <p:tnLst>
+      <p:par>
+        <p:cTn id="1" dur="indefinite" restart="never" nodeType="tmRoot"/>
+      </p:par>
+    </p:tnLst>
+  </p:timing>
 </p:sld>
 </file>
 
@@ -21584,6 +21781,13 @@
   <p:clrMapOvr>
     <a:masterClrMapping/>
   </p:clrMapOvr>
+  <p:timing>
+    <p:tnLst>
+      <p:par>
+        <p:cTn id="1" dur="indefinite" restart="never" nodeType="tmRoot"/>
+      </p:par>
+    </p:tnLst>
+  </p:timing>
 </p:sld>
 </file>
 
@@ -21708,6 +21912,13 @@
   <p:clrMapOvr>
     <a:masterClrMapping/>
   </p:clrMapOvr>
+  <p:timing>
+    <p:tnLst>
+      <p:par>
+        <p:cTn id="1" dur="indefinite" restart="never" nodeType="tmRoot"/>
+      </p:par>
+    </p:tnLst>
+  </p:timing>
 </p:sld>
 </file>
 
@@ -21904,6 +22115,13 @@
   <p:clrMapOvr>
     <a:masterClrMapping/>
   </p:clrMapOvr>
+  <p:timing>
+    <p:tnLst>
+      <p:par>
+        <p:cTn id="1" dur="indefinite" restart="never" nodeType="tmRoot"/>
+      </p:par>
+    </p:tnLst>
+  </p:timing>
 </p:sld>
 </file>
 
